--- a/Doc/Semantische Datenbanken_bfh.pptx
+++ b/Doc/Semantische Datenbanken_bfh.pptx
@@ -5,10 +5,10 @@
     <p:sldMasterId id="2147483669" r:id="rId4"/>
   </p:sldMasterIdLst>
   <p:notesMasterIdLst>
-    <p:notesMasterId r:id="rId25"/>
+    <p:notesMasterId r:id="rId19"/>
   </p:notesMasterIdLst>
   <p:handoutMasterIdLst>
-    <p:handoutMasterId r:id="rId26"/>
+    <p:handoutMasterId r:id="rId20"/>
   </p:handoutMasterIdLst>
   <p:sldIdLst>
     <p:sldId id="259" r:id="rId5"/>
@@ -18,22 +18,16 @@
     <p:sldId id="272" r:id="rId9"/>
     <p:sldId id="273" r:id="rId10"/>
     <p:sldId id="274" r:id="rId11"/>
-    <p:sldId id="275" r:id="rId12"/>
-    <p:sldId id="276" r:id="rId13"/>
-    <p:sldId id="277" r:id="rId14"/>
-    <p:sldId id="278" r:id="rId15"/>
-    <p:sldId id="279" r:id="rId16"/>
-    <p:sldId id="257" r:id="rId17"/>
-    <p:sldId id="256" r:id="rId18"/>
-    <p:sldId id="262" r:id="rId19"/>
-    <p:sldId id="258" r:id="rId20"/>
-    <p:sldId id="265" r:id="rId21"/>
-    <p:sldId id="264" r:id="rId22"/>
-    <p:sldId id="269" r:id="rId23"/>
-    <p:sldId id="266" r:id="rId24"/>
+    <p:sldId id="280" r:id="rId12"/>
+    <p:sldId id="277" r:id="rId13"/>
+    <p:sldId id="275" r:id="rId14"/>
+    <p:sldId id="276" r:id="rId15"/>
+    <p:sldId id="278" r:id="rId16"/>
+    <p:sldId id="279" r:id="rId17"/>
+    <p:sldId id="257" r:id="rId18"/>
   </p:sldIdLst>
   <p:sldSz cx="9144000" cy="6858000" type="screen4x3"/>
-  <p:notesSz cx="6797675" cy="9872663"/>
+  <p:notesSz cx="7099300" cy="10234613"/>
   <p:defaultTextStyle>
     <a:defPPr>
       <a:defRPr lang="de-DE"/>
@@ -176,12 +170,12 @@
     </p:ext>
     <p:ext uri="{2D200454-40CA-4A62-9FC3-DE9A4176ACB9}">
       <p15:notesGuideLst xmlns:p15="http://schemas.microsoft.com/office/powerpoint/2012/main">
-        <p15:guide id="1" orient="horz" pos="3110">
+        <p15:guide id="1" orient="horz" pos="3224" userDrawn="1">
           <p15:clr>
             <a:srgbClr val="A4A3A4"/>
           </p15:clr>
         </p15:guide>
-        <p15:guide id="2" pos="2141">
+        <p15:guide id="2" pos="2237" userDrawn="1">
           <p15:clr>
             <a:srgbClr val="A4A3A4"/>
           </p15:clr>
@@ -226,15 +220,15 @@
         </p:nvSpPr>
         <p:spPr>
           <a:xfrm>
-            <a:off x="0" y="0"/>
-            <a:ext cx="2945659" cy="493633"/>
+            <a:off x="1" y="2"/>
+            <a:ext cx="3076363" cy="511730"/>
           </a:xfrm>
           <a:prstGeom prst="rect">
             <a:avLst/>
           </a:prstGeom>
         </p:spPr>
         <p:txBody>
-          <a:bodyPr vert="horz" lIns="91440" tIns="45720" rIns="91440" bIns="45720" rtlCol="0"/>
+          <a:bodyPr vert="horz" lIns="95067" tIns="47534" rIns="95067" bIns="47534" rtlCol="0"/>
           <a:lstStyle>
             <a:lvl1pPr algn="l">
               <a:defRPr sz="1200"/>
@@ -257,15 +251,15 @@
         </p:nvSpPr>
         <p:spPr>
           <a:xfrm>
-            <a:off x="3850443" y="0"/>
-            <a:ext cx="2945659" cy="493633"/>
+            <a:off x="4021295" y="2"/>
+            <a:ext cx="3076363" cy="511730"/>
           </a:xfrm>
           <a:prstGeom prst="rect">
             <a:avLst/>
           </a:prstGeom>
         </p:spPr>
         <p:txBody>
-          <a:bodyPr vert="horz" lIns="91440" tIns="45720" rIns="91440" bIns="45720" rtlCol="0"/>
+          <a:bodyPr vert="horz" lIns="95067" tIns="47534" rIns="95067" bIns="47534" rtlCol="0"/>
           <a:lstStyle>
             <a:lvl1pPr algn="r">
               <a:defRPr sz="1200"/>
@@ -274,7 +268,7 @@
           <a:p>
             <a:fld id="{EFA0D184-D464-48E9-9CA0-A94E873F6C2C}" type="datetimeFigureOut">
               <a:rPr lang="de-CH" smtClean="0"/>
-              <a:t>30.12.2014</a:t>
+              <a:t>14.01.2015</a:t>
             </a:fld>
             <a:endParaRPr lang="de-CH"/>
           </a:p>
@@ -292,15 +286,15 @@
         </p:nvSpPr>
         <p:spPr>
           <a:xfrm>
-            <a:off x="0" y="9377316"/>
-            <a:ext cx="2945659" cy="493633"/>
+            <a:off x="1" y="9721107"/>
+            <a:ext cx="3076363" cy="511730"/>
           </a:xfrm>
           <a:prstGeom prst="rect">
             <a:avLst/>
           </a:prstGeom>
         </p:spPr>
         <p:txBody>
-          <a:bodyPr vert="horz" lIns="91440" tIns="45720" rIns="91440" bIns="45720" rtlCol="0" anchor="b"/>
+          <a:bodyPr vert="horz" lIns="95067" tIns="47534" rIns="95067" bIns="47534" rtlCol="0" anchor="b"/>
           <a:lstStyle>
             <a:lvl1pPr algn="l">
               <a:defRPr sz="1200"/>
@@ -323,15 +317,15 @@
         </p:nvSpPr>
         <p:spPr>
           <a:xfrm>
-            <a:off x="3850443" y="9377316"/>
-            <a:ext cx="2945659" cy="493633"/>
+            <a:off x="4021295" y="9721107"/>
+            <a:ext cx="3076363" cy="511730"/>
           </a:xfrm>
           <a:prstGeom prst="rect">
             <a:avLst/>
           </a:prstGeom>
         </p:spPr>
         <p:txBody>
-          <a:bodyPr vert="horz" lIns="91440" tIns="45720" rIns="91440" bIns="45720" rtlCol="0" anchor="b"/>
+          <a:bodyPr vert="horz" lIns="95067" tIns="47534" rIns="95067" bIns="47534" rtlCol="0" anchor="b"/>
           <a:lstStyle>
             <a:lvl1pPr algn="r">
               <a:defRPr sz="1200"/>
@@ -391,15 +385,15 @@
         </p:nvSpPr>
         <p:spPr>
           <a:xfrm>
-            <a:off x="0" y="0"/>
-            <a:ext cx="2945659" cy="493633"/>
+            <a:off x="1" y="2"/>
+            <a:ext cx="3076363" cy="511730"/>
           </a:xfrm>
           <a:prstGeom prst="rect">
             <a:avLst/>
           </a:prstGeom>
         </p:spPr>
         <p:txBody>
-          <a:bodyPr vert="horz" lIns="91440" tIns="45720" rIns="91440" bIns="45720" rtlCol="0"/>
+          <a:bodyPr vert="horz" lIns="95067" tIns="47534" rIns="95067" bIns="47534" rtlCol="0"/>
           <a:lstStyle>
             <a:lvl1pPr algn="l">
               <a:defRPr sz="1200"/>
@@ -422,15 +416,15 @@
         </p:nvSpPr>
         <p:spPr>
           <a:xfrm>
-            <a:off x="3850443" y="0"/>
-            <a:ext cx="2945659" cy="493633"/>
+            <a:off x="4021295" y="2"/>
+            <a:ext cx="3076363" cy="511730"/>
           </a:xfrm>
           <a:prstGeom prst="rect">
             <a:avLst/>
           </a:prstGeom>
         </p:spPr>
         <p:txBody>
-          <a:bodyPr vert="horz" lIns="91440" tIns="45720" rIns="91440" bIns="45720" rtlCol="0"/>
+          <a:bodyPr vert="horz" lIns="95067" tIns="47534" rIns="95067" bIns="47534" rtlCol="0"/>
           <a:lstStyle>
             <a:lvl1pPr algn="r">
               <a:defRPr sz="1200"/>
@@ -439,7 +433,7 @@
           <a:p>
             <a:fld id="{5AF2B663-2BA9-4D7E-8201-5DE4109E1EDD}" type="datetimeFigureOut">
               <a:rPr lang="de-CH" smtClean="0"/>
-              <a:t>30.12.2014</a:t>
+              <a:t>14.01.2015</a:t>
             </a:fld>
             <a:endParaRPr lang="de-CH"/>
           </a:p>
@@ -457,8 +451,8 @@
         </p:nvSpPr>
         <p:spPr>
           <a:xfrm>
-            <a:off x="930275" y="739775"/>
-            <a:ext cx="4937125" cy="3703638"/>
+            <a:off x="989013" y="766763"/>
+            <a:ext cx="5121275" cy="3840162"/>
           </a:xfrm>
           <a:prstGeom prst="rect">
             <a:avLst/>
@@ -471,7 +465,7 @@
           </a:ln>
         </p:spPr>
         <p:txBody>
-          <a:bodyPr vert="horz" lIns="91440" tIns="45720" rIns="91440" bIns="45720" rtlCol="0" anchor="ctr"/>
+          <a:bodyPr vert="horz" lIns="95067" tIns="47534" rIns="95067" bIns="47534" rtlCol="0" anchor="ctr"/>
           <a:lstStyle/>
           <a:p>
             <a:endParaRPr lang="de-CH"/>
@@ -490,15 +484,15 @@
         </p:nvSpPr>
         <p:spPr>
           <a:xfrm>
-            <a:off x="679768" y="4689515"/>
-            <a:ext cx="5438140" cy="4442698"/>
+            <a:off x="709931" y="4861441"/>
+            <a:ext cx="5679440" cy="4605575"/>
           </a:xfrm>
           <a:prstGeom prst="rect">
             <a:avLst/>
           </a:prstGeom>
         </p:spPr>
         <p:txBody>
-          <a:bodyPr vert="horz" lIns="91440" tIns="45720" rIns="91440" bIns="45720" rtlCol="0"/>
+          <a:bodyPr vert="horz" lIns="95067" tIns="47534" rIns="95067" bIns="47534" rtlCol="0"/>
           <a:lstStyle/>
           <a:p>
             <a:pPr lvl="0"/>
@@ -550,15 +544,15 @@
         </p:nvSpPr>
         <p:spPr>
           <a:xfrm>
-            <a:off x="0" y="9377316"/>
-            <a:ext cx="2945659" cy="493633"/>
+            <a:off x="1" y="9721107"/>
+            <a:ext cx="3076363" cy="511730"/>
           </a:xfrm>
           <a:prstGeom prst="rect">
             <a:avLst/>
           </a:prstGeom>
         </p:spPr>
         <p:txBody>
-          <a:bodyPr vert="horz" lIns="91440" tIns="45720" rIns="91440" bIns="45720" rtlCol="0" anchor="b"/>
+          <a:bodyPr vert="horz" lIns="95067" tIns="47534" rIns="95067" bIns="47534" rtlCol="0" anchor="b"/>
           <a:lstStyle>
             <a:lvl1pPr algn="l">
               <a:defRPr sz="1200"/>
@@ -581,15 +575,15 @@
         </p:nvSpPr>
         <p:spPr>
           <a:xfrm>
-            <a:off x="3850443" y="9377316"/>
-            <a:ext cx="2945659" cy="493633"/>
+            <a:off x="4021295" y="9721107"/>
+            <a:ext cx="3076363" cy="511730"/>
           </a:xfrm>
           <a:prstGeom prst="rect">
             <a:avLst/>
           </a:prstGeom>
         </p:spPr>
         <p:txBody>
-          <a:bodyPr vert="horz" lIns="91440" tIns="45720" rIns="91440" bIns="45720" rtlCol="0" anchor="b"/>
+          <a:bodyPr vert="horz" lIns="95067" tIns="47534" rIns="95067" bIns="47534" rtlCol="0" anchor="b"/>
           <a:lstStyle>
             <a:lvl1pPr algn="r">
               <a:defRPr sz="1200"/>
@@ -752,106 +746,9 @@
           <a:lstStyle/>
           <a:p>
             <a:r>
-              <a:rPr lang="de-CH" sz="1200" b="0" i="0" u="none" strike="noStrike" kern="1200" baseline="0" dirty="0" smtClean="0">
-                <a:solidFill>
-                  <a:schemeClr val="tx1"/>
-                </a:solidFill>
-                <a:latin typeface="+mn-lt"/>
-                <a:ea typeface="+mn-ea"/>
-                <a:cs typeface="+mn-cs"/>
-              </a:rPr>
-              <a:t>Internet-Suchmaschinen sind heutzutage ein gängiges Mittel um an Wissen im Internet zu gelangen. Deren stetige</a:t>
-            </a:r>
-          </a:p>
-          <a:p>
-            <a:r>
-              <a:rPr lang="de-CH" sz="1200" b="0" i="0" u="none" strike="noStrike" kern="1200" baseline="0" dirty="0" smtClean="0">
-                <a:solidFill>
-                  <a:schemeClr val="tx1"/>
-                </a:solidFill>
-                <a:latin typeface="+mn-lt"/>
-                <a:ea typeface="+mn-ea"/>
-                <a:cs typeface="+mn-cs"/>
-              </a:rPr>
-              <a:t>Weiterentwicklung über das letzte Jahrzehnt macht sie zu einem mächtigen Instrument. Sie werden von vielen</a:t>
-            </a:r>
-          </a:p>
-          <a:p>
-            <a:r>
-              <a:rPr lang="de-CH" sz="1200" b="0" i="0" u="none" strike="noStrike" kern="1200" baseline="0" dirty="0" smtClean="0">
-                <a:solidFill>
-                  <a:schemeClr val="tx1"/>
-                </a:solidFill>
-                <a:latin typeface="+mn-lt"/>
-                <a:ea typeface="+mn-ea"/>
-                <a:cs typeface="+mn-cs"/>
-              </a:rPr>
-              <a:t>Personen zur täglichen Arbeit verwendet.</a:t>
-            </a:r>
-          </a:p>
-          <a:p>
-            <a:r>
-              <a:rPr lang="de-CH" sz="1200" b="0" i="0" u="none" strike="noStrike" kern="1200" baseline="0" dirty="0" smtClean="0">
-                <a:solidFill>
-                  <a:schemeClr val="tx1"/>
-                </a:solidFill>
-                <a:latin typeface="+mn-lt"/>
-                <a:ea typeface="+mn-ea"/>
-                <a:cs typeface="+mn-cs"/>
-              </a:rPr>
-              <a:t>Suchmaschinen sind heute meist so gehalten, dass in ein Suchfeld </a:t>
-            </a:r>
-            <a:r>
-              <a:rPr lang="de-CH" sz="1200" b="0" i="0" u="none" strike="noStrike" kern="1200" baseline="0" dirty="0" err="1" smtClean="0">
-                <a:solidFill>
-                  <a:schemeClr val="tx1"/>
-                </a:solidFill>
-                <a:latin typeface="+mn-lt"/>
-                <a:ea typeface="+mn-ea"/>
-                <a:cs typeface="+mn-cs"/>
-              </a:rPr>
-              <a:t>Begriichkeiten</a:t>
-            </a:r>
-            <a:r>
-              <a:rPr lang="de-CH" sz="1200" b="0" i="0" u="none" strike="noStrike" kern="1200" baseline="0" dirty="0" smtClean="0">
-                <a:solidFill>
-                  <a:schemeClr val="tx1"/>
-                </a:solidFill>
-                <a:latin typeface="+mn-lt"/>
-                <a:ea typeface="+mn-ea"/>
-                <a:cs typeface="+mn-cs"/>
-              </a:rPr>
-              <a:t> eingegeben werden. Suchmaschinen</a:t>
-            </a:r>
-          </a:p>
-          <a:p>
-            <a:r>
-              <a:rPr lang="de-CH" sz="1200" b="0" i="0" u="none" strike="noStrike" kern="1200" baseline="0" dirty="0" smtClean="0">
-                <a:solidFill>
-                  <a:schemeClr val="tx1"/>
-                </a:solidFill>
-                <a:latin typeface="+mn-lt"/>
-                <a:ea typeface="+mn-ea"/>
-                <a:cs typeface="+mn-cs"/>
-              </a:rPr>
-              <a:t>indexieren Inhalte mittels Stich- und Schlagworten. Deshalb muss der Suchende bereits eine mehr oder</a:t>
-            </a:r>
-          </a:p>
-          <a:p>
-            <a:r>
-              <a:rPr lang="de-CH" sz="1200" b="0" i="0" u="none" strike="noStrike" kern="1200" baseline="0" dirty="0" smtClean="0">
-                <a:solidFill>
-                  <a:schemeClr val="tx1"/>
-                </a:solidFill>
-                <a:latin typeface="+mn-lt"/>
-                <a:ea typeface="+mn-ea"/>
-                <a:cs typeface="+mn-cs"/>
-              </a:rPr>
-              <a:t>minder konkrete Vorstellung von den erwarteten Suchergebnissen haben.</a:t>
-            </a:r>
-            <a:endParaRPr lang="de-CH" dirty="0" smtClean="0"/>
-          </a:p>
-          <a:p>
+              <a:rPr lang="de-CH" dirty="0" smtClean="0"/>
+              <a:t>Mira</a:t>
+            </a:r>
             <a:endParaRPr lang="de-CH" dirty="0"/>
           </a:p>
         </p:txBody>
@@ -873,7 +770,7 @@
           <a:p>
             <a:fld id="{37E44704-8E6D-4CF2-8CFA-A0F7BC751896}" type="slidenum">
               <a:rPr lang="de-CH" smtClean="0"/>
-              <a:t>3</a:t>
+              <a:t>1</a:t>
             </a:fld>
             <a:endParaRPr lang="de-CH"/>
           </a:p>
@@ -882,7 +779,482 @@
     </p:spTree>
     <p:extLst>
       <p:ext uri="{BB962C8B-B14F-4D97-AF65-F5344CB8AC3E}">
-        <p14:creationId xmlns:p14="http://schemas.microsoft.com/office/powerpoint/2010/main" val="3447367974"/>
+        <p14:creationId xmlns:p14="http://schemas.microsoft.com/office/powerpoint/2010/main" val="508848611"/>
+      </p:ext>
+    </p:extLst>
+  </p:cSld>
+  <p:clrMapOvr>
+    <a:masterClrMapping/>
+  </p:clrMapOvr>
+</p:notes>
+</file>
+
+<file path=ppt/notesSlides/notesSlide10.xml><?xml version="1.0" encoding="utf-8"?>
+<p:notes xmlns:a="http://schemas.openxmlformats.org/drawingml/2006/main" xmlns:r="http://schemas.openxmlformats.org/officeDocument/2006/relationships" xmlns:p="http://schemas.openxmlformats.org/presentationml/2006/main">
+  <p:cSld>
+    <p:spTree>
+      <p:nvGrpSpPr>
+        <p:cNvPr id="1" name=""/>
+        <p:cNvGrpSpPr/>
+        <p:nvPr/>
+      </p:nvGrpSpPr>
+      <p:grpSpPr>
+        <a:xfrm>
+          <a:off x="0" y="0"/>
+          <a:ext cx="0" cy="0"/>
+          <a:chOff x="0" y="0"/>
+          <a:chExt cx="0" cy="0"/>
+        </a:xfrm>
+      </p:grpSpPr>
+      <p:sp>
+        <p:nvSpPr>
+          <p:cNvPr id="2" name="Folienbildplatzhalter 1"/>
+          <p:cNvSpPr>
+            <a:spLocks noGrp="1" noRot="1" noChangeAspect="1"/>
+          </p:cNvSpPr>
+          <p:nvPr>
+            <p:ph type="sldImg"/>
+          </p:nvPr>
+        </p:nvSpPr>
+        <p:spPr/>
+      </p:sp>
+      <p:sp>
+        <p:nvSpPr>
+          <p:cNvPr id="3" name="Notizenplatzhalter 2"/>
+          <p:cNvSpPr>
+            <a:spLocks noGrp="1"/>
+          </p:cNvSpPr>
+          <p:nvPr>
+            <p:ph type="body" idx="1"/>
+          </p:nvPr>
+        </p:nvSpPr>
+        <p:spPr/>
+        <p:txBody>
+          <a:bodyPr/>
+          <a:lstStyle/>
+          <a:p>
+            <a:r>
+              <a:rPr lang="de-CH" dirty="0" smtClean="0"/>
+              <a:t>Speicherung Ontologie</a:t>
+            </a:r>
+            <a:r>
+              <a:rPr lang="de-CH" baseline="0" dirty="0" smtClean="0"/>
+              <a:t> als semantisches Netz (bzw. so ähnlich</a:t>
+            </a:r>
+            <a:r>
+              <a:rPr lang="de-CH" baseline="0" dirty="0" smtClean="0"/>
+              <a:t>)</a:t>
+            </a:r>
+          </a:p>
+          <a:p>
+            <a:endParaRPr lang="de-CH" baseline="0" dirty="0" smtClean="0"/>
+          </a:p>
+          <a:p>
+            <a:r>
+              <a:rPr lang="de-CH" baseline="0" dirty="0" smtClean="0"/>
+              <a:t>Mira</a:t>
+            </a:r>
+            <a:endParaRPr lang="de-CH" dirty="0"/>
+          </a:p>
+        </p:txBody>
+      </p:sp>
+      <p:sp>
+        <p:nvSpPr>
+          <p:cNvPr id="4" name="Foliennummernplatzhalter 3"/>
+          <p:cNvSpPr>
+            <a:spLocks noGrp="1"/>
+          </p:cNvSpPr>
+          <p:nvPr>
+            <p:ph type="sldNum" sz="quarter" idx="10"/>
+          </p:nvPr>
+        </p:nvSpPr>
+        <p:spPr/>
+        <p:txBody>
+          <a:bodyPr/>
+          <a:lstStyle/>
+          <a:p>
+            <a:fld id="{37E44704-8E6D-4CF2-8CFA-A0F7BC751896}" type="slidenum">
+              <a:rPr lang="de-CH" smtClean="0"/>
+              <a:t>10</a:t>
+            </a:fld>
+            <a:endParaRPr lang="de-CH"/>
+          </a:p>
+        </p:txBody>
+      </p:sp>
+    </p:spTree>
+    <p:extLst>
+      <p:ext uri="{BB962C8B-B14F-4D97-AF65-F5344CB8AC3E}">
+        <p14:creationId xmlns:p14="http://schemas.microsoft.com/office/powerpoint/2010/main" val="3998500043"/>
+      </p:ext>
+    </p:extLst>
+  </p:cSld>
+  <p:clrMapOvr>
+    <a:masterClrMapping/>
+  </p:clrMapOvr>
+</p:notes>
+</file>
+
+<file path=ppt/notesSlides/notesSlide11.xml><?xml version="1.0" encoding="utf-8"?>
+<p:notes xmlns:a="http://schemas.openxmlformats.org/drawingml/2006/main" xmlns:r="http://schemas.openxmlformats.org/officeDocument/2006/relationships" xmlns:p="http://schemas.openxmlformats.org/presentationml/2006/main">
+  <p:cSld>
+    <p:spTree>
+      <p:nvGrpSpPr>
+        <p:cNvPr id="1" name=""/>
+        <p:cNvGrpSpPr/>
+        <p:nvPr/>
+      </p:nvGrpSpPr>
+      <p:grpSpPr>
+        <a:xfrm>
+          <a:off x="0" y="0"/>
+          <a:ext cx="0" cy="0"/>
+          <a:chOff x="0" y="0"/>
+          <a:chExt cx="0" cy="0"/>
+        </a:xfrm>
+      </p:grpSpPr>
+      <p:sp>
+        <p:nvSpPr>
+          <p:cNvPr id="2" name="Folienbildplatzhalter 1"/>
+          <p:cNvSpPr>
+            <a:spLocks noGrp="1" noRot="1" noChangeAspect="1"/>
+          </p:cNvSpPr>
+          <p:nvPr>
+            <p:ph type="sldImg"/>
+          </p:nvPr>
+        </p:nvSpPr>
+        <p:spPr/>
+      </p:sp>
+      <p:sp>
+        <p:nvSpPr>
+          <p:cNvPr id="3" name="Notizenplatzhalter 2"/>
+          <p:cNvSpPr>
+            <a:spLocks noGrp="1"/>
+          </p:cNvSpPr>
+          <p:nvPr>
+            <p:ph type="body" idx="1"/>
+          </p:nvPr>
+        </p:nvSpPr>
+        <p:spPr/>
+        <p:txBody>
+          <a:bodyPr/>
+          <a:lstStyle/>
+          <a:p>
+            <a:r>
+              <a:rPr lang="de-CH" dirty="0" smtClean="0"/>
+              <a:t>Sven</a:t>
+            </a:r>
+            <a:endParaRPr lang="de-CH" dirty="0"/>
+          </a:p>
+        </p:txBody>
+      </p:sp>
+      <p:sp>
+        <p:nvSpPr>
+          <p:cNvPr id="4" name="Foliennummernplatzhalter 3"/>
+          <p:cNvSpPr>
+            <a:spLocks noGrp="1"/>
+          </p:cNvSpPr>
+          <p:nvPr>
+            <p:ph type="sldNum" sz="quarter" idx="10"/>
+          </p:nvPr>
+        </p:nvSpPr>
+        <p:spPr/>
+        <p:txBody>
+          <a:bodyPr/>
+          <a:lstStyle/>
+          <a:p>
+            <a:fld id="{37E44704-8E6D-4CF2-8CFA-A0F7BC751896}" type="slidenum">
+              <a:rPr lang="de-CH" smtClean="0"/>
+              <a:t>11</a:t>
+            </a:fld>
+            <a:endParaRPr lang="de-CH"/>
+          </a:p>
+        </p:txBody>
+      </p:sp>
+    </p:spTree>
+    <p:extLst>
+      <p:ext uri="{BB962C8B-B14F-4D97-AF65-F5344CB8AC3E}">
+        <p14:creationId xmlns:p14="http://schemas.microsoft.com/office/powerpoint/2010/main" val="2146561153"/>
+      </p:ext>
+    </p:extLst>
+  </p:cSld>
+  <p:clrMapOvr>
+    <a:masterClrMapping/>
+  </p:clrMapOvr>
+</p:notes>
+</file>
+
+<file path=ppt/notesSlides/notesSlide12.xml><?xml version="1.0" encoding="utf-8"?>
+<p:notes xmlns:a="http://schemas.openxmlformats.org/drawingml/2006/main" xmlns:r="http://schemas.openxmlformats.org/officeDocument/2006/relationships" xmlns:p="http://schemas.openxmlformats.org/presentationml/2006/main">
+  <p:cSld>
+    <p:spTree>
+      <p:nvGrpSpPr>
+        <p:cNvPr id="1" name=""/>
+        <p:cNvGrpSpPr/>
+        <p:nvPr/>
+      </p:nvGrpSpPr>
+      <p:grpSpPr>
+        <a:xfrm>
+          <a:off x="0" y="0"/>
+          <a:ext cx="0" cy="0"/>
+          <a:chOff x="0" y="0"/>
+          <a:chExt cx="0" cy="0"/>
+        </a:xfrm>
+      </p:grpSpPr>
+      <p:sp>
+        <p:nvSpPr>
+          <p:cNvPr id="2" name="Folienbildplatzhalter 1"/>
+          <p:cNvSpPr>
+            <a:spLocks noGrp="1" noRot="1" noChangeAspect="1"/>
+          </p:cNvSpPr>
+          <p:nvPr>
+            <p:ph type="sldImg"/>
+          </p:nvPr>
+        </p:nvSpPr>
+        <p:spPr/>
+      </p:sp>
+      <p:sp>
+        <p:nvSpPr>
+          <p:cNvPr id="3" name="Notizenplatzhalter 2"/>
+          <p:cNvSpPr>
+            <a:spLocks noGrp="1"/>
+          </p:cNvSpPr>
+          <p:nvPr>
+            <p:ph type="body" idx="1"/>
+          </p:nvPr>
+        </p:nvSpPr>
+        <p:spPr/>
+        <p:txBody>
+          <a:bodyPr/>
+          <a:lstStyle/>
+          <a:p>
+            <a:endParaRPr lang="de-CH"/>
+          </a:p>
+        </p:txBody>
+      </p:sp>
+      <p:sp>
+        <p:nvSpPr>
+          <p:cNvPr id="4" name="Foliennummernplatzhalter 3"/>
+          <p:cNvSpPr>
+            <a:spLocks noGrp="1"/>
+          </p:cNvSpPr>
+          <p:nvPr>
+            <p:ph type="sldNum" sz="quarter" idx="10"/>
+          </p:nvPr>
+        </p:nvSpPr>
+        <p:spPr/>
+        <p:txBody>
+          <a:bodyPr/>
+          <a:lstStyle/>
+          <a:p>
+            <a:fld id="{37E44704-8E6D-4CF2-8CFA-A0F7BC751896}" type="slidenum">
+              <a:rPr lang="de-CH" smtClean="0"/>
+              <a:t>12</a:t>
+            </a:fld>
+            <a:endParaRPr lang="de-CH"/>
+          </a:p>
+        </p:txBody>
+      </p:sp>
+    </p:spTree>
+    <p:extLst>
+      <p:ext uri="{BB962C8B-B14F-4D97-AF65-F5344CB8AC3E}">
+        <p14:creationId xmlns:p14="http://schemas.microsoft.com/office/powerpoint/2010/main" val="1232363155"/>
+      </p:ext>
+    </p:extLst>
+  </p:cSld>
+  <p:clrMapOvr>
+    <a:masterClrMapping/>
+  </p:clrMapOvr>
+</p:notes>
+</file>
+
+<file path=ppt/notesSlides/notesSlide13.xml><?xml version="1.0" encoding="utf-8"?>
+<p:notes xmlns:a="http://schemas.openxmlformats.org/drawingml/2006/main" xmlns:r="http://schemas.openxmlformats.org/officeDocument/2006/relationships" xmlns:p="http://schemas.openxmlformats.org/presentationml/2006/main">
+  <p:cSld>
+    <p:spTree>
+      <p:nvGrpSpPr>
+        <p:cNvPr id="1" name=""/>
+        <p:cNvGrpSpPr/>
+        <p:nvPr/>
+      </p:nvGrpSpPr>
+      <p:grpSpPr>
+        <a:xfrm>
+          <a:off x="0" y="0"/>
+          <a:ext cx="0" cy="0"/>
+          <a:chOff x="0" y="0"/>
+          <a:chExt cx="0" cy="0"/>
+        </a:xfrm>
+      </p:grpSpPr>
+      <p:sp>
+        <p:nvSpPr>
+          <p:cNvPr id="2" name="Folienbildplatzhalter 1"/>
+          <p:cNvSpPr>
+            <a:spLocks noGrp="1" noRot="1" noChangeAspect="1"/>
+          </p:cNvSpPr>
+          <p:nvPr>
+            <p:ph type="sldImg"/>
+          </p:nvPr>
+        </p:nvSpPr>
+        <p:spPr/>
+      </p:sp>
+      <p:sp>
+        <p:nvSpPr>
+          <p:cNvPr id="3" name="Notizenplatzhalter 2"/>
+          <p:cNvSpPr>
+            <a:spLocks noGrp="1"/>
+          </p:cNvSpPr>
+          <p:nvPr>
+            <p:ph type="body" idx="1"/>
+          </p:nvPr>
+        </p:nvSpPr>
+        <p:spPr/>
+        <p:txBody>
+          <a:bodyPr/>
+          <a:lstStyle/>
+          <a:p>
+            <a:r>
+              <a:rPr lang="de-CH" dirty="0" smtClean="0"/>
+              <a:t>Beschränkt Intelligent: nur mit</a:t>
+            </a:r>
+            <a:r>
+              <a:rPr lang="de-CH" baseline="0" dirty="0" smtClean="0"/>
+              <a:t> unseren Regeln  intelligent; Nur simple Inferenz vorgegeben</a:t>
+            </a:r>
+            <a:endParaRPr lang="de-CH" dirty="0" smtClean="0"/>
+          </a:p>
+          <a:p>
+            <a:r>
+              <a:rPr lang="de-CH" dirty="0" smtClean="0"/>
+              <a:t>Werkzeuge:</a:t>
+            </a:r>
+            <a:r>
+              <a:rPr lang="de-CH" baseline="0" dirty="0" smtClean="0"/>
+              <a:t> Fehler/ </a:t>
+            </a:r>
+            <a:r>
+              <a:rPr lang="de-CH" baseline="0" dirty="0" err="1" smtClean="0"/>
+              <a:t>Bastlig</a:t>
+            </a:r>
+            <a:r>
+              <a:rPr lang="de-CH" baseline="0" dirty="0" smtClean="0"/>
+              <a:t>  -&gt; nur mit Kombination von zwei Werkzeugen nutzbar</a:t>
+            </a:r>
+            <a:endParaRPr lang="de-CH" dirty="0" smtClean="0"/>
+          </a:p>
+          <a:p>
+            <a:endParaRPr lang="de-CH" dirty="0"/>
+          </a:p>
+        </p:txBody>
+      </p:sp>
+      <p:sp>
+        <p:nvSpPr>
+          <p:cNvPr id="4" name="Foliennummernplatzhalter 3"/>
+          <p:cNvSpPr>
+            <a:spLocks noGrp="1"/>
+          </p:cNvSpPr>
+          <p:nvPr>
+            <p:ph type="sldNum" sz="quarter" idx="10"/>
+          </p:nvPr>
+        </p:nvSpPr>
+        <p:spPr/>
+        <p:txBody>
+          <a:bodyPr/>
+          <a:lstStyle/>
+          <a:p>
+            <a:fld id="{37E44704-8E6D-4CF2-8CFA-A0F7BC751896}" type="slidenum">
+              <a:rPr lang="de-CH" smtClean="0"/>
+              <a:t>13</a:t>
+            </a:fld>
+            <a:endParaRPr lang="de-CH"/>
+          </a:p>
+        </p:txBody>
+      </p:sp>
+    </p:spTree>
+    <p:extLst>
+      <p:ext uri="{BB962C8B-B14F-4D97-AF65-F5344CB8AC3E}">
+        <p14:creationId xmlns:p14="http://schemas.microsoft.com/office/powerpoint/2010/main" val="194382555"/>
+      </p:ext>
+    </p:extLst>
+  </p:cSld>
+  <p:clrMapOvr>
+    <a:masterClrMapping/>
+  </p:clrMapOvr>
+</p:notes>
+</file>
+
+<file path=ppt/notesSlides/notesSlide14.xml><?xml version="1.0" encoding="utf-8"?>
+<p:notes xmlns:a="http://schemas.openxmlformats.org/drawingml/2006/main" xmlns:r="http://schemas.openxmlformats.org/officeDocument/2006/relationships" xmlns:p="http://schemas.openxmlformats.org/presentationml/2006/main">
+  <p:cSld>
+    <p:spTree>
+      <p:nvGrpSpPr>
+        <p:cNvPr id="1" name=""/>
+        <p:cNvGrpSpPr/>
+        <p:nvPr/>
+      </p:nvGrpSpPr>
+      <p:grpSpPr>
+        <a:xfrm>
+          <a:off x="0" y="0"/>
+          <a:ext cx="0" cy="0"/>
+          <a:chOff x="0" y="0"/>
+          <a:chExt cx="0" cy="0"/>
+        </a:xfrm>
+      </p:grpSpPr>
+      <p:sp>
+        <p:nvSpPr>
+          <p:cNvPr id="2" name="Folienbildplatzhalter 1"/>
+          <p:cNvSpPr>
+            <a:spLocks noGrp="1" noRot="1" noChangeAspect="1"/>
+          </p:cNvSpPr>
+          <p:nvPr>
+            <p:ph type="sldImg"/>
+          </p:nvPr>
+        </p:nvSpPr>
+        <p:spPr/>
+      </p:sp>
+      <p:sp>
+        <p:nvSpPr>
+          <p:cNvPr id="3" name="Notizenplatzhalter 2"/>
+          <p:cNvSpPr>
+            <a:spLocks noGrp="1"/>
+          </p:cNvSpPr>
+          <p:nvPr>
+            <p:ph type="body" idx="1"/>
+          </p:nvPr>
+        </p:nvSpPr>
+        <p:spPr/>
+        <p:txBody>
+          <a:bodyPr/>
+          <a:lstStyle/>
+          <a:p>
+            <a:endParaRPr lang="de-CH" dirty="0"/>
+          </a:p>
+        </p:txBody>
+      </p:sp>
+      <p:sp>
+        <p:nvSpPr>
+          <p:cNvPr id="4" name="Foliennummernplatzhalter 3"/>
+          <p:cNvSpPr>
+            <a:spLocks noGrp="1"/>
+          </p:cNvSpPr>
+          <p:nvPr>
+            <p:ph type="sldNum" sz="quarter" idx="10"/>
+          </p:nvPr>
+        </p:nvSpPr>
+        <p:spPr/>
+        <p:txBody>
+          <a:bodyPr/>
+          <a:lstStyle/>
+          <a:p>
+            <a:fld id="{37E44704-8E6D-4CF2-8CFA-A0F7BC751896}" type="slidenum">
+              <a:rPr lang="de-CH" smtClean="0"/>
+              <a:t>14</a:t>
+            </a:fld>
+            <a:endParaRPr lang="de-CH"/>
+          </a:p>
+        </p:txBody>
+      </p:sp>
+    </p:spTree>
+    <p:extLst>
+      <p:ext uri="{BB962C8B-B14F-4D97-AF65-F5344CB8AC3E}">
+        <p14:creationId xmlns:p14="http://schemas.microsoft.com/office/powerpoint/2010/main" val="35148844"/>
       </p:ext>
     </p:extLst>
   </p:cSld>
@@ -937,151 +1309,9 @@
           <a:lstStyle/>
           <a:p>
             <a:r>
-              <a:rPr lang="de-CH" sz="1200" b="0" i="0" u="none" strike="noStrike" kern="1200" baseline="0" dirty="0" smtClean="0">
-                <a:solidFill>
-                  <a:schemeClr val="tx1"/>
-                </a:solidFill>
-                <a:latin typeface="+mn-lt"/>
-                <a:ea typeface="+mn-ea"/>
-                <a:cs typeface="+mn-cs"/>
-              </a:rPr>
-              <a:t>Der klassische Ansatz der Wissensabbildung, zum Beispiel in Form von UML, welchem die relationale Datenspeicherung</a:t>
-            </a:r>
-          </a:p>
-          <a:p>
-            <a:r>
-              <a:rPr lang="de-CH" sz="1200" b="0" i="0" u="none" strike="noStrike" kern="1200" baseline="0" dirty="0" smtClean="0">
-                <a:solidFill>
-                  <a:schemeClr val="tx1"/>
-                </a:solidFill>
-                <a:latin typeface="+mn-lt"/>
-                <a:ea typeface="+mn-ea"/>
-                <a:cs typeface="+mn-cs"/>
-              </a:rPr>
-              <a:t>zugrunde liegt, wird in der heutigen Informatik </a:t>
-            </a:r>
-            <a:r>
-              <a:rPr lang="de-CH" sz="1200" b="0" i="0" u="none" strike="noStrike" kern="1200" baseline="0" dirty="0" err="1" smtClean="0">
-                <a:solidFill>
-                  <a:schemeClr val="tx1"/>
-                </a:solidFill>
-                <a:latin typeface="+mn-lt"/>
-                <a:ea typeface="+mn-ea"/>
-                <a:cs typeface="+mn-cs"/>
-              </a:rPr>
-              <a:t>weitläug</a:t>
-            </a:r>
-            <a:r>
-              <a:rPr lang="de-CH" sz="1200" b="0" i="0" u="none" strike="noStrike" kern="1200" baseline="0" dirty="0" smtClean="0">
-                <a:solidFill>
-                  <a:schemeClr val="tx1"/>
-                </a:solidFill>
-                <a:latin typeface="+mn-lt"/>
-                <a:ea typeface="+mn-ea"/>
-                <a:cs typeface="+mn-cs"/>
-              </a:rPr>
-              <a:t> eingesetzt und ist de facto Standard. </a:t>
-            </a:r>
-            <a:r>
-              <a:rPr lang="de-CH" sz="1200" b="0" i="0" u="none" strike="noStrike" kern="1200" baseline="0" dirty="0" err="1" smtClean="0">
-                <a:solidFill>
-                  <a:schemeClr val="tx1"/>
-                </a:solidFill>
-                <a:latin typeface="+mn-lt"/>
-                <a:ea typeface="+mn-ea"/>
-                <a:cs typeface="+mn-cs"/>
-              </a:rPr>
-              <a:t>Häug</a:t>
-            </a:r>
-            <a:endParaRPr lang="de-CH" sz="1200" b="0" i="0" u="none" strike="noStrike" kern="1200" baseline="0" dirty="0" smtClean="0">
-              <a:solidFill>
-                <a:schemeClr val="tx1"/>
-              </a:solidFill>
-              <a:latin typeface="+mn-lt"/>
-              <a:ea typeface="+mn-ea"/>
-              <a:cs typeface="+mn-cs"/>
-            </a:endParaRPr>
-          </a:p>
-          <a:p>
-            <a:r>
-              <a:rPr lang="de-CH" sz="1200" b="0" i="0" u="none" strike="noStrike" kern="1200" baseline="0" dirty="0" smtClean="0">
-                <a:solidFill>
-                  <a:schemeClr val="tx1"/>
-                </a:solidFill>
-                <a:latin typeface="+mn-lt"/>
-                <a:ea typeface="+mn-ea"/>
-                <a:cs typeface="+mn-cs"/>
-              </a:rPr>
-              <a:t>geschieht dies in enger Verbindung mit der objektorientierten Programmierung. Experten aus einer Fachrichtung</a:t>
-            </a:r>
-          </a:p>
-          <a:p>
-            <a:r>
-              <a:rPr lang="de-CH" sz="1200" b="0" i="0" u="none" strike="noStrike" kern="1200" baseline="0" dirty="0" smtClean="0">
-                <a:solidFill>
-                  <a:schemeClr val="tx1"/>
-                </a:solidFill>
-                <a:latin typeface="+mn-lt"/>
-                <a:ea typeface="+mn-ea"/>
-                <a:cs typeface="+mn-cs"/>
-              </a:rPr>
-              <a:t>sind fähig diese Daten zu interpretieren und daraus Schlüsse zu ziehen. Es ist aber nicht möglich automatisch</a:t>
-            </a:r>
-          </a:p>
-          <a:p>
-            <a:r>
-              <a:rPr lang="de-CH" sz="1200" b="0" i="0" u="none" strike="noStrike" kern="1200" baseline="0" dirty="0" smtClean="0">
-                <a:solidFill>
-                  <a:schemeClr val="tx1"/>
-                </a:solidFill>
-                <a:latin typeface="+mn-lt"/>
-                <a:ea typeface="+mn-ea"/>
-                <a:cs typeface="+mn-cs"/>
-              </a:rPr>
-              <a:t>Fragestellungen zu beantworten, welche über reine Relationsverknüpfungen hinausgehen. Mit dieser Technik sind</a:t>
-            </a:r>
-          </a:p>
-          <a:p>
-            <a:r>
-              <a:rPr lang="de-CH" sz="1200" b="0" i="0" u="none" strike="noStrike" kern="1200" baseline="0" dirty="0" smtClean="0">
-                <a:solidFill>
-                  <a:schemeClr val="tx1"/>
-                </a:solidFill>
-                <a:latin typeface="+mn-lt"/>
-                <a:ea typeface="+mn-ea"/>
-                <a:cs typeface="+mn-cs"/>
-              </a:rPr>
-              <a:t>Objekteigenschaften und -Verhalten also eher schwer abbildbar. Eine andere Art Wissen zu repräsentieren sind</a:t>
-            </a:r>
-          </a:p>
-          <a:p>
-            <a:r>
-              <a:rPr lang="de-CH" sz="1200" b="0" i="0" u="none" strike="noStrike" kern="1200" baseline="0" dirty="0" smtClean="0">
-                <a:solidFill>
-                  <a:schemeClr val="tx1"/>
-                </a:solidFill>
-                <a:latin typeface="+mn-lt"/>
-                <a:ea typeface="+mn-ea"/>
-                <a:cs typeface="+mn-cs"/>
-              </a:rPr>
-              <a:t>semantische Datenbanken. Diese ermöglichen das Abbilden des Objektverhaltens und können mithilfe von Schlussfolgerungen</a:t>
-            </a:r>
-          </a:p>
-          <a:p>
-            <a:r>
-              <a:rPr lang="de-CH" sz="1200" b="0" i="0" u="none" strike="noStrike" kern="1200" baseline="0" dirty="0" smtClean="0">
-                <a:solidFill>
-                  <a:schemeClr val="tx1"/>
-                </a:solidFill>
-                <a:latin typeface="+mn-lt"/>
-                <a:ea typeface="+mn-ea"/>
-                <a:cs typeface="+mn-cs"/>
-              </a:rPr>
-              <a:t>die Rolle des Experten einnehmen.</a:t>
-            </a:r>
-            <a:endParaRPr lang="de-CH" dirty="0" smtClean="0"/>
-          </a:p>
-          <a:p>
+              <a:rPr lang="de-CH" dirty="0" smtClean="0"/>
+              <a:t>Mira</a:t>
+            </a:r>
             <a:endParaRPr lang="de-CH" dirty="0"/>
           </a:p>
         </p:txBody>
@@ -1103,7 +1333,7 @@
           <a:p>
             <a:fld id="{37E44704-8E6D-4CF2-8CFA-A0F7BC751896}" type="slidenum">
               <a:rPr lang="de-CH" smtClean="0"/>
-              <a:t>4</a:t>
+              <a:t>2</a:t>
             </a:fld>
             <a:endParaRPr lang="de-CH"/>
           </a:p>
@@ -1112,7 +1342,7 @@
     </p:spTree>
     <p:extLst>
       <p:ext uri="{BB962C8B-B14F-4D97-AF65-F5344CB8AC3E}">
-        <p14:creationId xmlns:p14="http://schemas.microsoft.com/office/powerpoint/2010/main" val="3261965360"/>
+        <p14:creationId xmlns:p14="http://schemas.microsoft.com/office/powerpoint/2010/main" val="2282969236"/>
       </p:ext>
     </p:extLst>
   </p:cSld>
@@ -1167,122 +1397,44 @@
           <a:lstStyle/>
           <a:p>
             <a:r>
-              <a:rPr lang="de-CH" sz="1200" b="0" i="0" u="none" strike="noStrike" kern="1200" baseline="0" dirty="0" smtClean="0">
-                <a:solidFill>
-                  <a:schemeClr val="tx1"/>
-                </a:solidFill>
-                <a:latin typeface="+mn-lt"/>
-                <a:ea typeface="+mn-ea"/>
-                <a:cs typeface="+mn-cs"/>
-              </a:rPr>
-              <a:t>In dieser Bachelorthesis soll eine solche semantische Datenbank aufgebaut und angewendet werden. Die Arbeit</a:t>
-            </a:r>
-          </a:p>
-          <a:p>
-            <a:r>
-              <a:rPr lang="de-CH" sz="1200" b="0" i="0" u="none" strike="noStrike" kern="1200" baseline="0" dirty="0" smtClean="0">
-                <a:solidFill>
-                  <a:schemeClr val="tx1"/>
-                </a:solidFill>
-                <a:latin typeface="+mn-lt"/>
-                <a:ea typeface="+mn-ea"/>
-                <a:cs typeface="+mn-cs"/>
-              </a:rPr>
-              <a:t>wurde in zwei Teilen umgesetzt: Einem theoretischen und einem praktischen Teil. Der theoretische Teil zeigt</a:t>
-            </a:r>
-          </a:p>
-          <a:p>
-            <a:r>
-              <a:rPr lang="de-CH" sz="1200" b="0" i="0" u="none" strike="noStrike" kern="1200" baseline="0" dirty="0" smtClean="0">
-                <a:solidFill>
-                  <a:schemeClr val="tx1"/>
-                </a:solidFill>
-                <a:latin typeface="+mn-lt"/>
-                <a:ea typeface="+mn-ea"/>
-                <a:cs typeface="+mn-cs"/>
-              </a:rPr>
-              <a:t>in Form eines Tutorials auf, wie ein </a:t>
-            </a:r>
-            <a:r>
-              <a:rPr lang="de-CH" sz="1200" b="0" i="0" u="none" strike="noStrike" kern="1200" baseline="0" dirty="0" err="1" smtClean="0">
-                <a:solidFill>
-                  <a:schemeClr val="tx1"/>
-                </a:solidFill>
-                <a:latin typeface="+mn-lt"/>
-                <a:ea typeface="+mn-ea"/>
-                <a:cs typeface="+mn-cs"/>
-              </a:rPr>
-              <a:t>knowledge</a:t>
-            </a:r>
-            <a:r>
-              <a:rPr lang="de-CH" sz="1200" b="0" i="0" u="none" strike="noStrike" kern="1200" baseline="0" dirty="0" smtClean="0">
-                <a:solidFill>
-                  <a:schemeClr val="tx1"/>
-                </a:solidFill>
-                <a:latin typeface="+mn-lt"/>
-                <a:ea typeface="+mn-ea"/>
-                <a:cs typeface="+mn-cs"/>
-              </a:rPr>
-              <a:t> </a:t>
-            </a:r>
-            <a:r>
-              <a:rPr lang="de-CH" sz="1200" b="0" i="0" u="none" strike="noStrike" kern="1200" baseline="0" dirty="0" err="1" smtClean="0">
-                <a:solidFill>
-                  <a:schemeClr val="tx1"/>
-                </a:solidFill>
-                <a:latin typeface="+mn-lt"/>
-                <a:ea typeface="+mn-ea"/>
-                <a:cs typeface="+mn-cs"/>
-              </a:rPr>
-              <a:t>engineer</a:t>
-            </a:r>
-            <a:r>
-              <a:rPr lang="de-CH" sz="1200" b="0" i="0" u="none" strike="noStrike" kern="1200" baseline="0" dirty="0" smtClean="0">
-                <a:solidFill>
-                  <a:schemeClr val="tx1"/>
-                </a:solidFill>
-                <a:latin typeface="+mn-lt"/>
-                <a:ea typeface="+mn-ea"/>
-                <a:cs typeface="+mn-cs"/>
-              </a:rPr>
-              <a:t> bei der Wissensmodellierung vorgeht. Er nutzt dabei</a:t>
-            </a:r>
-          </a:p>
-          <a:p>
-            <a:r>
-              <a:rPr lang="de-CH" sz="1200" b="0" i="0" u="none" strike="noStrike" kern="1200" baseline="0" dirty="0" err="1" smtClean="0">
-                <a:solidFill>
-                  <a:schemeClr val="tx1"/>
-                </a:solidFill>
-                <a:latin typeface="+mn-lt"/>
-                <a:ea typeface="+mn-ea"/>
-                <a:cs typeface="+mn-cs"/>
-              </a:rPr>
-              <a:t>Ontologien</a:t>
-            </a:r>
-            <a:r>
-              <a:rPr lang="de-CH" sz="1200" b="0" i="0" u="none" strike="noStrike" kern="1200" baseline="0" dirty="0" smtClean="0">
-                <a:solidFill>
-                  <a:schemeClr val="tx1"/>
-                </a:solidFill>
-                <a:latin typeface="+mn-lt"/>
-                <a:ea typeface="+mn-ea"/>
-                <a:cs typeface="+mn-cs"/>
-              </a:rPr>
-              <a:t> als Basis, um eine semantische Datenbank aufzubauen. Im praktischen Teil soll eine solche Ontologie</a:t>
-            </a:r>
-          </a:p>
-          <a:p>
-            <a:r>
-              <a:rPr lang="de-CH" sz="1200" b="0" i="0" u="none" strike="noStrike" kern="1200" baseline="0" dirty="0" smtClean="0">
-                <a:solidFill>
-                  <a:schemeClr val="tx1"/>
-                </a:solidFill>
-                <a:latin typeface="+mn-lt"/>
-                <a:ea typeface="+mn-ea"/>
-                <a:cs typeface="+mn-cs"/>
-              </a:rPr>
-              <a:t>aufgebaut und per Benutzerschnittstelle zugänglich gemacht werden.</a:t>
+              <a:rPr lang="de-CH" dirty="0"/>
+              <a:t>Internet-Suchmaschinen sind heutzutage ein gängiges Mittel um an Wissen im Internet zu gelangen. Deren stetige</a:t>
+            </a:r>
+          </a:p>
+          <a:p>
+            <a:r>
+              <a:rPr lang="de-CH" dirty="0"/>
+              <a:t>Weiterentwicklung über das letzte Jahrzehnt macht sie zu einem mächtigen Instrument. Sie werden von vielen</a:t>
+            </a:r>
+          </a:p>
+          <a:p>
+            <a:r>
+              <a:rPr lang="de-CH" dirty="0"/>
+              <a:t>Personen zur täglichen Arbeit verwendet.</a:t>
+            </a:r>
+          </a:p>
+          <a:p>
+            <a:r>
+              <a:rPr lang="de-CH" dirty="0"/>
+              <a:t>Suchmaschinen sind heute meist so gehalten, dass in ein Suchfeld Begrifflichkeiten eingegeben werden. Suchmaschinen</a:t>
+            </a:r>
+          </a:p>
+          <a:p>
+            <a:r>
+              <a:rPr lang="de-CH" dirty="0"/>
+              <a:t>indexieren Inhalte mittels Stich- und Schlagworten. Deshalb muss der Suchende bereits eine mehr oder</a:t>
+            </a:r>
+          </a:p>
+          <a:p>
+            <a:r>
+              <a:rPr lang="de-CH" dirty="0"/>
+              <a:t>minder konkrete Vorstellung von den erwarteten Suchergebnissen haben.</a:t>
+            </a:r>
+          </a:p>
+          <a:p>
+            <a:r>
+              <a:rPr lang="de-CH" dirty="0"/>
+              <a:t>Sven</a:t>
             </a:r>
             <a:endParaRPr lang="de-CH" dirty="0" smtClean="0"/>
           </a:p>
@@ -1308,7 +1460,7 @@
           <a:p>
             <a:fld id="{37E44704-8E6D-4CF2-8CFA-A0F7BC751896}" type="slidenum">
               <a:rPr lang="de-CH" smtClean="0"/>
-              <a:t>5</a:t>
+              <a:t>3</a:t>
             </a:fld>
             <a:endParaRPr lang="de-CH"/>
           </a:p>
@@ -1317,7 +1469,7 @@
     </p:spTree>
     <p:extLst>
       <p:ext uri="{BB962C8B-B14F-4D97-AF65-F5344CB8AC3E}">
-        <p14:creationId xmlns:p14="http://schemas.microsoft.com/office/powerpoint/2010/main" val="300894014"/>
+        <p14:creationId xmlns:p14="http://schemas.microsoft.com/office/powerpoint/2010/main" val="3447367974"/>
       </p:ext>
     </p:extLst>
   </p:cSld>
@@ -1372,26 +1524,56 @@
           <a:lstStyle/>
           <a:p>
             <a:r>
-              <a:rPr lang="de-CH" dirty="0" smtClean="0"/>
-              <a:t>Problemdomäne ursprünglich Prolog</a:t>
-            </a:r>
-          </a:p>
-          <a:p>
-            <a:r>
-              <a:rPr lang="de-CH" dirty="0" smtClean="0"/>
-              <a:t>-&gt;</a:t>
-            </a:r>
-            <a:r>
-              <a:rPr lang="de-CH" baseline="0" dirty="0" smtClean="0"/>
-              <a:t> Für welche Art von Domänen sind </a:t>
-            </a:r>
-            <a:r>
-              <a:rPr lang="de-CH" baseline="0" dirty="0" err="1" smtClean="0"/>
-              <a:t>Ontologien</a:t>
-            </a:r>
-            <a:r>
-              <a:rPr lang="de-CH" baseline="0" dirty="0" smtClean="0"/>
-              <a:t> geeignet</a:t>
+              <a:rPr lang="de-CH" dirty="0"/>
+              <a:t>Der klassische Ansatz der Wissensabbildung, zum Beispiel in Form von UML, welchem die relationale Datenspeicherung</a:t>
+            </a:r>
+          </a:p>
+          <a:p>
+            <a:r>
+              <a:rPr lang="de-CH" dirty="0"/>
+              <a:t>zugrunde liegt, wird in der heutigen Informatik weitläufig eingesetzt und ist de facto Standard. Häufig</a:t>
+            </a:r>
+          </a:p>
+          <a:p>
+            <a:r>
+              <a:rPr lang="de-CH" dirty="0"/>
+              <a:t>geschieht dies in enger Verbindung mit der objektorientierten Programmierung. Experten aus einer Fachrichtung</a:t>
+            </a:r>
+          </a:p>
+          <a:p>
+            <a:r>
+              <a:rPr lang="de-CH" dirty="0"/>
+              <a:t>sind fähig diese Daten zu interpretieren und daraus Schlüsse zu ziehen. Es ist aber nicht möglich automatisch</a:t>
+            </a:r>
+          </a:p>
+          <a:p>
+            <a:r>
+              <a:rPr lang="de-CH" dirty="0"/>
+              <a:t>Fragestellungen zu beantworten, welche über reine Relationsverknüpfungen hinausgehen. Mit dieser Technik sind</a:t>
+            </a:r>
+          </a:p>
+          <a:p>
+            <a:r>
+              <a:rPr lang="de-CH" dirty="0"/>
+              <a:t>Objekteigenschaften und -Verhalten also eher schwer abbildbar. Eine andere Art Wissen zu repräsentieren sind</a:t>
+            </a:r>
+          </a:p>
+          <a:p>
+            <a:r>
+              <a:rPr lang="de-CH" dirty="0"/>
+              <a:t>semantische Datenbanken. Diese ermöglichen das Abbilden des Objektverhaltens und können mithilfe von Schlussfolgerungen</a:t>
+            </a:r>
+          </a:p>
+          <a:p>
+            <a:r>
+              <a:rPr lang="de-CH" dirty="0"/>
+              <a:t>die Rolle des Experten einnehmen.</a:t>
+            </a:r>
+          </a:p>
+          <a:p>
+            <a:r>
+              <a:rPr lang="de-CH" dirty="0"/>
+              <a:t>Sven</a:t>
             </a:r>
             <a:endParaRPr lang="de-CH" dirty="0" smtClean="0"/>
           </a:p>
@@ -1417,7 +1599,7 @@
           <a:p>
             <a:fld id="{37E44704-8E6D-4CF2-8CFA-A0F7BC751896}" type="slidenum">
               <a:rPr lang="de-CH" smtClean="0"/>
-              <a:t>7</a:t>
+              <a:t>4</a:t>
             </a:fld>
             <a:endParaRPr lang="de-CH"/>
           </a:p>
@@ -1426,7 +1608,7 @@
     </p:spTree>
     <p:extLst>
       <p:ext uri="{BB962C8B-B14F-4D97-AF65-F5344CB8AC3E}">
-        <p14:creationId xmlns:p14="http://schemas.microsoft.com/office/powerpoint/2010/main" val="3377736779"/>
+        <p14:creationId xmlns:p14="http://schemas.microsoft.com/office/powerpoint/2010/main" val="3261965360"/>
       </p:ext>
     </p:extLst>
   </p:cSld>
@@ -1481,63 +1663,58 @@
           <a:lstStyle/>
           <a:p>
             <a:r>
-              <a:rPr lang="de-CH" dirty="0" smtClean="0"/>
-              <a:t>Beschränkt </a:t>
-            </a:r>
-            <a:r>
-              <a:rPr lang="de-CH" dirty="0" err="1" smtClean="0"/>
-              <a:t>Inteligent</a:t>
-            </a:r>
-            <a:r>
-              <a:rPr lang="de-CH" dirty="0" smtClean="0"/>
-              <a:t>: nur mit</a:t>
-            </a:r>
-            <a:r>
-              <a:rPr lang="de-CH" baseline="0" dirty="0" smtClean="0"/>
-              <a:t> unseren Regeln  </a:t>
-            </a:r>
-            <a:r>
-              <a:rPr lang="de-CH" baseline="0" dirty="0" err="1" smtClean="0"/>
-              <a:t>inteligent</a:t>
-            </a:r>
-            <a:r>
-              <a:rPr lang="de-CH" baseline="0" dirty="0" smtClean="0"/>
-              <a:t>; Nur simple Inferenz vorgegeben</a:t>
-            </a:r>
-            <a:endParaRPr lang="de-CH" dirty="0" smtClean="0"/>
-          </a:p>
-          <a:p>
-            <a:r>
-              <a:rPr lang="de-CH" dirty="0" smtClean="0"/>
-              <a:t>Werkzeuge:</a:t>
-            </a:r>
-            <a:r>
-              <a:rPr lang="de-CH" baseline="0" dirty="0" smtClean="0"/>
+              <a:rPr lang="de-CH" dirty="0"/>
+              <a:t>In dieser Bachelorthesis soll eine solche semantische Datenbank aufgebaut und angewendet werden. Die Arbeit</a:t>
+            </a:r>
+          </a:p>
+          <a:p>
+            <a:r>
+              <a:rPr lang="de-CH" dirty="0"/>
+              <a:t>wurde in zwei Teilen umgesetzt: Einem theoretischen und einem praktischen Teil. Der theoretische Teil zeigt</a:t>
+            </a:r>
+          </a:p>
+          <a:p>
+            <a:r>
+              <a:rPr lang="de-CH" dirty="0"/>
+              <a:t>in Form eines Tutorials auf, wie ein </a:t>
+            </a:r>
+            <a:r>
+              <a:rPr lang="de-CH" dirty="0" err="1"/>
+              <a:t>knowledge</a:t>
+            </a:r>
+            <a:r>
+              <a:rPr lang="de-CH" dirty="0"/>
               <a:t> </a:t>
             </a:r>
             <a:r>
-              <a:rPr lang="de-CH" baseline="0" dirty="0" err="1" smtClean="0"/>
-              <a:t>fehler</a:t>
-            </a:r>
-            <a:r>
-              <a:rPr lang="de-CH" baseline="0" dirty="0" smtClean="0"/>
-              <a:t>/ </a:t>
-            </a:r>
-            <a:r>
-              <a:rPr lang="de-CH" baseline="0" dirty="0" err="1" smtClean="0"/>
-              <a:t>Bastlig</a:t>
-            </a:r>
-            <a:r>
-              <a:rPr lang="de-CH" baseline="0" dirty="0" smtClean="0"/>
-              <a:t>  -&gt; nur mit </a:t>
-            </a:r>
-            <a:r>
-              <a:rPr lang="de-CH" baseline="0" dirty="0" err="1" smtClean="0"/>
-              <a:t>Komination</a:t>
-            </a:r>
-            <a:r>
-              <a:rPr lang="de-CH" baseline="0" dirty="0" smtClean="0"/>
-              <a:t> von zwei Werkzeugen nutzbar</a:t>
+              <a:rPr lang="de-CH" dirty="0" err="1"/>
+              <a:t>engineer</a:t>
+            </a:r>
+            <a:r>
+              <a:rPr lang="de-CH" dirty="0"/>
+              <a:t> bei der Wissensmodellierung vorgehen kann. Er nutzt dabei</a:t>
+            </a:r>
+          </a:p>
+          <a:p>
+            <a:r>
+              <a:rPr lang="de-CH" dirty="0" err="1"/>
+              <a:t>Ontologien</a:t>
+            </a:r>
+            <a:r>
+              <a:rPr lang="de-CH" dirty="0"/>
+              <a:t> als Basis, um eine semantische Datenbank aufzubauen. Im praktischen Teil soll eine solche Ontologie</a:t>
+            </a:r>
+          </a:p>
+          <a:p>
+            <a:r>
+              <a:rPr lang="de-CH" dirty="0"/>
+              <a:t>aufgebaut und per Benutzerschnittstelle zugänglich gemacht werden.</a:t>
+            </a:r>
+          </a:p>
+          <a:p>
+            <a:r>
+              <a:rPr lang="de-CH" dirty="0"/>
+              <a:t>Sven</a:t>
             </a:r>
             <a:endParaRPr lang="de-CH" dirty="0" smtClean="0"/>
           </a:p>
@@ -1563,7 +1740,7 @@
           <a:p>
             <a:fld id="{37E44704-8E6D-4CF2-8CFA-A0F7BC751896}" type="slidenum">
               <a:rPr lang="de-CH" smtClean="0"/>
-              <a:t>12</a:t>
+              <a:t>5</a:t>
             </a:fld>
             <a:endParaRPr lang="de-CH"/>
           </a:p>
@@ -1572,7 +1749,7 @@
     </p:spTree>
     <p:extLst>
       <p:ext uri="{BB962C8B-B14F-4D97-AF65-F5344CB8AC3E}">
-        <p14:creationId xmlns:p14="http://schemas.microsoft.com/office/powerpoint/2010/main" val="194382555"/>
+        <p14:creationId xmlns:p14="http://schemas.microsoft.com/office/powerpoint/2010/main" val="300894014"/>
       </p:ext>
     </p:extLst>
   </p:cSld>
@@ -1626,7 +1803,11 @@
           <a:bodyPr/>
           <a:lstStyle/>
           <a:p>
-            <a:endParaRPr lang="de-CH"/>
+            <a:r>
+              <a:rPr lang="de-CH" dirty="0" smtClean="0"/>
+              <a:t>Mira</a:t>
+            </a:r>
+            <a:endParaRPr lang="de-CH" dirty="0"/>
           </a:p>
         </p:txBody>
       </p:sp>
@@ -1647,7 +1828,7 @@
           <a:p>
             <a:fld id="{37E44704-8E6D-4CF2-8CFA-A0F7BC751896}" type="slidenum">
               <a:rPr lang="de-CH" smtClean="0"/>
-              <a:t>14</a:t>
+              <a:t>6</a:t>
             </a:fld>
             <a:endParaRPr lang="de-CH"/>
           </a:p>
@@ -1656,7 +1837,321 @@
     </p:spTree>
     <p:extLst>
       <p:ext uri="{BB962C8B-B14F-4D97-AF65-F5344CB8AC3E}">
-        <p14:creationId xmlns:p14="http://schemas.microsoft.com/office/powerpoint/2010/main" val="2027060611"/>
+        <p14:creationId xmlns:p14="http://schemas.microsoft.com/office/powerpoint/2010/main" val="2781595221"/>
+      </p:ext>
+    </p:extLst>
+  </p:cSld>
+  <p:clrMapOvr>
+    <a:masterClrMapping/>
+  </p:clrMapOvr>
+</p:notes>
+</file>
+
+<file path=ppt/notesSlides/notesSlide7.xml><?xml version="1.0" encoding="utf-8"?>
+<p:notes xmlns:a="http://schemas.openxmlformats.org/drawingml/2006/main" xmlns:r="http://schemas.openxmlformats.org/officeDocument/2006/relationships" xmlns:p="http://schemas.openxmlformats.org/presentationml/2006/main">
+  <p:cSld>
+    <p:spTree>
+      <p:nvGrpSpPr>
+        <p:cNvPr id="1" name=""/>
+        <p:cNvGrpSpPr/>
+        <p:nvPr/>
+      </p:nvGrpSpPr>
+      <p:grpSpPr>
+        <a:xfrm>
+          <a:off x="0" y="0"/>
+          <a:ext cx="0" cy="0"/>
+          <a:chOff x="0" y="0"/>
+          <a:chExt cx="0" cy="0"/>
+        </a:xfrm>
+      </p:grpSpPr>
+      <p:sp>
+        <p:nvSpPr>
+          <p:cNvPr id="2" name="Folienbildplatzhalter 1"/>
+          <p:cNvSpPr>
+            <a:spLocks noGrp="1" noRot="1" noChangeAspect="1"/>
+          </p:cNvSpPr>
+          <p:nvPr>
+            <p:ph type="sldImg"/>
+          </p:nvPr>
+        </p:nvSpPr>
+        <p:spPr/>
+      </p:sp>
+      <p:sp>
+        <p:nvSpPr>
+          <p:cNvPr id="3" name="Notizenplatzhalter 2"/>
+          <p:cNvSpPr>
+            <a:spLocks noGrp="1"/>
+          </p:cNvSpPr>
+          <p:nvPr>
+            <p:ph type="body" idx="1"/>
+          </p:nvPr>
+        </p:nvSpPr>
+        <p:spPr/>
+        <p:txBody>
+          <a:bodyPr/>
+          <a:lstStyle/>
+          <a:p>
+            <a:r>
+              <a:rPr lang="de-CH" dirty="0" smtClean="0"/>
+              <a:t>Problemdomäne ursprünglich Prolog</a:t>
+            </a:r>
+          </a:p>
+          <a:p>
+            <a:r>
+              <a:rPr lang="de-CH" dirty="0" smtClean="0"/>
+              <a:t>-&gt;</a:t>
+            </a:r>
+            <a:r>
+              <a:rPr lang="de-CH" baseline="0" dirty="0" smtClean="0"/>
+              <a:t> Für welche Art von Domänen sind </a:t>
+            </a:r>
+            <a:r>
+              <a:rPr lang="de-CH" baseline="0" dirty="0" err="1" smtClean="0"/>
+              <a:t>Ontologien</a:t>
+            </a:r>
+            <a:r>
+              <a:rPr lang="de-CH" baseline="0" dirty="0" smtClean="0"/>
+              <a:t> </a:t>
+            </a:r>
+            <a:r>
+              <a:rPr lang="de-CH" baseline="0" dirty="0" smtClean="0"/>
+              <a:t>geeignet</a:t>
+            </a:r>
+          </a:p>
+          <a:p>
+            <a:endParaRPr lang="de-CH" baseline="0" dirty="0" smtClean="0"/>
+          </a:p>
+          <a:p>
+            <a:r>
+              <a:rPr lang="de-CH" baseline="0" dirty="0" smtClean="0"/>
+              <a:t>Sven</a:t>
+            </a:r>
+            <a:endParaRPr lang="de-CH" dirty="0" smtClean="0"/>
+          </a:p>
+          <a:p>
+            <a:endParaRPr lang="de-CH" dirty="0"/>
+          </a:p>
+        </p:txBody>
+      </p:sp>
+      <p:sp>
+        <p:nvSpPr>
+          <p:cNvPr id="4" name="Foliennummernplatzhalter 3"/>
+          <p:cNvSpPr>
+            <a:spLocks noGrp="1"/>
+          </p:cNvSpPr>
+          <p:nvPr>
+            <p:ph type="sldNum" sz="quarter" idx="10"/>
+          </p:nvPr>
+        </p:nvSpPr>
+        <p:spPr/>
+        <p:txBody>
+          <a:bodyPr/>
+          <a:lstStyle/>
+          <a:p>
+            <a:fld id="{37E44704-8E6D-4CF2-8CFA-A0F7BC751896}" type="slidenum">
+              <a:rPr lang="de-CH" smtClean="0"/>
+              <a:t>7</a:t>
+            </a:fld>
+            <a:endParaRPr lang="de-CH"/>
+          </a:p>
+        </p:txBody>
+      </p:sp>
+    </p:spTree>
+    <p:extLst>
+      <p:ext uri="{BB962C8B-B14F-4D97-AF65-F5344CB8AC3E}">
+        <p14:creationId xmlns:p14="http://schemas.microsoft.com/office/powerpoint/2010/main" val="3377736779"/>
+      </p:ext>
+    </p:extLst>
+  </p:cSld>
+  <p:clrMapOvr>
+    <a:masterClrMapping/>
+  </p:clrMapOvr>
+</p:notes>
+</file>
+
+<file path=ppt/notesSlides/notesSlide8.xml><?xml version="1.0" encoding="utf-8"?>
+<p:notes xmlns:a="http://schemas.openxmlformats.org/drawingml/2006/main" xmlns:r="http://schemas.openxmlformats.org/officeDocument/2006/relationships" xmlns:p="http://schemas.openxmlformats.org/presentationml/2006/main">
+  <p:cSld>
+    <p:spTree>
+      <p:nvGrpSpPr>
+        <p:cNvPr id="1" name=""/>
+        <p:cNvGrpSpPr/>
+        <p:nvPr/>
+      </p:nvGrpSpPr>
+      <p:grpSpPr>
+        <a:xfrm>
+          <a:off x="0" y="0"/>
+          <a:ext cx="0" cy="0"/>
+          <a:chOff x="0" y="0"/>
+          <a:chExt cx="0" cy="0"/>
+        </a:xfrm>
+      </p:grpSpPr>
+      <p:sp>
+        <p:nvSpPr>
+          <p:cNvPr id="2" name="Folienbildplatzhalter 1"/>
+          <p:cNvSpPr>
+            <a:spLocks noGrp="1" noRot="1" noChangeAspect="1"/>
+          </p:cNvSpPr>
+          <p:nvPr>
+            <p:ph type="sldImg"/>
+          </p:nvPr>
+        </p:nvSpPr>
+        <p:spPr/>
+      </p:sp>
+      <p:sp>
+        <p:nvSpPr>
+          <p:cNvPr id="3" name="Notizenplatzhalter 2"/>
+          <p:cNvSpPr>
+            <a:spLocks noGrp="1"/>
+          </p:cNvSpPr>
+          <p:nvPr>
+            <p:ph type="body" idx="1"/>
+          </p:nvPr>
+        </p:nvSpPr>
+        <p:spPr/>
+        <p:txBody>
+          <a:bodyPr/>
+          <a:lstStyle/>
+          <a:p>
+            <a:r>
+              <a:rPr lang="de-CH" baseline="0" dirty="0" smtClean="0"/>
+              <a:t>Speicherung als RDF/XML in OWL </a:t>
+            </a:r>
+            <a:r>
+              <a:rPr lang="de-CH" baseline="0" dirty="0" smtClean="0"/>
+              <a:t>Dateien</a:t>
+            </a:r>
+          </a:p>
+          <a:p>
+            <a:endParaRPr lang="de-CH" baseline="0" dirty="0" smtClean="0"/>
+          </a:p>
+          <a:p>
+            <a:r>
+              <a:rPr lang="de-CH" baseline="0" dirty="0" smtClean="0"/>
+              <a:t>Mira</a:t>
+            </a:r>
+            <a:endParaRPr lang="de-CH" dirty="0" smtClean="0"/>
+          </a:p>
+          <a:p>
+            <a:endParaRPr lang="de-CH" dirty="0"/>
+          </a:p>
+        </p:txBody>
+      </p:sp>
+      <p:sp>
+        <p:nvSpPr>
+          <p:cNvPr id="4" name="Foliennummernplatzhalter 3"/>
+          <p:cNvSpPr>
+            <a:spLocks noGrp="1"/>
+          </p:cNvSpPr>
+          <p:nvPr>
+            <p:ph type="sldNum" sz="quarter" idx="10"/>
+          </p:nvPr>
+        </p:nvSpPr>
+        <p:spPr/>
+        <p:txBody>
+          <a:bodyPr/>
+          <a:lstStyle/>
+          <a:p>
+            <a:fld id="{37E44704-8E6D-4CF2-8CFA-A0F7BC751896}" type="slidenum">
+              <a:rPr lang="de-CH" smtClean="0"/>
+              <a:t>8</a:t>
+            </a:fld>
+            <a:endParaRPr lang="de-CH"/>
+          </a:p>
+        </p:txBody>
+      </p:sp>
+    </p:spTree>
+    <p:extLst>
+      <p:ext uri="{BB962C8B-B14F-4D97-AF65-F5344CB8AC3E}">
+        <p14:creationId xmlns:p14="http://schemas.microsoft.com/office/powerpoint/2010/main" val="304994469"/>
+      </p:ext>
+    </p:extLst>
+  </p:cSld>
+  <p:clrMapOvr>
+    <a:masterClrMapping/>
+  </p:clrMapOvr>
+</p:notes>
+</file>
+
+<file path=ppt/notesSlides/notesSlide9.xml><?xml version="1.0" encoding="utf-8"?>
+<p:notes xmlns:a="http://schemas.openxmlformats.org/drawingml/2006/main" xmlns:r="http://schemas.openxmlformats.org/officeDocument/2006/relationships" xmlns:p="http://schemas.openxmlformats.org/presentationml/2006/main">
+  <p:cSld>
+    <p:spTree>
+      <p:nvGrpSpPr>
+        <p:cNvPr id="1" name=""/>
+        <p:cNvGrpSpPr/>
+        <p:nvPr/>
+      </p:nvGrpSpPr>
+      <p:grpSpPr>
+        <a:xfrm>
+          <a:off x="0" y="0"/>
+          <a:ext cx="0" cy="0"/>
+          <a:chOff x="0" y="0"/>
+          <a:chExt cx="0" cy="0"/>
+        </a:xfrm>
+      </p:grpSpPr>
+      <p:sp>
+        <p:nvSpPr>
+          <p:cNvPr id="2" name="Folienbildplatzhalter 1"/>
+          <p:cNvSpPr>
+            <a:spLocks noGrp="1" noRot="1" noChangeAspect="1"/>
+          </p:cNvSpPr>
+          <p:nvPr>
+            <p:ph type="sldImg"/>
+          </p:nvPr>
+        </p:nvSpPr>
+        <p:spPr/>
+      </p:sp>
+      <p:sp>
+        <p:nvSpPr>
+          <p:cNvPr id="3" name="Notizenplatzhalter 2"/>
+          <p:cNvSpPr>
+            <a:spLocks noGrp="1"/>
+          </p:cNvSpPr>
+          <p:nvPr>
+            <p:ph type="body" idx="1"/>
+          </p:nvPr>
+        </p:nvSpPr>
+        <p:spPr/>
+        <p:txBody>
+          <a:bodyPr/>
+          <a:lstStyle/>
+          <a:p>
+            <a:r>
+              <a:rPr lang="de-CH" dirty="0" smtClean="0"/>
+              <a:t>Mira</a:t>
+            </a:r>
+            <a:endParaRPr lang="de-CH" dirty="0"/>
+          </a:p>
+        </p:txBody>
+      </p:sp>
+      <p:sp>
+        <p:nvSpPr>
+          <p:cNvPr id="4" name="Foliennummernplatzhalter 3"/>
+          <p:cNvSpPr>
+            <a:spLocks noGrp="1"/>
+          </p:cNvSpPr>
+          <p:nvPr>
+            <p:ph type="sldNum" sz="quarter" idx="10"/>
+          </p:nvPr>
+        </p:nvSpPr>
+        <p:spPr/>
+        <p:txBody>
+          <a:bodyPr/>
+          <a:lstStyle/>
+          <a:p>
+            <a:fld id="{37E44704-8E6D-4CF2-8CFA-A0F7BC751896}" type="slidenum">
+              <a:rPr lang="de-CH" smtClean="0"/>
+              <a:t>9</a:t>
+            </a:fld>
+            <a:endParaRPr lang="de-CH"/>
+          </a:p>
+        </p:txBody>
+      </p:sp>
+    </p:spTree>
+    <p:extLst>
+      <p:ext uri="{BB962C8B-B14F-4D97-AF65-F5344CB8AC3E}">
+        <p14:creationId xmlns:p14="http://schemas.microsoft.com/office/powerpoint/2010/main" val="482512553"/>
       </p:ext>
     </p:extLst>
   </p:cSld>
@@ -7636,15 +8131,39 @@
             <p:ph type="subTitle" idx="1"/>
           </p:nvPr>
         </p:nvSpPr>
-        <p:spPr/>
+        <p:spPr>
+          <a:xfrm>
+            <a:off x="468000" y="2372912"/>
+            <a:ext cx="6513884" cy="903687"/>
+          </a:xfrm>
+        </p:spPr>
         <p:txBody>
           <a:bodyPr/>
           <a:lstStyle/>
           <a:p>
             <a:r>
               <a:rPr lang="de-CH" dirty="0" smtClean="0"/>
-              <a:t>Abschlusspräsentation Bachelor Thesis</a:t>
-            </a:r>
+              <a:t>Abschlusspräsentation </a:t>
+            </a:r>
+            <a:r>
+              <a:rPr lang="de-CH" dirty="0"/>
+              <a:t>Bachelor </a:t>
+            </a:r>
+            <a:r>
+              <a:rPr lang="de-CH" dirty="0" smtClean="0"/>
+              <a:t>Thesis</a:t>
+            </a:r>
+          </a:p>
+          <a:p>
+            <a:endParaRPr lang="de-CH" dirty="0"/>
+          </a:p>
+          <a:p>
+            <a:r>
+              <a:rPr lang="de-CH" dirty="0" smtClean="0"/>
+              <a:t>Theoretische Grundlagen; Aufbau und Nutzung einer semantischen Datenbank</a:t>
+            </a:r>
+          </a:p>
+          <a:p>
             <a:endParaRPr lang="de-CH" dirty="0"/>
           </a:p>
         </p:txBody>
@@ -7662,7 +8181,7 @@
         <p:spPr>
           <a:xfrm>
             <a:off x="462006" y="5754914"/>
-            <a:ext cx="6790384" cy="803054"/>
+            <a:ext cx="6790384" cy="1014186"/>
           </a:xfrm>
         </p:spPr>
         <p:txBody>
@@ -7686,6 +8205,19 @@
             <a:endParaRPr lang="de-CH" dirty="0" smtClean="0"/>
           </a:p>
           <a:p>
+            <a:pPr marL="0" lvl="1" indent="0">
+              <a:buNone/>
+              <a:tabLst>
+                <a:tab pos="1074738" algn="l"/>
+                <a:tab pos="2151063" algn="l"/>
+              </a:tabLst>
+            </a:pPr>
+            <a:r>
+              <a:rPr lang="de-CH" dirty="0" smtClean="0"/>
+              <a:t>	Sven Osterwalder</a:t>
+            </a:r>
+          </a:p>
+          <a:p>
             <a:pPr lvl="1">
               <a:tabLst>
                 <a:tab pos="1074738" algn="l"/>
@@ -7694,7 +8226,11 @@
             </a:pPr>
             <a:r>
               <a:rPr lang="de-CH" dirty="0" smtClean="0"/>
-              <a:t>	Sven Osterwalder</a:t>
+              <a:t>Betreuer:	Prof. Dr. Jürgen </a:t>
+            </a:r>
+            <a:r>
+              <a:rPr lang="de-CH" dirty="0" err="1" smtClean="0"/>
+              <a:t>Eckerle</a:t>
             </a:r>
             <a:endParaRPr lang="de-CH" dirty="0" smtClean="0"/>
           </a:p>
@@ -7707,17 +8243,8 @@
             </a:pPr>
             <a:r>
               <a:rPr lang="de-CH" dirty="0" smtClean="0"/>
-              <a:t>Betreuer:	Dr</a:t>
-            </a:r>
-            <a:r>
-              <a:rPr lang="de-CH" dirty="0" smtClean="0"/>
-              <a:t>. Jürgen </a:t>
-            </a:r>
-            <a:r>
-              <a:rPr lang="de-CH" dirty="0" err="1" smtClean="0"/>
-              <a:t>Eckerle</a:t>
-            </a:r>
-            <a:endParaRPr lang="de-CH" dirty="0" smtClean="0"/>
+              <a:t>Experte:	Jean-Marie Leclerc</a:t>
+            </a:r>
           </a:p>
           <a:p>
             <a:pPr lvl="1">
@@ -7728,7 +8255,7 @@
             </a:pPr>
             <a:r>
               <a:rPr lang="de-CH" dirty="0" smtClean="0"/>
-              <a:t>Experte:	Jean-Marie Leclerc</a:t>
+              <a:t>Datum:	16.01.2015</a:t>
             </a:r>
           </a:p>
           <a:p>
@@ -7781,12 +8308,12 @@
       </p:grpSpPr>
       <p:sp>
         <p:nvSpPr>
-          <p:cNvPr id="2" name="Inhaltsplatzhalter 1"/>
-          <p:cNvSpPr>
-            <a:spLocks noGrp="1"/>
-          </p:cNvSpPr>
-          <p:nvPr>
-            <p:ph sz="half" idx="1"/>
+          <p:cNvPr id="3" name="Titel 2"/>
+          <p:cNvSpPr>
+            <a:spLocks noGrp="1"/>
+          </p:cNvSpPr>
+          <p:nvPr>
+            <p:ph type="ctrTitle"/>
           </p:nvPr>
         </p:nvSpPr>
         <p:spPr/>
@@ -7794,2238 +8321,11 @@
           <a:bodyPr/>
           <a:lstStyle/>
           <a:p>
-            <a:endParaRPr lang="de-CH"/>
-          </a:p>
-        </p:txBody>
-      </p:sp>
-      <p:sp>
-        <p:nvSpPr>
-          <p:cNvPr id="3" name="Titel 2"/>
-          <p:cNvSpPr>
-            <a:spLocks noGrp="1"/>
-          </p:cNvSpPr>
-          <p:nvPr>
-            <p:ph type="ctrTitle"/>
-          </p:nvPr>
-        </p:nvSpPr>
-        <p:spPr/>
-        <p:txBody>
-          <a:bodyPr/>
-          <a:lstStyle/>
-          <a:p>
-            <a:r>
-              <a:rPr lang="de-CH" dirty="0" err="1"/>
-              <a:t>Graphdatenbank</a:t>
+            <a:r>
+              <a:rPr lang="de-CH" dirty="0" smtClean="0"/>
+              <a:t>Semantisches Netz</a:t>
             </a:r>
             <a:endParaRPr lang="de-CH" dirty="0"/>
-          </a:p>
-        </p:txBody>
-      </p:sp>
-      <p:pic>
-        <p:nvPicPr>
-          <p:cNvPr id="4" name="Inhaltsplatzhalter 3"/>
-          <p:cNvPicPr>
-            <a:picLocks noChangeAspect="1"/>
-          </p:cNvPicPr>
-          <p:nvPr/>
-        </p:nvPicPr>
-        <p:blipFill>
-          <a:blip r:embed="rId2"/>
-          <a:stretch>
-            <a:fillRect/>
-          </a:stretch>
-        </p:blipFill>
-        <p:spPr>
-          <a:xfrm>
-            <a:off x="1195814" y="1768636"/>
-            <a:ext cx="6644372" cy="4022725"/>
-          </a:xfrm>
-          <a:prstGeom prst="rect">
-            <a:avLst/>
-          </a:prstGeom>
-        </p:spPr>
-      </p:pic>
-    </p:spTree>
-    <p:extLst>
-      <p:ext uri="{BB962C8B-B14F-4D97-AF65-F5344CB8AC3E}">
-        <p14:creationId xmlns:p14="http://schemas.microsoft.com/office/powerpoint/2010/main" val="493163707"/>
-      </p:ext>
-    </p:extLst>
-  </p:cSld>
-  <p:clrMapOvr>
-    <a:masterClrMapping/>
-  </p:clrMapOvr>
-  <p:timing>
-    <p:tnLst>
-      <p:par>
-        <p:cTn id="1" dur="indefinite" restart="never" nodeType="tmRoot"/>
-      </p:par>
-    </p:tnLst>
-  </p:timing>
-</p:sld>
-</file>
-
-<file path=ppt/slides/slide11.xml><?xml version="1.0" encoding="utf-8"?>
-<p:sld xmlns:a="http://schemas.openxmlformats.org/drawingml/2006/main" xmlns:r="http://schemas.openxmlformats.org/officeDocument/2006/relationships" xmlns:p="http://schemas.openxmlformats.org/presentationml/2006/main">
-  <p:cSld>
-    <p:spTree>
-      <p:nvGrpSpPr>
-        <p:cNvPr id="1" name=""/>
-        <p:cNvGrpSpPr/>
-        <p:nvPr/>
-      </p:nvGrpSpPr>
-      <p:grpSpPr>
-        <a:xfrm>
-          <a:off x="0" y="0"/>
-          <a:ext cx="0" cy="0"/>
-          <a:chOff x="0" y="0"/>
-          <a:chExt cx="0" cy="0"/>
-        </a:xfrm>
-      </p:grpSpPr>
-      <p:sp>
-        <p:nvSpPr>
-          <p:cNvPr id="2" name="Inhaltsplatzhalter 1"/>
-          <p:cNvSpPr>
-            <a:spLocks noGrp="1"/>
-          </p:cNvSpPr>
-          <p:nvPr>
-            <p:ph sz="half" idx="1"/>
-          </p:nvPr>
-        </p:nvSpPr>
-        <p:spPr/>
-        <p:txBody>
-          <a:bodyPr/>
-          <a:lstStyle/>
-          <a:p>
-            <a:endParaRPr lang="de-CH" dirty="0"/>
-          </a:p>
-        </p:txBody>
-      </p:sp>
-      <p:sp>
-        <p:nvSpPr>
-          <p:cNvPr id="3" name="Titel 2"/>
-          <p:cNvSpPr>
-            <a:spLocks noGrp="1"/>
-          </p:cNvSpPr>
-          <p:nvPr>
-            <p:ph type="ctrTitle"/>
-          </p:nvPr>
-        </p:nvSpPr>
-        <p:spPr/>
-        <p:txBody>
-          <a:bodyPr/>
-          <a:lstStyle/>
-          <a:p>
-            <a:r>
-              <a:rPr lang="de-CH" dirty="0"/>
-              <a:t>Assistent</a:t>
-            </a:r>
-          </a:p>
-        </p:txBody>
-      </p:sp>
-      <p:pic>
-        <p:nvPicPr>
-          <p:cNvPr id="4" name="Grafik 3"/>
-          <p:cNvPicPr>
-            <a:picLocks noChangeAspect="1"/>
-          </p:cNvPicPr>
-          <p:nvPr/>
-        </p:nvPicPr>
-        <p:blipFill>
-          <a:blip r:embed="rId2"/>
-          <a:stretch>
-            <a:fillRect/>
-          </a:stretch>
-        </p:blipFill>
-        <p:spPr>
-          <a:xfrm>
-            <a:off x="1312837" y="1439999"/>
-            <a:ext cx="6410325" cy="4019550"/>
-          </a:xfrm>
-          <a:prstGeom prst="rect">
-            <a:avLst/>
-          </a:prstGeom>
-        </p:spPr>
-      </p:pic>
-    </p:spTree>
-    <p:extLst>
-      <p:ext uri="{BB962C8B-B14F-4D97-AF65-F5344CB8AC3E}">
-        <p14:creationId xmlns:p14="http://schemas.microsoft.com/office/powerpoint/2010/main" val="3852691952"/>
-      </p:ext>
-    </p:extLst>
-  </p:cSld>
-  <p:clrMapOvr>
-    <a:masterClrMapping/>
-  </p:clrMapOvr>
-  <p:timing>
-    <p:tnLst>
-      <p:par>
-        <p:cTn id="1" dur="indefinite" restart="never" nodeType="tmRoot"/>
-      </p:par>
-    </p:tnLst>
-  </p:timing>
-</p:sld>
-</file>
-
-<file path=ppt/slides/slide12.xml><?xml version="1.0" encoding="utf-8"?>
-<p:sld xmlns:a="http://schemas.openxmlformats.org/drawingml/2006/main" xmlns:r="http://schemas.openxmlformats.org/officeDocument/2006/relationships" xmlns:p="http://schemas.openxmlformats.org/presentationml/2006/main">
-  <p:cSld>
-    <p:spTree>
-      <p:nvGrpSpPr>
-        <p:cNvPr id="1" name=""/>
-        <p:cNvGrpSpPr/>
-        <p:nvPr/>
-      </p:nvGrpSpPr>
-      <p:grpSpPr>
-        <a:xfrm>
-          <a:off x="0" y="0"/>
-          <a:ext cx="0" cy="0"/>
-          <a:chOff x="0" y="0"/>
-          <a:chExt cx="0" cy="0"/>
-        </a:xfrm>
-      </p:grpSpPr>
-      <p:sp>
-        <p:nvSpPr>
-          <p:cNvPr id="2" name="Inhaltsplatzhalter 1"/>
-          <p:cNvSpPr>
-            <a:spLocks noGrp="1"/>
-          </p:cNvSpPr>
-          <p:nvPr>
-            <p:ph sz="half" idx="1"/>
-          </p:nvPr>
-        </p:nvSpPr>
-        <p:spPr/>
-        <p:txBody>
-          <a:bodyPr/>
-          <a:lstStyle/>
-          <a:p>
-            <a:r>
-              <a:rPr lang="de-CH" dirty="0"/>
-              <a:t>Viele neue Lerninhalte</a:t>
-            </a:r>
-          </a:p>
-          <a:p>
-            <a:r>
-              <a:rPr lang="de-CH" dirty="0"/>
-              <a:t>Umdenken</a:t>
-            </a:r>
-          </a:p>
-          <a:p>
-            <a:r>
-              <a:rPr lang="de-CH" dirty="0"/>
-              <a:t>Wechsel Problemdomäne</a:t>
-            </a:r>
-          </a:p>
-          <a:p>
-            <a:r>
-              <a:rPr lang="de-CH" dirty="0"/>
-              <a:t>Mächtig aber doch mit gewissen Einschränkungen</a:t>
-            </a:r>
-          </a:p>
-          <a:p>
-            <a:pPr lvl="1"/>
-            <a:r>
-              <a:rPr lang="de-CH" dirty="0"/>
-              <a:t>Beschränkt intelligent</a:t>
-            </a:r>
-          </a:p>
-          <a:p>
-            <a:pPr lvl="1"/>
-            <a:r>
-              <a:rPr lang="de-CH" dirty="0"/>
-              <a:t>Werkzeuge</a:t>
-            </a:r>
-          </a:p>
-          <a:p>
-            <a:endParaRPr lang="de-CH" dirty="0"/>
-          </a:p>
-        </p:txBody>
-      </p:sp>
-      <p:sp>
-        <p:nvSpPr>
-          <p:cNvPr id="3" name="Titel 2"/>
-          <p:cNvSpPr>
-            <a:spLocks noGrp="1"/>
-          </p:cNvSpPr>
-          <p:nvPr>
-            <p:ph type="ctrTitle"/>
-          </p:nvPr>
-        </p:nvSpPr>
-        <p:spPr/>
-        <p:txBody>
-          <a:bodyPr/>
-          <a:lstStyle/>
-          <a:p>
-            <a:r>
-              <a:rPr lang="de-CH" dirty="0"/>
-              <a:t>Fazit</a:t>
-            </a:r>
-          </a:p>
-        </p:txBody>
-      </p:sp>
-    </p:spTree>
-    <p:extLst>
-      <p:ext uri="{BB962C8B-B14F-4D97-AF65-F5344CB8AC3E}">
-        <p14:creationId xmlns:p14="http://schemas.microsoft.com/office/powerpoint/2010/main" val="367052300"/>
-      </p:ext>
-    </p:extLst>
-  </p:cSld>
-  <p:clrMapOvr>
-    <a:masterClrMapping/>
-  </p:clrMapOvr>
-  <p:timing>
-    <p:tnLst>
-      <p:par>
-        <p:cTn id="1" dur="indefinite" restart="never" nodeType="tmRoot"/>
-      </p:par>
-    </p:tnLst>
-  </p:timing>
-</p:sld>
-</file>
-
-<file path=ppt/slides/slide13.xml><?xml version="1.0" encoding="utf-8"?>
-<p:sld xmlns:a="http://schemas.openxmlformats.org/drawingml/2006/main" xmlns:r="http://schemas.openxmlformats.org/officeDocument/2006/relationships" xmlns:p="http://schemas.openxmlformats.org/presentationml/2006/main">
-  <p:cSld>
-    <p:spTree>
-      <p:nvGrpSpPr>
-        <p:cNvPr id="1" name=""/>
-        <p:cNvGrpSpPr/>
-        <p:nvPr/>
-      </p:nvGrpSpPr>
-      <p:grpSpPr>
-        <a:xfrm>
-          <a:off x="0" y="0"/>
-          <a:ext cx="0" cy="0"/>
-          <a:chOff x="0" y="0"/>
-          <a:chExt cx="0" cy="0"/>
-        </a:xfrm>
-      </p:grpSpPr>
-      <p:sp>
-        <p:nvSpPr>
-          <p:cNvPr id="5" name="Titel 4"/>
-          <p:cNvSpPr>
-            <a:spLocks noGrp="1"/>
-          </p:cNvSpPr>
-          <p:nvPr>
-            <p:ph type="ctrTitle"/>
-          </p:nvPr>
-        </p:nvSpPr>
-        <p:spPr/>
-        <p:txBody>
-          <a:bodyPr/>
-          <a:lstStyle/>
-          <a:p>
-            <a:endParaRPr lang="de-CH" dirty="0"/>
-          </a:p>
-        </p:txBody>
-      </p:sp>
-      <p:sp>
-        <p:nvSpPr>
-          <p:cNvPr id="6" name="Untertitel 5"/>
-          <p:cNvSpPr>
-            <a:spLocks noGrp="1"/>
-          </p:cNvSpPr>
-          <p:nvPr>
-            <p:ph type="subTitle" idx="1"/>
-          </p:nvPr>
-        </p:nvSpPr>
-        <p:spPr>
-          <a:xfrm>
-            <a:off x="3392885" y="2220513"/>
-            <a:ext cx="664114" cy="1466116"/>
-          </a:xfrm>
-        </p:spPr>
-        <p:txBody>
-          <a:bodyPr/>
-          <a:lstStyle/>
-          <a:p>
-            <a:r>
-              <a:rPr lang="de-CH" sz="9600" dirty="0" smtClean="0"/>
-              <a:t>?</a:t>
-            </a:r>
-            <a:endParaRPr lang="de-CH" sz="9600" dirty="0"/>
-          </a:p>
-        </p:txBody>
-      </p:sp>
-    </p:spTree>
-    <p:extLst>
-      <p:ext uri="{BB962C8B-B14F-4D97-AF65-F5344CB8AC3E}">
-        <p14:creationId xmlns:p14="http://schemas.microsoft.com/office/powerpoint/2010/main" val="3399875752"/>
-      </p:ext>
-    </p:extLst>
-  </p:cSld>
-  <p:clrMapOvr>
-    <a:masterClrMapping/>
-  </p:clrMapOvr>
-  <mc:AlternateContent xmlns:mc="http://schemas.openxmlformats.org/markup-compatibility/2006">
-    <mc:Choice xmlns:p14="http://schemas.microsoft.com/office/powerpoint/2010/main" Requires="p14">
-      <p:transition spd="slow" p14:dur="2000"/>
-    </mc:Choice>
-    <mc:Fallback>
-      <p:transition spd="slow"/>
-    </mc:Fallback>
-  </mc:AlternateContent>
-  <p:timing>
-    <p:tnLst>
-      <p:par>
-        <p:cTn id="1" dur="indefinite" restart="never" nodeType="tmRoot"/>
-      </p:par>
-    </p:tnLst>
-  </p:timing>
-</p:sld>
-</file>
-
-<file path=ppt/slides/slide14.xml><?xml version="1.0" encoding="utf-8"?>
-<p:sld xmlns:a="http://schemas.openxmlformats.org/drawingml/2006/main" xmlns:r="http://schemas.openxmlformats.org/officeDocument/2006/relationships" xmlns:p="http://schemas.openxmlformats.org/presentationml/2006/main" show="0">
-  <p:cSld>
-    <p:spTree>
-      <p:nvGrpSpPr>
-        <p:cNvPr id="1" name=""/>
-        <p:cNvGrpSpPr/>
-        <p:nvPr/>
-      </p:nvGrpSpPr>
-      <p:grpSpPr>
-        <a:xfrm>
-          <a:off x="0" y="0"/>
-          <a:ext cx="0" cy="0"/>
-          <a:chOff x="0" y="0"/>
-          <a:chExt cx="0" cy="0"/>
-        </a:xfrm>
-      </p:grpSpPr>
-      <p:sp>
-        <p:nvSpPr>
-          <p:cNvPr id="6146" name="Bildplatzhalter 1"/>
-          <p:cNvSpPr>
-            <a:spLocks noGrp="1"/>
-          </p:cNvSpPr>
-          <p:nvPr>
-            <p:ph type="pic" sz="quarter" idx="11"/>
-          </p:nvPr>
-        </p:nvSpPr>
-        <p:spPr bwMode="auto">
-          <a:xfrm>
-            <a:off x="0" y="1692275"/>
-            <a:ext cx="6119813" cy="2808288"/>
-          </a:xfrm>
-          <a:noFill/>
-          <a:extLst>
-            <a:ext uri="{909E8E84-426E-40DD-AFC4-6F175D3DCCD1}">
-              <a14:hiddenFill xmlns:a14="http://schemas.microsoft.com/office/drawing/2010/main">
-                <a:solidFill>
-                  <a:srgbClr val="FFFFFF"/>
-                </a:solidFill>
-              </a14:hiddenFill>
-            </a:ext>
-            <a:ext uri="{91240B29-F687-4F45-9708-019B960494DF}">
-              <a14:hiddenLine xmlns:a14="http://schemas.microsoft.com/office/drawing/2010/main" w="9525">
-                <a:solidFill>
-                  <a:srgbClr val="000000"/>
-                </a:solidFill>
-                <a:miter lim="800000"/>
-                <a:headEnd/>
-                <a:tailEnd/>
-              </a14:hiddenLine>
-            </a:ext>
-          </a:extLst>
-        </p:spPr>
-      </p:sp>
-      <p:sp>
-        <p:nvSpPr>
-          <p:cNvPr id="6147" name="Titel 2"/>
-          <p:cNvSpPr>
-            <a:spLocks noGrp="1"/>
-          </p:cNvSpPr>
-          <p:nvPr>
-            <p:ph type="ctrTitle"/>
-          </p:nvPr>
-        </p:nvSpPr>
-        <p:spPr bwMode="auto">
-          <a:xfrm>
-            <a:off x="468313" y="4622800"/>
-            <a:ext cx="8043862" cy="533400"/>
-          </a:xfrm>
-          <a:noFill/>
-          <a:extLst>
-            <a:ext uri="{909E8E84-426E-40DD-AFC4-6F175D3DCCD1}">
-              <a14:hiddenFill xmlns:a14="http://schemas.microsoft.com/office/drawing/2010/main">
-                <a:solidFill>
-                  <a:srgbClr val="FFFFFF"/>
-                </a:solidFill>
-              </a14:hiddenFill>
-            </a:ext>
-            <a:ext uri="{91240B29-F687-4F45-9708-019B960494DF}">
-              <a14:hiddenLine xmlns:a14="http://schemas.microsoft.com/office/drawing/2010/main" w="9525">
-                <a:solidFill>
-                  <a:srgbClr val="000000"/>
-                </a:solidFill>
-                <a:miter lim="800000"/>
-                <a:headEnd/>
-                <a:tailEnd/>
-              </a14:hiddenLine>
-            </a:ext>
-          </a:extLst>
-        </p:spPr>
-        <p:txBody>
-          <a:bodyPr vert="horz" wrap="square" tIns="45720" rIns="91440" bIns="45720" numCol="1" anchor="t" anchorCtr="0" compatLnSpc="1">
-            <a:prstTxWarp prst="textNoShape">
-              <a:avLst/>
-            </a:prstTxWarp>
-          </a:bodyPr>
-          <a:lstStyle/>
-          <a:p>
-            <a:endParaRPr lang="de-CH" dirty="0" smtClean="0">
-              <a:latin typeface="Lucida Sans" pitchFamily="34" charset="0"/>
-              <a:cs typeface="Lucida Sans Unicode" pitchFamily="34" charset="0"/>
-            </a:endParaRPr>
-          </a:p>
-        </p:txBody>
-      </p:sp>
-      <p:sp>
-        <p:nvSpPr>
-          <p:cNvPr id="6148" name="Untertitel 3"/>
-          <p:cNvSpPr>
-            <a:spLocks noGrp="1"/>
-          </p:cNvSpPr>
-          <p:nvPr>
-            <p:ph type="subTitle" idx="1"/>
-          </p:nvPr>
-        </p:nvSpPr>
-        <p:spPr bwMode="auto">
-          <a:xfrm>
-            <a:off x="468313" y="5156200"/>
-            <a:ext cx="6783387" cy="806450"/>
-          </a:xfrm>
-          <a:noFill/>
-          <a:extLst>
-            <a:ext uri="{909E8E84-426E-40DD-AFC4-6F175D3DCCD1}">
-              <a14:hiddenFill xmlns:a14="http://schemas.microsoft.com/office/drawing/2010/main">
-                <a:solidFill>
-                  <a:srgbClr val="FFFFFF"/>
-                </a:solidFill>
-              </a14:hiddenFill>
-            </a:ext>
-            <a:ext uri="{91240B29-F687-4F45-9708-019B960494DF}">
-              <a14:hiddenLine xmlns:a14="http://schemas.microsoft.com/office/drawing/2010/main" w="9525">
-                <a:solidFill>
-                  <a:srgbClr val="000000"/>
-                </a:solidFill>
-                <a:miter lim="800000"/>
-                <a:headEnd/>
-                <a:tailEnd/>
-              </a14:hiddenLine>
-            </a:ext>
-          </a:extLst>
-        </p:spPr>
-        <p:txBody>
-          <a:bodyPr vert="horz" wrap="square" tIns="45720" rIns="91440" bIns="45720" numCol="1" anchor="t" anchorCtr="0" compatLnSpc="1">
-            <a:prstTxWarp prst="textNoShape">
-              <a:avLst/>
-            </a:prstTxWarp>
-          </a:bodyPr>
-          <a:lstStyle/>
-          <a:p>
-            <a:endParaRPr lang="de-CH" smtClean="0">
-              <a:latin typeface="Lucida Sans" pitchFamily="34" charset="0"/>
-              <a:cs typeface="Lucida Sans Unicode" pitchFamily="34" charset="0"/>
-            </a:endParaRPr>
-          </a:p>
-        </p:txBody>
-      </p:sp>
-      <p:sp>
-        <p:nvSpPr>
-          <p:cNvPr id="6149" name="Textplatzhalter 4"/>
-          <p:cNvSpPr>
-            <a:spLocks noGrp="1"/>
-          </p:cNvSpPr>
-          <p:nvPr>
-            <p:ph type="body" sz="quarter" idx="13"/>
-          </p:nvPr>
-        </p:nvSpPr>
-        <p:spPr bwMode="auto">
-          <a:xfrm>
-            <a:off x="461963" y="6299200"/>
-            <a:ext cx="6789737" cy="258763"/>
-          </a:xfrm>
-          <a:noFill/>
-          <a:extLst>
-            <a:ext uri="{909E8E84-426E-40DD-AFC4-6F175D3DCCD1}">
-              <a14:hiddenFill xmlns:a14="http://schemas.microsoft.com/office/drawing/2010/main">
-                <a:solidFill>
-                  <a:srgbClr val="FFFFFF"/>
-                </a:solidFill>
-              </a14:hiddenFill>
-            </a:ext>
-            <a:ext uri="{91240B29-F687-4F45-9708-019B960494DF}">
-              <a14:hiddenLine xmlns:a14="http://schemas.microsoft.com/office/drawing/2010/main" w="9525">
-                <a:solidFill>
-                  <a:srgbClr val="000000"/>
-                </a:solidFill>
-                <a:miter lim="800000"/>
-                <a:headEnd/>
-                <a:tailEnd/>
-              </a14:hiddenLine>
-            </a:ext>
-          </a:extLst>
-        </p:spPr>
-        <p:txBody>
-          <a:bodyPr wrap="square" tIns="45720" bIns="45720" numCol="1" anchor="t" anchorCtr="0" compatLnSpc="1">
-            <a:prstTxWarp prst="textNoShape">
-              <a:avLst/>
-            </a:prstTxWarp>
-          </a:bodyPr>
-          <a:lstStyle/>
-          <a:p>
-            <a:endParaRPr lang="de-CH" dirty="0" smtClean="0">
-              <a:latin typeface="Lucida Sans" pitchFamily="34" charset="0"/>
-            </a:endParaRPr>
-          </a:p>
-        </p:txBody>
-      </p:sp>
-    </p:spTree>
-  </p:cSld>
-  <p:clrMapOvr>
-    <a:masterClrMapping/>
-  </p:clrMapOvr>
-  <mc:AlternateContent xmlns:mc="http://schemas.openxmlformats.org/markup-compatibility/2006">
-    <mc:Choice xmlns:p14="http://schemas.microsoft.com/office/powerpoint/2010/main" Requires="p14">
-      <p:transition spd="slow" p14:dur="2000"/>
-    </mc:Choice>
-    <mc:Fallback>
-      <p:transition spd="slow"/>
-    </mc:Fallback>
-  </mc:AlternateContent>
-  <p:timing>
-    <p:tnLst>
-      <p:par>
-        <p:cTn id="1" dur="indefinite" restart="never" nodeType="tmRoot"/>
-      </p:par>
-    </p:tnLst>
-  </p:timing>
-</p:sld>
-</file>
-
-<file path=ppt/slides/slide15.xml><?xml version="1.0" encoding="utf-8"?>
-<p:sld xmlns:a="http://schemas.openxmlformats.org/drawingml/2006/main" xmlns:r="http://schemas.openxmlformats.org/officeDocument/2006/relationships" xmlns:p="http://schemas.openxmlformats.org/presentationml/2006/main" show="0">
-  <p:cSld>
-    <p:spTree>
-      <p:nvGrpSpPr>
-        <p:cNvPr id="1" name=""/>
-        <p:cNvGrpSpPr/>
-        <p:nvPr/>
-      </p:nvGrpSpPr>
-      <p:grpSpPr>
-        <a:xfrm>
-          <a:off x="0" y="0"/>
-          <a:ext cx="0" cy="0"/>
-          <a:chOff x="0" y="0"/>
-          <a:chExt cx="0" cy="0"/>
-        </a:xfrm>
-      </p:grpSpPr>
-      <p:sp>
-        <p:nvSpPr>
-          <p:cNvPr id="2" name="Titel 1"/>
-          <p:cNvSpPr>
-            <a:spLocks noGrp="1"/>
-          </p:cNvSpPr>
-          <p:nvPr>
-            <p:ph type="ctrTitle"/>
-          </p:nvPr>
-        </p:nvSpPr>
-        <p:spPr/>
-        <p:txBody>
-          <a:bodyPr/>
-          <a:lstStyle/>
-          <a:p>
-            <a:endParaRPr lang="de-CH"/>
-          </a:p>
-        </p:txBody>
-      </p:sp>
-      <p:sp>
-        <p:nvSpPr>
-          <p:cNvPr id="3" name="Untertitel 2"/>
-          <p:cNvSpPr>
-            <a:spLocks noGrp="1"/>
-          </p:cNvSpPr>
-          <p:nvPr>
-            <p:ph type="subTitle" idx="1"/>
-          </p:nvPr>
-        </p:nvSpPr>
-        <p:spPr/>
-        <p:txBody>
-          <a:bodyPr/>
-          <a:lstStyle/>
-          <a:p>
-            <a:endParaRPr lang="de-CH"/>
-          </a:p>
-        </p:txBody>
-      </p:sp>
-    </p:spTree>
-    <p:extLst>
-      <p:ext uri="{BB962C8B-B14F-4D97-AF65-F5344CB8AC3E}">
-        <p14:creationId xmlns:p14="http://schemas.microsoft.com/office/powerpoint/2010/main" val="1284173973"/>
-      </p:ext>
-    </p:extLst>
-  </p:cSld>
-  <p:clrMapOvr>
-    <a:masterClrMapping/>
-  </p:clrMapOvr>
-  <mc:AlternateContent xmlns:mc="http://schemas.openxmlformats.org/markup-compatibility/2006">
-    <mc:Choice xmlns:p14="http://schemas.microsoft.com/office/powerpoint/2010/main" Requires="p14">
-      <p:transition spd="slow" p14:dur="2000"/>
-    </mc:Choice>
-    <mc:Fallback>
-      <p:transition spd="slow"/>
-    </mc:Fallback>
-  </mc:AlternateContent>
-  <p:timing>
-    <p:tnLst>
-      <p:par>
-        <p:cTn id="1" dur="indefinite" restart="never" nodeType="tmRoot"/>
-      </p:par>
-    </p:tnLst>
-  </p:timing>
-</p:sld>
-</file>
-
-<file path=ppt/slides/slide16.xml><?xml version="1.0" encoding="utf-8"?>
-<p:sld xmlns:a="http://schemas.openxmlformats.org/drawingml/2006/main" xmlns:r="http://schemas.openxmlformats.org/officeDocument/2006/relationships" xmlns:p="http://schemas.openxmlformats.org/presentationml/2006/main" show="0">
-  <p:cSld>
-    <p:spTree>
-      <p:nvGrpSpPr>
-        <p:cNvPr id="1" name=""/>
-        <p:cNvGrpSpPr/>
-        <p:nvPr/>
-      </p:nvGrpSpPr>
-      <p:grpSpPr>
-        <a:xfrm>
-          <a:off x="0" y="0"/>
-          <a:ext cx="0" cy="0"/>
-          <a:chOff x="0" y="0"/>
-          <a:chExt cx="0" cy="0"/>
-        </a:xfrm>
-      </p:grpSpPr>
-      <p:sp>
-        <p:nvSpPr>
-          <p:cNvPr id="2" name="Titel 1"/>
-          <p:cNvSpPr>
-            <a:spLocks noGrp="1"/>
-          </p:cNvSpPr>
-          <p:nvPr>
-            <p:ph type="ctrTitle"/>
-          </p:nvPr>
-        </p:nvSpPr>
-        <p:spPr/>
-        <p:txBody>
-          <a:bodyPr/>
-          <a:lstStyle/>
-          <a:p>
-            <a:endParaRPr lang="de-CH"/>
-          </a:p>
-        </p:txBody>
-      </p:sp>
-      <p:sp>
-        <p:nvSpPr>
-          <p:cNvPr id="3" name="Textplatzhalter 2"/>
-          <p:cNvSpPr>
-            <a:spLocks noGrp="1"/>
-          </p:cNvSpPr>
-          <p:nvPr>
-            <p:ph type="body" idx="1"/>
-          </p:nvPr>
-        </p:nvSpPr>
-        <p:spPr/>
-        <p:txBody>
-          <a:bodyPr/>
-          <a:lstStyle/>
-          <a:p>
-            <a:endParaRPr lang="de-CH"/>
-          </a:p>
-        </p:txBody>
-      </p:sp>
-      <p:sp>
-        <p:nvSpPr>
-          <p:cNvPr id="4" name="Inhaltsplatzhalter 3"/>
-          <p:cNvSpPr>
-            <a:spLocks noGrp="1"/>
-          </p:cNvSpPr>
-          <p:nvPr>
-            <p:ph sz="half" idx="13"/>
-          </p:nvPr>
-        </p:nvSpPr>
-        <p:spPr/>
-        <p:txBody>
-          <a:bodyPr/>
-          <a:lstStyle/>
-          <a:p>
-            <a:endParaRPr lang="de-CH"/>
-          </a:p>
-        </p:txBody>
-      </p:sp>
-    </p:spTree>
-    <p:extLst>
-      <p:ext uri="{BB962C8B-B14F-4D97-AF65-F5344CB8AC3E}">
-        <p14:creationId xmlns:p14="http://schemas.microsoft.com/office/powerpoint/2010/main" val="153582886"/>
-      </p:ext>
-    </p:extLst>
-  </p:cSld>
-  <p:clrMapOvr>
-    <a:masterClrMapping/>
-  </p:clrMapOvr>
-  <mc:AlternateContent xmlns:mc="http://schemas.openxmlformats.org/markup-compatibility/2006">
-    <mc:Choice xmlns:p14="http://schemas.microsoft.com/office/powerpoint/2010/main" Requires="p14">
-      <p:transition spd="slow" p14:dur="2000"/>
-    </mc:Choice>
-    <mc:Fallback>
-      <p:transition spd="slow"/>
-    </mc:Fallback>
-  </mc:AlternateContent>
-  <p:timing>
-    <p:tnLst>
-      <p:par>
-        <p:cTn id="1" dur="indefinite" restart="never" nodeType="tmRoot"/>
-      </p:par>
-    </p:tnLst>
-  </p:timing>
-</p:sld>
-</file>
-
-<file path=ppt/slides/slide17.xml><?xml version="1.0" encoding="utf-8"?>
-<p:sld xmlns:a="http://schemas.openxmlformats.org/drawingml/2006/main" xmlns:r="http://schemas.openxmlformats.org/officeDocument/2006/relationships" xmlns:p="http://schemas.openxmlformats.org/presentationml/2006/main" show="0">
-  <p:cSld>
-    <p:spTree>
-      <p:nvGrpSpPr>
-        <p:cNvPr id="1" name=""/>
-        <p:cNvGrpSpPr/>
-        <p:nvPr/>
-      </p:nvGrpSpPr>
-      <p:grpSpPr>
-        <a:xfrm>
-          <a:off x="0" y="0"/>
-          <a:ext cx="0" cy="0"/>
-          <a:chOff x="0" y="0"/>
-          <a:chExt cx="0" cy="0"/>
-        </a:xfrm>
-      </p:grpSpPr>
-      <p:sp>
-        <p:nvSpPr>
-          <p:cNvPr id="7" name="Titel 6"/>
-          <p:cNvSpPr>
-            <a:spLocks noGrp="1"/>
-          </p:cNvSpPr>
-          <p:nvPr>
-            <p:ph type="ctrTitle"/>
-          </p:nvPr>
-        </p:nvSpPr>
-        <p:spPr/>
-        <p:txBody>
-          <a:bodyPr/>
-          <a:lstStyle/>
-          <a:p>
-            <a:endParaRPr lang="de-CH"/>
-          </a:p>
-        </p:txBody>
-      </p:sp>
-      <p:sp>
-        <p:nvSpPr>
-          <p:cNvPr id="8" name="Textplatzhalter 7"/>
-          <p:cNvSpPr>
-            <a:spLocks noGrp="1"/>
-          </p:cNvSpPr>
-          <p:nvPr>
-            <p:ph type="body" idx="1"/>
-          </p:nvPr>
-        </p:nvSpPr>
-        <p:spPr/>
-        <p:txBody>
-          <a:bodyPr/>
-          <a:lstStyle/>
-          <a:p>
-            <a:endParaRPr lang="de-CH"/>
-          </a:p>
-        </p:txBody>
-      </p:sp>
-      <p:sp>
-        <p:nvSpPr>
-          <p:cNvPr id="11" name="Textplatzhalter 10"/>
-          <p:cNvSpPr>
-            <a:spLocks noGrp="1"/>
-          </p:cNvSpPr>
-          <p:nvPr>
-            <p:ph type="body" idx="18"/>
-          </p:nvPr>
-        </p:nvSpPr>
-        <p:spPr/>
-        <p:txBody>
-          <a:bodyPr/>
-          <a:lstStyle/>
-          <a:p>
-            <a:endParaRPr lang="de-CH"/>
-          </a:p>
-        </p:txBody>
-      </p:sp>
-      <p:sp>
-        <p:nvSpPr>
-          <p:cNvPr id="9" name="Inhaltsplatzhalter 8"/>
-          <p:cNvSpPr>
-            <a:spLocks noGrp="1"/>
-          </p:cNvSpPr>
-          <p:nvPr>
-            <p:ph sz="half" idx="13"/>
-          </p:nvPr>
-        </p:nvSpPr>
-        <p:spPr/>
-        <p:txBody>
-          <a:bodyPr/>
-          <a:lstStyle/>
-          <a:p>
-            <a:endParaRPr lang="de-CH"/>
-          </a:p>
-        </p:txBody>
-      </p:sp>
-      <p:sp>
-        <p:nvSpPr>
-          <p:cNvPr id="10" name="Inhaltsplatzhalter 9"/>
-          <p:cNvSpPr>
-            <a:spLocks noGrp="1"/>
-          </p:cNvSpPr>
-          <p:nvPr>
-            <p:ph sz="half" idx="15"/>
-          </p:nvPr>
-        </p:nvSpPr>
-        <p:spPr/>
-        <p:txBody>
-          <a:bodyPr/>
-          <a:lstStyle/>
-          <a:p>
-            <a:endParaRPr lang="de-CH"/>
-          </a:p>
-        </p:txBody>
-      </p:sp>
-    </p:spTree>
-    <p:extLst>
-      <p:ext uri="{BB962C8B-B14F-4D97-AF65-F5344CB8AC3E}">
-        <p14:creationId xmlns:p14="http://schemas.microsoft.com/office/powerpoint/2010/main" val="1673217479"/>
-      </p:ext>
-    </p:extLst>
-  </p:cSld>
-  <p:clrMapOvr>
-    <a:masterClrMapping/>
-  </p:clrMapOvr>
-  <mc:AlternateContent xmlns:mc="http://schemas.openxmlformats.org/markup-compatibility/2006">
-    <mc:Choice xmlns:p14="http://schemas.microsoft.com/office/powerpoint/2010/main" Requires="p14">
-      <p:transition spd="slow" p14:dur="2000"/>
-    </mc:Choice>
-    <mc:Fallback>
-      <p:transition spd="slow"/>
-    </mc:Fallback>
-  </mc:AlternateContent>
-  <p:timing>
-    <p:tnLst>
-      <p:par>
-        <p:cTn id="1" dur="indefinite" restart="never" nodeType="tmRoot"/>
-      </p:par>
-    </p:tnLst>
-  </p:timing>
-</p:sld>
-</file>
-
-<file path=ppt/slides/slide18.xml><?xml version="1.0" encoding="utf-8"?>
-<p:sld xmlns:a="http://schemas.openxmlformats.org/drawingml/2006/main" xmlns:r="http://schemas.openxmlformats.org/officeDocument/2006/relationships" xmlns:p="http://schemas.openxmlformats.org/presentationml/2006/main" show="0">
-  <p:cSld>
-    <p:spTree>
-      <p:nvGrpSpPr>
-        <p:cNvPr id="1" name=""/>
-        <p:cNvGrpSpPr/>
-        <p:nvPr/>
-      </p:nvGrpSpPr>
-      <p:grpSpPr>
-        <a:xfrm>
-          <a:off x="0" y="0"/>
-          <a:ext cx="0" cy="0"/>
-          <a:chOff x="0" y="0"/>
-          <a:chExt cx="0" cy="0"/>
-        </a:xfrm>
-      </p:grpSpPr>
-      <p:sp>
-        <p:nvSpPr>
-          <p:cNvPr id="2" name="Titel 1"/>
-          <p:cNvSpPr>
-            <a:spLocks noGrp="1"/>
-          </p:cNvSpPr>
-          <p:nvPr>
-            <p:ph type="ctrTitle"/>
-          </p:nvPr>
-        </p:nvSpPr>
-        <p:spPr/>
-        <p:txBody>
-          <a:bodyPr/>
-          <a:lstStyle/>
-          <a:p>
-            <a:endParaRPr lang="de-CH"/>
-          </a:p>
-        </p:txBody>
-      </p:sp>
-      <p:sp>
-        <p:nvSpPr>
-          <p:cNvPr id="3" name="Textplatzhalter 2"/>
-          <p:cNvSpPr>
-            <a:spLocks noGrp="1"/>
-          </p:cNvSpPr>
-          <p:nvPr>
-            <p:ph type="body" idx="1"/>
-          </p:nvPr>
-        </p:nvSpPr>
-        <p:spPr/>
-        <p:txBody>
-          <a:bodyPr/>
-          <a:lstStyle/>
-          <a:p>
-            <a:endParaRPr lang="de-CH"/>
-          </a:p>
-        </p:txBody>
-      </p:sp>
-      <p:sp>
-        <p:nvSpPr>
-          <p:cNvPr id="4" name="Inhaltsplatzhalter 3"/>
-          <p:cNvSpPr>
-            <a:spLocks noGrp="1"/>
-          </p:cNvSpPr>
-          <p:nvPr>
-            <p:ph sz="half" idx="13"/>
-          </p:nvPr>
-        </p:nvSpPr>
-        <p:spPr/>
-        <p:txBody>
-          <a:bodyPr/>
-          <a:lstStyle/>
-          <a:p>
-            <a:endParaRPr lang="de-CH"/>
-          </a:p>
-        </p:txBody>
-      </p:sp>
-      <p:sp>
-        <p:nvSpPr>
-          <p:cNvPr id="5" name="Textplatzhalter 4"/>
-          <p:cNvSpPr>
-            <a:spLocks noGrp="1"/>
-          </p:cNvSpPr>
-          <p:nvPr>
-            <p:ph type="body" idx="14"/>
-          </p:nvPr>
-        </p:nvSpPr>
-        <p:spPr/>
-        <p:txBody>
-          <a:bodyPr/>
-          <a:lstStyle/>
-          <a:p>
-            <a:endParaRPr lang="de-CH"/>
-          </a:p>
-        </p:txBody>
-      </p:sp>
-      <p:sp>
-        <p:nvSpPr>
-          <p:cNvPr id="6" name="Inhaltsplatzhalter 5"/>
-          <p:cNvSpPr>
-            <a:spLocks noGrp="1"/>
-          </p:cNvSpPr>
-          <p:nvPr>
-            <p:ph sz="half" idx="15"/>
-          </p:nvPr>
-        </p:nvSpPr>
-        <p:spPr/>
-        <p:txBody>
-          <a:bodyPr/>
-          <a:lstStyle/>
-          <a:p>
-            <a:endParaRPr lang="de-CH"/>
-          </a:p>
-        </p:txBody>
-      </p:sp>
-    </p:spTree>
-    <p:extLst>
-      <p:ext uri="{BB962C8B-B14F-4D97-AF65-F5344CB8AC3E}">
-        <p14:creationId xmlns:p14="http://schemas.microsoft.com/office/powerpoint/2010/main" val="1872521376"/>
-      </p:ext>
-    </p:extLst>
-  </p:cSld>
-  <p:clrMapOvr>
-    <a:masterClrMapping/>
-  </p:clrMapOvr>
-  <mc:AlternateContent xmlns:mc="http://schemas.openxmlformats.org/markup-compatibility/2006">
-    <mc:Choice xmlns:p14="http://schemas.microsoft.com/office/powerpoint/2010/main" Requires="p14">
-      <p:transition spd="slow" p14:dur="2000"/>
-    </mc:Choice>
-    <mc:Fallback>
-      <p:transition spd="slow"/>
-    </mc:Fallback>
-  </mc:AlternateContent>
-  <p:timing>
-    <p:tnLst>
-      <p:par>
-        <p:cTn id="1" dur="indefinite" restart="never" nodeType="tmRoot"/>
-      </p:par>
-    </p:tnLst>
-  </p:timing>
-</p:sld>
-</file>
-
-<file path=ppt/slides/slide19.xml><?xml version="1.0" encoding="utf-8"?>
-<p:sld xmlns:a="http://schemas.openxmlformats.org/drawingml/2006/main" xmlns:r="http://schemas.openxmlformats.org/officeDocument/2006/relationships" xmlns:p="http://schemas.openxmlformats.org/presentationml/2006/main" show="0">
-  <p:cSld>
-    <p:spTree>
-      <p:nvGrpSpPr>
-        <p:cNvPr id="1" name=""/>
-        <p:cNvGrpSpPr/>
-        <p:nvPr/>
-      </p:nvGrpSpPr>
-      <p:grpSpPr>
-        <a:xfrm>
-          <a:off x="0" y="0"/>
-          <a:ext cx="0" cy="0"/>
-          <a:chOff x="0" y="0"/>
-          <a:chExt cx="0" cy="0"/>
-        </a:xfrm>
-      </p:grpSpPr>
-      <p:sp>
-        <p:nvSpPr>
-          <p:cNvPr id="2" name="Titel 1"/>
-          <p:cNvSpPr>
-            <a:spLocks noGrp="1"/>
-          </p:cNvSpPr>
-          <p:nvPr>
-            <p:ph type="ctrTitle"/>
-          </p:nvPr>
-        </p:nvSpPr>
-        <p:spPr/>
-        <p:txBody>
-          <a:bodyPr/>
-          <a:lstStyle/>
-          <a:p>
-            <a:endParaRPr lang="de-CH"/>
-          </a:p>
-        </p:txBody>
-      </p:sp>
-      <p:sp>
-        <p:nvSpPr>
-          <p:cNvPr id="3" name="Textplatzhalter 2"/>
-          <p:cNvSpPr>
-            <a:spLocks noGrp="1"/>
-          </p:cNvSpPr>
-          <p:nvPr>
-            <p:ph type="body" idx="1"/>
-          </p:nvPr>
-        </p:nvSpPr>
-        <p:spPr/>
-        <p:txBody>
-          <a:bodyPr/>
-          <a:lstStyle/>
-          <a:p>
-            <a:endParaRPr lang="de-CH"/>
-          </a:p>
-        </p:txBody>
-      </p:sp>
-      <p:sp>
-        <p:nvSpPr>
-          <p:cNvPr id="4" name="Textplatzhalter 3"/>
-          <p:cNvSpPr>
-            <a:spLocks noGrp="1"/>
-          </p:cNvSpPr>
-          <p:nvPr>
-            <p:ph type="body" idx="18"/>
-          </p:nvPr>
-        </p:nvSpPr>
-        <p:spPr/>
-        <p:txBody>
-          <a:bodyPr/>
-          <a:lstStyle/>
-          <a:p>
-            <a:endParaRPr lang="de-CH"/>
-          </a:p>
-        </p:txBody>
-      </p:sp>
-      <p:sp>
-        <p:nvSpPr>
-          <p:cNvPr id="5" name="Inhaltsplatzhalter 4"/>
-          <p:cNvSpPr>
-            <a:spLocks noGrp="1"/>
-          </p:cNvSpPr>
-          <p:nvPr>
-            <p:ph sz="half" idx="13"/>
-          </p:nvPr>
-        </p:nvSpPr>
-        <p:spPr/>
-        <p:txBody>
-          <a:bodyPr/>
-          <a:lstStyle/>
-          <a:p>
-            <a:endParaRPr lang="de-CH"/>
-          </a:p>
-        </p:txBody>
-      </p:sp>
-      <p:sp>
-        <p:nvSpPr>
-          <p:cNvPr id="6" name="Inhaltsplatzhalter 5"/>
-          <p:cNvSpPr>
-            <a:spLocks noGrp="1"/>
-          </p:cNvSpPr>
-          <p:nvPr>
-            <p:ph sz="half" idx="15"/>
-          </p:nvPr>
-        </p:nvSpPr>
-        <p:spPr/>
-        <p:txBody>
-          <a:bodyPr/>
-          <a:lstStyle/>
-          <a:p>
-            <a:endParaRPr lang="de-CH"/>
-          </a:p>
-        </p:txBody>
-      </p:sp>
-      <p:sp>
-        <p:nvSpPr>
-          <p:cNvPr id="7" name="Inhaltsplatzhalter 6"/>
-          <p:cNvSpPr>
-            <a:spLocks noGrp="1"/>
-          </p:cNvSpPr>
-          <p:nvPr>
-            <p:ph sz="half" idx="19"/>
-          </p:nvPr>
-        </p:nvSpPr>
-        <p:spPr/>
-        <p:txBody>
-          <a:bodyPr/>
-          <a:lstStyle/>
-          <a:p>
-            <a:endParaRPr lang="de-CH"/>
-          </a:p>
-        </p:txBody>
-      </p:sp>
-      <p:sp>
-        <p:nvSpPr>
-          <p:cNvPr id="8" name="Textplatzhalter 7"/>
-          <p:cNvSpPr>
-            <a:spLocks noGrp="1"/>
-          </p:cNvSpPr>
-          <p:nvPr>
-            <p:ph type="body" idx="20"/>
-          </p:nvPr>
-        </p:nvSpPr>
-        <p:spPr/>
-        <p:txBody>
-          <a:bodyPr/>
-          <a:lstStyle/>
-          <a:p>
-            <a:endParaRPr lang="de-CH"/>
-          </a:p>
-        </p:txBody>
-      </p:sp>
-    </p:spTree>
-    <p:extLst>
-      <p:ext uri="{BB962C8B-B14F-4D97-AF65-F5344CB8AC3E}">
-        <p14:creationId xmlns:p14="http://schemas.microsoft.com/office/powerpoint/2010/main" val="3225023463"/>
-      </p:ext>
-    </p:extLst>
-  </p:cSld>
-  <p:clrMapOvr>
-    <a:masterClrMapping/>
-  </p:clrMapOvr>
-  <mc:AlternateContent xmlns:mc="http://schemas.openxmlformats.org/markup-compatibility/2006">
-    <mc:Choice xmlns:p14="http://schemas.microsoft.com/office/powerpoint/2010/main" Requires="p14">
-      <p:transition spd="slow" p14:dur="2000"/>
-    </mc:Choice>
-    <mc:Fallback>
-      <p:transition spd="slow"/>
-    </mc:Fallback>
-  </mc:AlternateContent>
-  <p:timing>
-    <p:tnLst>
-      <p:par>
-        <p:cTn id="1" dur="indefinite" restart="never" nodeType="tmRoot"/>
-      </p:par>
-    </p:tnLst>
-  </p:timing>
-</p:sld>
-</file>
-
-<file path=ppt/slides/slide2.xml><?xml version="1.0" encoding="utf-8"?>
-<p:sld xmlns:a="http://schemas.openxmlformats.org/drawingml/2006/main" xmlns:r="http://schemas.openxmlformats.org/officeDocument/2006/relationships" xmlns:p="http://schemas.openxmlformats.org/presentationml/2006/main">
-  <p:cSld>
-    <p:spTree>
-      <p:nvGrpSpPr>
-        <p:cNvPr id="1" name=""/>
-        <p:cNvGrpSpPr/>
-        <p:nvPr/>
-      </p:nvGrpSpPr>
-      <p:grpSpPr>
-        <a:xfrm>
-          <a:off x="0" y="0"/>
-          <a:ext cx="0" cy="0"/>
-          <a:chOff x="0" y="0"/>
-          <a:chExt cx="0" cy="0"/>
-        </a:xfrm>
-      </p:grpSpPr>
-      <p:sp>
-        <p:nvSpPr>
-          <p:cNvPr id="2" name="Inhaltsplatzhalter 1"/>
-          <p:cNvSpPr>
-            <a:spLocks noGrp="1"/>
-          </p:cNvSpPr>
-          <p:nvPr>
-            <p:ph sz="half" idx="1"/>
-          </p:nvPr>
-        </p:nvSpPr>
-        <p:spPr/>
-        <p:txBody>
-          <a:bodyPr/>
-          <a:lstStyle/>
-          <a:p>
-            <a:r>
-              <a:rPr lang="de-CH" dirty="0"/>
-              <a:t>Motivation</a:t>
-            </a:r>
-          </a:p>
-          <a:p>
-            <a:r>
-              <a:rPr lang="de-CH" dirty="0"/>
-              <a:t>Wissensabbildung</a:t>
-            </a:r>
-          </a:p>
-          <a:p>
-            <a:r>
-              <a:rPr lang="de-CH" dirty="0"/>
-              <a:t>Ziel</a:t>
-            </a:r>
-          </a:p>
-          <a:p>
-            <a:pPr lvl="1"/>
-            <a:r>
-              <a:rPr lang="de-CH" dirty="0"/>
-              <a:t>Tutorial</a:t>
-            </a:r>
-          </a:p>
-          <a:p>
-            <a:pPr lvl="1"/>
-            <a:r>
-              <a:rPr lang="de-CH" dirty="0"/>
-              <a:t>Aufbau Ontologie</a:t>
-            </a:r>
-          </a:p>
-          <a:p>
-            <a:pPr lvl="1"/>
-            <a:r>
-              <a:rPr lang="de-CH" dirty="0"/>
-              <a:t>Benutzerschnittstelle</a:t>
-            </a:r>
-          </a:p>
-          <a:p>
-            <a:r>
-              <a:rPr lang="de-CH" dirty="0"/>
-              <a:t>Fazit</a:t>
-            </a:r>
-          </a:p>
-          <a:p>
-            <a:endParaRPr lang="de-CH" dirty="0"/>
-          </a:p>
-        </p:txBody>
-      </p:sp>
-      <p:sp>
-        <p:nvSpPr>
-          <p:cNvPr id="3" name="Titel 2"/>
-          <p:cNvSpPr>
-            <a:spLocks noGrp="1"/>
-          </p:cNvSpPr>
-          <p:nvPr>
-            <p:ph type="ctrTitle"/>
-          </p:nvPr>
-        </p:nvSpPr>
-        <p:spPr/>
-        <p:txBody>
-          <a:bodyPr/>
-          <a:lstStyle/>
-          <a:p>
-            <a:r>
-              <a:rPr lang="de-CH" dirty="0"/>
-              <a:t>Ablauf</a:t>
-            </a:r>
-            <a:endParaRPr lang="de-CH" dirty="0"/>
-          </a:p>
-        </p:txBody>
-      </p:sp>
-    </p:spTree>
-    <p:extLst>
-      <p:ext uri="{BB962C8B-B14F-4D97-AF65-F5344CB8AC3E}">
-        <p14:creationId xmlns:p14="http://schemas.microsoft.com/office/powerpoint/2010/main" val="3741675672"/>
-      </p:ext>
-    </p:extLst>
-  </p:cSld>
-  <p:clrMapOvr>
-    <a:masterClrMapping/>
-  </p:clrMapOvr>
-  <p:timing>
-    <p:tnLst>
-      <p:par>
-        <p:cTn id="1" dur="indefinite" restart="never" nodeType="tmRoot"/>
-      </p:par>
-    </p:tnLst>
-  </p:timing>
-</p:sld>
-</file>
-
-<file path=ppt/slides/slide20.xml><?xml version="1.0" encoding="utf-8"?>
-<p:sld xmlns:a="http://schemas.openxmlformats.org/drawingml/2006/main" xmlns:r="http://schemas.openxmlformats.org/officeDocument/2006/relationships" xmlns:p="http://schemas.openxmlformats.org/presentationml/2006/main" show="0">
-  <p:cSld>
-    <p:spTree>
-      <p:nvGrpSpPr>
-        <p:cNvPr id="1" name=""/>
-        <p:cNvGrpSpPr/>
-        <p:nvPr/>
-      </p:nvGrpSpPr>
-      <p:grpSpPr>
-        <a:xfrm>
-          <a:off x="0" y="0"/>
-          <a:ext cx="0" cy="0"/>
-          <a:chOff x="0" y="0"/>
-          <a:chExt cx="0" cy="0"/>
-        </a:xfrm>
-      </p:grpSpPr>
-      <p:sp>
-        <p:nvSpPr>
-          <p:cNvPr id="2" name="Titel 1"/>
-          <p:cNvSpPr>
-            <a:spLocks noGrp="1"/>
-          </p:cNvSpPr>
-          <p:nvPr>
-            <p:ph type="ctrTitle"/>
-          </p:nvPr>
-        </p:nvSpPr>
-        <p:spPr/>
-        <p:txBody>
-          <a:bodyPr/>
-          <a:lstStyle/>
-          <a:p>
-            <a:endParaRPr lang="de-CH"/>
-          </a:p>
-        </p:txBody>
-      </p:sp>
-      <p:sp>
-        <p:nvSpPr>
-          <p:cNvPr id="3" name="Inhaltsplatzhalter 2"/>
-          <p:cNvSpPr>
-            <a:spLocks noGrp="1"/>
-          </p:cNvSpPr>
-          <p:nvPr>
-            <p:ph sz="half" idx="13"/>
-          </p:nvPr>
-        </p:nvSpPr>
-        <p:spPr/>
-        <p:txBody>
-          <a:bodyPr/>
-          <a:lstStyle/>
-          <a:p>
-            <a:endParaRPr lang="de-CH"/>
-          </a:p>
-        </p:txBody>
-      </p:sp>
-      <p:sp>
-        <p:nvSpPr>
-          <p:cNvPr id="4" name="Inhaltsplatzhalter 3"/>
-          <p:cNvSpPr>
-            <a:spLocks noGrp="1"/>
-          </p:cNvSpPr>
-          <p:nvPr>
-            <p:ph sz="half" idx="15"/>
-          </p:nvPr>
-        </p:nvSpPr>
-        <p:spPr/>
-        <p:txBody>
-          <a:bodyPr/>
-          <a:lstStyle/>
-          <a:p>
-            <a:endParaRPr lang="de-CH"/>
-          </a:p>
-        </p:txBody>
-      </p:sp>
-      <p:sp>
-        <p:nvSpPr>
-          <p:cNvPr id="5" name="Inhaltsplatzhalter 4"/>
-          <p:cNvSpPr>
-            <a:spLocks noGrp="1"/>
-          </p:cNvSpPr>
-          <p:nvPr>
-            <p:ph sz="half" idx="19"/>
-          </p:nvPr>
-        </p:nvSpPr>
-        <p:spPr/>
-        <p:txBody>
-          <a:bodyPr/>
-          <a:lstStyle/>
-          <a:p>
-            <a:endParaRPr lang="de-CH"/>
-          </a:p>
-        </p:txBody>
-      </p:sp>
-      <p:sp>
-        <p:nvSpPr>
-          <p:cNvPr id="6" name="Textplatzhalter 5"/>
-          <p:cNvSpPr>
-            <a:spLocks noGrp="1"/>
-          </p:cNvSpPr>
-          <p:nvPr>
-            <p:ph type="body" idx="1"/>
-          </p:nvPr>
-        </p:nvSpPr>
-        <p:spPr/>
-        <p:txBody>
-          <a:bodyPr/>
-          <a:lstStyle/>
-          <a:p>
-            <a:endParaRPr lang="de-CH"/>
-          </a:p>
-        </p:txBody>
-      </p:sp>
-      <p:sp>
-        <p:nvSpPr>
-          <p:cNvPr id="7" name="Textplatzhalter 6"/>
-          <p:cNvSpPr>
-            <a:spLocks noGrp="1"/>
-          </p:cNvSpPr>
-          <p:nvPr>
-            <p:ph type="body" idx="18"/>
-          </p:nvPr>
-        </p:nvSpPr>
-        <p:spPr/>
-        <p:txBody>
-          <a:bodyPr/>
-          <a:lstStyle/>
-          <a:p>
-            <a:endParaRPr lang="de-CH"/>
-          </a:p>
-        </p:txBody>
-      </p:sp>
-      <p:sp>
-        <p:nvSpPr>
-          <p:cNvPr id="8" name="Textplatzhalter 7"/>
-          <p:cNvSpPr>
-            <a:spLocks noGrp="1"/>
-          </p:cNvSpPr>
-          <p:nvPr>
-            <p:ph type="body" idx="20"/>
-          </p:nvPr>
-        </p:nvSpPr>
-        <p:spPr/>
-        <p:txBody>
-          <a:bodyPr/>
-          <a:lstStyle/>
-          <a:p>
-            <a:endParaRPr lang="de-CH"/>
-          </a:p>
-        </p:txBody>
-      </p:sp>
-    </p:spTree>
-    <p:extLst>
-      <p:ext uri="{BB962C8B-B14F-4D97-AF65-F5344CB8AC3E}">
-        <p14:creationId xmlns:p14="http://schemas.microsoft.com/office/powerpoint/2010/main" val="1501259291"/>
-      </p:ext>
-    </p:extLst>
-  </p:cSld>
-  <p:clrMapOvr>
-    <a:masterClrMapping/>
-  </p:clrMapOvr>
-  <mc:AlternateContent xmlns:mc="http://schemas.openxmlformats.org/markup-compatibility/2006">
-    <mc:Choice xmlns:p14="http://schemas.microsoft.com/office/powerpoint/2010/main" Requires="p14">
-      <p:transition spd="slow" p14:dur="2000"/>
-    </mc:Choice>
-    <mc:Fallback>
-      <p:transition spd="slow"/>
-    </mc:Fallback>
-  </mc:AlternateContent>
-  <p:timing>
-    <p:tnLst>
-      <p:par>
-        <p:cTn id="1" dur="indefinite" restart="never" nodeType="tmRoot"/>
-      </p:par>
-    </p:tnLst>
-  </p:timing>
-</p:sld>
-</file>
-
-<file path=ppt/slides/slide3.xml><?xml version="1.0" encoding="utf-8"?>
-<p:sld xmlns:a="http://schemas.openxmlformats.org/drawingml/2006/main" xmlns:r="http://schemas.openxmlformats.org/officeDocument/2006/relationships" xmlns:p="http://schemas.openxmlformats.org/presentationml/2006/main">
-  <p:cSld>
-    <p:spTree>
-      <p:nvGrpSpPr>
-        <p:cNvPr id="1" name=""/>
-        <p:cNvGrpSpPr/>
-        <p:nvPr/>
-      </p:nvGrpSpPr>
-      <p:grpSpPr>
-        <a:xfrm>
-          <a:off x="0" y="0"/>
-          <a:ext cx="0" cy="0"/>
-          <a:chOff x="0" y="0"/>
-          <a:chExt cx="0" cy="0"/>
-        </a:xfrm>
-      </p:grpSpPr>
-      <p:sp>
-        <p:nvSpPr>
-          <p:cNvPr id="2" name="Inhaltsplatzhalter 1"/>
-          <p:cNvSpPr>
-            <a:spLocks noGrp="1"/>
-          </p:cNvSpPr>
-          <p:nvPr>
-            <p:ph sz="half" idx="1"/>
-          </p:nvPr>
-        </p:nvSpPr>
-        <p:spPr/>
-        <p:txBody>
-          <a:bodyPr/>
-          <a:lstStyle/>
-          <a:p>
-            <a:r>
-              <a:rPr lang="de-CH" dirty="0"/>
-              <a:t>Beantworten von Fragen</a:t>
-            </a:r>
-          </a:p>
-          <a:p>
-            <a:pPr lvl="1"/>
-            <a:r>
-              <a:rPr lang="de-CH" dirty="0"/>
-              <a:t>Klassische Suchmaschine </a:t>
-            </a:r>
-          </a:p>
-          <a:p>
-            <a:pPr lvl="1"/>
-            <a:r>
-              <a:rPr lang="de-CH" dirty="0"/>
-              <a:t>Konzepte und Zusammenhänge </a:t>
-            </a:r>
-            <a:r>
-              <a:rPr lang="de-CH" dirty="0">
-                <a:sym typeface="Wingdings" panose="05000000000000000000" pitchFamily="2" charset="2"/>
-              </a:rPr>
-              <a:t> Semantisches Wissen</a:t>
-            </a:r>
-          </a:p>
-          <a:p>
-            <a:endParaRPr lang="de-CH" dirty="0"/>
-          </a:p>
-        </p:txBody>
-      </p:sp>
-      <p:sp>
-        <p:nvSpPr>
-          <p:cNvPr id="3" name="Titel 2"/>
-          <p:cNvSpPr>
-            <a:spLocks noGrp="1"/>
-          </p:cNvSpPr>
-          <p:nvPr>
-            <p:ph type="ctrTitle"/>
-          </p:nvPr>
-        </p:nvSpPr>
-        <p:spPr/>
-        <p:txBody>
-          <a:bodyPr/>
-          <a:lstStyle/>
-          <a:p>
-            <a:r>
-              <a:rPr lang="de-CH" dirty="0"/>
-              <a:t>Motivation</a:t>
-            </a:r>
-          </a:p>
-        </p:txBody>
-      </p:sp>
-    </p:spTree>
-    <p:extLst>
-      <p:ext uri="{BB962C8B-B14F-4D97-AF65-F5344CB8AC3E}">
-        <p14:creationId xmlns:p14="http://schemas.microsoft.com/office/powerpoint/2010/main" val="2384258396"/>
-      </p:ext>
-    </p:extLst>
-  </p:cSld>
-  <p:clrMapOvr>
-    <a:masterClrMapping/>
-  </p:clrMapOvr>
-  <p:timing>
-    <p:tnLst>
-      <p:par>
-        <p:cTn id="1" dur="indefinite" restart="never" nodeType="tmRoot"/>
-      </p:par>
-    </p:tnLst>
-  </p:timing>
-</p:sld>
-</file>
-
-<file path=ppt/slides/slide4.xml><?xml version="1.0" encoding="utf-8"?>
-<p:sld xmlns:a="http://schemas.openxmlformats.org/drawingml/2006/main" xmlns:r="http://schemas.openxmlformats.org/officeDocument/2006/relationships" xmlns:p="http://schemas.openxmlformats.org/presentationml/2006/main">
-  <p:cSld>
-    <p:spTree>
-      <p:nvGrpSpPr>
-        <p:cNvPr id="1" name=""/>
-        <p:cNvGrpSpPr/>
-        <p:nvPr/>
-      </p:nvGrpSpPr>
-      <p:grpSpPr>
-        <a:xfrm>
-          <a:off x="0" y="0"/>
-          <a:ext cx="0" cy="0"/>
-          <a:chOff x="0" y="0"/>
-          <a:chExt cx="0" cy="0"/>
-        </a:xfrm>
-      </p:grpSpPr>
-      <p:sp>
-        <p:nvSpPr>
-          <p:cNvPr id="2" name="Inhaltsplatzhalter 1"/>
-          <p:cNvSpPr>
-            <a:spLocks noGrp="1"/>
-          </p:cNvSpPr>
-          <p:nvPr>
-            <p:ph sz="half" idx="1"/>
-          </p:nvPr>
-        </p:nvSpPr>
-        <p:spPr/>
-        <p:txBody>
-          <a:bodyPr/>
-          <a:lstStyle/>
-          <a:p>
-            <a:r>
-              <a:rPr lang="de-CH" dirty="0">
-                <a:sym typeface="Wingdings" panose="05000000000000000000" pitchFamily="2" charset="2"/>
-              </a:rPr>
-              <a:t>Relationale Datenspeicherung</a:t>
-            </a:r>
-          </a:p>
-          <a:p>
-            <a:r>
-              <a:rPr lang="de-CH" dirty="0">
-                <a:sym typeface="Wingdings" panose="05000000000000000000" pitchFamily="2" charset="2"/>
-              </a:rPr>
-              <a:t>Semantische Datenbanken</a:t>
-            </a:r>
-          </a:p>
-          <a:p>
-            <a:pPr lvl="3"/>
-            <a:r>
-              <a:rPr lang="de-CH" dirty="0">
-                <a:sym typeface="Wingdings" panose="05000000000000000000" pitchFamily="2" charset="2"/>
-              </a:rPr>
-              <a:t>Wissensmodellierung auf Basis von </a:t>
-            </a:r>
-            <a:r>
-              <a:rPr lang="de-CH" dirty="0" err="1">
-                <a:sym typeface="Wingdings" panose="05000000000000000000" pitchFamily="2" charset="2"/>
-              </a:rPr>
-              <a:t>Ontologien</a:t>
-            </a:r>
-            <a:endParaRPr lang="de-CH" dirty="0">
-              <a:sym typeface="Wingdings" panose="05000000000000000000" pitchFamily="2" charset="2"/>
-            </a:endParaRPr>
-          </a:p>
-          <a:p>
-            <a:endParaRPr lang="de-CH" dirty="0"/>
-          </a:p>
-        </p:txBody>
-      </p:sp>
-      <p:sp>
-        <p:nvSpPr>
-          <p:cNvPr id="3" name="Titel 2"/>
-          <p:cNvSpPr>
-            <a:spLocks noGrp="1"/>
-          </p:cNvSpPr>
-          <p:nvPr>
-            <p:ph type="ctrTitle"/>
-          </p:nvPr>
-        </p:nvSpPr>
-        <p:spPr/>
-        <p:txBody>
-          <a:bodyPr/>
-          <a:lstStyle/>
-          <a:p>
-            <a:r>
-              <a:rPr lang="de-CH" dirty="0"/>
-              <a:t>Wissensabbildung</a:t>
-            </a:r>
-          </a:p>
-        </p:txBody>
-      </p:sp>
-    </p:spTree>
-    <p:extLst>
-      <p:ext uri="{BB962C8B-B14F-4D97-AF65-F5344CB8AC3E}">
-        <p14:creationId xmlns:p14="http://schemas.microsoft.com/office/powerpoint/2010/main" val="4113748175"/>
-      </p:ext>
-    </p:extLst>
-  </p:cSld>
-  <p:clrMapOvr>
-    <a:masterClrMapping/>
-  </p:clrMapOvr>
-  <p:timing>
-    <p:tnLst>
-      <p:par>
-        <p:cTn id="1" dur="indefinite" restart="never" nodeType="tmRoot"/>
-      </p:par>
-    </p:tnLst>
-  </p:timing>
-</p:sld>
-</file>
-
-<file path=ppt/slides/slide5.xml><?xml version="1.0" encoding="utf-8"?>
-<p:sld xmlns:a="http://schemas.openxmlformats.org/drawingml/2006/main" xmlns:r="http://schemas.openxmlformats.org/officeDocument/2006/relationships" xmlns:p="http://schemas.openxmlformats.org/presentationml/2006/main">
-  <p:cSld>
-    <p:spTree>
-      <p:nvGrpSpPr>
-        <p:cNvPr id="1" name=""/>
-        <p:cNvGrpSpPr/>
-        <p:nvPr/>
-      </p:nvGrpSpPr>
-      <p:grpSpPr>
-        <a:xfrm>
-          <a:off x="0" y="0"/>
-          <a:ext cx="0" cy="0"/>
-          <a:chOff x="0" y="0"/>
-          <a:chExt cx="0" cy="0"/>
-        </a:xfrm>
-      </p:grpSpPr>
-      <p:sp>
-        <p:nvSpPr>
-          <p:cNvPr id="2" name="Inhaltsplatzhalter 1"/>
-          <p:cNvSpPr>
-            <a:spLocks noGrp="1"/>
-          </p:cNvSpPr>
-          <p:nvPr>
-            <p:ph sz="half" idx="1"/>
-          </p:nvPr>
-        </p:nvSpPr>
-        <p:spPr/>
-        <p:txBody>
-          <a:bodyPr/>
-          <a:lstStyle/>
-          <a:p>
-            <a:r>
-              <a:rPr lang="de-CH" dirty="0"/>
-              <a:t>Aufbau und Anwendung einer Semantischen Datenbank</a:t>
-            </a:r>
-          </a:p>
-          <a:p>
-            <a:pPr lvl="1"/>
-            <a:r>
-              <a:rPr lang="de-CH" dirty="0"/>
-              <a:t>Theoretischer Teil</a:t>
-            </a:r>
-          </a:p>
-          <a:p>
-            <a:pPr lvl="2"/>
-            <a:r>
-              <a:rPr lang="de-CH" dirty="0"/>
-              <a:t>Tutorial</a:t>
-            </a:r>
-          </a:p>
-          <a:p>
-            <a:pPr lvl="1"/>
-            <a:r>
-              <a:rPr lang="de-CH" dirty="0"/>
-              <a:t>Praktischer Teil</a:t>
-            </a:r>
-          </a:p>
-          <a:p>
-            <a:pPr lvl="2"/>
-            <a:r>
-              <a:rPr lang="de-CH" dirty="0"/>
-              <a:t>Aufbau Ontologie</a:t>
-            </a:r>
-          </a:p>
-          <a:p>
-            <a:pPr lvl="2"/>
-            <a:r>
-              <a:rPr lang="de-CH" dirty="0"/>
-              <a:t>Benutzerschnittstelle</a:t>
-            </a:r>
-          </a:p>
-          <a:p>
-            <a:endParaRPr lang="de-CH" dirty="0"/>
-          </a:p>
-        </p:txBody>
-      </p:sp>
-      <p:sp>
-        <p:nvSpPr>
-          <p:cNvPr id="3" name="Titel 2"/>
-          <p:cNvSpPr>
-            <a:spLocks noGrp="1"/>
-          </p:cNvSpPr>
-          <p:nvPr>
-            <p:ph type="ctrTitle"/>
-          </p:nvPr>
-        </p:nvSpPr>
-        <p:spPr/>
-        <p:txBody>
-          <a:bodyPr/>
-          <a:lstStyle/>
-          <a:p>
-            <a:r>
-              <a:rPr lang="de-CH" dirty="0"/>
-              <a:t>Ziel</a:t>
-            </a:r>
-          </a:p>
-        </p:txBody>
-      </p:sp>
-    </p:spTree>
-    <p:extLst>
-      <p:ext uri="{BB962C8B-B14F-4D97-AF65-F5344CB8AC3E}">
-        <p14:creationId xmlns:p14="http://schemas.microsoft.com/office/powerpoint/2010/main" val="1939819203"/>
-      </p:ext>
-    </p:extLst>
-  </p:cSld>
-  <p:clrMapOvr>
-    <a:masterClrMapping/>
-  </p:clrMapOvr>
-  <p:timing>
-    <p:tnLst>
-      <p:par>
-        <p:cTn id="1" dur="indefinite" restart="never" nodeType="tmRoot"/>
-      </p:par>
-    </p:tnLst>
-  </p:timing>
-</p:sld>
-</file>
-
-<file path=ppt/slides/slide6.xml><?xml version="1.0" encoding="utf-8"?>
-<p:sld xmlns:a="http://schemas.openxmlformats.org/drawingml/2006/main" xmlns:r="http://schemas.openxmlformats.org/officeDocument/2006/relationships" xmlns:p="http://schemas.openxmlformats.org/presentationml/2006/main">
-  <p:cSld>
-    <p:spTree>
-      <p:nvGrpSpPr>
-        <p:cNvPr id="1" name=""/>
-        <p:cNvGrpSpPr/>
-        <p:nvPr/>
-      </p:nvGrpSpPr>
-      <p:grpSpPr>
-        <a:xfrm>
-          <a:off x="0" y="0"/>
-          <a:ext cx="0" cy="0"/>
-          <a:chOff x="0" y="0"/>
-          <a:chExt cx="0" cy="0"/>
-        </a:xfrm>
-      </p:grpSpPr>
-      <p:sp>
-        <p:nvSpPr>
-          <p:cNvPr id="2" name="Inhaltsplatzhalter 1"/>
-          <p:cNvSpPr>
-            <a:spLocks noGrp="1"/>
-          </p:cNvSpPr>
-          <p:nvPr>
-            <p:ph sz="half" idx="1"/>
-          </p:nvPr>
-        </p:nvSpPr>
-        <p:spPr/>
-        <p:txBody>
-          <a:bodyPr/>
-          <a:lstStyle/>
-          <a:p>
-            <a:r>
-              <a:rPr lang="de-CH" dirty="0"/>
-              <a:t>Vorgehen Knowledge Engineer</a:t>
-            </a:r>
-          </a:p>
-          <a:p>
-            <a:pPr lvl="1"/>
-            <a:r>
-              <a:rPr lang="de-CH" dirty="0"/>
-              <a:t>Problemdomäne systematisch modellieren und formalisieren</a:t>
-            </a:r>
-          </a:p>
-          <a:p>
-            <a:pPr lvl="2"/>
-            <a:endParaRPr lang="de-CH" dirty="0"/>
-          </a:p>
-          <a:p>
-            <a:pPr lvl="2"/>
-            <a:endParaRPr lang="de-CH" dirty="0"/>
-          </a:p>
-          <a:p>
-            <a:r>
-              <a:rPr lang="de-CH" dirty="0"/>
-              <a:t>Aufbau </a:t>
-            </a:r>
-          </a:p>
-          <a:p>
-            <a:pPr lvl="1"/>
-            <a:r>
-              <a:rPr lang="de-CH" dirty="0"/>
-              <a:t>Theoretisches Hintergrundwissen zur Wissensmodellierung</a:t>
-            </a:r>
-          </a:p>
-          <a:p>
-            <a:pPr lvl="1"/>
-            <a:r>
-              <a:rPr lang="de-CH" dirty="0"/>
-              <a:t>Gesammelte Erfahrungen</a:t>
-            </a:r>
-          </a:p>
-          <a:p>
-            <a:pPr lvl="1"/>
-            <a:r>
-              <a:rPr lang="de-CH" dirty="0"/>
-              <a:t>Praktisches Beispiel Expertensystem</a:t>
-            </a:r>
-          </a:p>
-          <a:p>
-            <a:endParaRPr lang="de-CH" dirty="0"/>
-          </a:p>
-        </p:txBody>
-      </p:sp>
-      <p:sp>
-        <p:nvSpPr>
-          <p:cNvPr id="3" name="Titel 2"/>
-          <p:cNvSpPr>
-            <a:spLocks noGrp="1"/>
-          </p:cNvSpPr>
-          <p:nvPr>
-            <p:ph type="ctrTitle"/>
-          </p:nvPr>
-        </p:nvSpPr>
-        <p:spPr/>
-        <p:txBody>
-          <a:bodyPr/>
-          <a:lstStyle/>
-          <a:p>
-            <a:r>
-              <a:rPr lang="de-CH" dirty="0"/>
-              <a:t>Tutorial</a:t>
-            </a:r>
-          </a:p>
-        </p:txBody>
-      </p:sp>
-    </p:spTree>
-    <p:extLst>
-      <p:ext uri="{BB962C8B-B14F-4D97-AF65-F5344CB8AC3E}">
-        <p14:creationId xmlns:p14="http://schemas.microsoft.com/office/powerpoint/2010/main" val="2960236127"/>
-      </p:ext>
-    </p:extLst>
-  </p:cSld>
-  <p:clrMapOvr>
-    <a:masterClrMapping/>
-  </p:clrMapOvr>
-  <p:timing>
-    <p:tnLst>
-      <p:par>
-        <p:cTn id="1" dur="indefinite" restart="never" nodeType="tmRoot"/>
-      </p:par>
-    </p:tnLst>
-  </p:timing>
-</p:sld>
-</file>
-
-<file path=ppt/slides/slide7.xml><?xml version="1.0" encoding="utf-8"?>
-<p:sld xmlns:a="http://schemas.openxmlformats.org/drawingml/2006/main" xmlns:r="http://schemas.openxmlformats.org/officeDocument/2006/relationships" xmlns:p="http://schemas.openxmlformats.org/presentationml/2006/main">
-  <p:cSld>
-    <p:spTree>
-      <p:nvGrpSpPr>
-        <p:cNvPr id="1" name=""/>
-        <p:cNvGrpSpPr/>
-        <p:nvPr/>
-      </p:nvGrpSpPr>
-      <p:grpSpPr>
-        <a:xfrm>
-          <a:off x="0" y="0"/>
-          <a:ext cx="0" cy="0"/>
-          <a:chOff x="0" y="0"/>
-          <a:chExt cx="0" cy="0"/>
-        </a:xfrm>
-      </p:grpSpPr>
-      <p:sp>
-        <p:nvSpPr>
-          <p:cNvPr id="2" name="Inhaltsplatzhalter 1"/>
-          <p:cNvSpPr>
-            <a:spLocks noGrp="1"/>
-          </p:cNvSpPr>
-          <p:nvPr>
-            <p:ph sz="half" idx="1"/>
-          </p:nvPr>
-        </p:nvSpPr>
-        <p:spPr/>
-        <p:txBody>
-          <a:bodyPr/>
-          <a:lstStyle/>
-          <a:p>
-            <a:r>
-              <a:rPr lang="de-CH" dirty="0"/>
-              <a:t>Problemdomäne Reisen</a:t>
-            </a:r>
-          </a:p>
-          <a:p>
-            <a:pPr lvl="1"/>
-            <a:r>
-              <a:rPr lang="de-CH" dirty="0"/>
-              <a:t>Ursprünglich Prolog</a:t>
-            </a:r>
-          </a:p>
-          <a:p>
-            <a:pPr lvl="1"/>
-            <a:r>
-              <a:rPr lang="de-CH" dirty="0"/>
-              <a:t>Klarer Rahmen</a:t>
-            </a:r>
-          </a:p>
-          <a:p>
-            <a:r>
-              <a:rPr lang="de-CH" dirty="0"/>
-              <a:t>Werkzeuge </a:t>
-            </a:r>
-            <a:r>
-              <a:rPr lang="de-CH" dirty="0" err="1"/>
-              <a:t>Stanbol</a:t>
-            </a:r>
-            <a:r>
-              <a:rPr lang="de-CH" dirty="0"/>
-              <a:t>/ </a:t>
-            </a:r>
-            <a:r>
-              <a:rPr lang="de-CH" dirty="0" err="1"/>
-              <a:t>Protégé</a:t>
-            </a:r>
-            <a:r>
-              <a:rPr lang="de-CH" dirty="0"/>
-              <a:t>/ </a:t>
-            </a:r>
-            <a:r>
-              <a:rPr lang="de-CH" dirty="0" err="1"/>
-              <a:t>Stardog</a:t>
-            </a:r>
-            <a:endParaRPr lang="de-CH" dirty="0"/>
-          </a:p>
-          <a:p>
-            <a:r>
-              <a:rPr lang="de-CH" dirty="0"/>
-              <a:t>Ontologie</a:t>
-            </a:r>
-          </a:p>
-          <a:p>
-            <a:pPr lvl="1"/>
-            <a:r>
-              <a:rPr lang="de-CH" dirty="0"/>
-              <a:t>Bestandteile</a:t>
-            </a:r>
-          </a:p>
-          <a:p>
-            <a:pPr lvl="2"/>
-            <a:r>
-              <a:rPr lang="de-CH" dirty="0"/>
-              <a:t>Klassen</a:t>
-            </a:r>
-          </a:p>
-          <a:p>
-            <a:pPr lvl="2"/>
-            <a:r>
-              <a:rPr lang="de-CH" dirty="0"/>
-              <a:t>Individuen</a:t>
-            </a:r>
-          </a:p>
-          <a:p>
-            <a:pPr lvl="2"/>
-            <a:r>
-              <a:rPr lang="de-CH" dirty="0"/>
-              <a:t>Eigenschaften </a:t>
-            </a:r>
-          </a:p>
-          <a:p>
-            <a:pPr lvl="2"/>
-            <a:r>
-              <a:rPr lang="de-CH" dirty="0"/>
-              <a:t>Beziehungen</a:t>
-            </a:r>
-          </a:p>
-          <a:p>
-            <a:pPr lvl="1"/>
-            <a:r>
-              <a:rPr lang="de-CH" dirty="0"/>
-              <a:t>Regeln</a:t>
-            </a:r>
-          </a:p>
-          <a:p>
-            <a:pPr lvl="1"/>
-            <a:r>
-              <a:rPr lang="de-CH" dirty="0">
-                <a:sym typeface="Wingdings" panose="05000000000000000000" pitchFamily="2" charset="2"/>
-              </a:rPr>
-              <a:t> Semantische Datenbank</a:t>
-            </a:r>
-            <a:endParaRPr lang="de-CH" dirty="0"/>
-          </a:p>
-          <a:p>
-            <a:endParaRPr lang="de-CH" dirty="0"/>
-          </a:p>
-        </p:txBody>
-      </p:sp>
-      <p:sp>
-        <p:nvSpPr>
-          <p:cNvPr id="3" name="Titel 2"/>
-          <p:cNvSpPr>
-            <a:spLocks noGrp="1"/>
-          </p:cNvSpPr>
-          <p:nvPr>
-            <p:ph type="ctrTitle"/>
-          </p:nvPr>
-        </p:nvSpPr>
-        <p:spPr/>
-        <p:txBody>
-          <a:bodyPr/>
-          <a:lstStyle/>
-          <a:p>
-            <a:r>
-              <a:rPr lang="de-CH" dirty="0"/>
-              <a:t>Aufbau Ontologie</a:t>
-            </a:r>
-          </a:p>
-        </p:txBody>
-      </p:sp>
-    </p:spTree>
-    <p:extLst>
-      <p:ext uri="{BB962C8B-B14F-4D97-AF65-F5344CB8AC3E}">
-        <p14:creationId xmlns:p14="http://schemas.microsoft.com/office/powerpoint/2010/main" val="1258177134"/>
-      </p:ext>
-    </p:extLst>
-  </p:cSld>
-  <p:clrMapOvr>
-    <a:masterClrMapping/>
-  </p:clrMapOvr>
-  <p:timing>
-    <p:tnLst>
-      <p:par>
-        <p:cTn id="1" dur="indefinite" restart="never" nodeType="tmRoot"/>
-      </p:par>
-    </p:tnLst>
-  </p:timing>
-</p:sld>
-</file>
-
-<file path=ppt/slides/slide8.xml><?xml version="1.0" encoding="utf-8"?>
-<p:sld xmlns:a="http://schemas.openxmlformats.org/drawingml/2006/main" xmlns:r="http://schemas.openxmlformats.org/officeDocument/2006/relationships" xmlns:p="http://schemas.openxmlformats.org/presentationml/2006/main">
-  <p:cSld>
-    <p:spTree>
-      <p:nvGrpSpPr>
-        <p:cNvPr id="1" name=""/>
-        <p:cNvGrpSpPr/>
-        <p:nvPr/>
-      </p:nvGrpSpPr>
-      <p:grpSpPr>
-        <a:xfrm>
-          <a:off x="0" y="0"/>
-          <a:ext cx="0" cy="0"/>
-          <a:chOff x="0" y="0"/>
-          <a:chExt cx="0" cy="0"/>
-        </a:xfrm>
-      </p:grpSpPr>
-      <p:sp>
-        <p:nvSpPr>
-          <p:cNvPr id="3" name="Titel 2"/>
-          <p:cNvSpPr>
-            <a:spLocks noGrp="1"/>
-          </p:cNvSpPr>
-          <p:nvPr>
-            <p:ph type="ctrTitle"/>
-          </p:nvPr>
-        </p:nvSpPr>
-        <p:spPr/>
-        <p:txBody>
-          <a:bodyPr/>
-          <a:lstStyle/>
-          <a:p>
-            <a:endParaRPr lang="de-CH"/>
           </a:p>
         </p:txBody>
       </p:sp>
@@ -10040,7 +8340,7 @@
           </p:nvPr>
         </p:nvPicPr>
         <p:blipFill>
-          <a:blip r:embed="rId2">
+          <a:blip r:embed="rId3">
             <a:extLst>
               <a:ext uri="{28A0092B-C50C-407E-A947-70E740481C1C}">
                 <a14:useLocalDpi xmlns:a14="http://schemas.microsoft.com/office/drawing/2010/main" val="0"/>
@@ -10081,6 +8381,1410 @@
 </p:sld>
 </file>
 
+<file path=ppt/slides/slide11.xml><?xml version="1.0" encoding="utf-8"?>
+<p:sld xmlns:a="http://schemas.openxmlformats.org/drawingml/2006/main" xmlns:r="http://schemas.openxmlformats.org/officeDocument/2006/relationships" xmlns:p="http://schemas.openxmlformats.org/presentationml/2006/main">
+  <p:cSld>
+    <p:spTree>
+      <p:nvGrpSpPr>
+        <p:cNvPr id="1" name=""/>
+        <p:cNvGrpSpPr/>
+        <p:nvPr/>
+      </p:nvGrpSpPr>
+      <p:grpSpPr>
+        <a:xfrm>
+          <a:off x="0" y="0"/>
+          <a:ext cx="0" cy="0"/>
+          <a:chOff x="0" y="0"/>
+          <a:chExt cx="0" cy="0"/>
+        </a:xfrm>
+      </p:grpSpPr>
+      <p:sp>
+        <p:nvSpPr>
+          <p:cNvPr id="2" name="Inhaltsplatzhalter 1"/>
+          <p:cNvSpPr>
+            <a:spLocks noGrp="1"/>
+          </p:cNvSpPr>
+          <p:nvPr>
+            <p:ph sz="half" idx="1"/>
+          </p:nvPr>
+        </p:nvSpPr>
+        <p:spPr/>
+        <p:txBody>
+          <a:bodyPr/>
+          <a:lstStyle/>
+          <a:p>
+            <a:r>
+              <a:rPr lang="de-CH" dirty="0"/>
+              <a:t>Technische Umsetzung</a:t>
+            </a:r>
+          </a:p>
+          <a:p>
+            <a:pPr lvl="1"/>
+            <a:r>
+              <a:rPr lang="de-CH" dirty="0"/>
+              <a:t>Backend</a:t>
+            </a:r>
+          </a:p>
+          <a:p>
+            <a:pPr lvl="2"/>
+            <a:r>
+              <a:rPr lang="de-CH" dirty="0" err="1"/>
+              <a:t>Graphdatenbank</a:t>
+            </a:r>
+            <a:r>
+              <a:rPr lang="de-CH" dirty="0"/>
+              <a:t> (</a:t>
+            </a:r>
+            <a:r>
+              <a:rPr lang="de-CH" dirty="0" err="1"/>
+              <a:t>Stardog</a:t>
+            </a:r>
+            <a:r>
+              <a:rPr lang="de-CH" dirty="0"/>
+              <a:t>)</a:t>
+            </a:r>
+          </a:p>
+          <a:p>
+            <a:pPr lvl="2"/>
+            <a:r>
+              <a:rPr lang="de-CH" dirty="0" err="1"/>
+              <a:t>Reasoner</a:t>
+            </a:r>
+            <a:endParaRPr lang="de-CH" dirty="0"/>
+          </a:p>
+          <a:p>
+            <a:pPr lvl="2"/>
+            <a:r>
+              <a:rPr lang="de-CH" dirty="0"/>
+              <a:t>REST-Schnittstelle</a:t>
+            </a:r>
+          </a:p>
+          <a:p>
+            <a:pPr lvl="1"/>
+            <a:r>
+              <a:rPr lang="de-CH" dirty="0"/>
+              <a:t>Frontend</a:t>
+            </a:r>
+          </a:p>
+          <a:p>
+            <a:pPr lvl="2"/>
+            <a:r>
+              <a:rPr lang="de-CH" dirty="0"/>
+              <a:t>Schritt-für-Schritt Assistent</a:t>
+            </a:r>
+          </a:p>
+          <a:p>
+            <a:endParaRPr lang="de-CH" dirty="0"/>
+          </a:p>
+        </p:txBody>
+      </p:sp>
+      <p:sp>
+        <p:nvSpPr>
+          <p:cNvPr id="3" name="Titel 2"/>
+          <p:cNvSpPr>
+            <a:spLocks noGrp="1"/>
+          </p:cNvSpPr>
+          <p:nvPr>
+            <p:ph type="ctrTitle"/>
+          </p:nvPr>
+        </p:nvSpPr>
+        <p:spPr/>
+        <p:txBody>
+          <a:bodyPr/>
+          <a:lstStyle/>
+          <a:p>
+            <a:r>
+              <a:rPr lang="de-CH" dirty="0"/>
+              <a:t>Benutzerschnittstelle</a:t>
+            </a:r>
+          </a:p>
+        </p:txBody>
+      </p:sp>
+    </p:spTree>
+    <p:extLst>
+      <p:ext uri="{BB962C8B-B14F-4D97-AF65-F5344CB8AC3E}">
+        <p14:creationId xmlns:p14="http://schemas.microsoft.com/office/powerpoint/2010/main" val="434120450"/>
+      </p:ext>
+    </p:extLst>
+  </p:cSld>
+  <p:clrMapOvr>
+    <a:masterClrMapping/>
+  </p:clrMapOvr>
+  <p:timing>
+    <p:tnLst>
+      <p:par>
+        <p:cTn id="1" dur="indefinite" restart="never" nodeType="tmRoot"/>
+      </p:par>
+    </p:tnLst>
+  </p:timing>
+</p:sld>
+</file>
+
+<file path=ppt/slides/slide12.xml><?xml version="1.0" encoding="utf-8"?>
+<p:sld xmlns:a="http://schemas.openxmlformats.org/drawingml/2006/main" xmlns:r="http://schemas.openxmlformats.org/officeDocument/2006/relationships" xmlns:p="http://schemas.openxmlformats.org/presentationml/2006/main">
+  <p:cSld>
+    <p:spTree>
+      <p:nvGrpSpPr>
+        <p:cNvPr id="1" name=""/>
+        <p:cNvGrpSpPr/>
+        <p:nvPr/>
+      </p:nvGrpSpPr>
+      <p:grpSpPr>
+        <a:xfrm>
+          <a:off x="0" y="0"/>
+          <a:ext cx="0" cy="0"/>
+          <a:chOff x="0" y="0"/>
+          <a:chExt cx="0" cy="0"/>
+        </a:xfrm>
+      </p:grpSpPr>
+      <p:sp>
+        <p:nvSpPr>
+          <p:cNvPr id="2" name="Inhaltsplatzhalter 1"/>
+          <p:cNvSpPr>
+            <a:spLocks noGrp="1"/>
+          </p:cNvSpPr>
+          <p:nvPr>
+            <p:ph sz="half" idx="1"/>
+          </p:nvPr>
+        </p:nvSpPr>
+        <p:spPr/>
+        <p:txBody>
+          <a:bodyPr/>
+          <a:lstStyle/>
+          <a:p>
+            <a:endParaRPr lang="de-CH" dirty="0"/>
+          </a:p>
+        </p:txBody>
+      </p:sp>
+      <p:sp>
+        <p:nvSpPr>
+          <p:cNvPr id="3" name="Titel 2"/>
+          <p:cNvSpPr>
+            <a:spLocks noGrp="1"/>
+          </p:cNvSpPr>
+          <p:nvPr>
+            <p:ph type="ctrTitle"/>
+          </p:nvPr>
+        </p:nvSpPr>
+        <p:spPr/>
+        <p:txBody>
+          <a:bodyPr/>
+          <a:lstStyle/>
+          <a:p>
+            <a:r>
+              <a:rPr lang="de-CH" dirty="0"/>
+              <a:t>Assistent</a:t>
+            </a:r>
+          </a:p>
+        </p:txBody>
+      </p:sp>
+      <p:pic>
+        <p:nvPicPr>
+          <p:cNvPr id="4" name="Grafik 3"/>
+          <p:cNvPicPr>
+            <a:picLocks noChangeAspect="1"/>
+          </p:cNvPicPr>
+          <p:nvPr/>
+        </p:nvPicPr>
+        <p:blipFill>
+          <a:blip r:embed="rId3"/>
+          <a:stretch>
+            <a:fillRect/>
+          </a:stretch>
+        </p:blipFill>
+        <p:spPr>
+          <a:xfrm>
+            <a:off x="1312837" y="1439999"/>
+            <a:ext cx="6410325" cy="4019550"/>
+          </a:xfrm>
+          <a:prstGeom prst="rect">
+            <a:avLst/>
+          </a:prstGeom>
+        </p:spPr>
+      </p:pic>
+    </p:spTree>
+    <p:extLst>
+      <p:ext uri="{BB962C8B-B14F-4D97-AF65-F5344CB8AC3E}">
+        <p14:creationId xmlns:p14="http://schemas.microsoft.com/office/powerpoint/2010/main" val="3852691952"/>
+      </p:ext>
+    </p:extLst>
+  </p:cSld>
+  <p:clrMapOvr>
+    <a:masterClrMapping/>
+  </p:clrMapOvr>
+  <p:timing>
+    <p:tnLst>
+      <p:par>
+        <p:cTn id="1" dur="indefinite" restart="never" nodeType="tmRoot"/>
+      </p:par>
+    </p:tnLst>
+  </p:timing>
+</p:sld>
+</file>
+
+<file path=ppt/slides/slide13.xml><?xml version="1.0" encoding="utf-8"?>
+<p:sld xmlns:a="http://schemas.openxmlformats.org/drawingml/2006/main" xmlns:r="http://schemas.openxmlformats.org/officeDocument/2006/relationships" xmlns:p="http://schemas.openxmlformats.org/presentationml/2006/main">
+  <p:cSld>
+    <p:spTree>
+      <p:nvGrpSpPr>
+        <p:cNvPr id="1" name=""/>
+        <p:cNvGrpSpPr/>
+        <p:nvPr/>
+      </p:nvGrpSpPr>
+      <p:grpSpPr>
+        <a:xfrm>
+          <a:off x="0" y="0"/>
+          <a:ext cx="0" cy="0"/>
+          <a:chOff x="0" y="0"/>
+          <a:chExt cx="0" cy="0"/>
+        </a:xfrm>
+      </p:grpSpPr>
+      <p:sp>
+        <p:nvSpPr>
+          <p:cNvPr id="2" name="Inhaltsplatzhalter 1"/>
+          <p:cNvSpPr>
+            <a:spLocks noGrp="1"/>
+          </p:cNvSpPr>
+          <p:nvPr>
+            <p:ph sz="half" idx="1"/>
+          </p:nvPr>
+        </p:nvSpPr>
+        <p:spPr/>
+        <p:txBody>
+          <a:bodyPr/>
+          <a:lstStyle/>
+          <a:p>
+            <a:r>
+              <a:rPr lang="de-CH" dirty="0"/>
+              <a:t>Viele neue Lerninhalte</a:t>
+            </a:r>
+          </a:p>
+          <a:p>
+            <a:r>
+              <a:rPr lang="de-CH" dirty="0"/>
+              <a:t>Umdenken</a:t>
+            </a:r>
+          </a:p>
+          <a:p>
+            <a:r>
+              <a:rPr lang="de-CH" dirty="0"/>
+              <a:t>Wechsel Problemdomäne</a:t>
+            </a:r>
+          </a:p>
+          <a:p>
+            <a:r>
+              <a:rPr lang="de-CH" dirty="0"/>
+              <a:t>Mächtig aber doch mit gewissen Einschränkungen</a:t>
+            </a:r>
+          </a:p>
+          <a:p>
+            <a:pPr lvl="1"/>
+            <a:r>
+              <a:rPr lang="de-CH" dirty="0"/>
+              <a:t>Beschränkt intelligent</a:t>
+            </a:r>
+          </a:p>
+          <a:p>
+            <a:pPr lvl="1"/>
+            <a:r>
+              <a:rPr lang="de-CH" dirty="0"/>
+              <a:t>Werkzeuge</a:t>
+            </a:r>
+          </a:p>
+          <a:p>
+            <a:endParaRPr lang="de-CH" dirty="0"/>
+          </a:p>
+        </p:txBody>
+      </p:sp>
+      <p:sp>
+        <p:nvSpPr>
+          <p:cNvPr id="3" name="Titel 2"/>
+          <p:cNvSpPr>
+            <a:spLocks noGrp="1"/>
+          </p:cNvSpPr>
+          <p:nvPr>
+            <p:ph type="ctrTitle"/>
+          </p:nvPr>
+        </p:nvSpPr>
+        <p:spPr/>
+        <p:txBody>
+          <a:bodyPr/>
+          <a:lstStyle/>
+          <a:p>
+            <a:r>
+              <a:rPr lang="de-CH" dirty="0"/>
+              <a:t>Fazit</a:t>
+            </a:r>
+          </a:p>
+        </p:txBody>
+      </p:sp>
+    </p:spTree>
+    <p:extLst>
+      <p:ext uri="{BB962C8B-B14F-4D97-AF65-F5344CB8AC3E}">
+        <p14:creationId xmlns:p14="http://schemas.microsoft.com/office/powerpoint/2010/main" val="367052300"/>
+      </p:ext>
+    </p:extLst>
+  </p:cSld>
+  <p:clrMapOvr>
+    <a:masterClrMapping/>
+  </p:clrMapOvr>
+  <p:timing>
+    <p:tnLst>
+      <p:par>
+        <p:cTn id="1" dur="indefinite" restart="never" nodeType="tmRoot"/>
+      </p:par>
+    </p:tnLst>
+  </p:timing>
+</p:sld>
+</file>
+
+<file path=ppt/slides/slide14.xml><?xml version="1.0" encoding="utf-8"?>
+<p:sld xmlns:a="http://schemas.openxmlformats.org/drawingml/2006/main" xmlns:r="http://schemas.openxmlformats.org/officeDocument/2006/relationships" xmlns:p="http://schemas.openxmlformats.org/presentationml/2006/main">
+  <p:cSld>
+    <p:spTree>
+      <p:nvGrpSpPr>
+        <p:cNvPr id="1" name=""/>
+        <p:cNvGrpSpPr/>
+        <p:nvPr/>
+      </p:nvGrpSpPr>
+      <p:grpSpPr>
+        <a:xfrm>
+          <a:off x="0" y="0"/>
+          <a:ext cx="0" cy="0"/>
+          <a:chOff x="0" y="0"/>
+          <a:chExt cx="0" cy="0"/>
+        </a:xfrm>
+      </p:grpSpPr>
+      <p:sp>
+        <p:nvSpPr>
+          <p:cNvPr id="5" name="Titel 4"/>
+          <p:cNvSpPr>
+            <a:spLocks noGrp="1"/>
+          </p:cNvSpPr>
+          <p:nvPr>
+            <p:ph type="ctrTitle"/>
+          </p:nvPr>
+        </p:nvSpPr>
+        <p:spPr/>
+        <p:txBody>
+          <a:bodyPr/>
+          <a:lstStyle/>
+          <a:p>
+            <a:endParaRPr lang="de-CH" dirty="0"/>
+          </a:p>
+        </p:txBody>
+      </p:sp>
+      <p:sp>
+        <p:nvSpPr>
+          <p:cNvPr id="6" name="Untertitel 5"/>
+          <p:cNvSpPr>
+            <a:spLocks noGrp="1"/>
+          </p:cNvSpPr>
+          <p:nvPr>
+            <p:ph type="subTitle" idx="1"/>
+          </p:nvPr>
+        </p:nvSpPr>
+        <p:spPr>
+          <a:xfrm>
+            <a:off x="3392885" y="2220513"/>
+            <a:ext cx="664114" cy="1466116"/>
+          </a:xfrm>
+        </p:spPr>
+        <p:txBody>
+          <a:bodyPr/>
+          <a:lstStyle/>
+          <a:p>
+            <a:r>
+              <a:rPr lang="de-CH" sz="9600" dirty="0" smtClean="0"/>
+              <a:t>?</a:t>
+            </a:r>
+            <a:endParaRPr lang="de-CH" sz="9600" dirty="0"/>
+          </a:p>
+        </p:txBody>
+      </p:sp>
+    </p:spTree>
+    <p:extLst>
+      <p:ext uri="{BB962C8B-B14F-4D97-AF65-F5344CB8AC3E}">
+        <p14:creationId xmlns:p14="http://schemas.microsoft.com/office/powerpoint/2010/main" val="3399875752"/>
+      </p:ext>
+    </p:extLst>
+  </p:cSld>
+  <p:clrMapOvr>
+    <a:masterClrMapping/>
+  </p:clrMapOvr>
+  <mc:AlternateContent xmlns:mc="http://schemas.openxmlformats.org/markup-compatibility/2006" xmlns:p14="http://schemas.microsoft.com/office/powerpoint/2010/main">
+    <mc:Choice Requires="p14">
+      <p:transition spd="slow" p14:dur="2000"/>
+    </mc:Choice>
+    <mc:Fallback xmlns="">
+      <p:transition spd="slow"/>
+    </mc:Fallback>
+  </mc:AlternateContent>
+  <p:timing>
+    <p:tnLst>
+      <p:par>
+        <p:cTn id="1" dur="indefinite" restart="never" nodeType="tmRoot"/>
+      </p:par>
+    </p:tnLst>
+  </p:timing>
+</p:sld>
+</file>
+
+<file path=ppt/slides/slide2.xml><?xml version="1.0" encoding="utf-8"?>
+<p:sld xmlns:a="http://schemas.openxmlformats.org/drawingml/2006/main" xmlns:r="http://schemas.openxmlformats.org/officeDocument/2006/relationships" xmlns:p="http://schemas.openxmlformats.org/presentationml/2006/main">
+  <p:cSld>
+    <p:spTree>
+      <p:nvGrpSpPr>
+        <p:cNvPr id="1" name=""/>
+        <p:cNvGrpSpPr/>
+        <p:nvPr/>
+      </p:nvGrpSpPr>
+      <p:grpSpPr>
+        <a:xfrm>
+          <a:off x="0" y="0"/>
+          <a:ext cx="0" cy="0"/>
+          <a:chOff x="0" y="0"/>
+          <a:chExt cx="0" cy="0"/>
+        </a:xfrm>
+      </p:grpSpPr>
+      <p:sp>
+        <p:nvSpPr>
+          <p:cNvPr id="2" name="Inhaltsplatzhalter 1"/>
+          <p:cNvSpPr>
+            <a:spLocks noGrp="1"/>
+          </p:cNvSpPr>
+          <p:nvPr>
+            <p:ph sz="half" idx="1"/>
+          </p:nvPr>
+        </p:nvSpPr>
+        <p:spPr/>
+        <p:txBody>
+          <a:bodyPr/>
+          <a:lstStyle/>
+          <a:p>
+            <a:r>
+              <a:rPr lang="de-CH" dirty="0"/>
+              <a:t>Motivation</a:t>
+            </a:r>
+          </a:p>
+          <a:p>
+            <a:r>
+              <a:rPr lang="de-CH" dirty="0"/>
+              <a:t>Wissensabbildung</a:t>
+            </a:r>
+          </a:p>
+          <a:p>
+            <a:r>
+              <a:rPr lang="de-CH" dirty="0"/>
+              <a:t>Ziel</a:t>
+            </a:r>
+          </a:p>
+          <a:p>
+            <a:pPr lvl="1"/>
+            <a:r>
+              <a:rPr lang="de-CH" dirty="0"/>
+              <a:t>Tutorial</a:t>
+            </a:r>
+          </a:p>
+          <a:p>
+            <a:pPr lvl="1"/>
+            <a:r>
+              <a:rPr lang="de-CH" dirty="0" smtClean="0"/>
+              <a:t>Ontologie</a:t>
+            </a:r>
+            <a:endParaRPr lang="de-CH" dirty="0"/>
+          </a:p>
+          <a:p>
+            <a:pPr lvl="1"/>
+            <a:r>
+              <a:rPr lang="de-CH" dirty="0"/>
+              <a:t>Benutzerschnittstelle</a:t>
+            </a:r>
+          </a:p>
+          <a:p>
+            <a:r>
+              <a:rPr lang="de-CH" dirty="0"/>
+              <a:t>Fazit</a:t>
+            </a:r>
+          </a:p>
+          <a:p>
+            <a:endParaRPr lang="de-CH" dirty="0"/>
+          </a:p>
+        </p:txBody>
+      </p:sp>
+      <p:sp>
+        <p:nvSpPr>
+          <p:cNvPr id="3" name="Titel 2"/>
+          <p:cNvSpPr>
+            <a:spLocks noGrp="1"/>
+          </p:cNvSpPr>
+          <p:nvPr>
+            <p:ph type="ctrTitle"/>
+          </p:nvPr>
+        </p:nvSpPr>
+        <p:spPr/>
+        <p:txBody>
+          <a:bodyPr/>
+          <a:lstStyle/>
+          <a:p>
+            <a:r>
+              <a:rPr lang="de-CH" dirty="0"/>
+              <a:t>Ablauf</a:t>
+            </a:r>
+          </a:p>
+        </p:txBody>
+      </p:sp>
+    </p:spTree>
+    <p:extLst>
+      <p:ext uri="{BB962C8B-B14F-4D97-AF65-F5344CB8AC3E}">
+        <p14:creationId xmlns:p14="http://schemas.microsoft.com/office/powerpoint/2010/main" val="3741675672"/>
+      </p:ext>
+    </p:extLst>
+  </p:cSld>
+  <p:clrMapOvr>
+    <a:masterClrMapping/>
+  </p:clrMapOvr>
+  <p:timing>
+    <p:tnLst>
+      <p:par>
+        <p:cTn id="1" dur="indefinite" restart="never" nodeType="tmRoot"/>
+      </p:par>
+    </p:tnLst>
+  </p:timing>
+</p:sld>
+</file>
+
+<file path=ppt/slides/slide3.xml><?xml version="1.0" encoding="utf-8"?>
+<p:sld xmlns:a="http://schemas.openxmlformats.org/drawingml/2006/main" xmlns:r="http://schemas.openxmlformats.org/officeDocument/2006/relationships" xmlns:p="http://schemas.openxmlformats.org/presentationml/2006/main">
+  <p:cSld>
+    <p:spTree>
+      <p:nvGrpSpPr>
+        <p:cNvPr id="1" name=""/>
+        <p:cNvGrpSpPr/>
+        <p:nvPr/>
+      </p:nvGrpSpPr>
+      <p:grpSpPr>
+        <a:xfrm>
+          <a:off x="0" y="0"/>
+          <a:ext cx="0" cy="0"/>
+          <a:chOff x="0" y="0"/>
+          <a:chExt cx="0" cy="0"/>
+        </a:xfrm>
+      </p:grpSpPr>
+      <p:sp>
+        <p:nvSpPr>
+          <p:cNvPr id="2" name="Inhaltsplatzhalter 1"/>
+          <p:cNvSpPr>
+            <a:spLocks noGrp="1"/>
+          </p:cNvSpPr>
+          <p:nvPr>
+            <p:ph sz="half" idx="1"/>
+          </p:nvPr>
+        </p:nvSpPr>
+        <p:spPr/>
+        <p:txBody>
+          <a:bodyPr/>
+          <a:lstStyle/>
+          <a:p>
+            <a:r>
+              <a:rPr lang="de-CH" dirty="0"/>
+              <a:t>Beantworten von Fragen</a:t>
+            </a:r>
+          </a:p>
+          <a:p>
+            <a:pPr lvl="1"/>
+            <a:r>
+              <a:rPr lang="de-CH" dirty="0"/>
+              <a:t>Klassische Suchmaschine </a:t>
+            </a:r>
+          </a:p>
+          <a:p>
+            <a:pPr lvl="1"/>
+            <a:r>
+              <a:rPr lang="de-CH" dirty="0"/>
+              <a:t>Konzepte und Zusammenhänge </a:t>
+            </a:r>
+            <a:r>
+              <a:rPr lang="de-CH" dirty="0">
+                <a:sym typeface="Wingdings" panose="05000000000000000000" pitchFamily="2" charset="2"/>
+              </a:rPr>
+              <a:t> Semantisches Wissen</a:t>
+            </a:r>
+          </a:p>
+          <a:p>
+            <a:endParaRPr lang="de-CH" dirty="0"/>
+          </a:p>
+        </p:txBody>
+      </p:sp>
+      <p:sp>
+        <p:nvSpPr>
+          <p:cNvPr id="3" name="Titel 2"/>
+          <p:cNvSpPr>
+            <a:spLocks noGrp="1"/>
+          </p:cNvSpPr>
+          <p:nvPr>
+            <p:ph type="ctrTitle"/>
+          </p:nvPr>
+        </p:nvSpPr>
+        <p:spPr/>
+        <p:txBody>
+          <a:bodyPr/>
+          <a:lstStyle/>
+          <a:p>
+            <a:r>
+              <a:rPr lang="de-CH" dirty="0"/>
+              <a:t>Motivation</a:t>
+            </a:r>
+          </a:p>
+        </p:txBody>
+      </p:sp>
+    </p:spTree>
+    <p:extLst>
+      <p:ext uri="{BB962C8B-B14F-4D97-AF65-F5344CB8AC3E}">
+        <p14:creationId xmlns:p14="http://schemas.microsoft.com/office/powerpoint/2010/main" val="2384258396"/>
+      </p:ext>
+    </p:extLst>
+  </p:cSld>
+  <p:clrMapOvr>
+    <a:masterClrMapping/>
+  </p:clrMapOvr>
+  <p:timing>
+    <p:tnLst>
+      <p:par>
+        <p:cTn id="1" dur="indefinite" restart="never" nodeType="tmRoot"/>
+      </p:par>
+    </p:tnLst>
+  </p:timing>
+</p:sld>
+</file>
+
+<file path=ppt/slides/slide4.xml><?xml version="1.0" encoding="utf-8"?>
+<p:sld xmlns:a="http://schemas.openxmlformats.org/drawingml/2006/main" xmlns:r="http://schemas.openxmlformats.org/officeDocument/2006/relationships" xmlns:p="http://schemas.openxmlformats.org/presentationml/2006/main">
+  <p:cSld>
+    <p:spTree>
+      <p:nvGrpSpPr>
+        <p:cNvPr id="1" name=""/>
+        <p:cNvGrpSpPr/>
+        <p:nvPr/>
+      </p:nvGrpSpPr>
+      <p:grpSpPr>
+        <a:xfrm>
+          <a:off x="0" y="0"/>
+          <a:ext cx="0" cy="0"/>
+          <a:chOff x="0" y="0"/>
+          <a:chExt cx="0" cy="0"/>
+        </a:xfrm>
+      </p:grpSpPr>
+      <p:sp>
+        <p:nvSpPr>
+          <p:cNvPr id="2" name="Inhaltsplatzhalter 1"/>
+          <p:cNvSpPr>
+            <a:spLocks noGrp="1"/>
+          </p:cNvSpPr>
+          <p:nvPr>
+            <p:ph sz="half" idx="1"/>
+          </p:nvPr>
+        </p:nvSpPr>
+        <p:spPr/>
+        <p:txBody>
+          <a:bodyPr/>
+          <a:lstStyle/>
+          <a:p>
+            <a:r>
+              <a:rPr lang="de-CH" dirty="0">
+                <a:sym typeface="Wingdings" panose="05000000000000000000" pitchFamily="2" charset="2"/>
+              </a:rPr>
+              <a:t>Relationale </a:t>
+            </a:r>
+            <a:r>
+              <a:rPr lang="de-CH" dirty="0" smtClean="0">
+                <a:sym typeface="Wingdings" panose="05000000000000000000" pitchFamily="2" charset="2"/>
+              </a:rPr>
+              <a:t>Datenspeicherung</a:t>
+            </a:r>
+          </a:p>
+          <a:p>
+            <a:pPr lvl="1"/>
+            <a:r>
+              <a:rPr lang="de-CH" dirty="0"/>
+              <a:t>Objekteigenschaften und </a:t>
+            </a:r>
+            <a:r>
+              <a:rPr lang="de-CH" dirty="0" smtClean="0"/>
+              <a:t>-verhalten eher </a:t>
+            </a:r>
+            <a:r>
+              <a:rPr lang="de-CH" dirty="0"/>
+              <a:t>schwer </a:t>
+            </a:r>
+            <a:r>
+              <a:rPr lang="de-CH" dirty="0" smtClean="0"/>
+              <a:t>abbildbar</a:t>
+            </a:r>
+          </a:p>
+          <a:p>
+            <a:pPr marL="457200" lvl="1" indent="0">
+              <a:buNone/>
+            </a:pPr>
+            <a:endParaRPr lang="de-CH" dirty="0">
+              <a:sym typeface="Wingdings" panose="05000000000000000000" pitchFamily="2" charset="2"/>
+            </a:endParaRPr>
+          </a:p>
+          <a:p>
+            <a:r>
+              <a:rPr lang="de-CH" dirty="0">
+                <a:sym typeface="Wingdings" panose="05000000000000000000" pitchFamily="2" charset="2"/>
+              </a:rPr>
+              <a:t>Semantische Datenbanken</a:t>
+            </a:r>
+          </a:p>
+          <a:p>
+            <a:pPr lvl="1"/>
+            <a:r>
+              <a:rPr lang="de-CH" dirty="0">
+                <a:sym typeface="Wingdings" panose="05000000000000000000" pitchFamily="2" charset="2"/>
+              </a:rPr>
+              <a:t>Wissensmodellierung auf Basis von </a:t>
+            </a:r>
+            <a:r>
+              <a:rPr lang="de-CH" dirty="0" err="1" smtClean="0">
+                <a:sym typeface="Wingdings" panose="05000000000000000000" pitchFamily="2" charset="2"/>
+              </a:rPr>
+              <a:t>Ontologien</a:t>
+            </a:r>
+            <a:endParaRPr lang="de-CH" dirty="0" smtClean="0">
+              <a:sym typeface="Wingdings" panose="05000000000000000000" pitchFamily="2" charset="2"/>
+            </a:endParaRPr>
+          </a:p>
+          <a:p>
+            <a:pPr lvl="1"/>
+            <a:endParaRPr lang="de-CH" dirty="0">
+              <a:sym typeface="Wingdings" panose="05000000000000000000" pitchFamily="2" charset="2"/>
+            </a:endParaRPr>
+          </a:p>
+          <a:p>
+            <a:pPr lvl="1"/>
+            <a:r>
+              <a:rPr lang="de-CH" dirty="0" smtClean="0">
+                <a:sym typeface="Wingdings" panose="05000000000000000000" pitchFamily="2" charset="2"/>
+              </a:rPr>
+              <a:t>Expertensystem</a:t>
+            </a:r>
+          </a:p>
+          <a:p>
+            <a:pPr lvl="2"/>
+            <a:r>
+              <a:rPr lang="de-CH" dirty="0" smtClean="0">
+                <a:sym typeface="Wingdings" panose="05000000000000000000" pitchFamily="2" charset="2"/>
+              </a:rPr>
+              <a:t>Semantische Datenbank</a:t>
+            </a:r>
+          </a:p>
+          <a:p>
+            <a:pPr lvl="2"/>
+            <a:r>
+              <a:rPr lang="de-CH" dirty="0" smtClean="0">
+                <a:sym typeface="Wingdings" panose="05000000000000000000" pitchFamily="2" charset="2"/>
+              </a:rPr>
+              <a:t>Inferenzmaschine (</a:t>
+            </a:r>
+            <a:r>
+              <a:rPr lang="de-CH" dirty="0" err="1" smtClean="0">
+                <a:sym typeface="Wingdings" panose="05000000000000000000" pitchFamily="2" charset="2"/>
+              </a:rPr>
+              <a:t>Reasoner</a:t>
+            </a:r>
+            <a:r>
+              <a:rPr lang="de-CH" dirty="0" smtClean="0">
+                <a:sym typeface="Wingdings" panose="05000000000000000000" pitchFamily="2" charset="2"/>
+              </a:rPr>
+              <a:t>)</a:t>
+            </a:r>
+            <a:endParaRPr lang="de-CH" dirty="0">
+              <a:sym typeface="Wingdings" panose="05000000000000000000" pitchFamily="2" charset="2"/>
+            </a:endParaRPr>
+          </a:p>
+          <a:p>
+            <a:endParaRPr lang="de-CH" dirty="0"/>
+          </a:p>
+        </p:txBody>
+      </p:sp>
+      <p:sp>
+        <p:nvSpPr>
+          <p:cNvPr id="3" name="Titel 2"/>
+          <p:cNvSpPr>
+            <a:spLocks noGrp="1"/>
+          </p:cNvSpPr>
+          <p:nvPr>
+            <p:ph type="ctrTitle"/>
+          </p:nvPr>
+        </p:nvSpPr>
+        <p:spPr/>
+        <p:txBody>
+          <a:bodyPr/>
+          <a:lstStyle/>
+          <a:p>
+            <a:r>
+              <a:rPr lang="de-CH" dirty="0"/>
+              <a:t>Wissensabbildung</a:t>
+            </a:r>
+          </a:p>
+        </p:txBody>
+      </p:sp>
+    </p:spTree>
+    <p:extLst>
+      <p:ext uri="{BB962C8B-B14F-4D97-AF65-F5344CB8AC3E}">
+        <p14:creationId xmlns:p14="http://schemas.microsoft.com/office/powerpoint/2010/main" val="4113748175"/>
+      </p:ext>
+    </p:extLst>
+  </p:cSld>
+  <p:clrMapOvr>
+    <a:masterClrMapping/>
+  </p:clrMapOvr>
+  <p:timing>
+    <p:tnLst>
+      <p:par>
+        <p:cTn id="1" dur="indefinite" restart="never" nodeType="tmRoot"/>
+      </p:par>
+    </p:tnLst>
+  </p:timing>
+</p:sld>
+</file>
+
+<file path=ppt/slides/slide5.xml><?xml version="1.0" encoding="utf-8"?>
+<p:sld xmlns:a="http://schemas.openxmlformats.org/drawingml/2006/main" xmlns:r="http://schemas.openxmlformats.org/officeDocument/2006/relationships" xmlns:p="http://schemas.openxmlformats.org/presentationml/2006/main">
+  <p:cSld>
+    <p:spTree>
+      <p:nvGrpSpPr>
+        <p:cNvPr id="1" name=""/>
+        <p:cNvGrpSpPr/>
+        <p:nvPr/>
+      </p:nvGrpSpPr>
+      <p:grpSpPr>
+        <a:xfrm>
+          <a:off x="0" y="0"/>
+          <a:ext cx="0" cy="0"/>
+          <a:chOff x="0" y="0"/>
+          <a:chExt cx="0" cy="0"/>
+        </a:xfrm>
+      </p:grpSpPr>
+      <p:sp>
+        <p:nvSpPr>
+          <p:cNvPr id="2" name="Inhaltsplatzhalter 1"/>
+          <p:cNvSpPr>
+            <a:spLocks noGrp="1"/>
+          </p:cNvSpPr>
+          <p:nvPr>
+            <p:ph sz="half" idx="1"/>
+          </p:nvPr>
+        </p:nvSpPr>
+        <p:spPr/>
+        <p:txBody>
+          <a:bodyPr/>
+          <a:lstStyle/>
+          <a:p>
+            <a:r>
+              <a:rPr lang="de-CH" dirty="0"/>
+              <a:t>Aufbau und Anwendung einer Semantischen Datenbank</a:t>
+            </a:r>
+          </a:p>
+          <a:p>
+            <a:pPr lvl="1"/>
+            <a:r>
+              <a:rPr lang="de-CH" dirty="0"/>
+              <a:t>Theoretischer Teil</a:t>
+            </a:r>
+          </a:p>
+          <a:p>
+            <a:pPr lvl="2"/>
+            <a:r>
+              <a:rPr lang="de-CH" dirty="0"/>
+              <a:t>Tutorial</a:t>
+            </a:r>
+          </a:p>
+          <a:p>
+            <a:pPr lvl="1"/>
+            <a:r>
+              <a:rPr lang="de-CH" dirty="0"/>
+              <a:t>Praktischer Teil</a:t>
+            </a:r>
+          </a:p>
+          <a:p>
+            <a:pPr lvl="2"/>
+            <a:r>
+              <a:rPr lang="de-CH" dirty="0"/>
+              <a:t>Aufbau Ontologie</a:t>
+            </a:r>
+          </a:p>
+          <a:p>
+            <a:pPr lvl="2"/>
+            <a:r>
+              <a:rPr lang="de-CH" dirty="0"/>
+              <a:t>Benutzerschnittstelle</a:t>
+            </a:r>
+          </a:p>
+          <a:p>
+            <a:endParaRPr lang="de-CH" dirty="0"/>
+          </a:p>
+        </p:txBody>
+      </p:sp>
+      <p:sp>
+        <p:nvSpPr>
+          <p:cNvPr id="3" name="Titel 2"/>
+          <p:cNvSpPr>
+            <a:spLocks noGrp="1"/>
+          </p:cNvSpPr>
+          <p:nvPr>
+            <p:ph type="ctrTitle"/>
+          </p:nvPr>
+        </p:nvSpPr>
+        <p:spPr/>
+        <p:txBody>
+          <a:bodyPr/>
+          <a:lstStyle/>
+          <a:p>
+            <a:r>
+              <a:rPr lang="de-CH" dirty="0"/>
+              <a:t>Ziel</a:t>
+            </a:r>
+          </a:p>
+        </p:txBody>
+      </p:sp>
+    </p:spTree>
+    <p:extLst>
+      <p:ext uri="{BB962C8B-B14F-4D97-AF65-F5344CB8AC3E}">
+        <p14:creationId xmlns:p14="http://schemas.microsoft.com/office/powerpoint/2010/main" val="1939819203"/>
+      </p:ext>
+    </p:extLst>
+  </p:cSld>
+  <p:clrMapOvr>
+    <a:masterClrMapping/>
+  </p:clrMapOvr>
+  <p:timing>
+    <p:tnLst>
+      <p:par>
+        <p:cTn id="1" dur="indefinite" restart="never" nodeType="tmRoot"/>
+      </p:par>
+    </p:tnLst>
+  </p:timing>
+</p:sld>
+</file>
+
+<file path=ppt/slides/slide6.xml><?xml version="1.0" encoding="utf-8"?>
+<p:sld xmlns:a="http://schemas.openxmlformats.org/drawingml/2006/main" xmlns:r="http://schemas.openxmlformats.org/officeDocument/2006/relationships" xmlns:p="http://schemas.openxmlformats.org/presentationml/2006/main">
+  <p:cSld>
+    <p:spTree>
+      <p:nvGrpSpPr>
+        <p:cNvPr id="1" name=""/>
+        <p:cNvGrpSpPr/>
+        <p:nvPr/>
+      </p:nvGrpSpPr>
+      <p:grpSpPr>
+        <a:xfrm>
+          <a:off x="0" y="0"/>
+          <a:ext cx="0" cy="0"/>
+          <a:chOff x="0" y="0"/>
+          <a:chExt cx="0" cy="0"/>
+        </a:xfrm>
+      </p:grpSpPr>
+      <p:sp>
+        <p:nvSpPr>
+          <p:cNvPr id="2" name="Inhaltsplatzhalter 1"/>
+          <p:cNvSpPr>
+            <a:spLocks noGrp="1"/>
+          </p:cNvSpPr>
+          <p:nvPr>
+            <p:ph sz="half" idx="1"/>
+          </p:nvPr>
+        </p:nvSpPr>
+        <p:spPr/>
+        <p:txBody>
+          <a:bodyPr/>
+          <a:lstStyle/>
+          <a:p>
+            <a:r>
+              <a:rPr lang="de-CH" dirty="0"/>
+              <a:t>Vorgehen Knowledge Engineer</a:t>
+            </a:r>
+          </a:p>
+          <a:p>
+            <a:pPr lvl="1"/>
+            <a:r>
+              <a:rPr lang="de-CH" dirty="0"/>
+              <a:t>Problemdomäne systematisch modellieren und formalisieren</a:t>
+            </a:r>
+          </a:p>
+          <a:p>
+            <a:pPr lvl="2"/>
+            <a:endParaRPr lang="de-CH" dirty="0"/>
+          </a:p>
+          <a:p>
+            <a:pPr lvl="2"/>
+            <a:endParaRPr lang="de-CH" dirty="0"/>
+          </a:p>
+          <a:p>
+            <a:r>
+              <a:rPr lang="de-CH" dirty="0"/>
+              <a:t>Aufbau </a:t>
+            </a:r>
+          </a:p>
+          <a:p>
+            <a:pPr lvl="1"/>
+            <a:r>
+              <a:rPr lang="de-CH" dirty="0"/>
+              <a:t>Theoretisches Hintergrundwissen zur Wissensmodellierung</a:t>
+            </a:r>
+          </a:p>
+          <a:p>
+            <a:pPr lvl="1"/>
+            <a:r>
+              <a:rPr lang="de-CH" dirty="0"/>
+              <a:t>Gesammelte Erfahrungen</a:t>
+            </a:r>
+          </a:p>
+          <a:p>
+            <a:pPr lvl="1"/>
+            <a:r>
+              <a:rPr lang="de-CH" dirty="0"/>
+              <a:t>Praktisches Beispiel Expertensystem</a:t>
+            </a:r>
+          </a:p>
+          <a:p>
+            <a:endParaRPr lang="de-CH" dirty="0"/>
+          </a:p>
+        </p:txBody>
+      </p:sp>
+      <p:sp>
+        <p:nvSpPr>
+          <p:cNvPr id="3" name="Titel 2"/>
+          <p:cNvSpPr>
+            <a:spLocks noGrp="1"/>
+          </p:cNvSpPr>
+          <p:nvPr>
+            <p:ph type="ctrTitle"/>
+          </p:nvPr>
+        </p:nvSpPr>
+        <p:spPr/>
+        <p:txBody>
+          <a:bodyPr/>
+          <a:lstStyle/>
+          <a:p>
+            <a:r>
+              <a:rPr lang="de-CH" dirty="0"/>
+              <a:t>Tutorial</a:t>
+            </a:r>
+          </a:p>
+        </p:txBody>
+      </p:sp>
+    </p:spTree>
+    <p:extLst>
+      <p:ext uri="{BB962C8B-B14F-4D97-AF65-F5344CB8AC3E}">
+        <p14:creationId xmlns:p14="http://schemas.microsoft.com/office/powerpoint/2010/main" val="2960236127"/>
+      </p:ext>
+    </p:extLst>
+  </p:cSld>
+  <p:clrMapOvr>
+    <a:masterClrMapping/>
+  </p:clrMapOvr>
+  <p:timing>
+    <p:tnLst>
+      <p:par>
+        <p:cTn id="1" dur="indefinite" restart="never" nodeType="tmRoot"/>
+      </p:par>
+    </p:tnLst>
+  </p:timing>
+</p:sld>
+</file>
+
+<file path=ppt/slides/slide7.xml><?xml version="1.0" encoding="utf-8"?>
+<p:sld xmlns:a="http://schemas.openxmlformats.org/drawingml/2006/main" xmlns:r="http://schemas.openxmlformats.org/officeDocument/2006/relationships" xmlns:p="http://schemas.openxmlformats.org/presentationml/2006/main">
+  <p:cSld>
+    <p:spTree>
+      <p:nvGrpSpPr>
+        <p:cNvPr id="1" name=""/>
+        <p:cNvGrpSpPr/>
+        <p:nvPr/>
+      </p:nvGrpSpPr>
+      <p:grpSpPr>
+        <a:xfrm>
+          <a:off x="0" y="0"/>
+          <a:ext cx="0" cy="0"/>
+          <a:chOff x="0" y="0"/>
+          <a:chExt cx="0" cy="0"/>
+        </a:xfrm>
+      </p:grpSpPr>
+      <p:sp>
+        <p:nvSpPr>
+          <p:cNvPr id="2" name="Inhaltsplatzhalter 1"/>
+          <p:cNvSpPr>
+            <a:spLocks noGrp="1"/>
+          </p:cNvSpPr>
+          <p:nvPr>
+            <p:ph sz="half" idx="1"/>
+          </p:nvPr>
+        </p:nvSpPr>
+        <p:spPr/>
+        <p:txBody>
+          <a:bodyPr/>
+          <a:lstStyle/>
+          <a:p>
+            <a:r>
+              <a:rPr lang="de-CH" dirty="0"/>
+              <a:t>Problemdomäne Reisen</a:t>
+            </a:r>
+          </a:p>
+          <a:p>
+            <a:pPr lvl="1"/>
+            <a:r>
+              <a:rPr lang="de-CH" dirty="0"/>
+              <a:t>Ursprünglich Prolog</a:t>
+            </a:r>
+          </a:p>
+          <a:p>
+            <a:pPr lvl="1"/>
+            <a:r>
+              <a:rPr lang="de-CH" dirty="0"/>
+              <a:t>Klarer </a:t>
+            </a:r>
+            <a:r>
+              <a:rPr lang="de-CH" dirty="0" smtClean="0"/>
+              <a:t>Rahmen</a:t>
+            </a:r>
+          </a:p>
+          <a:p>
+            <a:pPr marL="457200" lvl="1" indent="0">
+              <a:buNone/>
+            </a:pPr>
+            <a:endParaRPr lang="de-CH" dirty="0"/>
+          </a:p>
+          <a:p>
+            <a:r>
+              <a:rPr lang="de-CH" dirty="0"/>
+              <a:t>Werkzeuge </a:t>
+            </a:r>
+            <a:endParaRPr lang="de-CH" dirty="0" smtClean="0"/>
+          </a:p>
+          <a:p>
+            <a:pPr lvl="1"/>
+            <a:r>
+              <a:rPr lang="de-CH" dirty="0" err="1" smtClean="0"/>
+              <a:t>Stanbol</a:t>
+            </a:r>
+            <a:endParaRPr lang="de-CH" dirty="0"/>
+          </a:p>
+          <a:p>
+            <a:pPr lvl="1"/>
+            <a:r>
+              <a:rPr lang="de-CH" dirty="0" err="1" smtClean="0"/>
+              <a:t>Protégé</a:t>
+            </a:r>
+            <a:endParaRPr lang="de-CH" dirty="0" smtClean="0"/>
+          </a:p>
+          <a:p>
+            <a:pPr lvl="1"/>
+            <a:r>
+              <a:rPr lang="de-CH" dirty="0" err="1" smtClean="0"/>
+              <a:t>Stardog</a:t>
+            </a:r>
+            <a:endParaRPr lang="de-CH" dirty="0"/>
+          </a:p>
+          <a:p>
+            <a:endParaRPr lang="de-CH" dirty="0"/>
+          </a:p>
+        </p:txBody>
+      </p:sp>
+      <p:sp>
+        <p:nvSpPr>
+          <p:cNvPr id="3" name="Titel 2"/>
+          <p:cNvSpPr>
+            <a:spLocks noGrp="1"/>
+          </p:cNvSpPr>
+          <p:nvPr>
+            <p:ph type="ctrTitle"/>
+          </p:nvPr>
+        </p:nvSpPr>
+        <p:spPr/>
+        <p:txBody>
+          <a:bodyPr/>
+          <a:lstStyle/>
+          <a:p>
+            <a:r>
+              <a:rPr lang="de-CH" dirty="0" smtClean="0"/>
+              <a:t>Ontologie</a:t>
+            </a:r>
+            <a:endParaRPr lang="de-CH" dirty="0"/>
+          </a:p>
+        </p:txBody>
+      </p:sp>
+    </p:spTree>
+    <p:extLst>
+      <p:ext uri="{BB962C8B-B14F-4D97-AF65-F5344CB8AC3E}">
+        <p14:creationId xmlns:p14="http://schemas.microsoft.com/office/powerpoint/2010/main" val="1258177134"/>
+      </p:ext>
+    </p:extLst>
+  </p:cSld>
+  <p:clrMapOvr>
+    <a:masterClrMapping/>
+  </p:clrMapOvr>
+  <p:timing>
+    <p:tnLst>
+      <p:par>
+        <p:cTn id="1" dur="indefinite" restart="never" nodeType="tmRoot"/>
+      </p:par>
+    </p:tnLst>
+  </p:timing>
+</p:sld>
+</file>
+
+<file path=ppt/slides/slide8.xml><?xml version="1.0" encoding="utf-8"?>
+<p:sld xmlns:a="http://schemas.openxmlformats.org/drawingml/2006/main" xmlns:r="http://schemas.openxmlformats.org/officeDocument/2006/relationships" xmlns:p="http://schemas.openxmlformats.org/presentationml/2006/main">
+  <p:cSld>
+    <p:spTree>
+      <p:nvGrpSpPr>
+        <p:cNvPr id="1" name=""/>
+        <p:cNvGrpSpPr/>
+        <p:nvPr/>
+      </p:nvGrpSpPr>
+      <p:grpSpPr>
+        <a:xfrm>
+          <a:off x="0" y="0"/>
+          <a:ext cx="0" cy="0"/>
+          <a:chOff x="0" y="0"/>
+          <a:chExt cx="0" cy="0"/>
+        </a:xfrm>
+      </p:grpSpPr>
+      <p:sp>
+        <p:nvSpPr>
+          <p:cNvPr id="2" name="Inhaltsplatzhalter 1"/>
+          <p:cNvSpPr>
+            <a:spLocks noGrp="1"/>
+          </p:cNvSpPr>
+          <p:nvPr>
+            <p:ph sz="half" idx="1"/>
+          </p:nvPr>
+        </p:nvSpPr>
+        <p:spPr/>
+        <p:txBody>
+          <a:bodyPr/>
+          <a:lstStyle/>
+          <a:p>
+            <a:r>
+              <a:rPr lang="de-CH" dirty="0" smtClean="0"/>
+              <a:t>Bestandteile</a:t>
+            </a:r>
+            <a:endParaRPr lang="de-CH" dirty="0"/>
+          </a:p>
+          <a:p>
+            <a:pPr lvl="1"/>
+            <a:r>
+              <a:rPr lang="de-CH" dirty="0"/>
+              <a:t>Klassen</a:t>
+            </a:r>
+          </a:p>
+          <a:p>
+            <a:pPr lvl="1"/>
+            <a:r>
+              <a:rPr lang="de-CH" dirty="0"/>
+              <a:t>Individuen</a:t>
+            </a:r>
+          </a:p>
+          <a:p>
+            <a:pPr lvl="1"/>
+            <a:r>
+              <a:rPr lang="de-CH" dirty="0"/>
+              <a:t>Eigenschaften </a:t>
+            </a:r>
+          </a:p>
+          <a:p>
+            <a:pPr lvl="1"/>
+            <a:r>
+              <a:rPr lang="de-CH" dirty="0"/>
+              <a:t>Beziehungen</a:t>
+            </a:r>
+          </a:p>
+          <a:p>
+            <a:pPr lvl="1"/>
+            <a:r>
+              <a:rPr lang="de-CH" dirty="0" smtClean="0"/>
+              <a:t>Regeln</a:t>
+            </a:r>
+          </a:p>
+          <a:p>
+            <a:pPr marL="457200" lvl="1" indent="0">
+              <a:buNone/>
+            </a:pPr>
+            <a:endParaRPr lang="de-CH" dirty="0">
+              <a:sym typeface="Wingdings" panose="05000000000000000000" pitchFamily="2" charset="2"/>
+            </a:endParaRPr>
+          </a:p>
+          <a:p>
+            <a:pPr marL="0" indent="-14287">
+              <a:buNone/>
+            </a:pPr>
+            <a:r>
+              <a:rPr lang="de-CH" dirty="0" smtClean="0">
+                <a:sym typeface="Wingdings" panose="05000000000000000000" pitchFamily="2" charset="2"/>
+              </a:rPr>
+              <a:t> </a:t>
+            </a:r>
+            <a:r>
+              <a:rPr lang="de-CH" dirty="0">
+                <a:sym typeface="Wingdings" panose="05000000000000000000" pitchFamily="2" charset="2"/>
+              </a:rPr>
+              <a:t>Semantische Datenbank</a:t>
+            </a:r>
+            <a:endParaRPr lang="de-CH" dirty="0"/>
+          </a:p>
+          <a:p>
+            <a:pPr marL="0" indent="0">
+              <a:buNone/>
+            </a:pPr>
+            <a:endParaRPr lang="de-CH" dirty="0"/>
+          </a:p>
+        </p:txBody>
+      </p:sp>
+      <p:sp>
+        <p:nvSpPr>
+          <p:cNvPr id="3" name="Titel 2"/>
+          <p:cNvSpPr>
+            <a:spLocks noGrp="1"/>
+          </p:cNvSpPr>
+          <p:nvPr>
+            <p:ph type="ctrTitle"/>
+          </p:nvPr>
+        </p:nvSpPr>
+        <p:spPr/>
+        <p:txBody>
+          <a:bodyPr/>
+          <a:lstStyle/>
+          <a:p>
+            <a:r>
+              <a:rPr lang="de-CH" dirty="0"/>
+              <a:t>Aufbau Ontologie</a:t>
+            </a:r>
+          </a:p>
+        </p:txBody>
+      </p:sp>
+    </p:spTree>
+    <p:extLst>
+      <p:ext uri="{BB962C8B-B14F-4D97-AF65-F5344CB8AC3E}">
+        <p14:creationId xmlns:p14="http://schemas.microsoft.com/office/powerpoint/2010/main" val="2926770482"/>
+      </p:ext>
+    </p:extLst>
+  </p:cSld>
+  <p:clrMapOvr>
+    <a:masterClrMapping/>
+  </p:clrMapOvr>
+  <p:timing>
+    <p:tnLst>
+      <p:par>
+        <p:cTn id="1" dur="indefinite" restart="never" nodeType="tmRoot"/>
+      </p:par>
+    </p:tnLst>
+  </p:timing>
+</p:sld>
+</file>
+
 <file path=ppt/slides/slide9.xml><?xml version="1.0" encoding="utf-8"?>
 <p:sld xmlns:a="http://schemas.openxmlformats.org/drawingml/2006/main" xmlns:r="http://schemas.openxmlformats.org/officeDocument/2006/relationships" xmlns:p="http://schemas.openxmlformats.org/presentationml/2006/main">
   <p:cSld>
@@ -10113,68 +9817,7 @@
           <a:bodyPr/>
           <a:lstStyle/>
           <a:p>
-            <a:r>
-              <a:rPr lang="de-CH" dirty="0"/>
-              <a:t>Technische Umsetzung</a:t>
-            </a:r>
-          </a:p>
-          <a:p>
-            <a:pPr lvl="1"/>
-            <a:r>
-              <a:rPr lang="de-CH" dirty="0"/>
-              <a:t>Backend</a:t>
-            </a:r>
-          </a:p>
-          <a:p>
-            <a:pPr lvl="2"/>
-            <a:r>
-              <a:rPr lang="de-CH" dirty="0" err="1"/>
-              <a:t>Graphdatenbank</a:t>
-            </a:r>
-            <a:r>
-              <a:rPr lang="de-CH" dirty="0"/>
-              <a:t> (</a:t>
-            </a:r>
-            <a:r>
-              <a:rPr lang="de-CH" dirty="0" err="1"/>
-              <a:t>Stardog</a:t>
-            </a:r>
-            <a:r>
-              <a:rPr lang="de-CH" dirty="0"/>
-              <a:t>)</a:t>
-            </a:r>
-          </a:p>
-          <a:p>
-            <a:pPr lvl="2"/>
-            <a:r>
-              <a:rPr lang="de-CH" dirty="0" err="1"/>
-              <a:t>Reasoner</a:t>
-            </a:r>
-            <a:endParaRPr lang="de-CH" dirty="0"/>
-          </a:p>
-          <a:p>
-            <a:pPr lvl="2"/>
-            <a:r>
-              <a:rPr lang="de-CH" dirty="0"/>
-              <a:t>REST-Schnittstelle</a:t>
-            </a:r>
-          </a:p>
-          <a:p>
-            <a:pPr lvl="1"/>
-            <a:r>
-              <a:rPr lang="de-CH" dirty="0"/>
-              <a:t>Frontend</a:t>
-            </a:r>
-          </a:p>
-          <a:p>
-            <a:pPr lvl="2"/>
-            <a:r>
-              <a:rPr lang="de-CH" dirty="0"/>
-              <a:t>Schritt-für-Schritt Assistent</a:t>
-            </a:r>
-          </a:p>
-          <a:p>
-            <a:endParaRPr lang="de-CH" dirty="0"/>
+            <a:endParaRPr lang="de-CH"/>
           </a:p>
         </p:txBody>
       </p:sp>
@@ -10194,16 +9837,41 @@
           <a:lstStyle/>
           <a:p>
             <a:r>
-              <a:rPr lang="de-CH" dirty="0"/>
-              <a:t>Benutzerschnittstelle</a:t>
-            </a:r>
-          </a:p>
-        </p:txBody>
-      </p:sp>
+              <a:rPr lang="de-CH" dirty="0" smtClean="0"/>
+              <a:t>OWL: RDF/XML</a:t>
+            </a:r>
+            <a:endParaRPr lang="de-CH" dirty="0"/>
+          </a:p>
+        </p:txBody>
+      </p:sp>
+      <p:pic>
+        <p:nvPicPr>
+          <p:cNvPr id="4" name="Inhaltsplatzhalter 3"/>
+          <p:cNvPicPr>
+            <a:picLocks noChangeAspect="1"/>
+          </p:cNvPicPr>
+          <p:nvPr/>
+        </p:nvPicPr>
+        <p:blipFill>
+          <a:blip r:embed="rId3"/>
+          <a:stretch>
+            <a:fillRect/>
+          </a:stretch>
+        </p:blipFill>
+        <p:spPr>
+          <a:xfrm>
+            <a:off x="1195814" y="1768636"/>
+            <a:ext cx="6644372" cy="4022725"/>
+          </a:xfrm>
+          <a:prstGeom prst="rect">
+            <a:avLst/>
+          </a:prstGeom>
+        </p:spPr>
+      </p:pic>
     </p:spTree>
     <p:extLst>
       <p:ext uri="{BB962C8B-B14F-4D97-AF65-F5344CB8AC3E}">
-        <p14:creationId xmlns:p14="http://schemas.microsoft.com/office/powerpoint/2010/main" val="434120450"/>
+        <p14:creationId xmlns:p14="http://schemas.microsoft.com/office/powerpoint/2010/main" val="493163707"/>
       </p:ext>
     </p:extLst>
   </p:cSld>
@@ -11051,12 +10719,21 @@
 </file>
 
 <file path=customXml/item1.xml><?xml version="1.0" encoding="utf-8"?>
-<?mso-contentType ?>
-<FormTemplates xmlns="http://schemas.microsoft.com/sharepoint/v3/contenttype/forms">
-  <Display>DocumentLibraryForm</Display>
-  <Edit>DocumentLibraryForm</Edit>
-  <New>DocumentLibraryForm</New>
-</FormTemplates>
+<p:properties xmlns:p="http://schemas.microsoft.com/office/2006/metadata/properties" xmlns:xsi="http://www.w3.org/2001/XMLSchema-instance" xmlns:pc="http://schemas.microsoft.com/office/infopath/2007/PartnerControls">
+  <documentManagement>
+    <TaxCatchAll xmlns="2551ef7e-3b29-44d1-a8ad-ef34c26bfc60">
+      <Value>241</Value>
+    </TaxCatchAll>
+    <BfhIntranetDepartmentText xmlns="63c724b1-652e-424f-8d99-4ee509067280">
+      <Terms xmlns="http://schemas.microsoft.com/office/infopath/2007/PartnerControls">
+        <TermInfo xmlns="http://schemas.microsoft.com/office/infopath/2007/PartnerControls">
+          <TermName xmlns="http://schemas.microsoft.com/office/infopath/2007/PartnerControls">Vorlage</TermName>
+          <TermId xmlns="http://schemas.microsoft.com/office/infopath/2007/PartnerControls">de1a6d3c-ac6a-4b34-8edd-308eb81066db</TermId>
+        </TermInfo>
+      </Terms>
+    </BfhIntranetDepartmentText>
+  </documentManagement>
+</p:properties>
 </file>
 
 <file path=customXml/item2.xml><?xml version="1.0" encoding="utf-8"?>
@@ -11205,27 +10882,27 @@
 </file>
 
 <file path=customXml/item3.xml><?xml version="1.0" encoding="utf-8"?>
-<p:properties xmlns:p="http://schemas.microsoft.com/office/2006/metadata/properties" xmlns:xsi="http://www.w3.org/2001/XMLSchema-instance" xmlns:pc="http://schemas.microsoft.com/office/infopath/2007/PartnerControls">
-  <documentManagement>
-    <TaxCatchAll xmlns="2551ef7e-3b29-44d1-a8ad-ef34c26bfc60">
-      <Value>241</Value>
-    </TaxCatchAll>
-    <BfhIntranetDepartmentText xmlns="63c724b1-652e-424f-8d99-4ee509067280">
-      <Terms xmlns="http://schemas.microsoft.com/office/infopath/2007/PartnerControls">
-        <TermInfo xmlns="http://schemas.microsoft.com/office/infopath/2007/PartnerControls">
-          <TermName xmlns="http://schemas.microsoft.com/office/infopath/2007/PartnerControls">Vorlage</TermName>
-          <TermId xmlns="http://schemas.microsoft.com/office/infopath/2007/PartnerControls">de1a6d3c-ac6a-4b34-8edd-308eb81066db</TermId>
-        </TermInfo>
-      </Terms>
-    </BfhIntranetDepartmentText>
-  </documentManagement>
-</p:properties>
+<?mso-contentType ?>
+<FormTemplates xmlns="http://schemas.microsoft.com/sharepoint/v3/contenttype/forms">
+  <Display>DocumentLibraryForm</Display>
+  <Edit>DocumentLibraryForm</Edit>
+  <New>DocumentLibraryForm</New>
+</FormTemplates>
 </file>
 
 <file path=customXml/itemProps1.xml><?xml version="1.0" encoding="utf-8"?>
-<ds:datastoreItem xmlns:ds="http://schemas.openxmlformats.org/officeDocument/2006/customXml" ds:itemID="{CCF5E5E7-7F77-47A8-99A9-B4D5839292F3}">
+<ds:datastoreItem xmlns:ds="http://schemas.openxmlformats.org/officeDocument/2006/customXml" ds:itemID="{96591048-6F15-48C6-9650-9BFF3E56974F}">
   <ds:schemaRefs>
-    <ds:schemaRef ds:uri="http://schemas.microsoft.com/sharepoint/v3/contenttype/forms"/>
+    <ds:schemaRef ds:uri="http://purl.org/dc/terms/"/>
+    <ds:schemaRef ds:uri="http://purl.org/dc/elements/1.1/"/>
+    <ds:schemaRef ds:uri="63c724b1-652e-424f-8d99-4ee509067280"/>
+    <ds:schemaRef ds:uri="http://purl.org/dc/dcmitype/"/>
+    <ds:schemaRef ds:uri="http://schemas.microsoft.com/office/2006/documentManagement/types"/>
+    <ds:schemaRef ds:uri="http://schemas.microsoft.com/office/2006/metadata/properties"/>
+    <ds:schemaRef ds:uri="http://www.w3.org/XML/1998/namespace"/>
+    <ds:schemaRef ds:uri="2551ef7e-3b29-44d1-a8ad-ef34c26bfc60"/>
+    <ds:schemaRef ds:uri="http://schemas.microsoft.com/office/infopath/2007/PartnerControls"/>
+    <ds:schemaRef ds:uri="http://schemas.openxmlformats.org/package/2006/metadata/core-properties"/>
   </ds:schemaRefs>
 </ds:datastoreItem>
 </file>
@@ -11250,12 +10927,9 @@
 </file>
 
 <file path=customXml/itemProps3.xml><?xml version="1.0" encoding="utf-8"?>
-<ds:datastoreItem xmlns:ds="http://schemas.openxmlformats.org/officeDocument/2006/customXml" ds:itemID="{96591048-6F15-48C6-9650-9BFF3E56974F}">
+<ds:datastoreItem xmlns:ds="http://schemas.openxmlformats.org/officeDocument/2006/customXml" ds:itemID="{CCF5E5E7-7F77-47A8-99A9-B4D5839292F3}">
   <ds:schemaRefs>
-    <ds:schemaRef ds:uri="http://schemas.microsoft.com/office/2006/metadata/properties"/>
-    <ds:schemaRef ds:uri="http://schemas.microsoft.com/office/infopath/2007/PartnerControls"/>
-    <ds:schemaRef ds:uri="2551ef7e-3b29-44d1-a8ad-ef34c26bfc60"/>
-    <ds:schemaRef ds:uri="63c724b1-652e-424f-8d99-4ee509067280"/>
+    <ds:schemaRef ds:uri="http://schemas.microsoft.com/sharepoint/v3/contenttype/forms"/>
   </ds:schemaRefs>
 </ds:datastoreItem>
 </file>
--- a/Doc/Semantische Datenbanken_bfh.pptx
+++ b/Doc/Semantische Datenbanken_bfh.pptx
@@ -5,10 +5,10 @@
     <p:sldMasterId id="2147483669" r:id="rId4"/>
   </p:sldMasterIdLst>
   <p:notesMasterIdLst>
-    <p:notesMasterId r:id="rId19"/>
+    <p:notesMasterId r:id="rId20"/>
   </p:notesMasterIdLst>
   <p:handoutMasterIdLst>
-    <p:handoutMasterId r:id="rId20"/>
+    <p:handoutMasterId r:id="rId21"/>
   </p:handoutMasterIdLst>
   <p:sldIdLst>
     <p:sldId id="259" r:id="rId5"/>
@@ -21,10 +21,11 @@
     <p:sldId id="280" r:id="rId12"/>
     <p:sldId id="277" r:id="rId13"/>
     <p:sldId id="275" r:id="rId14"/>
-    <p:sldId id="276" r:id="rId15"/>
-    <p:sldId id="278" r:id="rId16"/>
-    <p:sldId id="279" r:id="rId17"/>
-    <p:sldId id="257" r:id="rId18"/>
+    <p:sldId id="281" r:id="rId15"/>
+    <p:sldId id="276" r:id="rId16"/>
+    <p:sldId id="278" r:id="rId17"/>
+    <p:sldId id="279" r:id="rId18"/>
+    <p:sldId id="257" r:id="rId19"/>
   </p:sldIdLst>
   <p:sldSz cx="9144000" cy="6858000" type="screen4x3"/>
   <p:notesSz cx="7099300" cy="10234613"/>
@@ -268,7 +269,7 @@
           <a:p>
             <a:fld id="{EFA0D184-D464-48E9-9CA0-A94E873F6C2C}" type="datetimeFigureOut">
               <a:rPr lang="de-CH" smtClean="0"/>
-              <a:t>14.01.2015</a:t>
+              <a:t>15.01.2015</a:t>
             </a:fld>
             <a:endParaRPr lang="de-CH"/>
           </a:p>
@@ -433,7 +434,7 @@
           <a:p>
             <a:fld id="{5AF2B663-2BA9-4D7E-8201-5DE4109E1EDD}" type="datetimeFigureOut">
               <a:rPr lang="de-CH" smtClean="0"/>
-              <a:t>14.01.2015</a:t>
+              <a:t>15.01.2015</a:t>
             </a:fld>
             <a:endParaRPr lang="de-CH"/>
           </a:p>
@@ -747,6 +748,93 @@
           <a:p>
             <a:r>
               <a:rPr lang="de-CH" dirty="0" smtClean="0"/>
+              <a:t>Herzlich Willkommen</a:t>
+            </a:r>
+            <a:r>
+              <a:rPr lang="de-CH" baseline="0" dirty="0" smtClean="0"/>
+              <a:t> zu der Abschlusspräsentation unserer Bachelor Thesis. Das Thema der Thesis sind Semantische Datenbanken.</a:t>
+            </a:r>
+          </a:p>
+          <a:p>
+            <a:r>
+              <a:rPr lang="de-CH" baseline="0" dirty="0" smtClean="0"/>
+              <a:t>Den </a:t>
+            </a:r>
+            <a:r>
+              <a:rPr lang="de-CH" baseline="0" dirty="0" err="1" smtClean="0"/>
+              <a:t>schwerpunkt</a:t>
+            </a:r>
+            <a:r>
+              <a:rPr lang="de-CH" baseline="0" dirty="0" smtClean="0"/>
+              <a:t> haben wir dabei </a:t>
+            </a:r>
+            <a:r>
+              <a:rPr lang="de-CH" baseline="0" dirty="0" err="1" smtClean="0"/>
+              <a:t>einerseitz</a:t>
+            </a:r>
+            <a:r>
+              <a:rPr lang="de-CH" baseline="0" dirty="0" smtClean="0"/>
+              <a:t> auf die Analyse der theoretischen Grundlagen und </a:t>
+            </a:r>
+            <a:r>
+              <a:rPr lang="de-CH" baseline="0" dirty="0" err="1" smtClean="0"/>
+              <a:t>andereseits</a:t>
+            </a:r>
+            <a:r>
+              <a:rPr lang="de-CH" baseline="0" dirty="0" smtClean="0"/>
+              <a:t> auf den </a:t>
+            </a:r>
+            <a:r>
+              <a:rPr lang="de-CH" baseline="0" dirty="0" err="1" smtClean="0"/>
+              <a:t>aufbau</a:t>
+            </a:r>
+            <a:r>
+              <a:rPr lang="de-CH" baseline="0" dirty="0" smtClean="0"/>
+              <a:t> und die </a:t>
+            </a:r>
+            <a:r>
+              <a:rPr lang="de-CH" baseline="0" dirty="0" err="1" smtClean="0"/>
+              <a:t>nutzung</a:t>
+            </a:r>
+            <a:r>
+              <a:rPr lang="de-CH" baseline="0" dirty="0" smtClean="0"/>
+              <a:t> einer solchen semantischen Datenbank gelegt.</a:t>
+            </a:r>
+          </a:p>
+          <a:p>
+            <a:r>
+              <a:rPr lang="de-CH" baseline="0" dirty="0" smtClean="0"/>
+              <a:t>Wir haben uns ganz bewusst entschieden in dieser Präsentation auf die technischen Aspekte unsere Arbeit zu verzichten. Uns ist es wichtig euch in der folgenden </a:t>
+            </a:r>
+            <a:r>
+              <a:rPr lang="de-CH" baseline="0" dirty="0" err="1" smtClean="0"/>
+              <a:t>viertelstunde</a:t>
+            </a:r>
+            <a:r>
+              <a:rPr lang="de-CH" baseline="0" dirty="0" smtClean="0"/>
+              <a:t> einen Überblick über die Arbeit zu verschaffen. Und euch nicht mit Theorien und Techniken zu überschütten. Da es in dieser kurzen Zeit nicht möglich sein wird, diese ausführlich zu erklären. Bei Interesse für die Details sind wir ja am </a:t>
+            </a:r>
+            <a:r>
+              <a:rPr lang="de-CH" baseline="0" dirty="0" err="1" smtClean="0"/>
+              <a:t>nachmittag</a:t>
+            </a:r>
+            <a:r>
+              <a:rPr lang="de-CH" baseline="0" dirty="0" smtClean="0"/>
+              <a:t> an der </a:t>
+            </a:r>
+            <a:r>
+              <a:rPr lang="de-CH" baseline="0" dirty="0" err="1" smtClean="0"/>
+              <a:t>Austellung</a:t>
+            </a:r>
+            <a:r>
+              <a:rPr lang="de-CH" baseline="0" dirty="0" smtClean="0"/>
+              <a:t> für euch da.</a:t>
+            </a:r>
+            <a:endParaRPr lang="de-CH" dirty="0" smtClean="0"/>
+          </a:p>
+          <a:p>
+            <a:r>
+              <a:rPr lang="de-CH" dirty="0" smtClean="0"/>
               <a:t>Mira</a:t>
             </a:r>
             <a:endParaRPr lang="de-CH" dirty="0"/>
@@ -835,15 +923,46 @@
           <a:p>
             <a:r>
               <a:rPr lang="de-CH" dirty="0" smtClean="0"/>
-              <a:t>Speicherung Ontologie</a:t>
+              <a:t>Wir die </a:t>
+            </a:r>
+            <a:r>
+              <a:rPr lang="de-CH" dirty="0" err="1" smtClean="0"/>
+              <a:t>Gestalltung</a:t>
+            </a:r>
+            <a:r>
+              <a:rPr lang="de-CH" dirty="0" smtClean="0"/>
+              <a:t> und die </a:t>
+            </a:r>
+            <a:r>
+              <a:rPr lang="de-CH" dirty="0" err="1" smtClean="0"/>
+              <a:t>Modellerung</a:t>
             </a:r>
             <a:r>
               <a:rPr lang="de-CH" baseline="0" dirty="0" smtClean="0"/>
-              <a:t> als semantisches Netz (bzw. so ähnlich</a:t>
+              <a:t> war es für uns aber einfacher in semantischen netzten zu arbeiten. Oder besser gesagt einer </a:t>
+            </a:r>
+            <a:r>
+              <a:rPr lang="de-CH" baseline="0" dirty="0" err="1" smtClean="0"/>
+              <a:t>Abgewandeltetn</a:t>
             </a:r>
             <a:r>
               <a:rPr lang="de-CH" baseline="0" dirty="0" smtClean="0"/>
-              <a:t>)</a:t>
+              <a:t> Form davon. Dies ist eine Graphische Darstellung von wissen</a:t>
+            </a:r>
+            <a:endParaRPr lang="de-CH" dirty="0" smtClean="0"/>
+          </a:p>
+          <a:p>
+            <a:r>
+              <a:rPr lang="de-CH" dirty="0" smtClean="0"/>
+              <a:t>Speicherung </a:t>
+            </a:r>
+            <a:r>
+              <a:rPr lang="de-CH" dirty="0" smtClean="0"/>
+              <a:t>Ontologie</a:t>
+            </a:r>
+            <a:r>
+              <a:rPr lang="de-CH" baseline="0" dirty="0" smtClean="0"/>
+              <a:t> als semantisches Netz (bzw. so ähnlich)</a:t>
             </a:r>
           </a:p>
           <a:p>
@@ -940,8 +1059,33 @@
           <a:p>
             <a:r>
               <a:rPr lang="de-CH" dirty="0" smtClean="0"/>
-              <a:t>Sven</a:t>
-            </a:r>
+              <a:t>Hier noch einen kurzen</a:t>
+            </a:r>
+            <a:r>
+              <a:rPr lang="de-CH" baseline="0" dirty="0" smtClean="0"/>
+              <a:t> Blick auf einen </a:t>
+            </a:r>
+            <a:r>
+              <a:rPr lang="de-CH" baseline="0" dirty="0" err="1" smtClean="0"/>
+              <a:t>auschnitt</a:t>
+            </a:r>
+            <a:r>
+              <a:rPr lang="de-CH" baseline="0" dirty="0" smtClean="0"/>
+              <a:t> des </a:t>
+            </a:r>
+            <a:r>
+              <a:rPr lang="de-CH" baseline="0" dirty="0" err="1" smtClean="0"/>
+              <a:t>Netztes</a:t>
+            </a:r>
+            <a:r>
+              <a:rPr lang="de-CH" baseline="0" dirty="0" smtClean="0"/>
+              <a:t>, wo man das vorherige Beispiel grad abgebildet sieht…</a:t>
+            </a:r>
+          </a:p>
+          <a:p>
+            <a:endParaRPr lang="de-CH" baseline="0" dirty="0" smtClean="0"/>
+          </a:p>
+          <a:p>
             <a:endParaRPr lang="de-CH" dirty="0"/>
           </a:p>
         </p:txBody>
@@ -972,7 +1116,7 @@
     </p:spTree>
     <p:extLst>
       <p:ext uri="{BB962C8B-B14F-4D97-AF65-F5344CB8AC3E}">
-        <p14:creationId xmlns:p14="http://schemas.microsoft.com/office/powerpoint/2010/main" val="2146561153"/>
+        <p14:creationId xmlns:p14="http://schemas.microsoft.com/office/powerpoint/2010/main" val="859085191"/>
       </p:ext>
     </p:extLst>
   </p:cSld>
@@ -1026,7 +1170,11 @@
           <a:bodyPr/>
           <a:lstStyle/>
           <a:p>
-            <a:endParaRPr lang="de-CH"/>
+            <a:r>
+              <a:rPr lang="de-CH" dirty="0" smtClean="0"/>
+              <a:t>Sven</a:t>
+            </a:r>
+            <a:endParaRPr lang="de-CH" dirty="0"/>
           </a:p>
         </p:txBody>
       </p:sp>
@@ -1056,7 +1204,7 @@
     </p:spTree>
     <p:extLst>
       <p:ext uri="{BB962C8B-B14F-4D97-AF65-F5344CB8AC3E}">
-        <p14:creationId xmlns:p14="http://schemas.microsoft.com/office/powerpoint/2010/main" val="1232363155"/>
+        <p14:creationId xmlns:p14="http://schemas.microsoft.com/office/powerpoint/2010/main" val="2146561153"/>
       </p:ext>
     </p:extLst>
   </p:cSld>
@@ -1110,37 +1258,7 @@
           <a:bodyPr/>
           <a:lstStyle/>
           <a:p>
-            <a:r>
-              <a:rPr lang="de-CH" dirty="0" smtClean="0"/>
-              <a:t>Beschränkt Intelligent: nur mit</a:t>
-            </a:r>
-            <a:r>
-              <a:rPr lang="de-CH" baseline="0" dirty="0" smtClean="0"/>
-              <a:t> unseren Regeln  intelligent; Nur simple Inferenz vorgegeben</a:t>
-            </a:r>
-            <a:endParaRPr lang="de-CH" dirty="0" smtClean="0"/>
-          </a:p>
-          <a:p>
-            <a:r>
-              <a:rPr lang="de-CH" dirty="0" smtClean="0"/>
-              <a:t>Werkzeuge:</a:t>
-            </a:r>
-            <a:r>
-              <a:rPr lang="de-CH" baseline="0" dirty="0" smtClean="0"/>
-              <a:t> Fehler/ </a:t>
-            </a:r>
-            <a:r>
-              <a:rPr lang="de-CH" baseline="0" dirty="0" err="1" smtClean="0"/>
-              <a:t>Bastlig</a:t>
-            </a:r>
-            <a:r>
-              <a:rPr lang="de-CH" baseline="0" dirty="0" smtClean="0"/>
-              <a:t>  -&gt; nur mit Kombination von zwei Werkzeugen nutzbar</a:t>
-            </a:r>
-            <a:endParaRPr lang="de-CH" dirty="0" smtClean="0"/>
-          </a:p>
-          <a:p>
-            <a:endParaRPr lang="de-CH" dirty="0"/>
+            <a:endParaRPr lang="de-CH"/>
           </a:p>
         </p:txBody>
       </p:sp>
@@ -1170,7 +1288,7 @@
     </p:spTree>
     <p:extLst>
       <p:ext uri="{BB962C8B-B14F-4D97-AF65-F5344CB8AC3E}">
-        <p14:creationId xmlns:p14="http://schemas.microsoft.com/office/powerpoint/2010/main" val="194382555"/>
+        <p14:creationId xmlns:p14="http://schemas.microsoft.com/office/powerpoint/2010/main" val="1232363155"/>
       </p:ext>
     </p:extLst>
   </p:cSld>
@@ -1224,6 +1342,36 @@
           <a:bodyPr/>
           <a:lstStyle/>
           <a:p>
+            <a:r>
+              <a:rPr lang="de-CH" dirty="0" smtClean="0"/>
+              <a:t>Beschränkt Intelligent: nur mit</a:t>
+            </a:r>
+            <a:r>
+              <a:rPr lang="de-CH" baseline="0" dirty="0" smtClean="0"/>
+              <a:t> unseren Regeln  intelligent; Nur simple Inferenz vorgegeben</a:t>
+            </a:r>
+            <a:endParaRPr lang="de-CH" dirty="0" smtClean="0"/>
+          </a:p>
+          <a:p>
+            <a:r>
+              <a:rPr lang="de-CH" dirty="0" smtClean="0"/>
+              <a:t>Werkzeuge:</a:t>
+            </a:r>
+            <a:r>
+              <a:rPr lang="de-CH" baseline="0" dirty="0" smtClean="0"/>
+              <a:t> Fehler/ </a:t>
+            </a:r>
+            <a:r>
+              <a:rPr lang="de-CH" baseline="0" dirty="0" err="1" smtClean="0"/>
+              <a:t>Bastlig</a:t>
+            </a:r>
+            <a:r>
+              <a:rPr lang="de-CH" baseline="0" dirty="0" smtClean="0"/>
+              <a:t>  -&gt; nur mit Kombination von zwei Werkzeugen nutzbar</a:t>
+            </a:r>
+            <a:endParaRPr lang="de-CH" dirty="0" smtClean="0"/>
+          </a:p>
+          <a:p>
             <a:endParaRPr lang="de-CH" dirty="0"/>
           </a:p>
         </p:txBody>
@@ -1246,6 +1394,90 @@
             <a:fld id="{37E44704-8E6D-4CF2-8CFA-A0F7BC751896}" type="slidenum">
               <a:rPr lang="de-CH" smtClean="0"/>
               <a:t>14</a:t>
+            </a:fld>
+            <a:endParaRPr lang="de-CH"/>
+          </a:p>
+        </p:txBody>
+      </p:sp>
+    </p:spTree>
+    <p:extLst>
+      <p:ext uri="{BB962C8B-B14F-4D97-AF65-F5344CB8AC3E}">
+        <p14:creationId xmlns:p14="http://schemas.microsoft.com/office/powerpoint/2010/main" val="194382555"/>
+      </p:ext>
+    </p:extLst>
+  </p:cSld>
+  <p:clrMapOvr>
+    <a:masterClrMapping/>
+  </p:clrMapOvr>
+</p:notes>
+</file>
+
+<file path=ppt/notesSlides/notesSlide15.xml><?xml version="1.0" encoding="utf-8"?>
+<p:notes xmlns:a="http://schemas.openxmlformats.org/drawingml/2006/main" xmlns:r="http://schemas.openxmlformats.org/officeDocument/2006/relationships" xmlns:p="http://schemas.openxmlformats.org/presentationml/2006/main">
+  <p:cSld>
+    <p:spTree>
+      <p:nvGrpSpPr>
+        <p:cNvPr id="1" name=""/>
+        <p:cNvGrpSpPr/>
+        <p:nvPr/>
+      </p:nvGrpSpPr>
+      <p:grpSpPr>
+        <a:xfrm>
+          <a:off x="0" y="0"/>
+          <a:ext cx="0" cy="0"/>
+          <a:chOff x="0" y="0"/>
+          <a:chExt cx="0" cy="0"/>
+        </a:xfrm>
+      </p:grpSpPr>
+      <p:sp>
+        <p:nvSpPr>
+          <p:cNvPr id="2" name="Folienbildplatzhalter 1"/>
+          <p:cNvSpPr>
+            <a:spLocks noGrp="1" noRot="1" noChangeAspect="1"/>
+          </p:cNvSpPr>
+          <p:nvPr>
+            <p:ph type="sldImg"/>
+          </p:nvPr>
+        </p:nvSpPr>
+        <p:spPr/>
+      </p:sp>
+      <p:sp>
+        <p:nvSpPr>
+          <p:cNvPr id="3" name="Notizenplatzhalter 2"/>
+          <p:cNvSpPr>
+            <a:spLocks noGrp="1"/>
+          </p:cNvSpPr>
+          <p:nvPr>
+            <p:ph type="body" idx="1"/>
+          </p:nvPr>
+        </p:nvSpPr>
+        <p:spPr/>
+        <p:txBody>
+          <a:bodyPr/>
+          <a:lstStyle/>
+          <a:p>
+            <a:endParaRPr lang="de-CH" dirty="0"/>
+          </a:p>
+        </p:txBody>
+      </p:sp>
+      <p:sp>
+        <p:nvSpPr>
+          <p:cNvPr id="4" name="Foliennummernplatzhalter 3"/>
+          <p:cNvSpPr>
+            <a:spLocks noGrp="1"/>
+          </p:cNvSpPr>
+          <p:nvPr>
+            <p:ph type="sldNum" sz="quarter" idx="10"/>
+          </p:nvPr>
+        </p:nvSpPr>
+        <p:spPr/>
+        <p:txBody>
+          <a:bodyPr/>
+          <a:lstStyle/>
+          <a:p>
+            <a:fld id="{37E44704-8E6D-4CF2-8CFA-A0F7BC751896}" type="slidenum">
+              <a:rPr lang="de-CH" smtClean="0"/>
+              <a:t>15</a:t>
             </a:fld>
             <a:endParaRPr lang="de-CH"/>
           </a:p>
@@ -1310,6 +1542,97 @@
           <a:p>
             <a:r>
               <a:rPr lang="de-CH" dirty="0" smtClean="0"/>
+              <a:t>Nun</a:t>
+            </a:r>
+            <a:r>
+              <a:rPr lang="de-CH" baseline="0" dirty="0" smtClean="0"/>
+              <a:t> einen kurzen überblick was euch in unserer Präsentation erwartet</a:t>
+            </a:r>
+          </a:p>
+          <a:p>
+            <a:r>
+              <a:rPr lang="de-CH" baseline="0" dirty="0" smtClean="0"/>
+              <a:t> - </a:t>
+            </a:r>
+            <a:r>
+              <a:rPr lang="de-CH" baseline="0" dirty="0" err="1" smtClean="0"/>
+              <a:t>Motiviation</a:t>
+            </a:r>
+            <a:r>
+              <a:rPr lang="de-CH" baseline="0" dirty="0" smtClean="0"/>
+              <a:t>; also weshalb haben wir das Thema gewählt</a:t>
+            </a:r>
+          </a:p>
+          <a:p>
+            <a:r>
+              <a:rPr lang="de-CH" baseline="0" dirty="0" smtClean="0"/>
+              <a:t> - Wissensabbildung; wie ihr ja wisst gibt es verschiedene Arten der Wissensabbildung, uns ist es wichtig den unterschied </a:t>
+            </a:r>
+            <a:r>
+              <a:rPr lang="de-CH" baseline="0" dirty="0" err="1" smtClean="0"/>
+              <a:t>hervorzuhebne</a:t>
+            </a:r>
+            <a:r>
+              <a:rPr lang="de-CH" baseline="0" dirty="0" smtClean="0"/>
+              <a:t>. Der Schwerpunkt liegt wie nicht </a:t>
+            </a:r>
+            <a:r>
+              <a:rPr lang="de-CH" baseline="0" dirty="0" err="1" smtClean="0"/>
+              <a:t>anderst</a:t>
+            </a:r>
+            <a:r>
+              <a:rPr lang="de-CH" baseline="0" dirty="0" smtClean="0"/>
+              <a:t> zu erwarten auf den semantischen Datenbanken </a:t>
+            </a:r>
+          </a:p>
+          <a:p>
+            <a:pPr marL="171450" indent="-171450">
+              <a:buFontTx/>
+              <a:buChar char="-"/>
+            </a:pPr>
+            <a:r>
+              <a:rPr lang="de-CH" baseline="0" dirty="0" smtClean="0"/>
+              <a:t>Ziele: dann kommen wir schon konkret zu unserer Arbeit; wir möchten euch </a:t>
+            </a:r>
+            <a:r>
+              <a:rPr lang="de-CH" baseline="0" dirty="0" err="1" smtClean="0"/>
+              <a:t>erklähren</a:t>
+            </a:r>
+            <a:r>
+              <a:rPr lang="de-CH" baseline="0" dirty="0" smtClean="0"/>
+              <a:t> was unsere Ziele waren, und auch konkret wie haben wir sie umgesetzt</a:t>
+            </a:r>
+          </a:p>
+          <a:p>
+            <a:pPr marL="171450" indent="-171450">
+              <a:buFontTx/>
+              <a:buChar char="-"/>
+            </a:pPr>
+            <a:r>
+              <a:rPr lang="de-CH" baseline="0" dirty="0" smtClean="0"/>
+              <a:t>Fazit: zum </a:t>
+            </a:r>
+            <a:r>
+              <a:rPr lang="de-CH" baseline="0" dirty="0" err="1" smtClean="0"/>
+              <a:t>schluss</a:t>
+            </a:r>
+            <a:r>
+              <a:rPr lang="de-CH" baseline="0" dirty="0" smtClean="0"/>
+              <a:t> kommen wir schon zum Fazit, bei dem wir euch unsere wichtigsten Erfahrung </a:t>
+            </a:r>
+            <a:r>
+              <a:rPr lang="de-CH" baseline="0" dirty="0" err="1" smtClean="0"/>
+              <a:t>mittelen</a:t>
+            </a:r>
+            <a:r>
+              <a:rPr lang="de-CH" baseline="0" dirty="0" smtClean="0"/>
+              <a:t> werden</a:t>
+            </a:r>
+            <a:endParaRPr lang="de-CH" dirty="0" smtClean="0"/>
+          </a:p>
+          <a:p>
+            <a:r>
+              <a:rPr lang="de-CH" dirty="0" smtClean="0"/>
               <a:t>Mira</a:t>
             </a:r>
             <a:endParaRPr lang="de-CH" dirty="0"/>
@@ -1567,8 +1890,171 @@
           <a:p>
             <a:r>
               <a:rPr lang="de-CH" dirty="0"/>
-              <a:t>die Rolle des Experten einnehmen.</a:t>
-            </a:r>
+              <a:t>die Rolle des Experten einnehmen</a:t>
+            </a:r>
+            <a:r>
+              <a:rPr lang="de-CH" dirty="0" smtClean="0"/>
+              <a:t>.</a:t>
+            </a:r>
+          </a:p>
+          <a:p>
+            <a:endParaRPr lang="de-CH" dirty="0" smtClean="0"/>
+          </a:p>
+          <a:p>
+            <a:r>
+              <a:rPr lang="de-CH" dirty="0" err="1" smtClean="0"/>
+              <a:t>Ontologien</a:t>
+            </a:r>
+            <a:r>
+              <a:rPr lang="de-CH" dirty="0" smtClean="0"/>
+              <a:t>: </a:t>
+            </a:r>
+            <a:r>
+              <a:rPr lang="de-CH" sz="1200" b="0" i="0" u="none" strike="noStrike" kern="1200" baseline="0" dirty="0" smtClean="0">
+                <a:solidFill>
+                  <a:schemeClr val="tx1"/>
+                </a:solidFill>
+                <a:latin typeface="+mn-lt"/>
+                <a:ea typeface="+mn-ea"/>
+                <a:cs typeface="+mn-cs"/>
+              </a:rPr>
+              <a:t>eine formale Beschreibung des Wissens in einer Domäne in der Form von</a:t>
+            </a:r>
+          </a:p>
+          <a:p>
+            <a:r>
+              <a:rPr lang="de-CH" sz="1200" b="0" i="0" u="none" strike="noStrike" kern="1200" baseline="0" dirty="0" smtClean="0">
+                <a:solidFill>
+                  <a:schemeClr val="tx1"/>
+                </a:solidFill>
+                <a:latin typeface="+mn-lt"/>
+                <a:ea typeface="+mn-ea"/>
+                <a:cs typeface="+mn-cs"/>
+              </a:rPr>
+              <a:t>Konzepten der Domäne, deren Beziehung untereinander und der Eigenschaft dieser Konzepte und Beziehungen,</a:t>
+            </a:r>
+          </a:p>
+          <a:p>
+            <a:r>
+              <a:rPr lang="de-CH" sz="1200" b="0" i="0" u="none" strike="noStrike" kern="1200" baseline="0" dirty="0" smtClean="0">
+                <a:solidFill>
+                  <a:schemeClr val="tx1"/>
+                </a:solidFill>
+                <a:latin typeface="+mn-lt"/>
+                <a:ea typeface="+mn-ea"/>
+                <a:cs typeface="+mn-cs"/>
+              </a:rPr>
+              <a:t>sowie der in der Domäne gültigen Axiome und Prinzipien</a:t>
+            </a:r>
+          </a:p>
+          <a:p>
+            <a:endParaRPr lang="de-CH" sz="1200" b="0" i="0" u="none" strike="noStrike" kern="1200" baseline="0" dirty="0" smtClean="0">
+              <a:solidFill>
+                <a:schemeClr val="tx1"/>
+              </a:solidFill>
+              <a:latin typeface="+mn-lt"/>
+              <a:ea typeface="+mn-ea"/>
+              <a:cs typeface="+mn-cs"/>
+            </a:endParaRPr>
+          </a:p>
+          <a:p>
+            <a:r>
+              <a:rPr lang="de-CH" sz="1200" b="0" i="0" u="none" strike="noStrike" kern="1200" baseline="0" dirty="0" smtClean="0">
+                <a:solidFill>
+                  <a:schemeClr val="tx1"/>
+                </a:solidFill>
+                <a:latin typeface="+mn-lt"/>
+                <a:ea typeface="+mn-ea"/>
+                <a:cs typeface="+mn-cs"/>
+              </a:rPr>
+              <a:t>Einleitung aus </a:t>
+            </a:r>
+            <a:r>
+              <a:rPr lang="de-CH" sz="1200" b="0" i="0" u="none" strike="noStrike" kern="1200" baseline="0" dirty="0" err="1" smtClean="0">
+                <a:solidFill>
+                  <a:schemeClr val="tx1"/>
+                </a:solidFill>
+                <a:latin typeface="+mn-lt"/>
+                <a:ea typeface="+mn-ea"/>
+                <a:cs typeface="+mn-cs"/>
+              </a:rPr>
+              <a:t>book</a:t>
+            </a:r>
+            <a:r>
+              <a:rPr lang="de-CH" sz="1200" b="0" i="0" u="none" strike="noStrike" kern="1200" baseline="0" dirty="0" smtClean="0">
+                <a:solidFill>
+                  <a:schemeClr val="tx1"/>
+                </a:solidFill>
+                <a:latin typeface="+mn-lt"/>
+                <a:ea typeface="+mn-ea"/>
+                <a:cs typeface="+mn-cs"/>
+              </a:rPr>
+              <a:t>: Semantische Datenbanken werden auf der Basis von</a:t>
+            </a:r>
+          </a:p>
+          <a:p>
+            <a:r>
+              <a:rPr lang="de-CH" sz="1200" b="0" i="0" u="none" strike="noStrike" kern="1200" baseline="0" dirty="0" err="1" smtClean="0">
+                <a:solidFill>
+                  <a:schemeClr val="tx1"/>
+                </a:solidFill>
+                <a:latin typeface="+mn-lt"/>
+                <a:ea typeface="+mn-ea"/>
+                <a:cs typeface="+mn-cs"/>
+              </a:rPr>
+              <a:t>Ontologien</a:t>
+            </a:r>
+            <a:r>
+              <a:rPr lang="de-CH" sz="1200" b="0" i="0" u="none" strike="noStrike" kern="1200" baseline="0" dirty="0" smtClean="0">
+                <a:solidFill>
+                  <a:schemeClr val="tx1"/>
+                </a:solidFill>
+                <a:latin typeface="+mn-lt"/>
+                <a:ea typeface="+mn-ea"/>
+                <a:cs typeface="+mn-cs"/>
+              </a:rPr>
+              <a:t> erstellt. Eine Ontologie beschreibt Sachwissen</a:t>
+            </a:r>
+          </a:p>
+          <a:p>
+            <a:r>
+              <a:rPr lang="de-CH" sz="1200" b="0" i="0" u="none" strike="noStrike" kern="1200" baseline="0" dirty="0" smtClean="0">
+                <a:solidFill>
+                  <a:schemeClr val="tx1"/>
+                </a:solidFill>
+                <a:latin typeface="+mn-lt"/>
+                <a:ea typeface="+mn-ea"/>
+                <a:cs typeface="+mn-cs"/>
+              </a:rPr>
+              <a:t>einer Wissens- bzw. Problem-Domäne. Sie</a:t>
+            </a:r>
+          </a:p>
+          <a:p>
+            <a:r>
+              <a:rPr lang="de-CH" sz="1200" b="0" i="0" u="none" strike="noStrike" kern="1200" baseline="0" dirty="0" smtClean="0">
+                <a:solidFill>
+                  <a:schemeClr val="tx1"/>
+                </a:solidFill>
+                <a:latin typeface="+mn-lt"/>
+                <a:ea typeface="+mn-ea"/>
+                <a:cs typeface="+mn-cs"/>
+              </a:rPr>
+              <a:t>wird überall dort verwendet, wo Semantik zur Formulierung</a:t>
+            </a:r>
+          </a:p>
+          <a:p>
+            <a:r>
+              <a:rPr lang="de-CH" sz="1200" b="0" i="0" u="none" strike="noStrike" kern="1200" baseline="0" dirty="0" smtClean="0">
+                <a:solidFill>
+                  <a:schemeClr val="tx1"/>
+                </a:solidFill>
+                <a:latin typeface="+mn-lt"/>
+                <a:ea typeface="+mn-ea"/>
+                <a:cs typeface="+mn-cs"/>
+              </a:rPr>
+              <a:t>von Informationen benutzt wird.</a:t>
+            </a:r>
+            <a:endParaRPr lang="de-CH" dirty="0"/>
           </a:p>
           <a:p>
             <a:r>
@@ -1713,8 +2199,8 @@
           </a:p>
           <a:p>
             <a:r>
-              <a:rPr lang="de-CH" dirty="0"/>
-              <a:t>Sven</a:t>
+              <a:rPr lang="de-CH" dirty="0" smtClean="0"/>
+              <a:t>Mira</a:t>
             </a:r>
             <a:endParaRPr lang="de-CH" dirty="0" smtClean="0"/>
           </a:p>
@@ -1805,6 +2291,143 @@
           <a:p>
             <a:r>
               <a:rPr lang="de-CH" dirty="0" smtClean="0"/>
+              <a:t>Wie vorhin erwähnt, haben wir uns entschieden die theoretischen Grundlagen, welche wir erarbeiten mussten so abzubilden</a:t>
+            </a:r>
+            <a:r>
+              <a:rPr lang="de-CH" baseline="0" dirty="0" smtClean="0"/>
+              <a:t> (</a:t>
+            </a:r>
+            <a:r>
+              <a:rPr lang="de-CH" baseline="0" dirty="0" err="1" smtClean="0"/>
+              <a:t>niderzuschreiben</a:t>
+            </a:r>
+            <a:r>
+              <a:rPr lang="de-CH" baseline="0" dirty="0" smtClean="0"/>
+              <a:t>) das sie auch für andere gut nutzbar sind. Aus diesem Grund haben wir uns für ein Dokument mit </a:t>
+            </a:r>
+            <a:r>
+              <a:rPr lang="de-CH" baseline="0" dirty="0" err="1" smtClean="0"/>
+              <a:t>Tutorialcharakter</a:t>
+            </a:r>
+            <a:r>
+              <a:rPr lang="de-CH" baseline="0" dirty="0" smtClean="0"/>
+              <a:t> entschieden. Im Tutorial zeigen wir auf wie wir eine Problemdomäne systematisch modellieren und formalisieren um eine Ontologie zu erhalten, welche danach in Form einer semantischen Datenbank abgespeichert wird.</a:t>
+            </a:r>
+          </a:p>
+          <a:p>
+            <a:r>
+              <a:rPr lang="de-CH" baseline="0" dirty="0" smtClean="0"/>
+              <a:t>Dabei war der Schwierigste Teil, die </a:t>
+            </a:r>
+            <a:r>
+              <a:rPr lang="de-CH" baseline="0" dirty="0" err="1" smtClean="0"/>
+              <a:t>überlegung</a:t>
+            </a:r>
+            <a:r>
+              <a:rPr lang="de-CH" baseline="0" dirty="0" smtClean="0"/>
+              <a:t> wie wir den Aufbau vornehmen wollen. Ihr kennt sicher alle Tutorials, und wisst das dort das theoretische Hintergrundwissen eher spärliche vorhanden ist. Der Benutzer eines Tutorials will ja nur wissen, wie er vorgehen muss um sein Ziel zu erreichen.  Da dies aber kein normales Tutorial ist, sondern in erster Linie eine Bachelor-Thesis betrachten wir die Wissensmodellierung aus drei </a:t>
+            </a:r>
+            <a:r>
+              <a:rPr lang="de-CH" baseline="0" dirty="0" err="1" smtClean="0"/>
+              <a:t>Aspketen</a:t>
+            </a:r>
+            <a:r>
+              <a:rPr lang="de-CH" baseline="0" dirty="0" smtClean="0"/>
+              <a:t>. </a:t>
+            </a:r>
+          </a:p>
+          <a:p>
+            <a:r>
+              <a:rPr lang="de-CH" baseline="0" dirty="0" err="1" smtClean="0"/>
+              <a:t>Einerseitz</a:t>
+            </a:r>
+            <a:r>
+              <a:rPr lang="de-CH" baseline="0" dirty="0" smtClean="0"/>
+              <a:t> erhalt der Benutzer fundamentales </a:t>
+            </a:r>
+            <a:r>
+              <a:rPr lang="de-CH" baseline="0" dirty="0" err="1" smtClean="0"/>
+              <a:t>Hintegrundwissen</a:t>
+            </a:r>
+            <a:r>
+              <a:rPr lang="de-CH" baseline="0" dirty="0" smtClean="0"/>
+              <a:t> (welches aber für die </a:t>
+            </a:r>
+            <a:r>
+              <a:rPr lang="de-CH" baseline="0" dirty="0" err="1" smtClean="0"/>
+              <a:t>Umsetztung</a:t>
+            </a:r>
+            <a:r>
+              <a:rPr lang="de-CH" baseline="0" dirty="0" smtClean="0"/>
+              <a:t> nur bedingt </a:t>
+            </a:r>
+            <a:r>
+              <a:rPr lang="de-CH" baseline="0" dirty="0" err="1" smtClean="0"/>
+              <a:t>notwändigt</a:t>
+            </a:r>
+            <a:r>
+              <a:rPr lang="de-CH" baseline="0" dirty="0" smtClean="0"/>
+              <a:t> ist)</a:t>
+            </a:r>
+          </a:p>
+          <a:p>
+            <a:r>
+              <a:rPr lang="de-CH" baseline="0" dirty="0" smtClean="0"/>
+              <a:t>Anderseits </a:t>
+            </a:r>
+            <a:r>
+              <a:rPr lang="de-CH" baseline="0" dirty="0" err="1" smtClean="0"/>
+              <a:t>erklärhen</a:t>
+            </a:r>
+            <a:r>
+              <a:rPr lang="de-CH" baseline="0" dirty="0" smtClean="0"/>
+              <a:t> wir anhand eines praktischen Beispiels das konkret vorgehen. Dem </a:t>
+            </a:r>
+            <a:r>
+              <a:rPr lang="de-CH" baseline="0" dirty="0" err="1" smtClean="0"/>
+              <a:t>benutzer</a:t>
+            </a:r>
+            <a:r>
+              <a:rPr lang="de-CH" baseline="0" dirty="0" smtClean="0"/>
+              <a:t> ist es also möglich, diesem speziell </a:t>
+            </a:r>
+            <a:r>
+              <a:rPr lang="de-CH" baseline="0" dirty="0" err="1" smtClean="0"/>
+              <a:t>gekenzeichneten</a:t>
+            </a:r>
+            <a:r>
+              <a:rPr lang="de-CH" baseline="0" dirty="0" smtClean="0"/>
+              <a:t> Teil zu folgen, und ist so fähig eine semantische Datenbank aufzubauen und zu nutzen. Als dritten </a:t>
+            </a:r>
+            <a:r>
+              <a:rPr lang="de-CH" baseline="0" dirty="0" err="1" smtClean="0"/>
+              <a:t>aspekt</a:t>
+            </a:r>
+            <a:r>
+              <a:rPr lang="de-CH" baseline="0" dirty="0" smtClean="0"/>
+              <a:t> haben wir uns entschieden unsere praktischen Erfahrungen in Form von </a:t>
+            </a:r>
+            <a:r>
+              <a:rPr lang="de-CH" baseline="0" dirty="0" err="1" smtClean="0"/>
+              <a:t>Tips</a:t>
+            </a:r>
+            <a:r>
+              <a:rPr lang="de-CH" baseline="0" dirty="0" smtClean="0"/>
+              <a:t> </a:t>
+            </a:r>
+            <a:r>
+              <a:rPr lang="de-CH" baseline="0" dirty="0" err="1" smtClean="0"/>
+              <a:t>einfliesen</a:t>
+            </a:r>
+            <a:r>
+              <a:rPr lang="de-CH" baseline="0" dirty="0" smtClean="0"/>
+              <a:t> zu lassen.</a:t>
+            </a:r>
+            <a:endParaRPr lang="de-CH" dirty="0" smtClean="0"/>
+          </a:p>
+          <a:p>
+            <a:r>
+              <a:rPr lang="de-CH" dirty="0" smtClean="0"/>
               <a:t>Mira</a:t>
             </a:r>
             <a:endParaRPr lang="de-CH" dirty="0"/>
@@ -1893,17 +2516,73 @@
           <a:p>
             <a:r>
               <a:rPr lang="de-CH" dirty="0" smtClean="0"/>
-              <a:t>Problemdomäne ursprünglich Prolog</a:t>
-            </a:r>
-          </a:p>
-          <a:p>
-            <a:r>
-              <a:rPr lang="de-CH" dirty="0" smtClean="0"/>
-              <a:t>-&gt;</a:t>
+              <a:t>Wie Herr</a:t>
             </a:r>
             <a:r>
               <a:rPr lang="de-CH" baseline="0" dirty="0" smtClean="0"/>
-              <a:t> Für welche Art von Domänen sind </a:t>
+              <a:t> Osterwalder bereits erwähnt hat, werden semantischen Datenbanken auf der Basis von </a:t>
+            </a:r>
+            <a:r>
+              <a:rPr lang="de-CH" baseline="0" dirty="0" err="1" smtClean="0"/>
+              <a:t>Ontolgoien</a:t>
+            </a:r>
+            <a:r>
+              <a:rPr lang="de-CH" baseline="0" dirty="0" smtClean="0"/>
+              <a:t> erstellt. Eine Ontologie beschreibt </a:t>
+            </a:r>
+            <a:r>
+              <a:rPr lang="de-CH" baseline="0" dirty="0" err="1" smtClean="0"/>
+              <a:t>sachwissen</a:t>
+            </a:r>
+            <a:r>
+              <a:rPr lang="de-CH" baseline="0" dirty="0" smtClean="0"/>
+              <a:t> einer </a:t>
+            </a:r>
+            <a:r>
+              <a:rPr lang="de-CH" baseline="0" dirty="0" err="1" smtClean="0"/>
+              <a:t>Probelemdomäne</a:t>
+            </a:r>
+            <a:r>
+              <a:rPr lang="de-CH" baseline="0" dirty="0" smtClean="0"/>
+              <a:t>, also eines klar definierten Ausschnitt der Welt. </a:t>
+            </a:r>
+          </a:p>
+          <a:p>
+            <a:r>
+              <a:rPr lang="de-CH" baseline="0" dirty="0" smtClean="0"/>
+              <a:t>Beim wählen der Problemdomäne sind wir schon auf die ersten </a:t>
+            </a:r>
+            <a:r>
+              <a:rPr lang="de-CH" baseline="0" dirty="0" err="1" smtClean="0"/>
+              <a:t>Schweierigkeiten</a:t>
+            </a:r>
+            <a:r>
+              <a:rPr lang="de-CH" baseline="0" dirty="0" smtClean="0"/>
+              <a:t> gestossen. Unsere </a:t>
+            </a:r>
+            <a:r>
+              <a:rPr lang="de-CH" baseline="0" dirty="0" err="1" smtClean="0"/>
+              <a:t>Ursprünliche</a:t>
+            </a:r>
+            <a:r>
+              <a:rPr lang="de-CH" baseline="0" dirty="0" smtClean="0"/>
+              <a:t> Gewählte Domäne, «das Erlernen der Programmierung am Beispiel von Prolog» hat uns vor grosse Probleme gestellt. Während der Modellierung haben wir es nicht </a:t>
+            </a:r>
+            <a:r>
+              <a:rPr lang="de-CH" baseline="0" dirty="0" err="1" smtClean="0"/>
+              <a:t>geschaften</a:t>
+            </a:r>
+            <a:r>
+              <a:rPr lang="de-CH" baseline="0" dirty="0" smtClean="0"/>
+              <a:t>, den erwarteten Mehrwert von der </a:t>
+            </a:r>
+            <a:r>
+              <a:rPr lang="de-CH" baseline="0" dirty="0" err="1" smtClean="0"/>
+              <a:t>Wissensmodelleriung</a:t>
+            </a:r>
+            <a:r>
+              <a:rPr lang="de-CH" baseline="0" dirty="0" smtClean="0"/>
+              <a:t> mittels </a:t>
             </a:r>
             <a:r>
               <a:rPr lang="de-CH" baseline="0" dirty="0" err="1" smtClean="0"/>
@@ -1911,20 +2590,193 @@
             </a:r>
             <a:r>
               <a:rPr lang="de-CH" baseline="0" dirty="0" smtClean="0"/>
+              <a:t> zu </a:t>
+            </a:r>
+            <a:r>
+              <a:rPr lang="de-CH" baseline="0" dirty="0" err="1" smtClean="0"/>
+              <a:t>generien</a:t>
+            </a:r>
+            <a:r>
+              <a:rPr lang="de-CH" baseline="0" dirty="0" smtClean="0"/>
+              <a:t>. Nach vielen gescheiterten Versuchen wurde uns bewusst, dass es wichtig ist eine </a:t>
+            </a:r>
+            <a:r>
+              <a:rPr lang="de-CH" baseline="0" dirty="0" err="1" smtClean="0"/>
+              <a:t>Domäen</a:t>
+            </a:r>
+            <a:r>
+              <a:rPr lang="de-CH" baseline="0" dirty="0" smtClean="0"/>
+              <a:t> zu wählen ,welche </a:t>
+            </a:r>
+            <a:r>
+              <a:rPr lang="de-CH" baseline="0" dirty="0" err="1" smtClean="0"/>
+              <a:t>schlussfolgerungen</a:t>
+            </a:r>
+            <a:r>
+              <a:rPr lang="de-CH" baseline="0" dirty="0" smtClean="0"/>
+              <a:t> mittels Inferenz erlaubt. Da dies ja ein wichtiger Teil ist um wissen mit </a:t>
+            </a:r>
+            <a:r>
+              <a:rPr lang="de-CH" baseline="0" dirty="0" err="1" smtClean="0"/>
+              <a:t>semantik</a:t>
+            </a:r>
+            <a:r>
+              <a:rPr lang="de-CH" baseline="0" dirty="0" smtClean="0"/>
+              <a:t> (also Bedeutung) zu versehen. Die </a:t>
+            </a:r>
+            <a:r>
+              <a:rPr lang="de-CH" baseline="0" dirty="0" err="1" smtClean="0"/>
+              <a:t>Ursprünlich</a:t>
+            </a:r>
+            <a:r>
+              <a:rPr lang="de-CH" baseline="0" dirty="0" smtClean="0"/>
+              <a:t> gewählte Problemdomäne hatten wir auf einer zu hohen Abstraktionsebene angesetzt.</a:t>
+            </a:r>
+          </a:p>
+          <a:p>
+            <a:endParaRPr lang="de-CH" baseline="0" dirty="0" smtClean="0"/>
+          </a:p>
+          <a:p>
+            <a:r>
+              <a:rPr lang="de-CH" baseline="0" dirty="0" smtClean="0"/>
+              <a:t>-&gt; </a:t>
+            </a:r>
+            <a:r>
+              <a:rPr lang="de-CH" baseline="0" dirty="0" err="1" smtClean="0"/>
+              <a:t>Ontologien</a:t>
+            </a:r>
+            <a:r>
+              <a:rPr lang="de-CH" baseline="0" dirty="0" smtClean="0"/>
+              <a:t> und Expertensysteme machen überall dort sin, wo ein Experte benötigt wird um das wissen zu Interpretieren. So </a:t>
+            </a:r>
+            <a:r>
+              <a:rPr lang="de-CH" baseline="0" dirty="0" err="1" smtClean="0"/>
+              <a:t>kammen</a:t>
+            </a:r>
+            <a:r>
+              <a:rPr lang="de-CH" baseline="0" dirty="0" smtClean="0"/>
+              <a:t> wir auf die </a:t>
+            </a:r>
+            <a:r>
+              <a:rPr lang="de-CH" baseline="0" dirty="0" err="1" smtClean="0"/>
+              <a:t>idee</a:t>
+            </a:r>
+            <a:r>
+              <a:rPr lang="de-CH" baseline="0" dirty="0" smtClean="0"/>
+              <a:t> der </a:t>
+            </a:r>
+            <a:r>
+              <a:rPr lang="de-CH" baseline="0" dirty="0" err="1" smtClean="0"/>
+              <a:t>Domäen</a:t>
+            </a:r>
+            <a:r>
+              <a:rPr lang="de-CH" baseline="0" dirty="0" smtClean="0"/>
+              <a:t> der Reiseplanung</a:t>
+            </a:r>
+          </a:p>
+          <a:p>
+            <a:endParaRPr lang="de-CH" baseline="0" dirty="0" smtClean="0"/>
+          </a:p>
+          <a:p>
+            <a:r>
+              <a:rPr lang="de-CH" baseline="0" dirty="0" smtClean="0"/>
+              <a:t>Sven (oh sorry, jetzt </a:t>
+            </a:r>
+            <a:r>
+              <a:rPr lang="de-CH" baseline="0" dirty="0" err="1" smtClean="0"/>
+              <a:t>hani</a:t>
+            </a:r>
+            <a:r>
+              <a:rPr lang="de-CH" baseline="0" dirty="0" smtClean="0"/>
+              <a:t> das alles </a:t>
+            </a:r>
+            <a:r>
+              <a:rPr lang="de-CH" baseline="0" dirty="0" err="1" smtClean="0"/>
+              <a:t>ufgschriebe</a:t>
+            </a:r>
+            <a:r>
+              <a:rPr lang="de-CH" baseline="0" dirty="0" smtClean="0"/>
+              <a:t> und den </a:t>
+            </a:r>
+            <a:r>
+              <a:rPr lang="de-CH" baseline="0" dirty="0" err="1" smtClean="0"/>
+              <a:t>gseh</a:t>
+            </a:r>
+            <a:r>
+              <a:rPr lang="de-CH" baseline="0" dirty="0" smtClean="0"/>
+              <a:t>, dass das </a:t>
+            </a:r>
+            <a:r>
+              <a:rPr lang="de-CH" baseline="0" dirty="0" err="1" smtClean="0"/>
+              <a:t>eigendli</a:t>
+            </a:r>
+            <a:r>
+              <a:rPr lang="de-CH" baseline="0" dirty="0" smtClean="0"/>
               <a:t> </a:t>
             </a:r>
             <a:r>
+              <a:rPr lang="de-CH" baseline="0" dirty="0" err="1" smtClean="0"/>
+              <a:t>dini</a:t>
+            </a:r>
+            <a:r>
               <a:rPr lang="de-CH" baseline="0" dirty="0" smtClean="0"/>
-              <a:t>geeignet</a:t>
-            </a:r>
-          </a:p>
-          <a:p>
-            <a:endParaRPr lang="de-CH" baseline="0" dirty="0" smtClean="0"/>
-          </a:p>
-          <a:p>
+              <a:t> Folie </a:t>
+            </a:r>
+            <a:r>
+              <a:rPr lang="de-CH" baseline="0" dirty="0" err="1" smtClean="0"/>
+              <a:t>isch</a:t>
+            </a:r>
             <a:r>
               <a:rPr lang="de-CH" baseline="0" dirty="0" smtClean="0"/>
-              <a:t>Sven</a:t>
+              <a:t>!  ;-) ) i los jetzt </a:t>
+            </a:r>
+            <a:r>
+              <a:rPr lang="de-CH" baseline="0" dirty="0" err="1" smtClean="0"/>
+              <a:t>dine</a:t>
+            </a:r>
+            <a:r>
+              <a:rPr lang="de-CH" baseline="0" dirty="0" smtClean="0"/>
+              <a:t>, </a:t>
+            </a:r>
+            <a:r>
+              <a:rPr lang="de-CH" baseline="0" dirty="0" err="1" smtClean="0"/>
+              <a:t>vlicht</a:t>
+            </a:r>
+            <a:r>
+              <a:rPr lang="de-CH" baseline="0" dirty="0" smtClean="0"/>
+              <a:t> kasch </a:t>
+            </a:r>
+            <a:r>
+              <a:rPr lang="de-CH" baseline="0" dirty="0" err="1" smtClean="0"/>
+              <a:t>jo</a:t>
+            </a:r>
+            <a:r>
+              <a:rPr lang="de-CH" baseline="0" dirty="0" smtClean="0"/>
+              <a:t> </a:t>
+            </a:r>
+            <a:r>
+              <a:rPr lang="de-CH" baseline="0" dirty="0" err="1" smtClean="0"/>
+              <a:t>öpis</a:t>
+            </a:r>
+            <a:r>
+              <a:rPr lang="de-CH" baseline="0" dirty="0" smtClean="0"/>
+              <a:t> </a:t>
+            </a:r>
+            <a:r>
+              <a:rPr lang="de-CH" baseline="0" dirty="0" err="1" smtClean="0"/>
+              <a:t>demit</a:t>
+            </a:r>
+            <a:r>
+              <a:rPr lang="de-CH" baseline="0" dirty="0" smtClean="0"/>
+              <a:t> </a:t>
+            </a:r>
+            <a:r>
+              <a:rPr lang="de-CH" baseline="0" dirty="0" err="1" smtClean="0"/>
+              <a:t>avo</a:t>
+            </a:r>
+            <a:r>
+              <a:rPr lang="de-CH" baseline="0" dirty="0" smtClean="0"/>
+              <a:t>… ;)</a:t>
             </a:r>
             <a:endParaRPr lang="de-CH" dirty="0" smtClean="0"/>
           </a:p>
@@ -2015,11 +2867,279 @@
           <a:p>
             <a:r>
               <a:rPr lang="de-CH" baseline="0" dirty="0" smtClean="0"/>
-              <a:t>Speicherung als RDF/XML in OWL </a:t>
+              <a:t>Jetzt haben wir euch erklärt weshalb wir die </a:t>
+            </a:r>
+            <a:r>
+              <a:rPr lang="de-CH" baseline="0" dirty="0" err="1" smtClean="0"/>
+              <a:t>Domänereisepnaer</a:t>
             </a:r>
             <a:r>
               <a:rPr lang="de-CH" baseline="0" dirty="0" smtClean="0"/>
-              <a:t>Dateien</a:t>
+              <a:t> gewählt haben und welche </a:t>
+            </a:r>
+            <a:r>
+              <a:rPr lang="de-CH" baseline="0" dirty="0" err="1" smtClean="0"/>
+              <a:t>werkzeuge</a:t>
+            </a:r>
+            <a:r>
+              <a:rPr lang="de-CH" baseline="0" dirty="0" smtClean="0"/>
+              <a:t> wir dabei verwendet haben. Aber was heisst es denn </a:t>
+            </a:r>
+            <a:r>
+              <a:rPr lang="de-CH" baseline="0" dirty="0" err="1" smtClean="0"/>
+              <a:t>eigendlich</a:t>
+            </a:r>
+            <a:r>
+              <a:rPr lang="de-CH" baseline="0" dirty="0" smtClean="0"/>
+              <a:t> «eine Ontologie zu Modellieren»? Eine Ontologie hat immer die Form von Tripeln. Diese beinhalten Subjekt, Prädikat und Objekt. Was ja sehr an einen simplen deutschen Satz erinnert und auch so verstanden werden kann.</a:t>
+            </a:r>
+          </a:p>
+          <a:p>
+            <a:endParaRPr lang="de-CH" baseline="0" dirty="0" smtClean="0"/>
+          </a:p>
+          <a:p>
+            <a:r>
+              <a:rPr lang="de-CH" baseline="0" dirty="0" err="1" smtClean="0"/>
+              <a:t>Ontologien</a:t>
+            </a:r>
+            <a:r>
+              <a:rPr lang="de-CH" baseline="0" dirty="0" smtClean="0"/>
+              <a:t> bestehen aus Klassen, Individuen, Eigenschaften, Beziehungen und Regeln. Eine Klasse stellt eine «Kategorie» dar (</a:t>
+            </a:r>
+            <a:r>
+              <a:rPr lang="de-CH" baseline="0" dirty="0" err="1" smtClean="0"/>
+              <a:t>zb</a:t>
+            </a:r>
+            <a:r>
+              <a:rPr lang="de-CH" baseline="0" dirty="0" smtClean="0"/>
+              <a:t>. Ausflugsziel). Das Individuum ein Konkretes Objekt einer Klasse (</a:t>
+            </a:r>
+            <a:r>
+              <a:rPr lang="de-CH" baseline="0" dirty="0" err="1" smtClean="0"/>
+              <a:t>Seilpark</a:t>
+            </a:r>
+            <a:r>
+              <a:rPr lang="de-CH" baseline="0" dirty="0" smtClean="0"/>
+              <a:t>). Eigenschaften weisen einem Individuum einen Wert zu (</a:t>
+            </a:r>
+            <a:r>
+              <a:rPr lang="de-CH" baseline="0" dirty="0" err="1" smtClean="0"/>
+              <a:t>zb</a:t>
+            </a:r>
+            <a:r>
+              <a:rPr lang="de-CH" baseline="0" dirty="0" smtClean="0"/>
+              <a:t> </a:t>
+            </a:r>
+            <a:r>
+              <a:rPr lang="de-CH" baseline="0" dirty="0" err="1" smtClean="0"/>
+              <a:t>anzahl</a:t>
+            </a:r>
+            <a:r>
+              <a:rPr lang="de-CH" baseline="0" dirty="0" smtClean="0"/>
+              <a:t> Teilnehmer) Beziehungen bestehen zwischen zwei Individuen (</a:t>
+            </a:r>
+            <a:r>
+              <a:rPr lang="de-CH" baseline="0" dirty="0" err="1" smtClean="0"/>
+              <a:t>zb</a:t>
+            </a:r>
+            <a:r>
+              <a:rPr lang="de-CH" baseline="0" dirty="0" smtClean="0"/>
+              <a:t> </a:t>
+            </a:r>
+            <a:r>
+              <a:rPr lang="de-CH" baseline="0" dirty="0" err="1" smtClean="0"/>
+              <a:t>Seilpark</a:t>
+            </a:r>
+            <a:r>
+              <a:rPr lang="de-CH" baseline="0" dirty="0" smtClean="0"/>
+              <a:t> </a:t>
+            </a:r>
+            <a:r>
+              <a:rPr lang="de-CH" baseline="0" dirty="0" err="1" smtClean="0"/>
+              <a:t>hatStandort</a:t>
+            </a:r>
+            <a:r>
+              <a:rPr lang="de-CH" baseline="0" dirty="0" smtClean="0"/>
+              <a:t> </a:t>
+            </a:r>
+            <a:r>
+              <a:rPr lang="de-CH" baseline="0" dirty="0" err="1" smtClean="0"/>
+              <a:t>Balmberg</a:t>
+            </a:r>
+            <a:r>
+              <a:rPr lang="de-CH" baseline="0" dirty="0" smtClean="0"/>
+              <a:t> . Und setzten diese in </a:t>
+            </a:r>
+            <a:r>
+              <a:rPr lang="de-CH" baseline="0" dirty="0" err="1" smtClean="0"/>
+              <a:t>verbindung</a:t>
+            </a:r>
+            <a:r>
+              <a:rPr lang="de-CH" baseline="0" dirty="0" smtClean="0"/>
+              <a:t> miteinander. Zum Schluss sind noch die Regeln. Regeln sagen aus, diese bringen erst den </a:t>
+            </a:r>
+            <a:r>
+              <a:rPr lang="de-CH" baseline="0" dirty="0" err="1" smtClean="0"/>
+              <a:t>mehrwert</a:t>
+            </a:r>
+            <a:r>
+              <a:rPr lang="de-CH" baseline="0" dirty="0" smtClean="0"/>
+              <a:t> von </a:t>
+            </a:r>
+            <a:r>
+              <a:rPr lang="de-CH" baseline="0" dirty="0" err="1" smtClean="0"/>
+              <a:t>Ontologien</a:t>
+            </a:r>
+            <a:r>
+              <a:rPr lang="de-CH" baseline="0" dirty="0" smtClean="0"/>
+              <a:t> richtig zur Geltung. Wenn wir zum Beispiel sagen, das </a:t>
+            </a:r>
+            <a:r>
+              <a:rPr lang="de-CH" baseline="0" dirty="0" err="1" smtClean="0"/>
+              <a:t>Balmberg</a:t>
+            </a:r>
+            <a:r>
+              <a:rPr lang="de-CH" baseline="0" dirty="0" smtClean="0"/>
+              <a:t> die Region Solothurn hat. Und dann die Regel festlegen, das ein Ausflug, welcher einen Standort hat, welcher eine Region hat, auch diese Region hat…. ;-) dann können wir daraus schliessen das </a:t>
+            </a:r>
+            <a:r>
+              <a:rPr lang="de-CH" baseline="0" dirty="0" err="1" smtClean="0"/>
+              <a:t>Seilpark</a:t>
+            </a:r>
+            <a:r>
+              <a:rPr lang="de-CH" baseline="0" dirty="0" smtClean="0"/>
+              <a:t> die Region </a:t>
+            </a:r>
+            <a:r>
+              <a:rPr lang="de-CH" baseline="0" dirty="0" err="1" smtClean="0"/>
+              <a:t>Soltohurn</a:t>
+            </a:r>
+            <a:r>
+              <a:rPr lang="de-CH" baseline="0" dirty="0" smtClean="0"/>
+              <a:t> hat. Dies ist ein sehr simples </a:t>
+            </a:r>
+            <a:r>
+              <a:rPr lang="de-CH" baseline="0" dirty="0" err="1" smtClean="0"/>
+              <a:t>beispiel</a:t>
+            </a:r>
+            <a:r>
+              <a:rPr lang="de-CH" baseline="0" dirty="0" smtClean="0"/>
+              <a:t> um euch zu veranschaulichen wie </a:t>
+            </a:r>
+            <a:r>
+              <a:rPr lang="de-CH" baseline="0" dirty="0" err="1" smtClean="0"/>
+              <a:t>Ontologien</a:t>
+            </a:r>
+            <a:r>
+              <a:rPr lang="de-CH" baseline="0" dirty="0" smtClean="0"/>
+              <a:t> funktionieren. Ich möchte aber hier nicht weiter ins Detail gehen.</a:t>
+            </a:r>
+          </a:p>
+          <a:p>
+            <a:endParaRPr lang="de-CH" baseline="0" dirty="0" smtClean="0"/>
+          </a:p>
+          <a:p>
+            <a:r>
+              <a:rPr lang="de-CH" baseline="0" dirty="0" smtClean="0"/>
+              <a:t>Solche </a:t>
+            </a:r>
+            <a:r>
+              <a:rPr lang="de-CH" baseline="0" dirty="0" err="1" smtClean="0"/>
+              <a:t>Ontolgien</a:t>
+            </a:r>
+            <a:r>
+              <a:rPr lang="de-CH" baseline="0" dirty="0" smtClean="0"/>
+              <a:t> werden in </a:t>
+            </a:r>
+            <a:r>
+              <a:rPr lang="de-CH" baseline="0" dirty="0" err="1" smtClean="0"/>
+              <a:t>Owl</a:t>
+            </a:r>
+            <a:r>
+              <a:rPr lang="de-CH" baseline="0" dirty="0" smtClean="0"/>
+              <a:t> einer Ontologie </a:t>
+            </a:r>
+            <a:r>
+              <a:rPr lang="de-CH" baseline="0" dirty="0" err="1" smtClean="0"/>
+              <a:t>abbildungssprache</a:t>
+            </a:r>
+            <a:r>
+              <a:rPr lang="de-CH" baseline="0" dirty="0" smtClean="0"/>
+              <a:t> abgebildet, diese hat eine XML </a:t>
+            </a:r>
+            <a:r>
+              <a:rPr lang="de-CH" baseline="0" dirty="0" err="1" smtClean="0"/>
+              <a:t>ähnilche</a:t>
+            </a:r>
+            <a:r>
+              <a:rPr lang="de-CH" baseline="0" dirty="0" smtClean="0"/>
+              <a:t> </a:t>
+            </a:r>
+            <a:r>
+              <a:rPr lang="de-CH" baseline="0" dirty="0" err="1" smtClean="0"/>
+              <a:t>schreibweise</a:t>
+            </a:r>
+            <a:r>
+              <a:rPr lang="de-CH" baseline="0" dirty="0" smtClean="0"/>
+              <a:t> und kann so </a:t>
+            </a:r>
+            <a:r>
+              <a:rPr lang="de-CH" baseline="0" dirty="0" err="1" smtClean="0"/>
+              <a:t>Hierarchies</a:t>
+            </a:r>
+            <a:r>
+              <a:rPr lang="de-CH" baseline="0" dirty="0" smtClean="0"/>
+              <a:t> </a:t>
+            </a:r>
+            <a:r>
+              <a:rPr lang="de-CH" baseline="0" dirty="0" err="1" smtClean="0"/>
+              <a:t>strukturen</a:t>
+            </a:r>
+            <a:r>
+              <a:rPr lang="de-CH" baseline="0" dirty="0" smtClean="0"/>
+              <a:t> sehr gut abbilden (es gibt </a:t>
+            </a:r>
+            <a:r>
+              <a:rPr lang="de-CH" baseline="0" dirty="0" err="1" smtClean="0"/>
+              <a:t>klassen</a:t>
+            </a:r>
+            <a:r>
+              <a:rPr lang="de-CH" baseline="0" dirty="0" smtClean="0"/>
+              <a:t>, </a:t>
+            </a:r>
+            <a:r>
+              <a:rPr lang="de-CH" baseline="0" dirty="0" err="1" smtClean="0"/>
+              <a:t>supklassen</a:t>
+            </a:r>
+            <a:r>
+              <a:rPr lang="de-CH" baseline="0" dirty="0" smtClean="0"/>
+              <a:t>, </a:t>
+            </a:r>
+            <a:r>
+              <a:rPr lang="de-CH" baseline="0" dirty="0" err="1" smtClean="0"/>
+              <a:t>Propertys</a:t>
+            </a:r>
+            <a:r>
+              <a:rPr lang="de-CH" baseline="0" dirty="0" smtClean="0"/>
+              <a:t> und </a:t>
+            </a:r>
+            <a:r>
+              <a:rPr lang="de-CH" baseline="0" dirty="0" err="1" smtClean="0"/>
+              <a:t>supprobertys</a:t>
+            </a:r>
+            <a:r>
+              <a:rPr lang="de-CH" baseline="0" dirty="0" smtClean="0"/>
+              <a:t>…)</a:t>
+            </a:r>
+          </a:p>
+          <a:p>
+            <a:r>
+              <a:rPr lang="de-CH" baseline="0" dirty="0" smtClean="0"/>
+              <a:t>Speicherung </a:t>
+            </a:r>
+            <a:r>
+              <a:rPr lang="de-CH" baseline="0" dirty="0" smtClean="0"/>
+              <a:t>als RDF/XML in OWL Dateien</a:t>
             </a:r>
           </a:p>
           <a:p>
@@ -2116,6 +3236,53 @@
         <p:txBody>
           <a:bodyPr/>
           <a:lstStyle/>
+          <a:p>
+            <a:r>
+              <a:rPr lang="de-CH" dirty="0" smtClean="0"/>
+              <a:t>Wie</a:t>
+            </a:r>
+            <a:r>
+              <a:rPr lang="de-CH" baseline="0" dirty="0" smtClean="0"/>
+              <a:t> Herr Osterwalder bereits erwähnt hat, haben wir zur </a:t>
+            </a:r>
+            <a:r>
+              <a:rPr lang="de-CH" baseline="0" dirty="0" err="1" smtClean="0"/>
+              <a:t>modelierung</a:t>
+            </a:r>
+            <a:r>
+              <a:rPr lang="de-CH" baseline="0" dirty="0" smtClean="0"/>
+              <a:t> </a:t>
+            </a:r>
+            <a:r>
+              <a:rPr lang="de-CH" baseline="0" dirty="0" err="1" smtClean="0"/>
+              <a:t>Protege</a:t>
+            </a:r>
+            <a:r>
+              <a:rPr lang="de-CH" baseline="0" dirty="0" smtClean="0"/>
+              <a:t> verwendet. (</a:t>
+            </a:r>
+            <a:r>
+              <a:rPr lang="de-CH" baseline="0" dirty="0" err="1" smtClean="0"/>
+              <a:t>unpratkisch</a:t>
+            </a:r>
+            <a:r>
+              <a:rPr lang="de-CH" baseline="0" dirty="0" smtClean="0"/>
+              <a:t> </a:t>
+            </a:r>
+            <a:r>
+              <a:rPr lang="de-CH" baseline="0" dirty="0" err="1" smtClean="0"/>
+              <a:t>owl</a:t>
+            </a:r>
+            <a:r>
+              <a:rPr lang="de-CH" baseline="0" dirty="0" smtClean="0"/>
+              <a:t> zu schreiben). Auf diesem Bild seht Ihr ein Ausschnitt unsere Modellierung mit den Klassen und Subklassen, gewiesen (in diesem Fall ermittelten Individuen) und Einem Teil der </a:t>
+            </a:r>
+            <a:r>
+              <a:rPr lang="de-CH" baseline="0" dirty="0" err="1" smtClean="0"/>
+              <a:t>Propertys</a:t>
+            </a:r>
+            <a:endParaRPr lang="de-CH" dirty="0" smtClean="0"/>
+          </a:p>
           <a:p>
             <a:r>
               <a:rPr lang="de-CH" dirty="0" smtClean="0"/>
@@ -8413,6 +9580,109 @@
           <a:bodyPr/>
           <a:lstStyle/>
           <a:p>
+            <a:endParaRPr lang="de-CH" dirty="0"/>
+          </a:p>
+        </p:txBody>
+      </p:sp>
+      <p:sp>
+        <p:nvSpPr>
+          <p:cNvPr id="3" name="Titel 2"/>
+          <p:cNvSpPr>
+            <a:spLocks noGrp="1"/>
+          </p:cNvSpPr>
+          <p:nvPr>
+            <p:ph type="ctrTitle"/>
+          </p:nvPr>
+        </p:nvSpPr>
+        <p:spPr/>
+        <p:txBody>
+          <a:bodyPr/>
+          <a:lstStyle/>
+          <a:p>
+            <a:r>
+              <a:rPr lang="de-CH" dirty="0" smtClean="0"/>
+              <a:t>Semantisches Netz Ausschnitt</a:t>
+            </a:r>
+            <a:endParaRPr lang="de-CH" dirty="0"/>
+          </a:p>
+        </p:txBody>
+      </p:sp>
+      <p:pic>
+        <p:nvPicPr>
+          <p:cNvPr id="4" name="Grafik 3"/>
+          <p:cNvPicPr>
+            <a:picLocks noChangeAspect="1"/>
+          </p:cNvPicPr>
+          <p:nvPr/>
+        </p:nvPicPr>
+        <p:blipFill>
+          <a:blip r:embed="rId3"/>
+          <a:stretch>
+            <a:fillRect/>
+          </a:stretch>
+        </p:blipFill>
+        <p:spPr>
+          <a:xfrm>
+            <a:off x="726315" y="1439999"/>
+            <a:ext cx="7493077" cy="4528457"/>
+          </a:xfrm>
+          <a:prstGeom prst="rect">
+            <a:avLst/>
+          </a:prstGeom>
+        </p:spPr>
+      </p:pic>
+    </p:spTree>
+    <p:extLst>
+      <p:ext uri="{BB962C8B-B14F-4D97-AF65-F5344CB8AC3E}">
+        <p14:creationId xmlns:p14="http://schemas.microsoft.com/office/powerpoint/2010/main" val="353329247"/>
+      </p:ext>
+    </p:extLst>
+  </p:cSld>
+  <p:clrMapOvr>
+    <a:masterClrMapping/>
+  </p:clrMapOvr>
+  <p:timing>
+    <p:tnLst>
+      <p:par>
+        <p:cTn id="1" dur="indefinite" restart="never" nodeType="tmRoot"/>
+      </p:par>
+    </p:tnLst>
+  </p:timing>
+</p:sld>
+</file>
+
+<file path=ppt/slides/slide12.xml><?xml version="1.0" encoding="utf-8"?>
+<p:sld xmlns:a="http://schemas.openxmlformats.org/drawingml/2006/main" xmlns:r="http://schemas.openxmlformats.org/officeDocument/2006/relationships" xmlns:p="http://schemas.openxmlformats.org/presentationml/2006/main">
+  <p:cSld>
+    <p:spTree>
+      <p:nvGrpSpPr>
+        <p:cNvPr id="1" name=""/>
+        <p:cNvGrpSpPr/>
+        <p:nvPr/>
+      </p:nvGrpSpPr>
+      <p:grpSpPr>
+        <a:xfrm>
+          <a:off x="0" y="0"/>
+          <a:ext cx="0" cy="0"/>
+          <a:chOff x="0" y="0"/>
+          <a:chExt cx="0" cy="0"/>
+        </a:xfrm>
+      </p:grpSpPr>
+      <p:sp>
+        <p:nvSpPr>
+          <p:cNvPr id="2" name="Inhaltsplatzhalter 1"/>
+          <p:cNvSpPr>
+            <a:spLocks noGrp="1"/>
+          </p:cNvSpPr>
+          <p:nvPr>
+            <p:ph sz="half" idx="1"/>
+          </p:nvPr>
+        </p:nvSpPr>
+        <p:spPr/>
+        <p:txBody>
+          <a:bodyPr/>
+          <a:lstStyle/>
+          <a:p>
             <a:r>
               <a:rPr lang="de-CH" dirty="0"/>
               <a:t>Technische Umsetzung</a:t>
@@ -8520,7 +9790,7 @@
 </p:sld>
 </file>
 
-<file path=ppt/slides/slide12.xml><?xml version="1.0" encoding="utf-8"?>
+<file path=ppt/slides/slide13.xml><?xml version="1.0" encoding="utf-8"?>
 <p:sld xmlns:a="http://schemas.openxmlformats.org/drawingml/2006/main" xmlns:r="http://schemas.openxmlformats.org/officeDocument/2006/relationships" xmlns:p="http://schemas.openxmlformats.org/presentationml/2006/main">
   <p:cSld>
     <p:spTree>
@@ -8622,7 +9892,7 @@
 </p:sld>
 </file>
 
-<file path=ppt/slides/slide13.xml><?xml version="1.0" encoding="utf-8"?>
+<file path=ppt/slides/slide14.xml><?xml version="1.0" encoding="utf-8"?>
 <p:sld xmlns:a="http://schemas.openxmlformats.org/drawingml/2006/main" xmlns:r="http://schemas.openxmlformats.org/officeDocument/2006/relationships" xmlns:p="http://schemas.openxmlformats.org/presentationml/2006/main">
   <p:cSld>
     <p:spTree>
@@ -8738,7 +10008,7 @@
 </p:sld>
 </file>
 
-<file path=ppt/slides/slide14.xml><?xml version="1.0" encoding="utf-8"?>
+<file path=ppt/slides/slide15.xml><?xml version="1.0" encoding="utf-8"?>
 <p:sld xmlns:a="http://schemas.openxmlformats.org/drawingml/2006/main" xmlns:r="http://schemas.openxmlformats.org/officeDocument/2006/relationships" xmlns:p="http://schemas.openxmlformats.org/presentationml/2006/main">
   <p:cSld>
     <p:spTree>
@@ -9200,6 +10470,21 @@
               </a:rPr>
               <a:t>)</a:t>
             </a:r>
+          </a:p>
+          <a:p>
+            <a:pPr lvl="2"/>
+            <a:endParaRPr lang="de-CH" dirty="0">
+              <a:sym typeface="Wingdings" panose="05000000000000000000" pitchFamily="2" charset="2"/>
+            </a:endParaRPr>
+          </a:p>
+          <a:p>
+            <a:pPr lvl="1"/>
+            <a:r>
+              <a:rPr lang="de-CH" dirty="0" smtClean="0">
+                <a:sym typeface="Wingdings" panose="05000000000000000000" pitchFamily="2" charset="2"/>
+              </a:rPr>
+              <a:t>Ontologie</a:t>
+            </a:r>
             <a:endParaRPr lang="de-CH" dirty="0">
               <a:sym typeface="Wingdings" panose="05000000000000000000" pitchFamily="2" charset="2"/>
             </a:endParaRPr>
@@ -9285,7 +10570,15 @@
           <a:p>
             <a:r>
               <a:rPr lang="de-CH" dirty="0"/>
-              <a:t>Aufbau und Anwendung einer Semantischen Datenbank</a:t>
+              <a:t>Aufbau und Anwendung einer </a:t>
+            </a:r>
+            <a:r>
+              <a:rPr lang="de-CH" dirty="0" smtClean="0"/>
+              <a:t>semantischen </a:t>
+            </a:r>
+            <a:r>
+              <a:rPr lang="de-CH" dirty="0"/>
+              <a:t>Datenbank</a:t>
             </a:r>
           </a:p>
           <a:p>
@@ -9439,14 +10732,23 @@
             <a:pPr lvl="1"/>
             <a:r>
               <a:rPr lang="de-CH" dirty="0"/>
-              <a:t>Gesammelte Erfahrungen</a:t>
-            </a:r>
+              <a:t>Praktisches Beispiel </a:t>
+            </a:r>
+            <a:r>
+              <a:rPr lang="de-CH" dirty="0" smtClean="0"/>
+              <a:t>Expertensystem</a:t>
+            </a:r>
+            <a:endParaRPr lang="de-CH" dirty="0" smtClean="0"/>
           </a:p>
           <a:p>
             <a:pPr lvl="1"/>
             <a:r>
+              <a:rPr lang="de-CH" dirty="0" smtClean="0"/>
+              <a:t>Gesammelte </a:t>
+            </a:r>
+            <a:r>
               <a:rPr lang="de-CH" dirty="0"/>
-              <a:t>Praktisches Beispiel Expertensystem</a:t>
+              <a:t>Erfahrungen</a:t>
             </a:r>
           </a:p>
           <a:p>
@@ -9537,8 +10839,13 @@
             <a:pPr lvl="1"/>
             <a:r>
               <a:rPr lang="de-CH" dirty="0"/>
-              <a:t>Ursprünglich Prolog</a:t>
-            </a:r>
+              <a:t>Ursprünglich </a:t>
+            </a:r>
+            <a:r>
+              <a:rPr lang="de-CH" dirty="0" smtClean="0"/>
+              <a:t>Prolog</a:t>
+            </a:r>
+            <a:endParaRPr lang="de-CH" dirty="0"/>
           </a:p>
           <a:p>
             <a:pPr lvl="1"/>
@@ -9670,6 +10977,34 @@
           <a:p>
             <a:r>
               <a:rPr lang="de-CH" dirty="0" smtClean="0"/>
+              <a:t>Tripel: </a:t>
+            </a:r>
+          </a:p>
+          <a:p>
+            <a:pPr lvl="1"/>
+            <a:r>
+              <a:rPr lang="de-CH" dirty="0" smtClean="0"/>
+              <a:t>Subjekt</a:t>
+            </a:r>
+          </a:p>
+          <a:p>
+            <a:pPr lvl="1"/>
+            <a:r>
+              <a:rPr lang="de-CH" dirty="0" smtClean="0"/>
+              <a:t>Prädikat</a:t>
+            </a:r>
+          </a:p>
+          <a:p>
+            <a:pPr lvl="1"/>
+            <a:r>
+              <a:rPr lang="de-CH" dirty="0" smtClean="0"/>
+              <a:t>Objekt</a:t>
+            </a:r>
+            <a:endParaRPr lang="de-CH" dirty="0" smtClean="0"/>
+          </a:p>
+          <a:p>
+            <a:r>
+              <a:rPr lang="de-CH" dirty="0" smtClean="0"/>
               <a:t>Bestandteile</a:t>
             </a:r>
             <a:endParaRPr lang="de-CH" dirty="0"/>
@@ -9802,55 +11137,15 @@
           <a:chExt cx="0" cy="0"/>
         </a:xfrm>
       </p:grpSpPr>
-      <p:sp>
-        <p:nvSpPr>
-          <p:cNvPr id="2" name="Inhaltsplatzhalter 1"/>
-          <p:cNvSpPr>
-            <a:spLocks noGrp="1"/>
-          </p:cNvSpPr>
-          <p:nvPr>
-            <p:ph sz="half" idx="1"/>
-          </p:nvPr>
-        </p:nvSpPr>
-        <p:spPr/>
-        <p:txBody>
-          <a:bodyPr/>
-          <a:lstStyle/>
-          <a:p>
-            <a:endParaRPr lang="de-CH"/>
-          </a:p>
-        </p:txBody>
-      </p:sp>
-      <p:sp>
-        <p:nvSpPr>
-          <p:cNvPr id="3" name="Titel 2"/>
-          <p:cNvSpPr>
-            <a:spLocks noGrp="1"/>
-          </p:cNvSpPr>
-          <p:nvPr>
-            <p:ph type="ctrTitle"/>
-          </p:nvPr>
-        </p:nvSpPr>
-        <p:spPr/>
-        <p:txBody>
-          <a:bodyPr/>
-          <a:lstStyle/>
-          <a:p>
-            <a:r>
-              <a:rPr lang="de-CH" dirty="0" smtClean="0"/>
-              <a:t>OWL: RDF/XML</a:t>
-            </a:r>
-            <a:endParaRPr lang="de-CH" dirty="0"/>
-          </a:p>
-        </p:txBody>
-      </p:sp>
       <p:pic>
         <p:nvPicPr>
-          <p:cNvPr id="4" name="Inhaltsplatzhalter 3"/>
+          <p:cNvPr id="5" name="Inhaltsplatzhalter 4"/>
           <p:cNvPicPr>
-            <a:picLocks noChangeAspect="1"/>
+            <a:picLocks noGrp="1" noChangeAspect="1"/>
           </p:cNvPicPr>
-          <p:nvPr/>
+          <p:nvPr>
+            <p:ph sz="half" idx="1"/>
+          </p:nvPr>
         </p:nvPicPr>
         <p:blipFill>
           <a:blip r:embed="rId3"/>
@@ -9860,14 +11155,37 @@
         </p:blipFill>
         <p:spPr>
           <a:xfrm>
-            <a:off x="1195814" y="1768636"/>
-            <a:ext cx="6644372" cy="4022725"/>
+            <a:off x="758247" y="1135063"/>
+            <a:ext cx="6735785" cy="4679950"/>
           </a:xfrm>
           <a:prstGeom prst="rect">
             <a:avLst/>
           </a:prstGeom>
         </p:spPr>
       </p:pic>
+      <p:sp>
+        <p:nvSpPr>
+          <p:cNvPr id="3" name="Titel 2"/>
+          <p:cNvSpPr>
+            <a:spLocks noGrp="1"/>
+          </p:cNvSpPr>
+          <p:nvPr>
+            <p:ph type="ctrTitle"/>
+          </p:nvPr>
+        </p:nvSpPr>
+        <p:spPr/>
+        <p:txBody>
+          <a:bodyPr/>
+          <a:lstStyle/>
+          <a:p>
+            <a:r>
+              <a:rPr lang="de-CH" dirty="0" smtClean="0"/>
+              <a:t>Ontologie abbilden</a:t>
+            </a:r>
+            <a:endParaRPr lang="de-CH" dirty="0"/>
+          </a:p>
+        </p:txBody>
+      </p:sp>
     </p:spTree>
     <p:extLst>
       <p:ext uri="{BB962C8B-B14F-4D97-AF65-F5344CB8AC3E}">
@@ -10719,21 +12037,12 @@
 </file>
 
 <file path=customXml/item1.xml><?xml version="1.0" encoding="utf-8"?>
-<p:properties xmlns:p="http://schemas.microsoft.com/office/2006/metadata/properties" xmlns:xsi="http://www.w3.org/2001/XMLSchema-instance" xmlns:pc="http://schemas.microsoft.com/office/infopath/2007/PartnerControls">
-  <documentManagement>
-    <TaxCatchAll xmlns="2551ef7e-3b29-44d1-a8ad-ef34c26bfc60">
-      <Value>241</Value>
-    </TaxCatchAll>
-    <BfhIntranetDepartmentText xmlns="63c724b1-652e-424f-8d99-4ee509067280">
-      <Terms xmlns="http://schemas.microsoft.com/office/infopath/2007/PartnerControls">
-        <TermInfo xmlns="http://schemas.microsoft.com/office/infopath/2007/PartnerControls">
-          <TermName xmlns="http://schemas.microsoft.com/office/infopath/2007/PartnerControls">Vorlage</TermName>
-          <TermId xmlns="http://schemas.microsoft.com/office/infopath/2007/PartnerControls">de1a6d3c-ac6a-4b34-8edd-308eb81066db</TermId>
-        </TermInfo>
-      </Terms>
-    </BfhIntranetDepartmentText>
-  </documentManagement>
-</p:properties>
+<?mso-contentType ?>
+<FormTemplates xmlns="http://schemas.microsoft.com/sharepoint/v3/contenttype/forms">
+  <Display>DocumentLibraryForm</Display>
+  <Edit>DocumentLibraryForm</Edit>
+  <New>DocumentLibraryForm</New>
+</FormTemplates>
 </file>
 
 <file path=customXml/item2.xml><?xml version="1.0" encoding="utf-8"?>
@@ -10882,27 +12191,27 @@
 </file>
 
 <file path=customXml/item3.xml><?xml version="1.0" encoding="utf-8"?>
-<?mso-contentType ?>
-<FormTemplates xmlns="http://schemas.microsoft.com/sharepoint/v3/contenttype/forms">
-  <Display>DocumentLibraryForm</Display>
-  <Edit>DocumentLibraryForm</Edit>
-  <New>DocumentLibraryForm</New>
-</FormTemplates>
+<p:properties xmlns:p="http://schemas.microsoft.com/office/2006/metadata/properties" xmlns:xsi="http://www.w3.org/2001/XMLSchema-instance" xmlns:pc="http://schemas.microsoft.com/office/infopath/2007/PartnerControls">
+  <documentManagement>
+    <TaxCatchAll xmlns="2551ef7e-3b29-44d1-a8ad-ef34c26bfc60">
+      <Value>241</Value>
+    </TaxCatchAll>
+    <BfhIntranetDepartmentText xmlns="63c724b1-652e-424f-8d99-4ee509067280">
+      <Terms xmlns="http://schemas.microsoft.com/office/infopath/2007/PartnerControls">
+        <TermInfo xmlns="http://schemas.microsoft.com/office/infopath/2007/PartnerControls">
+          <TermName xmlns="http://schemas.microsoft.com/office/infopath/2007/PartnerControls">Vorlage</TermName>
+          <TermId xmlns="http://schemas.microsoft.com/office/infopath/2007/PartnerControls">de1a6d3c-ac6a-4b34-8edd-308eb81066db</TermId>
+        </TermInfo>
+      </Terms>
+    </BfhIntranetDepartmentText>
+  </documentManagement>
+</p:properties>
 </file>
 
 <file path=customXml/itemProps1.xml><?xml version="1.0" encoding="utf-8"?>
-<ds:datastoreItem xmlns:ds="http://schemas.openxmlformats.org/officeDocument/2006/customXml" ds:itemID="{96591048-6F15-48C6-9650-9BFF3E56974F}">
+<ds:datastoreItem xmlns:ds="http://schemas.openxmlformats.org/officeDocument/2006/customXml" ds:itemID="{CCF5E5E7-7F77-47A8-99A9-B4D5839292F3}">
   <ds:schemaRefs>
-    <ds:schemaRef ds:uri="http://purl.org/dc/terms/"/>
-    <ds:schemaRef ds:uri="http://purl.org/dc/elements/1.1/"/>
-    <ds:schemaRef ds:uri="63c724b1-652e-424f-8d99-4ee509067280"/>
-    <ds:schemaRef ds:uri="http://purl.org/dc/dcmitype/"/>
-    <ds:schemaRef ds:uri="http://schemas.microsoft.com/office/2006/documentManagement/types"/>
-    <ds:schemaRef ds:uri="http://schemas.microsoft.com/office/2006/metadata/properties"/>
-    <ds:schemaRef ds:uri="http://www.w3.org/XML/1998/namespace"/>
-    <ds:schemaRef ds:uri="2551ef7e-3b29-44d1-a8ad-ef34c26bfc60"/>
-    <ds:schemaRef ds:uri="http://schemas.microsoft.com/office/infopath/2007/PartnerControls"/>
-    <ds:schemaRef ds:uri="http://schemas.openxmlformats.org/package/2006/metadata/core-properties"/>
+    <ds:schemaRef ds:uri="http://schemas.microsoft.com/sharepoint/v3/contenttype/forms"/>
   </ds:schemaRefs>
 </ds:datastoreItem>
 </file>
@@ -10927,9 +12236,18 @@
 </file>
 
 <file path=customXml/itemProps3.xml><?xml version="1.0" encoding="utf-8"?>
-<ds:datastoreItem xmlns:ds="http://schemas.openxmlformats.org/officeDocument/2006/customXml" ds:itemID="{CCF5E5E7-7F77-47A8-99A9-B4D5839292F3}">
+<ds:datastoreItem xmlns:ds="http://schemas.openxmlformats.org/officeDocument/2006/customXml" ds:itemID="{96591048-6F15-48C6-9650-9BFF3E56974F}">
   <ds:schemaRefs>
-    <ds:schemaRef ds:uri="http://schemas.microsoft.com/sharepoint/v3/contenttype/forms"/>
+    <ds:schemaRef ds:uri="http://schemas.openxmlformats.org/package/2006/metadata/core-properties"/>
+    <ds:schemaRef ds:uri="http://purl.org/dc/elements/1.1/"/>
+    <ds:schemaRef ds:uri="2551ef7e-3b29-44d1-a8ad-ef34c26bfc60"/>
+    <ds:schemaRef ds:uri="http://schemas.microsoft.com/office/2006/metadata/properties"/>
+    <ds:schemaRef ds:uri="http://purl.org/dc/terms/"/>
+    <ds:schemaRef ds:uri="http://schemas.microsoft.com/office/2006/documentManagement/types"/>
+    <ds:schemaRef ds:uri="http://www.w3.org/XML/1998/namespace"/>
+    <ds:schemaRef ds:uri="http://schemas.microsoft.com/office/infopath/2007/PartnerControls"/>
+    <ds:schemaRef ds:uri="63c724b1-652e-424f-8d99-4ee509067280"/>
+    <ds:schemaRef ds:uri="http://purl.org/dc/dcmitype/"/>
   </ds:schemaRefs>
 </ds:datastoreItem>
 </file>
--- a/Doc/Semantische Datenbanken_bfh.pptx
+++ b/Doc/Semantische Datenbanken_bfh.pptx
@@ -5,27 +5,29 @@
     <p:sldMasterId id="2147483669" r:id="rId4"/>
   </p:sldMasterIdLst>
   <p:notesMasterIdLst>
-    <p:notesMasterId r:id="rId20"/>
+    <p:notesMasterId r:id="rId22"/>
   </p:notesMasterIdLst>
   <p:handoutMasterIdLst>
-    <p:handoutMasterId r:id="rId21"/>
+    <p:handoutMasterId r:id="rId23"/>
   </p:handoutMasterIdLst>
   <p:sldIdLst>
     <p:sldId id="259" r:id="rId5"/>
     <p:sldId id="263" r:id="rId6"/>
     <p:sldId id="270" r:id="rId7"/>
     <p:sldId id="271" r:id="rId8"/>
-    <p:sldId id="272" r:id="rId9"/>
-    <p:sldId id="273" r:id="rId10"/>
-    <p:sldId id="274" r:id="rId11"/>
-    <p:sldId id="280" r:id="rId12"/>
-    <p:sldId id="277" r:id="rId13"/>
-    <p:sldId id="275" r:id="rId14"/>
-    <p:sldId id="281" r:id="rId15"/>
-    <p:sldId id="276" r:id="rId16"/>
-    <p:sldId id="278" r:id="rId17"/>
-    <p:sldId id="279" r:id="rId18"/>
-    <p:sldId id="257" r:id="rId19"/>
+    <p:sldId id="282" r:id="rId9"/>
+    <p:sldId id="283" r:id="rId10"/>
+    <p:sldId id="272" r:id="rId11"/>
+    <p:sldId id="273" r:id="rId12"/>
+    <p:sldId id="274" r:id="rId13"/>
+    <p:sldId id="280" r:id="rId14"/>
+    <p:sldId id="277" r:id="rId15"/>
+    <p:sldId id="275" r:id="rId16"/>
+    <p:sldId id="281" r:id="rId17"/>
+    <p:sldId id="276" r:id="rId18"/>
+    <p:sldId id="278" r:id="rId19"/>
+    <p:sldId id="279" r:id="rId20"/>
+    <p:sldId id="257" r:id="rId21"/>
   </p:sldIdLst>
   <p:sldSz cx="9144000" cy="6858000" type="screen4x3"/>
   <p:notesSz cx="7099300" cy="10234613"/>
@@ -758,15 +760,7 @@
           <a:p>
             <a:r>
               <a:rPr lang="de-CH" baseline="0" dirty="0" smtClean="0"/>
-              <a:t>Den </a:t>
-            </a:r>
-            <a:r>
-              <a:rPr lang="de-CH" baseline="0" dirty="0" err="1" smtClean="0"/>
-              <a:t>schwerpunkt</a:t>
-            </a:r>
-            <a:r>
-              <a:rPr lang="de-CH" baseline="0" dirty="0" smtClean="0"/>
-              <a:t> haben wir dabei </a:t>
+              <a:t>Den Schwerpunkt haben wir dabei </a:t>
             </a:r>
             <a:r>
               <a:rPr lang="de-CH" baseline="0" dirty="0" err="1" smtClean="0"/>
@@ -804,7 +798,7 @@
           <a:p>
             <a:r>
               <a:rPr lang="de-CH" baseline="0" dirty="0" smtClean="0"/>
-              <a:t>Wir haben uns ganz bewusst entschieden in dieser Präsentation auf die technischen Aspekte unsere Arbeit zu verzichten. Uns ist es wichtig euch in der folgenden </a:t>
+              <a:t>Wir haben uns ganz bewusst entschieden in dieser Präsentation auf die technischen Aspekte unsere Arbeit zu verzichten. Uns ist es wichtig Ihnen in der folgenden </a:t>
             </a:r>
             <a:r>
               <a:rPr lang="de-CH" baseline="0" dirty="0" err="1" smtClean="0"/>
@@ -812,7 +806,7 @@
             </a:r>
             <a:r>
               <a:rPr lang="de-CH" baseline="0" dirty="0" smtClean="0"/>
-              <a:t> einen Überblick über die Arbeit zu verschaffen. Und euch nicht mit Theorien und Techniken zu überschütten. Da es in dieser kurzen Zeit nicht möglich sein wird, diese ausführlich zu erklären. Bei Interesse für die Details sind wir ja am </a:t>
+              <a:t> einen Überblick über die Arbeit zu verschaffen. Und Ihnen nicht mit Theorien und Techniken zu überschütten. Da es in dieser kurzen Zeit nicht möglich sein wird, diese ausführlich zu erklären. Bei Interesse für die Details sind wir ja am </a:t>
             </a:r>
             <a:r>
               <a:rPr lang="de-CH" baseline="0" dirty="0" err="1" smtClean="0"/>
@@ -922,47 +916,130 @@
           <a:lstStyle/>
           <a:p>
             <a:r>
-              <a:rPr lang="de-CH" dirty="0" smtClean="0"/>
-              <a:t>Wir die </a:t>
-            </a:r>
-            <a:r>
-              <a:rPr lang="de-CH" dirty="0" err="1" smtClean="0"/>
-              <a:t>Gestalltung</a:t>
-            </a:r>
-            <a:r>
-              <a:rPr lang="de-CH" dirty="0" smtClean="0"/>
-              <a:t> und die </a:t>
-            </a:r>
-            <a:r>
-              <a:rPr lang="de-CH" dirty="0" err="1" smtClean="0"/>
-              <a:t>Modellerung</a:t>
-            </a:r>
-            <a:r>
               <a:rPr lang="de-CH" baseline="0" dirty="0" smtClean="0"/>
-              <a:t> war es für uns aber einfacher in semantischen netzten zu arbeiten. Oder besser gesagt einer </a:t>
+              <a:t>Jetzt haben wir euch erklärt weshalb wir die Domäne Reiseplaner gewählt haben und welche </a:t>
             </a:r>
             <a:r>
               <a:rPr lang="de-CH" baseline="0" dirty="0" err="1" smtClean="0"/>
-              <a:t>Abgewandeltetn</a:t>
+              <a:t>werkzeuge</a:t>
             </a:r>
             <a:r>
               <a:rPr lang="de-CH" baseline="0" dirty="0" smtClean="0"/>
-              <a:t> Form davon. Dies ist eine Graphische Darstellung von wissen</a:t>
-            </a:r>
-            <a:endParaRPr lang="de-CH" dirty="0" smtClean="0"/>
-          </a:p>
-          <a:p>
-            <a:r>
-              <a:rPr lang="de-CH" dirty="0" smtClean="0"/>
-              <a:t>Speicherung </a:t>
-            </a:r>
-            <a:r>
-              <a:rPr lang="de-CH" dirty="0" smtClean="0"/>
-              <a:t>Ontologie</a:t>
+              <a:t> wir dabei verwendet haben. Aber was heisst es denn </a:t>
+            </a:r>
+            <a:r>
+              <a:rPr lang="de-CH" baseline="0" dirty="0" err="1" smtClean="0"/>
+              <a:t>eigendlich</a:t>
             </a:r>
             <a:r>
               <a:rPr lang="de-CH" baseline="0" dirty="0" smtClean="0"/>
-              <a:t> als semantisches Netz (bzw. so ähnlich)</a:t>
+              <a:t> «eine Ontologie zu Modellieren»? Eine Ontologie hat immer die Form von Tripeln. Diese beinhalten Subjekt, Prädikat und Objekt. Was ja sehr an einen simplen deutschen Satz erinnert und auch so verstanden werden kann.</a:t>
+            </a:r>
+          </a:p>
+          <a:p>
+            <a:endParaRPr lang="de-CH" baseline="0" dirty="0" smtClean="0"/>
+          </a:p>
+          <a:p>
+            <a:endParaRPr lang="de-CH" baseline="0" dirty="0" smtClean="0"/>
+          </a:p>
+          <a:p>
+            <a:r>
+              <a:rPr lang="de-CH" baseline="0" dirty="0" smtClean="0"/>
+              <a:t>Solche </a:t>
+            </a:r>
+            <a:r>
+              <a:rPr lang="de-CH" baseline="0" dirty="0" err="1" smtClean="0"/>
+              <a:t>Ontolgien</a:t>
+            </a:r>
+            <a:r>
+              <a:rPr lang="de-CH" baseline="0" dirty="0" smtClean="0"/>
+              <a:t> werden in </a:t>
+            </a:r>
+            <a:r>
+              <a:rPr lang="de-CH" baseline="0" dirty="0" err="1" smtClean="0"/>
+              <a:t>Owl</a:t>
+            </a:r>
+            <a:r>
+              <a:rPr lang="de-CH" baseline="0" dirty="0" smtClean="0"/>
+              <a:t> einer Ontologie </a:t>
+            </a:r>
+            <a:r>
+              <a:rPr lang="de-CH" baseline="0" dirty="0" err="1" smtClean="0"/>
+              <a:t>abbildungssprache</a:t>
+            </a:r>
+            <a:r>
+              <a:rPr lang="de-CH" baseline="0" dirty="0" smtClean="0"/>
+              <a:t> abgebildet, diese hat eine XML </a:t>
+            </a:r>
+            <a:r>
+              <a:rPr lang="de-CH" baseline="0" dirty="0" err="1" smtClean="0"/>
+              <a:t>ähnilche</a:t>
+            </a:r>
+            <a:r>
+              <a:rPr lang="de-CH" baseline="0" dirty="0" smtClean="0"/>
+              <a:t> </a:t>
+            </a:r>
+            <a:r>
+              <a:rPr lang="de-CH" baseline="0" dirty="0" err="1" smtClean="0"/>
+              <a:t>schreibweise</a:t>
+            </a:r>
+            <a:r>
+              <a:rPr lang="de-CH" baseline="0" dirty="0" smtClean="0"/>
+              <a:t> und kann so </a:t>
+            </a:r>
+            <a:r>
+              <a:rPr lang="de-CH" baseline="0" dirty="0" err="1" smtClean="0"/>
+              <a:t>Hierarchies</a:t>
+            </a:r>
+            <a:r>
+              <a:rPr lang="de-CH" baseline="0" dirty="0" smtClean="0"/>
+              <a:t> </a:t>
+            </a:r>
+            <a:r>
+              <a:rPr lang="de-CH" baseline="0" dirty="0" err="1" smtClean="0"/>
+              <a:t>strukturen</a:t>
+            </a:r>
+            <a:r>
+              <a:rPr lang="de-CH" baseline="0" dirty="0" smtClean="0"/>
+              <a:t> sehr gut abbilden (es gibt </a:t>
+            </a:r>
+            <a:r>
+              <a:rPr lang="de-CH" baseline="0" dirty="0" err="1" smtClean="0"/>
+              <a:t>klassen</a:t>
+            </a:r>
+            <a:r>
+              <a:rPr lang="de-CH" baseline="0" dirty="0" smtClean="0"/>
+              <a:t>, </a:t>
+            </a:r>
+            <a:r>
+              <a:rPr lang="de-CH" baseline="0" dirty="0" err="1" smtClean="0"/>
+              <a:t>supklassen</a:t>
+            </a:r>
+            <a:r>
+              <a:rPr lang="de-CH" baseline="0" dirty="0" smtClean="0"/>
+              <a:t>, </a:t>
+            </a:r>
+            <a:r>
+              <a:rPr lang="de-CH" baseline="0" dirty="0" err="1" smtClean="0"/>
+              <a:t>Propertys</a:t>
+            </a:r>
+            <a:r>
+              <a:rPr lang="de-CH" baseline="0" dirty="0" smtClean="0"/>
+              <a:t> und </a:t>
+            </a:r>
+            <a:r>
+              <a:rPr lang="de-CH" baseline="0" dirty="0" err="1" smtClean="0"/>
+              <a:t>supprobertys</a:t>
+            </a:r>
+            <a:r>
+              <a:rPr lang="de-CH" baseline="0" dirty="0" smtClean="0"/>
+              <a:t>…)</a:t>
+            </a:r>
+          </a:p>
+          <a:p>
+            <a:r>
+              <a:rPr lang="de-CH" baseline="0" dirty="0" smtClean="0"/>
+              <a:t>Speicherung als RDF/XML in OWL Dateien</a:t>
             </a:r>
           </a:p>
           <a:p>
@@ -973,6 +1050,9 @@
               <a:rPr lang="de-CH" baseline="0" dirty="0" smtClean="0"/>
               <a:t>Mira</a:t>
             </a:r>
+            <a:endParaRPr lang="de-CH" dirty="0" smtClean="0"/>
+          </a:p>
+          <a:p>
             <a:endParaRPr lang="de-CH" dirty="0"/>
           </a:p>
         </p:txBody>
@@ -1003,7 +1083,7 @@
     </p:spTree>
     <p:extLst>
       <p:ext uri="{BB962C8B-B14F-4D97-AF65-F5344CB8AC3E}">
-        <p14:creationId xmlns:p14="http://schemas.microsoft.com/office/powerpoint/2010/main" val="3998500043"/>
+        <p14:creationId xmlns:p14="http://schemas.microsoft.com/office/powerpoint/2010/main" val="304994469"/>
       </p:ext>
     </p:extLst>
   </p:cSld>
@@ -1059,33 +1139,55 @@
           <a:p>
             <a:r>
               <a:rPr lang="de-CH" dirty="0" smtClean="0"/>
-              <a:t>Hier noch einen kurzen</a:t>
+              <a:t>Wie</a:t>
             </a:r>
             <a:r>
               <a:rPr lang="de-CH" baseline="0" dirty="0" smtClean="0"/>
-              <a:t> Blick auf einen </a:t>
+              <a:t> Herr Osterwalder bereits erwähnt hat, haben wir zur </a:t>
             </a:r>
             <a:r>
               <a:rPr lang="de-CH" baseline="0" dirty="0" err="1" smtClean="0"/>
-              <a:t>auschnitt</a:t>
+              <a:t>modelierung</a:t>
             </a:r>
             <a:r>
               <a:rPr lang="de-CH" baseline="0" dirty="0" smtClean="0"/>
-              <a:t> des </a:t>
+              <a:t> </a:t>
             </a:r>
             <a:r>
               <a:rPr lang="de-CH" baseline="0" dirty="0" err="1" smtClean="0"/>
-              <a:t>Netztes</a:t>
+              <a:t>Protege</a:t>
             </a:r>
             <a:r>
               <a:rPr lang="de-CH" baseline="0" dirty="0" smtClean="0"/>
-              <a:t>, wo man das vorherige Beispiel grad abgebildet sieht…</a:t>
-            </a:r>
-          </a:p>
-          <a:p>
-            <a:endParaRPr lang="de-CH" baseline="0" dirty="0" smtClean="0"/>
-          </a:p>
-          <a:p>
+              <a:t> verwendet. (</a:t>
+            </a:r>
+            <a:r>
+              <a:rPr lang="de-CH" baseline="0" dirty="0" err="1" smtClean="0"/>
+              <a:t>unpratkisch</a:t>
+            </a:r>
+            <a:r>
+              <a:rPr lang="de-CH" baseline="0" dirty="0" smtClean="0"/>
+              <a:t> </a:t>
+            </a:r>
+            <a:r>
+              <a:rPr lang="de-CH" baseline="0" dirty="0" err="1" smtClean="0"/>
+              <a:t>owl</a:t>
+            </a:r>
+            <a:r>
+              <a:rPr lang="de-CH" baseline="0" dirty="0" smtClean="0"/>
+              <a:t> zu schreiben). Auf diesem Bild seht Ihr ein Ausschnitt unsere Modellierung mit den Klassen und Subklassen, gewiesen (in diesem Fall ermittelten Individuen) und Einem Teil der </a:t>
+            </a:r>
+            <a:r>
+              <a:rPr lang="de-CH" baseline="0" dirty="0" err="1" smtClean="0"/>
+              <a:t>Propertys</a:t>
+            </a:r>
+            <a:endParaRPr lang="de-CH" dirty="0" smtClean="0"/>
+          </a:p>
+          <a:p>
+            <a:r>
+              <a:rPr lang="de-CH" dirty="0" smtClean="0"/>
+              <a:t>Mira</a:t>
+            </a:r>
             <a:endParaRPr lang="de-CH" dirty="0"/>
           </a:p>
         </p:txBody>
@@ -1116,7 +1218,7 @@
     </p:spTree>
     <p:extLst>
       <p:ext uri="{BB962C8B-B14F-4D97-AF65-F5344CB8AC3E}">
-        <p14:creationId xmlns:p14="http://schemas.microsoft.com/office/powerpoint/2010/main" val="859085191"/>
+        <p14:creationId xmlns:p14="http://schemas.microsoft.com/office/powerpoint/2010/main" val="482512553"/>
       </p:ext>
     </p:extLst>
   </p:cSld>
@@ -1172,7 +1274,51 @@
           <a:p>
             <a:r>
               <a:rPr lang="de-CH" dirty="0" smtClean="0"/>
-              <a:t>Sven</a:t>
+              <a:t>Wir die </a:t>
+            </a:r>
+            <a:r>
+              <a:rPr lang="de-CH" dirty="0" err="1" smtClean="0"/>
+              <a:t>Gestalltung</a:t>
+            </a:r>
+            <a:r>
+              <a:rPr lang="de-CH" dirty="0" smtClean="0"/>
+              <a:t> und die </a:t>
+            </a:r>
+            <a:r>
+              <a:rPr lang="de-CH" dirty="0" err="1" smtClean="0"/>
+              <a:t>Modellerung</a:t>
+            </a:r>
+            <a:r>
+              <a:rPr lang="de-CH" baseline="0" dirty="0" smtClean="0"/>
+              <a:t> war es für uns aber einfacher in semantischen netzten zu arbeiten. Oder besser gesagt einer </a:t>
+            </a:r>
+            <a:r>
+              <a:rPr lang="de-CH" baseline="0" dirty="0" err="1" smtClean="0"/>
+              <a:t>Abgewandeltetn</a:t>
+            </a:r>
+            <a:r>
+              <a:rPr lang="de-CH" baseline="0" dirty="0" smtClean="0"/>
+              <a:t> Form davon. Dies ist eine Graphische Darstellung von wissen</a:t>
+            </a:r>
+            <a:endParaRPr lang="de-CH" dirty="0" smtClean="0"/>
+          </a:p>
+          <a:p>
+            <a:r>
+              <a:rPr lang="de-CH" dirty="0" smtClean="0"/>
+              <a:t>Speicherung Ontologie</a:t>
+            </a:r>
+            <a:r>
+              <a:rPr lang="de-CH" baseline="0" dirty="0" smtClean="0"/>
+              <a:t> als semantisches Netz (bzw. so ähnlich)</a:t>
+            </a:r>
+          </a:p>
+          <a:p>
+            <a:endParaRPr lang="de-CH" baseline="0" dirty="0" smtClean="0"/>
+          </a:p>
+          <a:p>
+            <a:r>
+              <a:rPr lang="de-CH" baseline="0" dirty="0" smtClean="0"/>
+              <a:t>Mira</a:t>
             </a:r>
             <a:endParaRPr lang="de-CH" dirty="0"/>
           </a:p>
@@ -1204,7 +1350,7 @@
     </p:spTree>
     <p:extLst>
       <p:ext uri="{BB962C8B-B14F-4D97-AF65-F5344CB8AC3E}">
-        <p14:creationId xmlns:p14="http://schemas.microsoft.com/office/powerpoint/2010/main" val="2146561153"/>
+        <p14:creationId xmlns:p14="http://schemas.microsoft.com/office/powerpoint/2010/main" val="3998500043"/>
       </p:ext>
     </p:extLst>
   </p:cSld>
@@ -1258,7 +1404,36 @@
           <a:bodyPr/>
           <a:lstStyle/>
           <a:p>
-            <a:endParaRPr lang="de-CH"/>
+            <a:r>
+              <a:rPr lang="de-CH" dirty="0" smtClean="0"/>
+              <a:t>Hier noch einen kurzen</a:t>
+            </a:r>
+            <a:r>
+              <a:rPr lang="de-CH" baseline="0" dirty="0" smtClean="0"/>
+              <a:t> Blick auf einen </a:t>
+            </a:r>
+            <a:r>
+              <a:rPr lang="de-CH" baseline="0" dirty="0" err="1" smtClean="0"/>
+              <a:t>auschnitt</a:t>
+            </a:r>
+            <a:r>
+              <a:rPr lang="de-CH" baseline="0" dirty="0" smtClean="0"/>
+              <a:t> des </a:t>
+            </a:r>
+            <a:r>
+              <a:rPr lang="de-CH" baseline="0" dirty="0" err="1" smtClean="0"/>
+              <a:t>Netztes</a:t>
+            </a:r>
+            <a:r>
+              <a:rPr lang="de-CH" baseline="0" dirty="0" smtClean="0"/>
+              <a:t>, wo man das vorherige Beispiel grad abgebildet sieht…</a:t>
+            </a:r>
+          </a:p>
+          <a:p>
+            <a:endParaRPr lang="de-CH" baseline="0" dirty="0" smtClean="0"/>
+          </a:p>
+          <a:p>
+            <a:endParaRPr lang="de-CH" dirty="0"/>
           </a:p>
         </p:txBody>
       </p:sp>
@@ -1288,7 +1463,7 @@
     </p:spTree>
     <p:extLst>
       <p:ext uri="{BB962C8B-B14F-4D97-AF65-F5344CB8AC3E}">
-        <p14:creationId xmlns:p14="http://schemas.microsoft.com/office/powerpoint/2010/main" val="1232363155"/>
+        <p14:creationId xmlns:p14="http://schemas.microsoft.com/office/powerpoint/2010/main" val="859085191"/>
       </p:ext>
     </p:extLst>
   </p:cSld>
@@ -1344,34 +1519,8 @@
           <a:p>
             <a:r>
               <a:rPr lang="de-CH" dirty="0" smtClean="0"/>
-              <a:t>Beschränkt Intelligent: nur mit</a:t>
-            </a:r>
-            <a:r>
-              <a:rPr lang="de-CH" baseline="0" dirty="0" smtClean="0"/>
-              <a:t> unseren Regeln  intelligent; Nur simple Inferenz vorgegeben</a:t>
-            </a:r>
-            <a:endParaRPr lang="de-CH" dirty="0" smtClean="0"/>
-          </a:p>
-          <a:p>
-            <a:r>
-              <a:rPr lang="de-CH" dirty="0" smtClean="0"/>
-              <a:t>Werkzeuge:</a:t>
-            </a:r>
-            <a:r>
-              <a:rPr lang="de-CH" baseline="0" dirty="0" smtClean="0"/>
-              <a:t> Fehler/ </a:t>
-            </a:r>
-            <a:r>
-              <a:rPr lang="de-CH" baseline="0" dirty="0" err="1" smtClean="0"/>
-              <a:t>Bastlig</a:t>
-            </a:r>
-            <a:r>
-              <a:rPr lang="de-CH" baseline="0" dirty="0" smtClean="0"/>
-              <a:t>  -&gt; nur mit Kombination von zwei Werkzeugen nutzbar</a:t>
-            </a:r>
-            <a:endParaRPr lang="de-CH" dirty="0" smtClean="0"/>
-          </a:p>
-          <a:p>
+              <a:t>Sven</a:t>
+            </a:r>
             <a:endParaRPr lang="de-CH" dirty="0"/>
           </a:p>
         </p:txBody>
@@ -1402,7 +1551,7 @@
     </p:spTree>
     <p:extLst>
       <p:ext uri="{BB962C8B-B14F-4D97-AF65-F5344CB8AC3E}">
-        <p14:creationId xmlns:p14="http://schemas.microsoft.com/office/powerpoint/2010/main" val="194382555"/>
+        <p14:creationId xmlns:p14="http://schemas.microsoft.com/office/powerpoint/2010/main" val="2146561153"/>
       </p:ext>
     </p:extLst>
   </p:cSld>
@@ -1456,7 +1605,7 @@
           <a:bodyPr/>
           <a:lstStyle/>
           <a:p>
-            <a:endParaRPr lang="de-CH" dirty="0"/>
+            <a:endParaRPr lang="de-CH"/>
           </a:p>
         </p:txBody>
       </p:sp>
@@ -1478,6 +1627,241 @@
             <a:fld id="{37E44704-8E6D-4CF2-8CFA-A0F7BC751896}" type="slidenum">
               <a:rPr lang="de-CH" smtClean="0"/>
               <a:t>15</a:t>
+            </a:fld>
+            <a:endParaRPr lang="de-CH"/>
+          </a:p>
+        </p:txBody>
+      </p:sp>
+    </p:spTree>
+    <p:extLst>
+      <p:ext uri="{BB962C8B-B14F-4D97-AF65-F5344CB8AC3E}">
+        <p14:creationId xmlns:p14="http://schemas.microsoft.com/office/powerpoint/2010/main" val="1232363155"/>
+      </p:ext>
+    </p:extLst>
+  </p:cSld>
+  <p:clrMapOvr>
+    <a:masterClrMapping/>
+  </p:clrMapOvr>
+</p:notes>
+</file>
+
+<file path=ppt/notesSlides/notesSlide16.xml><?xml version="1.0" encoding="utf-8"?>
+<p:notes xmlns:a="http://schemas.openxmlformats.org/drawingml/2006/main" xmlns:r="http://schemas.openxmlformats.org/officeDocument/2006/relationships" xmlns:p="http://schemas.openxmlformats.org/presentationml/2006/main">
+  <p:cSld>
+    <p:spTree>
+      <p:nvGrpSpPr>
+        <p:cNvPr id="1" name=""/>
+        <p:cNvGrpSpPr/>
+        <p:nvPr/>
+      </p:nvGrpSpPr>
+      <p:grpSpPr>
+        <a:xfrm>
+          <a:off x="0" y="0"/>
+          <a:ext cx="0" cy="0"/>
+          <a:chOff x="0" y="0"/>
+          <a:chExt cx="0" cy="0"/>
+        </a:xfrm>
+      </p:grpSpPr>
+      <p:sp>
+        <p:nvSpPr>
+          <p:cNvPr id="2" name="Folienbildplatzhalter 1"/>
+          <p:cNvSpPr>
+            <a:spLocks noGrp="1" noRot="1" noChangeAspect="1"/>
+          </p:cNvSpPr>
+          <p:nvPr>
+            <p:ph type="sldImg"/>
+          </p:nvPr>
+        </p:nvSpPr>
+        <p:spPr/>
+      </p:sp>
+      <p:sp>
+        <p:nvSpPr>
+          <p:cNvPr id="3" name="Notizenplatzhalter 2"/>
+          <p:cNvSpPr>
+            <a:spLocks noGrp="1"/>
+          </p:cNvSpPr>
+          <p:nvPr>
+            <p:ph type="body" idx="1"/>
+          </p:nvPr>
+        </p:nvSpPr>
+        <p:spPr/>
+        <p:txBody>
+          <a:bodyPr/>
+          <a:lstStyle/>
+          <a:p>
+            <a:r>
+              <a:rPr lang="de-CH" dirty="0" smtClean="0"/>
+              <a:t>Beschränkt Intelligent: nur mit</a:t>
+            </a:r>
+            <a:r>
+              <a:rPr lang="de-CH" baseline="0" dirty="0" smtClean="0"/>
+              <a:t> unseren Regeln  intelligent; Nur simple Inferenz vorgegeben</a:t>
+            </a:r>
+            <a:endParaRPr lang="de-CH" dirty="0" smtClean="0"/>
+          </a:p>
+          <a:p>
+            <a:r>
+              <a:rPr lang="de-CH" dirty="0" smtClean="0"/>
+              <a:t>Werkzeuge:</a:t>
+            </a:r>
+            <a:r>
+              <a:rPr lang="de-CH" baseline="0" dirty="0" smtClean="0"/>
+              <a:t> Fehler/ </a:t>
+            </a:r>
+            <a:r>
+              <a:rPr lang="de-CH" baseline="0" dirty="0" err="1" smtClean="0"/>
+              <a:t>Bastlig</a:t>
+            </a:r>
+            <a:r>
+              <a:rPr lang="de-CH" baseline="0" dirty="0" smtClean="0"/>
+              <a:t>  -&gt; nur mit Kombination von zwei Werkzeugen nutzbar</a:t>
+            </a:r>
+            <a:endParaRPr lang="de-CH" dirty="0" smtClean="0"/>
+          </a:p>
+          <a:p>
+            <a:endParaRPr lang="de-CH" dirty="0" smtClean="0"/>
+          </a:p>
+          <a:p>
+            <a:r>
+              <a:rPr lang="de-CH" dirty="0" smtClean="0"/>
+              <a:t>SVEN</a:t>
+            </a:r>
+          </a:p>
+          <a:p>
+            <a:endParaRPr lang="de-CH" dirty="0" smtClean="0"/>
+          </a:p>
+          <a:p>
+            <a:r>
+              <a:rPr lang="de-CH" dirty="0" smtClean="0"/>
+              <a:t>-&gt; Fazit über unsere Arbeit ist auch noch wichtig.</a:t>
+            </a:r>
+          </a:p>
+          <a:p>
+            <a:endParaRPr lang="de-CH" dirty="0" smtClean="0"/>
+          </a:p>
+          <a:p>
+            <a:r>
+              <a:rPr lang="de-CH" dirty="0" smtClean="0"/>
+              <a:t>Was haben wir</a:t>
+            </a:r>
+            <a:r>
+              <a:rPr lang="de-CH" baseline="0" dirty="0" smtClean="0"/>
+              <a:t> für </a:t>
+            </a:r>
+            <a:r>
+              <a:rPr lang="de-CH" baseline="0" dirty="0" err="1" smtClean="0"/>
+              <a:t>erfahrungen</a:t>
+            </a:r>
+            <a:r>
+              <a:rPr lang="de-CH" baseline="0" dirty="0" smtClean="0"/>
+              <a:t> gemacht oder so</a:t>
+            </a:r>
+            <a:endParaRPr lang="de-CH" dirty="0"/>
+          </a:p>
+        </p:txBody>
+      </p:sp>
+      <p:sp>
+        <p:nvSpPr>
+          <p:cNvPr id="4" name="Foliennummernplatzhalter 3"/>
+          <p:cNvSpPr>
+            <a:spLocks noGrp="1"/>
+          </p:cNvSpPr>
+          <p:nvPr>
+            <p:ph type="sldNum" sz="quarter" idx="10"/>
+          </p:nvPr>
+        </p:nvSpPr>
+        <p:spPr/>
+        <p:txBody>
+          <a:bodyPr/>
+          <a:lstStyle/>
+          <a:p>
+            <a:fld id="{37E44704-8E6D-4CF2-8CFA-A0F7BC751896}" type="slidenum">
+              <a:rPr lang="de-CH" smtClean="0"/>
+              <a:t>16</a:t>
+            </a:fld>
+            <a:endParaRPr lang="de-CH"/>
+          </a:p>
+        </p:txBody>
+      </p:sp>
+    </p:spTree>
+    <p:extLst>
+      <p:ext uri="{BB962C8B-B14F-4D97-AF65-F5344CB8AC3E}">
+        <p14:creationId xmlns:p14="http://schemas.microsoft.com/office/powerpoint/2010/main" val="194382555"/>
+      </p:ext>
+    </p:extLst>
+  </p:cSld>
+  <p:clrMapOvr>
+    <a:masterClrMapping/>
+  </p:clrMapOvr>
+</p:notes>
+</file>
+
+<file path=ppt/notesSlides/notesSlide17.xml><?xml version="1.0" encoding="utf-8"?>
+<p:notes xmlns:a="http://schemas.openxmlformats.org/drawingml/2006/main" xmlns:r="http://schemas.openxmlformats.org/officeDocument/2006/relationships" xmlns:p="http://schemas.openxmlformats.org/presentationml/2006/main">
+  <p:cSld>
+    <p:spTree>
+      <p:nvGrpSpPr>
+        <p:cNvPr id="1" name=""/>
+        <p:cNvGrpSpPr/>
+        <p:nvPr/>
+      </p:nvGrpSpPr>
+      <p:grpSpPr>
+        <a:xfrm>
+          <a:off x="0" y="0"/>
+          <a:ext cx="0" cy="0"/>
+          <a:chOff x="0" y="0"/>
+          <a:chExt cx="0" cy="0"/>
+        </a:xfrm>
+      </p:grpSpPr>
+      <p:sp>
+        <p:nvSpPr>
+          <p:cNvPr id="2" name="Folienbildplatzhalter 1"/>
+          <p:cNvSpPr>
+            <a:spLocks noGrp="1" noRot="1" noChangeAspect="1"/>
+          </p:cNvSpPr>
+          <p:nvPr>
+            <p:ph type="sldImg"/>
+          </p:nvPr>
+        </p:nvSpPr>
+        <p:spPr/>
+      </p:sp>
+      <p:sp>
+        <p:nvSpPr>
+          <p:cNvPr id="3" name="Notizenplatzhalter 2"/>
+          <p:cNvSpPr>
+            <a:spLocks noGrp="1"/>
+          </p:cNvSpPr>
+          <p:nvPr>
+            <p:ph type="body" idx="1"/>
+          </p:nvPr>
+        </p:nvSpPr>
+        <p:spPr/>
+        <p:txBody>
+          <a:bodyPr/>
+          <a:lstStyle/>
+          <a:p>
+            <a:endParaRPr lang="de-CH" dirty="0"/>
+          </a:p>
+        </p:txBody>
+      </p:sp>
+      <p:sp>
+        <p:nvSpPr>
+          <p:cNvPr id="4" name="Foliennummernplatzhalter 3"/>
+          <p:cNvSpPr>
+            <a:spLocks noGrp="1"/>
+          </p:cNvSpPr>
+          <p:nvPr>
+            <p:ph type="sldNum" sz="quarter" idx="10"/>
+          </p:nvPr>
+        </p:nvSpPr>
+        <p:spPr/>
+        <p:txBody>
+          <a:bodyPr/>
+          <a:lstStyle/>
+          <a:p>
+            <a:fld id="{37E44704-8E6D-4CF2-8CFA-A0F7BC751896}" type="slidenum">
+              <a:rPr lang="de-CH" smtClean="0"/>
+              <a:t>17</a:t>
             </a:fld>
             <a:endParaRPr lang="de-CH"/>
           </a:p>
@@ -2148,64 +2532,7 @@
           <a:bodyPr/>
           <a:lstStyle/>
           <a:p>
-            <a:r>
-              <a:rPr lang="de-CH" dirty="0"/>
-              <a:t>In dieser Bachelorthesis soll eine solche semantische Datenbank aufgebaut und angewendet werden. Die Arbeit</a:t>
-            </a:r>
-          </a:p>
-          <a:p>
-            <a:r>
-              <a:rPr lang="de-CH" dirty="0"/>
-              <a:t>wurde in zwei Teilen umgesetzt: Einem theoretischen und einem praktischen Teil. Der theoretische Teil zeigt</a:t>
-            </a:r>
-          </a:p>
-          <a:p>
-            <a:r>
-              <a:rPr lang="de-CH" dirty="0"/>
-              <a:t>in Form eines Tutorials auf, wie ein </a:t>
-            </a:r>
-            <a:r>
-              <a:rPr lang="de-CH" dirty="0" err="1"/>
-              <a:t>knowledge</a:t>
-            </a:r>
-            <a:r>
-              <a:rPr lang="de-CH" dirty="0"/>
-              <a:t> </a:t>
-            </a:r>
-            <a:r>
-              <a:rPr lang="de-CH" dirty="0" err="1"/>
-              <a:t>engineer</a:t>
-            </a:r>
-            <a:r>
-              <a:rPr lang="de-CH" dirty="0"/>
-              <a:t> bei der Wissensmodellierung vorgehen kann. Er nutzt dabei</a:t>
-            </a:r>
-          </a:p>
-          <a:p>
-            <a:r>
-              <a:rPr lang="de-CH" dirty="0" err="1"/>
-              <a:t>Ontologien</a:t>
-            </a:r>
-            <a:r>
-              <a:rPr lang="de-CH" dirty="0"/>
-              <a:t> als Basis, um eine semantische Datenbank aufzubauen. Im praktischen Teil soll eine solche Ontologie</a:t>
-            </a:r>
-          </a:p>
-          <a:p>
-            <a:r>
-              <a:rPr lang="de-CH" dirty="0"/>
-              <a:t>aufgebaut und per Benutzerschnittstelle zugänglich gemacht werden.</a:t>
-            </a:r>
-          </a:p>
-          <a:p>
-            <a:r>
-              <a:rPr lang="de-CH" dirty="0" smtClean="0"/>
-              <a:t>Mira</a:t>
-            </a:r>
-            <a:endParaRPr lang="de-CH" dirty="0" smtClean="0"/>
-          </a:p>
-          <a:p>
-            <a:endParaRPr lang="de-CH" dirty="0"/>
+            <a:endParaRPr lang="de-CH"/>
           </a:p>
         </p:txBody>
       </p:sp>
@@ -2235,7 +2562,7 @@
     </p:spTree>
     <p:extLst>
       <p:ext uri="{BB962C8B-B14F-4D97-AF65-F5344CB8AC3E}">
-        <p14:creationId xmlns:p14="http://schemas.microsoft.com/office/powerpoint/2010/main" val="300894014"/>
+        <p14:creationId xmlns:p14="http://schemas.microsoft.com/office/powerpoint/2010/main" val="21277299"/>
       </p:ext>
     </p:extLst>
   </p:cSld>
@@ -2289,148 +2616,7 @@
           <a:bodyPr/>
           <a:lstStyle/>
           <a:p>
-            <a:r>
-              <a:rPr lang="de-CH" dirty="0" smtClean="0"/>
-              <a:t>Wie vorhin erwähnt, haben wir uns entschieden die theoretischen Grundlagen, welche wir erarbeiten mussten so abzubilden</a:t>
-            </a:r>
-            <a:r>
-              <a:rPr lang="de-CH" baseline="0" dirty="0" smtClean="0"/>
-              <a:t> (</a:t>
-            </a:r>
-            <a:r>
-              <a:rPr lang="de-CH" baseline="0" dirty="0" err="1" smtClean="0"/>
-              <a:t>niderzuschreiben</a:t>
-            </a:r>
-            <a:r>
-              <a:rPr lang="de-CH" baseline="0" dirty="0" smtClean="0"/>
-              <a:t>) das sie auch für andere gut nutzbar sind. Aus diesem Grund haben wir uns für ein Dokument mit </a:t>
-            </a:r>
-            <a:r>
-              <a:rPr lang="de-CH" baseline="0" dirty="0" err="1" smtClean="0"/>
-              <a:t>Tutorialcharakter</a:t>
-            </a:r>
-            <a:r>
-              <a:rPr lang="de-CH" baseline="0" dirty="0" smtClean="0"/>
-              <a:t> entschieden. Im Tutorial zeigen wir auf wie wir eine Problemdomäne systematisch modellieren und formalisieren um eine Ontologie zu erhalten, welche danach in Form einer semantischen Datenbank abgespeichert wird.</a:t>
-            </a:r>
-          </a:p>
-          <a:p>
-            <a:r>
-              <a:rPr lang="de-CH" baseline="0" dirty="0" smtClean="0"/>
-              <a:t>Dabei war der Schwierigste Teil, die </a:t>
-            </a:r>
-            <a:r>
-              <a:rPr lang="de-CH" baseline="0" dirty="0" err="1" smtClean="0"/>
-              <a:t>überlegung</a:t>
-            </a:r>
-            <a:r>
-              <a:rPr lang="de-CH" baseline="0" dirty="0" smtClean="0"/>
-              <a:t> wie wir den Aufbau vornehmen wollen. Ihr kennt sicher alle Tutorials, und wisst das dort das theoretische Hintergrundwissen eher spärliche vorhanden ist. Der Benutzer eines Tutorials will ja nur wissen, wie er vorgehen muss um sein Ziel zu erreichen.  Da dies aber kein normales Tutorial ist, sondern in erster Linie eine Bachelor-Thesis betrachten wir die Wissensmodellierung aus drei </a:t>
-            </a:r>
-            <a:r>
-              <a:rPr lang="de-CH" baseline="0" dirty="0" err="1" smtClean="0"/>
-              <a:t>Aspketen</a:t>
-            </a:r>
-            <a:r>
-              <a:rPr lang="de-CH" baseline="0" dirty="0" smtClean="0"/>
-              <a:t>. </a:t>
-            </a:r>
-          </a:p>
-          <a:p>
-            <a:r>
-              <a:rPr lang="de-CH" baseline="0" dirty="0" err="1" smtClean="0"/>
-              <a:t>Einerseitz</a:t>
-            </a:r>
-            <a:r>
-              <a:rPr lang="de-CH" baseline="0" dirty="0" smtClean="0"/>
-              <a:t> erhalt der Benutzer fundamentales </a:t>
-            </a:r>
-            <a:r>
-              <a:rPr lang="de-CH" baseline="0" dirty="0" err="1" smtClean="0"/>
-              <a:t>Hintegrundwissen</a:t>
-            </a:r>
-            <a:r>
-              <a:rPr lang="de-CH" baseline="0" dirty="0" smtClean="0"/>
-              <a:t> (welches aber für die </a:t>
-            </a:r>
-            <a:r>
-              <a:rPr lang="de-CH" baseline="0" dirty="0" err="1" smtClean="0"/>
-              <a:t>Umsetztung</a:t>
-            </a:r>
-            <a:r>
-              <a:rPr lang="de-CH" baseline="0" dirty="0" smtClean="0"/>
-              <a:t> nur bedingt </a:t>
-            </a:r>
-            <a:r>
-              <a:rPr lang="de-CH" baseline="0" dirty="0" err="1" smtClean="0"/>
-              <a:t>notwändigt</a:t>
-            </a:r>
-            <a:r>
-              <a:rPr lang="de-CH" baseline="0" dirty="0" smtClean="0"/>
-              <a:t> ist)</a:t>
-            </a:r>
-          </a:p>
-          <a:p>
-            <a:r>
-              <a:rPr lang="de-CH" baseline="0" dirty="0" smtClean="0"/>
-              <a:t>Anderseits </a:t>
-            </a:r>
-            <a:r>
-              <a:rPr lang="de-CH" baseline="0" dirty="0" err="1" smtClean="0"/>
-              <a:t>erklärhen</a:t>
-            </a:r>
-            <a:r>
-              <a:rPr lang="de-CH" baseline="0" dirty="0" smtClean="0"/>
-              <a:t> wir anhand eines praktischen Beispiels das konkret vorgehen. Dem </a:t>
-            </a:r>
-            <a:r>
-              <a:rPr lang="de-CH" baseline="0" dirty="0" err="1" smtClean="0"/>
-              <a:t>benutzer</a:t>
-            </a:r>
-            <a:r>
-              <a:rPr lang="de-CH" baseline="0" dirty="0" smtClean="0"/>
-              <a:t> ist es also möglich, diesem speziell </a:t>
-            </a:r>
-            <a:r>
-              <a:rPr lang="de-CH" baseline="0" dirty="0" err="1" smtClean="0"/>
-              <a:t>gekenzeichneten</a:t>
-            </a:r>
-            <a:r>
-              <a:rPr lang="de-CH" baseline="0" dirty="0" smtClean="0"/>
-              <a:t> Teil zu folgen, und ist so fähig eine semantische Datenbank aufzubauen und zu nutzen. Als dritten </a:t>
-            </a:r>
-            <a:r>
-              <a:rPr lang="de-CH" baseline="0" dirty="0" err="1" smtClean="0"/>
-              <a:t>aspekt</a:t>
-            </a:r>
-            <a:r>
-              <a:rPr lang="de-CH" baseline="0" dirty="0" smtClean="0"/>
-              <a:t> haben wir uns entschieden unsere praktischen Erfahrungen in Form von </a:t>
-            </a:r>
-            <a:r>
-              <a:rPr lang="de-CH" baseline="0" dirty="0" err="1" smtClean="0"/>
-              <a:t>Tips</a:t>
-            </a:r>
-            <a:r>
-              <a:rPr lang="de-CH" baseline="0" dirty="0" smtClean="0"/>
-              <a:t> </a:t>
-            </a:r>
-            <a:r>
-              <a:rPr lang="de-CH" baseline="0" dirty="0" err="1" smtClean="0"/>
-              <a:t>einfliesen</a:t>
-            </a:r>
-            <a:r>
-              <a:rPr lang="de-CH" baseline="0" dirty="0" smtClean="0"/>
-              <a:t> zu lassen.</a:t>
-            </a:r>
-            <a:endParaRPr lang="de-CH" dirty="0" smtClean="0"/>
-          </a:p>
-          <a:p>
-            <a:r>
-              <a:rPr lang="de-CH" dirty="0" smtClean="0"/>
-              <a:t>Mira</a:t>
-            </a:r>
-            <a:endParaRPr lang="de-CH" dirty="0"/>
+            <a:endParaRPr lang="de-CH"/>
           </a:p>
         </p:txBody>
       </p:sp>
@@ -2460,7 +2646,7 @@
     </p:spTree>
     <p:extLst>
       <p:ext uri="{BB962C8B-B14F-4D97-AF65-F5344CB8AC3E}">
-        <p14:creationId xmlns:p14="http://schemas.microsoft.com/office/powerpoint/2010/main" val="2781595221"/>
+        <p14:creationId xmlns:p14="http://schemas.microsoft.com/office/powerpoint/2010/main" val="3727243957"/>
       </p:ext>
     </p:extLst>
   </p:cSld>
@@ -2515,270 +2701,59 @@
           <a:lstStyle/>
           <a:p>
             <a:r>
+              <a:rPr lang="de-CH" dirty="0"/>
+              <a:t>In dieser Bachelorthesis soll eine solche semantische Datenbank aufgebaut und angewendet werden. Die Arbeit</a:t>
+            </a:r>
+          </a:p>
+          <a:p>
+            <a:r>
+              <a:rPr lang="de-CH" dirty="0"/>
+              <a:t>wurde in zwei Teilen umgesetzt: Einem theoretischen und einem praktischen Teil. Der theoretische Teil zeigt</a:t>
+            </a:r>
+          </a:p>
+          <a:p>
+            <a:r>
+              <a:rPr lang="de-CH" dirty="0"/>
+              <a:t>in Form eines Tutorials auf, wie ein </a:t>
+            </a:r>
+            <a:r>
+              <a:rPr lang="de-CH" dirty="0" err="1"/>
+              <a:t>knowledge</a:t>
+            </a:r>
+            <a:r>
+              <a:rPr lang="de-CH" dirty="0"/>
+              <a:t> </a:t>
+            </a:r>
+            <a:r>
+              <a:rPr lang="de-CH" dirty="0" err="1"/>
+              <a:t>engineer</a:t>
+            </a:r>
+            <a:r>
+              <a:rPr lang="de-CH" dirty="0"/>
+              <a:t> bei der Wissensmodellierung vorgehen kann. Er nutzt dabei</a:t>
+            </a:r>
+          </a:p>
+          <a:p>
+            <a:r>
+              <a:rPr lang="de-CH" dirty="0" err="1"/>
+              <a:t>Ontologien</a:t>
+            </a:r>
+            <a:r>
+              <a:rPr lang="de-CH" dirty="0"/>
+              <a:t> als Basis, um eine semantische Datenbank aufzubauen. Im praktischen Teil soll eine solche Ontologie</a:t>
+            </a:r>
+          </a:p>
+          <a:p>
+            <a:r>
+              <a:rPr lang="de-CH" dirty="0"/>
+              <a:t>aufgebaut und per Benutzerschnittstelle zugänglich gemacht werden.</a:t>
+            </a:r>
+          </a:p>
+          <a:p>
+            <a:r>
               <a:rPr lang="de-CH" dirty="0" smtClean="0"/>
-              <a:t>Wie Herr</a:t>
-            </a:r>
-            <a:r>
-              <a:rPr lang="de-CH" baseline="0" dirty="0" smtClean="0"/>
-              <a:t> Osterwalder bereits erwähnt hat, werden semantischen Datenbanken auf der Basis von </a:t>
-            </a:r>
-            <a:r>
-              <a:rPr lang="de-CH" baseline="0" dirty="0" err="1" smtClean="0"/>
-              <a:t>Ontolgoien</a:t>
-            </a:r>
-            <a:r>
-              <a:rPr lang="de-CH" baseline="0" dirty="0" smtClean="0"/>
-              <a:t> erstellt. Eine Ontologie beschreibt </a:t>
-            </a:r>
-            <a:r>
-              <a:rPr lang="de-CH" baseline="0" dirty="0" err="1" smtClean="0"/>
-              <a:t>sachwissen</a:t>
-            </a:r>
-            <a:r>
-              <a:rPr lang="de-CH" baseline="0" dirty="0" smtClean="0"/>
-              <a:t> einer </a:t>
-            </a:r>
-            <a:r>
-              <a:rPr lang="de-CH" baseline="0" dirty="0" err="1" smtClean="0"/>
-              <a:t>Probelemdomäne</a:t>
-            </a:r>
-            <a:r>
-              <a:rPr lang="de-CH" baseline="0" dirty="0" smtClean="0"/>
-              <a:t>, also eines klar definierten Ausschnitt der Welt. </a:t>
-            </a:r>
-          </a:p>
-          <a:p>
-            <a:r>
-              <a:rPr lang="de-CH" baseline="0" dirty="0" smtClean="0"/>
-              <a:t>Beim wählen der Problemdomäne sind wir schon auf die ersten </a:t>
-            </a:r>
-            <a:r>
-              <a:rPr lang="de-CH" baseline="0" dirty="0" err="1" smtClean="0"/>
-              <a:t>Schweierigkeiten</a:t>
-            </a:r>
-            <a:r>
-              <a:rPr lang="de-CH" baseline="0" dirty="0" smtClean="0"/>
-              <a:t> gestossen. Unsere </a:t>
-            </a:r>
-            <a:r>
-              <a:rPr lang="de-CH" baseline="0" dirty="0" err="1" smtClean="0"/>
-              <a:t>Ursprünliche</a:t>
-            </a:r>
-            <a:r>
-              <a:rPr lang="de-CH" baseline="0" dirty="0" smtClean="0"/>
-              <a:t> Gewählte Domäne, «das Erlernen der Programmierung am Beispiel von Prolog» hat uns vor grosse Probleme gestellt. Während der Modellierung haben wir es nicht </a:t>
-            </a:r>
-            <a:r>
-              <a:rPr lang="de-CH" baseline="0" dirty="0" err="1" smtClean="0"/>
-              <a:t>geschaften</a:t>
-            </a:r>
-            <a:r>
-              <a:rPr lang="de-CH" baseline="0" dirty="0" smtClean="0"/>
-              <a:t>, den erwarteten Mehrwert von der </a:t>
-            </a:r>
-            <a:r>
-              <a:rPr lang="de-CH" baseline="0" dirty="0" err="1" smtClean="0"/>
-              <a:t>Wissensmodelleriung</a:t>
-            </a:r>
-            <a:r>
-              <a:rPr lang="de-CH" baseline="0" dirty="0" smtClean="0"/>
-              <a:t> mittels </a:t>
-            </a:r>
-            <a:r>
-              <a:rPr lang="de-CH" baseline="0" dirty="0" err="1" smtClean="0"/>
-              <a:t>Ontologien</a:t>
-            </a:r>
-            <a:r>
-              <a:rPr lang="de-CH" baseline="0" dirty="0" smtClean="0"/>
-              <a:t> zu </a:t>
-            </a:r>
-            <a:r>
-              <a:rPr lang="de-CH" baseline="0" dirty="0" err="1" smtClean="0"/>
-              <a:t>generien</a:t>
-            </a:r>
-            <a:r>
-              <a:rPr lang="de-CH" baseline="0" dirty="0" smtClean="0"/>
-              <a:t>. Nach vielen gescheiterten Versuchen wurde uns bewusst, dass es wichtig ist eine </a:t>
-            </a:r>
-            <a:r>
-              <a:rPr lang="de-CH" baseline="0" dirty="0" err="1" smtClean="0"/>
-              <a:t>Domäen</a:t>
-            </a:r>
-            <a:r>
-              <a:rPr lang="de-CH" baseline="0" dirty="0" smtClean="0"/>
-              <a:t> zu wählen ,welche </a:t>
-            </a:r>
-            <a:r>
-              <a:rPr lang="de-CH" baseline="0" dirty="0" err="1" smtClean="0"/>
-              <a:t>schlussfolgerungen</a:t>
-            </a:r>
-            <a:r>
-              <a:rPr lang="de-CH" baseline="0" dirty="0" smtClean="0"/>
-              <a:t> mittels Inferenz erlaubt. Da dies ja ein wichtiger Teil ist um wissen mit </a:t>
-            </a:r>
-            <a:r>
-              <a:rPr lang="de-CH" baseline="0" dirty="0" err="1" smtClean="0"/>
-              <a:t>semantik</a:t>
-            </a:r>
-            <a:r>
-              <a:rPr lang="de-CH" baseline="0" dirty="0" smtClean="0"/>
-              <a:t> (also Bedeutung) zu versehen. Die </a:t>
-            </a:r>
-            <a:r>
-              <a:rPr lang="de-CH" baseline="0" dirty="0" err="1" smtClean="0"/>
-              <a:t>Ursprünlich</a:t>
-            </a:r>
-            <a:r>
-              <a:rPr lang="de-CH" baseline="0" dirty="0" smtClean="0"/>
-              <a:t> gewählte Problemdomäne hatten wir auf einer zu hohen Abstraktionsebene angesetzt.</a:t>
-            </a:r>
-          </a:p>
-          <a:p>
-            <a:endParaRPr lang="de-CH" baseline="0" dirty="0" smtClean="0"/>
-          </a:p>
-          <a:p>
-            <a:r>
-              <a:rPr lang="de-CH" baseline="0" dirty="0" smtClean="0"/>
-              <a:t>-&gt; </a:t>
-            </a:r>
-            <a:r>
-              <a:rPr lang="de-CH" baseline="0" dirty="0" err="1" smtClean="0"/>
-              <a:t>Ontologien</a:t>
-            </a:r>
-            <a:r>
-              <a:rPr lang="de-CH" baseline="0" dirty="0" smtClean="0"/>
-              <a:t> und Expertensysteme machen überall dort sin, wo ein Experte benötigt wird um das wissen zu Interpretieren. So </a:t>
-            </a:r>
-            <a:r>
-              <a:rPr lang="de-CH" baseline="0" dirty="0" err="1" smtClean="0"/>
-              <a:t>kammen</a:t>
-            </a:r>
-            <a:r>
-              <a:rPr lang="de-CH" baseline="0" dirty="0" smtClean="0"/>
-              <a:t> wir auf die </a:t>
-            </a:r>
-            <a:r>
-              <a:rPr lang="de-CH" baseline="0" dirty="0" err="1" smtClean="0"/>
-              <a:t>idee</a:t>
-            </a:r>
-            <a:r>
-              <a:rPr lang="de-CH" baseline="0" dirty="0" smtClean="0"/>
-              <a:t> der </a:t>
-            </a:r>
-            <a:r>
-              <a:rPr lang="de-CH" baseline="0" dirty="0" err="1" smtClean="0"/>
-              <a:t>Domäen</a:t>
-            </a:r>
-            <a:r>
-              <a:rPr lang="de-CH" baseline="0" dirty="0" smtClean="0"/>
-              <a:t> der Reiseplanung</a:t>
-            </a:r>
-          </a:p>
-          <a:p>
-            <a:endParaRPr lang="de-CH" baseline="0" dirty="0" smtClean="0"/>
-          </a:p>
-          <a:p>
-            <a:r>
-              <a:rPr lang="de-CH" baseline="0" dirty="0" smtClean="0"/>
-              <a:t>Sven (oh sorry, jetzt </a:t>
-            </a:r>
-            <a:r>
-              <a:rPr lang="de-CH" baseline="0" dirty="0" err="1" smtClean="0"/>
-              <a:t>hani</a:t>
-            </a:r>
-            <a:r>
-              <a:rPr lang="de-CH" baseline="0" dirty="0" smtClean="0"/>
-              <a:t> das alles </a:t>
-            </a:r>
-            <a:r>
-              <a:rPr lang="de-CH" baseline="0" dirty="0" err="1" smtClean="0"/>
-              <a:t>ufgschriebe</a:t>
-            </a:r>
-            <a:r>
-              <a:rPr lang="de-CH" baseline="0" dirty="0" smtClean="0"/>
-              <a:t> und den </a:t>
-            </a:r>
-            <a:r>
-              <a:rPr lang="de-CH" baseline="0" dirty="0" err="1" smtClean="0"/>
-              <a:t>gseh</a:t>
-            </a:r>
-            <a:r>
-              <a:rPr lang="de-CH" baseline="0" dirty="0" smtClean="0"/>
-              <a:t>, dass das </a:t>
-            </a:r>
-            <a:r>
-              <a:rPr lang="de-CH" baseline="0" dirty="0" err="1" smtClean="0"/>
-              <a:t>eigendli</a:t>
-            </a:r>
-            <a:r>
-              <a:rPr lang="de-CH" baseline="0" dirty="0" smtClean="0"/>
-              <a:t> </a:t>
-            </a:r>
-            <a:r>
-              <a:rPr lang="de-CH" baseline="0" dirty="0" err="1" smtClean="0"/>
-              <a:t>dini</a:t>
-            </a:r>
-            <a:r>
-              <a:rPr lang="de-CH" baseline="0" dirty="0" smtClean="0"/>
-              <a:t> Folie </a:t>
-            </a:r>
-            <a:r>
-              <a:rPr lang="de-CH" baseline="0" dirty="0" err="1" smtClean="0"/>
-              <a:t>isch</a:t>
-            </a:r>
-            <a:r>
-              <a:rPr lang="de-CH" baseline="0" dirty="0" smtClean="0"/>
-              <a:t>!  ;-) ) i los jetzt </a:t>
-            </a:r>
-            <a:r>
-              <a:rPr lang="de-CH" baseline="0" dirty="0" err="1" smtClean="0"/>
-              <a:t>dine</a:t>
-            </a:r>
-            <a:r>
-              <a:rPr lang="de-CH" baseline="0" dirty="0" smtClean="0"/>
-              <a:t>, </a:t>
-            </a:r>
-            <a:r>
-              <a:rPr lang="de-CH" baseline="0" dirty="0" err="1" smtClean="0"/>
-              <a:t>vlicht</a:t>
-            </a:r>
-            <a:r>
-              <a:rPr lang="de-CH" baseline="0" dirty="0" smtClean="0"/>
-              <a:t> kasch </a:t>
-            </a:r>
-            <a:r>
-              <a:rPr lang="de-CH" baseline="0" dirty="0" err="1" smtClean="0"/>
-              <a:t>jo</a:t>
-            </a:r>
-            <a:r>
-              <a:rPr lang="de-CH" baseline="0" dirty="0" smtClean="0"/>
-              <a:t> </a:t>
-            </a:r>
-            <a:r>
-              <a:rPr lang="de-CH" baseline="0" dirty="0" err="1" smtClean="0"/>
-              <a:t>öpis</a:t>
-            </a:r>
-            <a:r>
-              <a:rPr lang="de-CH" baseline="0" dirty="0" smtClean="0"/>
-              <a:t> </a:t>
-            </a:r>
-            <a:r>
-              <a:rPr lang="de-CH" baseline="0" dirty="0" err="1" smtClean="0"/>
-              <a:t>demit</a:t>
-            </a:r>
-            <a:r>
-              <a:rPr lang="de-CH" baseline="0" dirty="0" smtClean="0"/>
-              <a:t> </a:t>
-            </a:r>
-            <a:r>
-              <a:rPr lang="de-CH" baseline="0" dirty="0" err="1" smtClean="0"/>
-              <a:t>avo</a:t>
-            </a:r>
-            <a:r>
-              <a:rPr lang="de-CH" baseline="0" dirty="0" smtClean="0"/>
-              <a:t>… ;)</a:t>
-            </a:r>
-            <a:endParaRPr lang="de-CH" dirty="0" smtClean="0"/>
+              <a:t>Mira</a:t>
+            </a:r>
           </a:p>
           <a:p>
             <a:endParaRPr lang="de-CH" dirty="0"/>
@@ -2811,7 +2786,7 @@
     </p:spTree>
     <p:extLst>
       <p:ext uri="{BB962C8B-B14F-4D97-AF65-F5344CB8AC3E}">
-        <p14:creationId xmlns:p14="http://schemas.microsoft.com/office/powerpoint/2010/main" val="3377736779"/>
+        <p14:creationId xmlns:p14="http://schemas.microsoft.com/office/powerpoint/2010/main" val="300894014"/>
       </p:ext>
     </p:extLst>
   </p:cSld>
@@ -2866,65 +2841,126 @@
           <a:lstStyle/>
           <a:p>
             <a:r>
+              <a:rPr lang="de-CH" dirty="0" smtClean="0"/>
+              <a:t>Wie vorhin erwähnt, haben wir uns entschieden die theoretischen Grundlagen, welche wir erarbeiten mussten so abzubilden</a:t>
+            </a:r>
+            <a:r>
               <a:rPr lang="de-CH" baseline="0" dirty="0" smtClean="0"/>
-              <a:t>Jetzt haben wir euch erklärt weshalb wir die </a:t>
+              <a:t> (</a:t>
             </a:r>
             <a:r>
               <a:rPr lang="de-CH" baseline="0" dirty="0" err="1" smtClean="0"/>
-              <a:t>Domänereisepnaer</a:t>
+              <a:t>niderzuschreiben</a:t>
             </a:r>
             <a:r>
               <a:rPr lang="de-CH" baseline="0" dirty="0" smtClean="0"/>
-              <a:t> gewählt haben und welche </a:t>
+              <a:t>) das sie auch für andere gut nutzbar sind. Aus diesem Grund haben wir uns für ein Dokument mit </a:t>
             </a:r>
             <a:r>
               <a:rPr lang="de-CH" baseline="0" dirty="0" err="1" smtClean="0"/>
-              <a:t>werkzeuge</a:t>
+              <a:t>Tutorialcharakter</a:t>
             </a:r>
             <a:r>
               <a:rPr lang="de-CH" baseline="0" dirty="0" smtClean="0"/>
-              <a:t> wir dabei verwendet haben. Aber was heisst es denn </a:t>
+              <a:t> entschieden. Im Tutorial zeigen wir auf wie wir eine Problemdomäne systematisch modellieren und formalisieren um eine Ontologie zu erhalten, welche danach in Form einer semantischen Datenbank abgespeichert wird.</a:t>
+            </a:r>
+          </a:p>
+          <a:p>
+            <a:r>
+              <a:rPr lang="de-CH" baseline="0" dirty="0" smtClean="0"/>
+              <a:t>Dabei war der Schwierigste Teil, die </a:t>
             </a:r>
             <a:r>
               <a:rPr lang="de-CH" baseline="0" dirty="0" err="1" smtClean="0"/>
-              <a:t>eigendlich</a:t>
+              <a:t>überlegung</a:t>
             </a:r>
             <a:r>
               <a:rPr lang="de-CH" baseline="0" dirty="0" smtClean="0"/>
-              <a:t> «eine Ontologie zu Modellieren»? Eine Ontologie hat immer die Form von Tripeln. Diese beinhalten Subjekt, Prädikat und Objekt. Was ja sehr an einen simplen deutschen Satz erinnert und auch so verstanden werden kann.</a:t>
-            </a:r>
-          </a:p>
-          <a:p>
-            <a:endParaRPr lang="de-CH" baseline="0" dirty="0" smtClean="0"/>
-          </a:p>
-          <a:p>
+              <a:t> wie wir den Aufbau vornehmen wollen. Ihr kennt sicher alle Tutorials, und wisst das dort das theoretische Hintergrundwissen eher spärliche vorhanden ist. Der Benutzer eines Tutorials will ja nur wissen, wie er vorgehen muss um sein Ziel zu erreichen.  Da dies aber kein normales Tutorial ist, sondern in erster Linie eine Bachelor-Thesis betrachten wir die Wissensmodellierung aus drei </a:t>
+            </a:r>
             <a:r>
               <a:rPr lang="de-CH" baseline="0" dirty="0" err="1" smtClean="0"/>
-              <a:t>Ontologien</a:t>
+              <a:t>Aspketen</a:t>
             </a:r>
             <a:r>
               <a:rPr lang="de-CH" baseline="0" dirty="0" smtClean="0"/>
-              <a:t> bestehen aus Klassen, Individuen, Eigenschaften, Beziehungen und Regeln. Eine Klasse stellt eine «Kategorie» dar (</a:t>
-            </a:r>
+              <a:t>. </a:t>
+            </a:r>
+          </a:p>
+          <a:p>
             <a:r>
               <a:rPr lang="de-CH" baseline="0" dirty="0" err="1" smtClean="0"/>
-              <a:t>zb</a:t>
+              <a:t>Einerseitz</a:t>
             </a:r>
             <a:r>
               <a:rPr lang="de-CH" baseline="0" dirty="0" smtClean="0"/>
-              <a:t>. Ausflugsziel). Das Individuum ein Konkretes Objekt einer Klasse (</a:t>
+              <a:t> erhalt der Benutzer fundamentales </a:t>
             </a:r>
             <a:r>
               <a:rPr lang="de-CH" baseline="0" dirty="0" err="1" smtClean="0"/>
-              <a:t>Seilpark</a:t>
+              <a:t>Hintegrundwissen</a:t>
             </a:r>
             <a:r>
               <a:rPr lang="de-CH" baseline="0" dirty="0" smtClean="0"/>
-              <a:t>). Eigenschaften weisen einem Individuum einen Wert zu (</a:t>
+              <a:t> (welches aber für die </a:t>
             </a:r>
             <a:r>
               <a:rPr lang="de-CH" baseline="0" dirty="0" err="1" smtClean="0"/>
-              <a:t>zb</a:t>
+              <a:t>Umsetztung</a:t>
+            </a:r>
+            <a:r>
+              <a:rPr lang="de-CH" baseline="0" dirty="0" smtClean="0"/>
+              <a:t> nur bedingt </a:t>
+            </a:r>
+            <a:r>
+              <a:rPr lang="de-CH" baseline="0" dirty="0" err="1" smtClean="0"/>
+              <a:t>notwändigt</a:t>
+            </a:r>
+            <a:r>
+              <a:rPr lang="de-CH" baseline="0" dirty="0" smtClean="0"/>
+              <a:t> ist)</a:t>
+            </a:r>
+          </a:p>
+          <a:p>
+            <a:r>
+              <a:rPr lang="de-CH" baseline="0" dirty="0" smtClean="0"/>
+              <a:t>Anderseits </a:t>
+            </a:r>
+            <a:r>
+              <a:rPr lang="de-CH" baseline="0" dirty="0" err="1" smtClean="0"/>
+              <a:t>erklärhen</a:t>
+            </a:r>
+            <a:r>
+              <a:rPr lang="de-CH" baseline="0" dirty="0" smtClean="0"/>
+              <a:t> wir anhand eines praktischen Beispiels das konkret vorgehen. Dem </a:t>
+            </a:r>
+            <a:r>
+              <a:rPr lang="de-CH" baseline="0" dirty="0" err="1" smtClean="0"/>
+              <a:t>benutzer</a:t>
+            </a:r>
+            <a:r>
+              <a:rPr lang="de-CH" baseline="0" dirty="0" smtClean="0"/>
+              <a:t> ist es also möglich, diesem speziell </a:t>
+            </a:r>
+            <a:r>
+              <a:rPr lang="de-CH" baseline="0" dirty="0" err="1" smtClean="0"/>
+              <a:t>gekenzeichneten</a:t>
+            </a:r>
+            <a:r>
+              <a:rPr lang="de-CH" baseline="0" dirty="0" smtClean="0"/>
+              <a:t> Teil zu folgen, und ist so fähig eine semantische Datenbank aufzubauen und zu nutzen. Als dritten </a:t>
+            </a:r>
+            <a:r>
+              <a:rPr lang="de-CH" baseline="0" dirty="0" err="1" smtClean="0"/>
+              <a:t>aspekt</a:t>
+            </a:r>
+            <a:r>
+              <a:rPr lang="de-CH" baseline="0" dirty="0" smtClean="0"/>
+              <a:t> haben wir uns entschieden unsere praktischen Erfahrungen in Form von </a:t>
+            </a:r>
+            <a:r>
+              <a:rPr lang="de-CH" baseline="0" dirty="0" err="1" smtClean="0"/>
+              <a:t>Tips</a:t>
             </a:r>
             <a:r>
               <a:rPr lang="de-CH" baseline="0" dirty="0" smtClean="0"/>
@@ -2932,227 +2968,19 @@
             </a:r>
             <a:r>
               <a:rPr lang="de-CH" baseline="0" dirty="0" err="1" smtClean="0"/>
-              <a:t>anzahl</a:t>
+              <a:t>einfliesen</a:t>
             </a:r>
             <a:r>
               <a:rPr lang="de-CH" baseline="0" dirty="0" smtClean="0"/>
-              <a:t> Teilnehmer) Beziehungen bestehen zwischen zwei Individuen (</a:t>
-            </a:r>
-            <a:r>
-              <a:rPr lang="de-CH" baseline="0" dirty="0" err="1" smtClean="0"/>
-              <a:t>zb</a:t>
-            </a:r>
-            <a:r>
-              <a:rPr lang="de-CH" baseline="0" dirty="0" smtClean="0"/>
-              <a:t> </a:t>
-            </a:r>
-            <a:r>
-              <a:rPr lang="de-CH" baseline="0" dirty="0" err="1" smtClean="0"/>
-              <a:t>Seilpark</a:t>
-            </a:r>
-            <a:r>
-              <a:rPr lang="de-CH" baseline="0" dirty="0" smtClean="0"/>
-              <a:t> </a:t>
-            </a:r>
-            <a:r>
-              <a:rPr lang="de-CH" baseline="0" dirty="0" err="1" smtClean="0"/>
-              <a:t>hatStandort</a:t>
-            </a:r>
-            <a:r>
-              <a:rPr lang="de-CH" baseline="0" dirty="0" smtClean="0"/>
-              <a:t> </a:t>
-            </a:r>
-            <a:r>
-              <a:rPr lang="de-CH" baseline="0" dirty="0" err="1" smtClean="0"/>
-              <a:t>Balmberg</a:t>
-            </a:r>
-            <a:r>
-              <a:rPr lang="de-CH" baseline="0" dirty="0" smtClean="0"/>
-              <a:t> . Und setzten diese in </a:t>
-            </a:r>
-            <a:r>
-              <a:rPr lang="de-CH" baseline="0" dirty="0" err="1" smtClean="0"/>
-              <a:t>verbindung</a:t>
-            </a:r>
-            <a:r>
-              <a:rPr lang="de-CH" baseline="0" dirty="0" smtClean="0"/>
-              <a:t> miteinander. Zum Schluss sind noch die Regeln. Regeln sagen aus, diese bringen erst den </a:t>
-            </a:r>
-            <a:r>
-              <a:rPr lang="de-CH" baseline="0" dirty="0" err="1" smtClean="0"/>
-              <a:t>mehrwert</a:t>
-            </a:r>
-            <a:r>
-              <a:rPr lang="de-CH" baseline="0" dirty="0" smtClean="0"/>
-              <a:t> von </a:t>
-            </a:r>
-            <a:r>
-              <a:rPr lang="de-CH" baseline="0" dirty="0" err="1" smtClean="0"/>
-              <a:t>Ontologien</a:t>
-            </a:r>
-            <a:r>
-              <a:rPr lang="de-CH" baseline="0" dirty="0" smtClean="0"/>
-              <a:t> richtig zur Geltung. Wenn wir zum Beispiel sagen, das </a:t>
-            </a:r>
-            <a:r>
-              <a:rPr lang="de-CH" baseline="0" dirty="0" err="1" smtClean="0"/>
-              <a:t>Balmberg</a:t>
-            </a:r>
-            <a:r>
-              <a:rPr lang="de-CH" baseline="0" dirty="0" smtClean="0"/>
-              <a:t> die Region Solothurn hat. Und dann die Regel festlegen, das ein Ausflug, welcher einen Standort hat, welcher eine Region hat, auch diese Region hat…. ;-) dann können wir daraus schliessen das </a:t>
-            </a:r>
-            <a:r>
-              <a:rPr lang="de-CH" baseline="0" dirty="0" err="1" smtClean="0"/>
-              <a:t>Seilpark</a:t>
-            </a:r>
-            <a:r>
-              <a:rPr lang="de-CH" baseline="0" dirty="0" smtClean="0"/>
-              <a:t> die Region </a:t>
-            </a:r>
-            <a:r>
-              <a:rPr lang="de-CH" baseline="0" dirty="0" err="1" smtClean="0"/>
-              <a:t>Soltohurn</a:t>
-            </a:r>
-            <a:r>
-              <a:rPr lang="de-CH" baseline="0" dirty="0" smtClean="0"/>
-              <a:t> hat. Dies ist ein sehr simples </a:t>
-            </a:r>
-            <a:r>
-              <a:rPr lang="de-CH" baseline="0" dirty="0" err="1" smtClean="0"/>
-              <a:t>beispiel</a:t>
-            </a:r>
-            <a:r>
-              <a:rPr lang="de-CH" baseline="0" dirty="0" smtClean="0"/>
-              <a:t> um euch zu veranschaulichen wie </a:t>
-            </a:r>
-            <a:r>
-              <a:rPr lang="de-CH" baseline="0" dirty="0" err="1" smtClean="0"/>
-              <a:t>Ontologien</a:t>
-            </a:r>
-            <a:r>
-              <a:rPr lang="de-CH" baseline="0" dirty="0" smtClean="0"/>
-              <a:t> funktionieren. Ich möchte aber hier nicht weiter ins Detail gehen.</a:t>
-            </a:r>
-          </a:p>
-          <a:p>
-            <a:endParaRPr lang="de-CH" baseline="0" dirty="0" smtClean="0"/>
-          </a:p>
-          <a:p>
-            <a:r>
-              <a:rPr lang="de-CH" baseline="0" dirty="0" smtClean="0"/>
-              <a:t>Solche </a:t>
-            </a:r>
-            <a:r>
-              <a:rPr lang="de-CH" baseline="0" dirty="0" err="1" smtClean="0"/>
-              <a:t>Ontolgien</a:t>
-            </a:r>
-            <a:r>
-              <a:rPr lang="de-CH" baseline="0" dirty="0" smtClean="0"/>
-              <a:t> werden in </a:t>
-            </a:r>
-            <a:r>
-              <a:rPr lang="de-CH" baseline="0" dirty="0" err="1" smtClean="0"/>
-              <a:t>Owl</a:t>
-            </a:r>
-            <a:r>
-              <a:rPr lang="de-CH" baseline="0" dirty="0" smtClean="0"/>
-              <a:t> einer Ontologie </a:t>
-            </a:r>
-            <a:r>
-              <a:rPr lang="de-CH" baseline="0" dirty="0" err="1" smtClean="0"/>
-              <a:t>abbildungssprache</a:t>
-            </a:r>
-            <a:r>
-              <a:rPr lang="de-CH" baseline="0" dirty="0" smtClean="0"/>
-              <a:t> abgebildet, diese hat eine XML </a:t>
-            </a:r>
-            <a:r>
-              <a:rPr lang="de-CH" baseline="0" dirty="0" err="1" smtClean="0"/>
-              <a:t>ähnilche</a:t>
-            </a:r>
-            <a:r>
-              <a:rPr lang="de-CH" baseline="0" dirty="0" smtClean="0"/>
-              <a:t> </a:t>
-            </a:r>
-            <a:r>
-              <a:rPr lang="de-CH" baseline="0" dirty="0" err="1" smtClean="0"/>
-              <a:t>schreibweise</a:t>
-            </a:r>
-            <a:r>
-              <a:rPr lang="de-CH" baseline="0" dirty="0" smtClean="0"/>
-              <a:t> und kann so </a:t>
-            </a:r>
-            <a:r>
-              <a:rPr lang="de-CH" baseline="0" dirty="0" err="1" smtClean="0"/>
-              <a:t>Hierarchies</a:t>
-            </a:r>
-            <a:r>
-              <a:rPr lang="de-CH" baseline="0" dirty="0" smtClean="0"/>
-              <a:t> </a:t>
-            </a:r>
-            <a:r>
-              <a:rPr lang="de-CH" baseline="0" dirty="0" err="1" smtClean="0"/>
-              <a:t>strukturen</a:t>
-            </a:r>
-            <a:r>
-              <a:rPr lang="de-CH" baseline="0" dirty="0" smtClean="0"/>
-              <a:t> sehr gut abbilden (es gibt </a:t>
-            </a:r>
-            <a:r>
-              <a:rPr lang="de-CH" baseline="0" dirty="0" err="1" smtClean="0"/>
-              <a:t>klassen</a:t>
-            </a:r>
-            <a:r>
-              <a:rPr lang="de-CH" baseline="0" dirty="0" smtClean="0"/>
-              <a:t>, </a:t>
-            </a:r>
-            <a:r>
-              <a:rPr lang="de-CH" baseline="0" dirty="0" err="1" smtClean="0"/>
-              <a:t>supklassen</a:t>
-            </a:r>
-            <a:r>
-              <a:rPr lang="de-CH" baseline="0" dirty="0" smtClean="0"/>
-              <a:t>, </a:t>
-            </a:r>
-            <a:r>
-              <a:rPr lang="de-CH" baseline="0" dirty="0" err="1" smtClean="0"/>
-              <a:t>Propertys</a:t>
-            </a:r>
-            <a:r>
-              <a:rPr lang="de-CH" baseline="0" dirty="0" smtClean="0"/>
-              <a:t> und </a:t>
-            </a:r>
-            <a:r>
-              <a:rPr lang="de-CH" baseline="0" dirty="0" err="1" smtClean="0"/>
-              <a:t>supprobertys</a:t>
-            </a:r>
-            <a:r>
-              <a:rPr lang="de-CH" baseline="0" dirty="0" smtClean="0"/>
-              <a:t>…)</a:t>
-            </a:r>
-          </a:p>
-          <a:p>
-            <a:r>
-              <a:rPr lang="de-CH" baseline="0" dirty="0" smtClean="0"/>
-              <a:t>Speicherung </a:t>
-            </a:r>
-            <a:r>
-              <a:rPr lang="de-CH" baseline="0" dirty="0" smtClean="0"/>
-              <a:t>als RDF/XML in OWL Dateien</a:t>
-            </a:r>
-          </a:p>
-          <a:p>
-            <a:endParaRPr lang="de-CH" baseline="0" dirty="0" smtClean="0"/>
-          </a:p>
-          <a:p>
-            <a:r>
-              <a:rPr lang="de-CH" baseline="0" dirty="0" smtClean="0"/>
+              <a:t> zu lassen.</a:t>
+            </a:r>
+            <a:endParaRPr lang="de-CH" dirty="0" smtClean="0"/>
+          </a:p>
+          <a:p>
+            <a:r>
+              <a:rPr lang="de-CH" dirty="0" smtClean="0"/>
               <a:t>Mira</a:t>
             </a:r>
-            <a:endParaRPr lang="de-CH" dirty="0" smtClean="0"/>
-          </a:p>
-          <a:p>
             <a:endParaRPr lang="de-CH" dirty="0"/>
           </a:p>
         </p:txBody>
@@ -3183,7 +3011,7 @@
     </p:spTree>
     <p:extLst>
       <p:ext uri="{BB962C8B-B14F-4D97-AF65-F5344CB8AC3E}">
-        <p14:creationId xmlns:p14="http://schemas.microsoft.com/office/powerpoint/2010/main" val="304994469"/>
+        <p14:creationId xmlns:p14="http://schemas.microsoft.com/office/powerpoint/2010/main" val="2781595221"/>
       </p:ext>
     </p:extLst>
   </p:cSld>
@@ -3239,15 +3067,199 @@
           <a:p>
             <a:r>
               <a:rPr lang="de-CH" dirty="0" smtClean="0"/>
-              <a:t>Wie</a:t>
+              <a:t>Wie Herr</a:t>
             </a:r>
             <a:r>
               <a:rPr lang="de-CH" baseline="0" dirty="0" smtClean="0"/>
-              <a:t> Herr Osterwalder bereits erwähnt hat, haben wir zur </a:t>
+              <a:t> Osterwalder bereits erwähnt hat, werden semantischen Datenbanken auf der Basis von </a:t>
             </a:r>
             <a:r>
               <a:rPr lang="de-CH" baseline="0" dirty="0" err="1" smtClean="0"/>
-              <a:t>modelierung</a:t>
+              <a:t>Ontolgoien</a:t>
+            </a:r>
+            <a:r>
+              <a:rPr lang="de-CH" baseline="0" dirty="0" smtClean="0"/>
+              <a:t> erstellt. Eine Ontologie beschreibt </a:t>
+            </a:r>
+            <a:r>
+              <a:rPr lang="de-CH" baseline="0" dirty="0" err="1" smtClean="0"/>
+              <a:t>sachwissen</a:t>
+            </a:r>
+            <a:r>
+              <a:rPr lang="de-CH" baseline="0" dirty="0" smtClean="0"/>
+              <a:t> einer </a:t>
+            </a:r>
+            <a:r>
+              <a:rPr lang="de-CH" baseline="0" dirty="0" err="1" smtClean="0"/>
+              <a:t>Probelemdomäne</a:t>
+            </a:r>
+            <a:r>
+              <a:rPr lang="de-CH" baseline="0" dirty="0" smtClean="0"/>
+              <a:t>, also eines klar definierten Ausschnitt der Welt. </a:t>
+            </a:r>
+          </a:p>
+          <a:p>
+            <a:r>
+              <a:rPr lang="de-CH" baseline="0" dirty="0" smtClean="0"/>
+              <a:t>Beim wählen der Problemdomäne sind wir schon auf die ersten </a:t>
+            </a:r>
+            <a:r>
+              <a:rPr lang="de-CH" baseline="0" dirty="0" err="1" smtClean="0"/>
+              <a:t>Schweierigkeiten</a:t>
+            </a:r>
+            <a:r>
+              <a:rPr lang="de-CH" baseline="0" dirty="0" smtClean="0"/>
+              <a:t> gestossen. Unsere </a:t>
+            </a:r>
+            <a:r>
+              <a:rPr lang="de-CH" baseline="0" dirty="0" err="1" smtClean="0"/>
+              <a:t>Ursprünliche</a:t>
+            </a:r>
+            <a:r>
+              <a:rPr lang="de-CH" baseline="0" dirty="0" smtClean="0"/>
+              <a:t> Gewählte Domäne, «das Erlernen der Programmierung am Beispiel von Prolog» hat uns vor grosse Probleme gestellt. Während der Modellierung haben wir es nicht </a:t>
+            </a:r>
+            <a:r>
+              <a:rPr lang="de-CH" baseline="0" dirty="0" err="1" smtClean="0"/>
+              <a:t>geschaften</a:t>
+            </a:r>
+            <a:r>
+              <a:rPr lang="de-CH" baseline="0" dirty="0" smtClean="0"/>
+              <a:t>, den erwarteten Mehrwert von der </a:t>
+            </a:r>
+            <a:r>
+              <a:rPr lang="de-CH" baseline="0" dirty="0" err="1" smtClean="0"/>
+              <a:t>Wissensmodelleriung</a:t>
+            </a:r>
+            <a:r>
+              <a:rPr lang="de-CH" baseline="0" dirty="0" smtClean="0"/>
+              <a:t> mittels </a:t>
+            </a:r>
+            <a:r>
+              <a:rPr lang="de-CH" baseline="0" dirty="0" err="1" smtClean="0"/>
+              <a:t>Ontologien</a:t>
+            </a:r>
+            <a:r>
+              <a:rPr lang="de-CH" baseline="0" dirty="0" smtClean="0"/>
+              <a:t> zu </a:t>
+            </a:r>
+            <a:r>
+              <a:rPr lang="de-CH" baseline="0" dirty="0" err="1" smtClean="0"/>
+              <a:t>generien</a:t>
+            </a:r>
+            <a:r>
+              <a:rPr lang="de-CH" baseline="0" dirty="0" smtClean="0"/>
+              <a:t>. Nach vielen gescheiterten Versuchen wurde uns bewusst, dass es wichtig ist eine </a:t>
+            </a:r>
+            <a:r>
+              <a:rPr lang="de-CH" baseline="0" dirty="0" err="1" smtClean="0"/>
+              <a:t>Domäen</a:t>
+            </a:r>
+            <a:r>
+              <a:rPr lang="de-CH" baseline="0" dirty="0" smtClean="0"/>
+              <a:t> zu wählen ,welche </a:t>
+            </a:r>
+            <a:r>
+              <a:rPr lang="de-CH" baseline="0" dirty="0" err="1" smtClean="0"/>
+              <a:t>schlussfolgerungen</a:t>
+            </a:r>
+            <a:r>
+              <a:rPr lang="de-CH" baseline="0" dirty="0" smtClean="0"/>
+              <a:t> mittels Inferenz erlaubt. Da dies ja ein wichtiger Teil ist um wissen mit </a:t>
+            </a:r>
+            <a:r>
+              <a:rPr lang="de-CH" baseline="0" dirty="0" err="1" smtClean="0"/>
+              <a:t>semantik</a:t>
+            </a:r>
+            <a:r>
+              <a:rPr lang="de-CH" baseline="0" dirty="0" smtClean="0"/>
+              <a:t> (also Bedeutung) zu versehen. Die </a:t>
+            </a:r>
+            <a:r>
+              <a:rPr lang="de-CH" baseline="0" dirty="0" err="1" smtClean="0"/>
+              <a:t>Ursprünlich</a:t>
+            </a:r>
+            <a:r>
+              <a:rPr lang="de-CH" baseline="0" dirty="0" smtClean="0"/>
+              <a:t> gewählte Problemdomäne hatten wir auf einer zu hohen Abstraktionsebene angesetzt.</a:t>
+            </a:r>
+          </a:p>
+          <a:p>
+            <a:endParaRPr lang="de-CH" baseline="0" dirty="0" smtClean="0"/>
+          </a:p>
+          <a:p>
+            <a:r>
+              <a:rPr lang="de-CH" baseline="0" dirty="0" smtClean="0"/>
+              <a:t>-&gt; </a:t>
+            </a:r>
+            <a:r>
+              <a:rPr lang="de-CH" baseline="0" dirty="0" err="1" smtClean="0"/>
+              <a:t>Ontologien</a:t>
+            </a:r>
+            <a:r>
+              <a:rPr lang="de-CH" baseline="0" dirty="0" smtClean="0"/>
+              <a:t> und Expertensysteme machen überall dort sin, wo ein Experte benötigt wird um das wissen zu Interpretieren. So </a:t>
+            </a:r>
+            <a:r>
+              <a:rPr lang="de-CH" baseline="0" dirty="0" err="1" smtClean="0"/>
+              <a:t>kammen</a:t>
+            </a:r>
+            <a:r>
+              <a:rPr lang="de-CH" baseline="0" dirty="0" smtClean="0"/>
+              <a:t> wir auf die </a:t>
+            </a:r>
+            <a:r>
+              <a:rPr lang="de-CH" baseline="0" dirty="0" err="1" smtClean="0"/>
+              <a:t>idee</a:t>
+            </a:r>
+            <a:r>
+              <a:rPr lang="de-CH" baseline="0" dirty="0" smtClean="0"/>
+              <a:t> der </a:t>
+            </a:r>
+            <a:r>
+              <a:rPr lang="de-CH" baseline="0" dirty="0" err="1" smtClean="0"/>
+              <a:t>Domäen</a:t>
+            </a:r>
+            <a:r>
+              <a:rPr lang="de-CH" baseline="0" dirty="0" smtClean="0"/>
+              <a:t> der Reiseplanung</a:t>
+            </a:r>
+          </a:p>
+          <a:p>
+            <a:endParaRPr lang="de-CH" baseline="0" dirty="0" smtClean="0"/>
+          </a:p>
+          <a:p>
+            <a:r>
+              <a:rPr lang="de-CH" baseline="0" dirty="0" smtClean="0"/>
+              <a:t>Sven (oh sorry, jetzt </a:t>
+            </a:r>
+            <a:r>
+              <a:rPr lang="de-CH" baseline="0" dirty="0" err="1" smtClean="0"/>
+              <a:t>hani</a:t>
+            </a:r>
+            <a:r>
+              <a:rPr lang="de-CH" baseline="0" dirty="0" smtClean="0"/>
+              <a:t> das alles </a:t>
+            </a:r>
+            <a:r>
+              <a:rPr lang="de-CH" baseline="0" dirty="0" err="1" smtClean="0"/>
+              <a:t>ufgschriebe</a:t>
+            </a:r>
+            <a:r>
+              <a:rPr lang="de-CH" baseline="0" dirty="0" smtClean="0"/>
+              <a:t> und den </a:t>
+            </a:r>
+            <a:r>
+              <a:rPr lang="de-CH" baseline="0" dirty="0" err="1" smtClean="0"/>
+              <a:t>gseh</a:t>
+            </a:r>
+            <a:r>
+              <a:rPr lang="de-CH" baseline="0" dirty="0" smtClean="0"/>
+              <a:t>, dass das </a:t>
+            </a:r>
+            <a:r>
+              <a:rPr lang="de-CH" baseline="0" dirty="0" err="1" smtClean="0"/>
+              <a:t>eigendli</a:t>
             </a:r>
             <a:r>
               <a:rPr lang="de-CH" baseline="0" dirty="0" smtClean="0"/>
@@ -3255,15 +3267,39 @@
             </a:r>
             <a:r>
               <a:rPr lang="de-CH" baseline="0" dirty="0" err="1" smtClean="0"/>
-              <a:t>Protege</a:t>
+              <a:t>dini</a:t>
             </a:r>
             <a:r>
               <a:rPr lang="de-CH" baseline="0" dirty="0" smtClean="0"/>
-              <a:t> verwendet. (</a:t>
+              <a:t> Folie </a:t>
             </a:r>
             <a:r>
               <a:rPr lang="de-CH" baseline="0" dirty="0" err="1" smtClean="0"/>
-              <a:t>unpratkisch</a:t>
+              <a:t>isch</a:t>
+            </a:r>
+            <a:r>
+              <a:rPr lang="de-CH" baseline="0" dirty="0" smtClean="0"/>
+              <a:t>!  ;-) ) i los jetzt </a:t>
+            </a:r>
+            <a:r>
+              <a:rPr lang="de-CH" baseline="0" dirty="0" err="1" smtClean="0"/>
+              <a:t>dine</a:t>
+            </a:r>
+            <a:r>
+              <a:rPr lang="de-CH" baseline="0" dirty="0" smtClean="0"/>
+              <a:t>, </a:t>
+            </a:r>
+            <a:r>
+              <a:rPr lang="de-CH" baseline="0" dirty="0" err="1" smtClean="0"/>
+              <a:t>vlicht</a:t>
+            </a:r>
+            <a:r>
+              <a:rPr lang="de-CH" baseline="0" dirty="0" smtClean="0"/>
+              <a:t> kasch </a:t>
+            </a:r>
+            <a:r>
+              <a:rPr lang="de-CH" baseline="0" dirty="0" err="1" smtClean="0"/>
+              <a:t>jo</a:t>
             </a:r>
             <a:r>
               <a:rPr lang="de-CH" baseline="0" dirty="0" smtClean="0"/>
@@ -3271,23 +3307,31 @@
             </a:r>
             <a:r>
               <a:rPr lang="de-CH" baseline="0" dirty="0" err="1" smtClean="0"/>
-              <a:t>owl</a:t>
+              <a:t>öpis</a:t>
             </a:r>
             <a:r>
               <a:rPr lang="de-CH" baseline="0" dirty="0" smtClean="0"/>
-              <a:t> zu schreiben). Auf diesem Bild seht Ihr ein Ausschnitt unsere Modellierung mit den Klassen und Subklassen, gewiesen (in diesem Fall ermittelten Individuen) und Einem Teil der </a:t>
+              <a:t> </a:t>
             </a:r>
             <a:r>
               <a:rPr lang="de-CH" baseline="0" dirty="0" err="1" smtClean="0"/>
-              <a:t>Propertys</a:t>
+              <a:t>demit</a:t>
+            </a:r>
+            <a:r>
+              <a:rPr lang="de-CH" baseline="0" dirty="0" smtClean="0"/>
+              <a:t> </a:t>
+            </a:r>
+            <a:r>
+              <a:rPr lang="de-CH" baseline="0" dirty="0" err="1" smtClean="0"/>
+              <a:t>avo</a:t>
+            </a:r>
+            <a:r>
+              <a:rPr lang="de-CH" baseline="0" dirty="0" smtClean="0"/>
+              <a:t>… ;)</a:t>
             </a:r>
             <a:endParaRPr lang="de-CH" dirty="0" smtClean="0"/>
           </a:p>
           <a:p>
-            <a:r>
-              <a:rPr lang="de-CH" dirty="0" smtClean="0"/>
-              <a:t>Mira</a:t>
-            </a:r>
             <a:endParaRPr lang="de-CH" dirty="0"/>
           </a:p>
         </p:txBody>
@@ -3318,7 +3362,7 @@
     </p:spTree>
     <p:extLst>
       <p:ext uri="{BB962C8B-B14F-4D97-AF65-F5344CB8AC3E}">
-        <p14:creationId xmlns:p14="http://schemas.microsoft.com/office/powerpoint/2010/main" val="482512553"/>
+        <p14:creationId xmlns:p14="http://schemas.microsoft.com/office/powerpoint/2010/main" val="3377736779"/>
       </p:ext>
     </p:extLst>
   </p:cSld>
@@ -9475,6 +9519,276 @@
       </p:grpSpPr>
       <p:sp>
         <p:nvSpPr>
+          <p:cNvPr id="2" name="Inhaltsplatzhalter 1"/>
+          <p:cNvSpPr>
+            <a:spLocks noGrp="1"/>
+          </p:cNvSpPr>
+          <p:nvPr>
+            <p:ph sz="half" idx="1"/>
+          </p:nvPr>
+        </p:nvSpPr>
+        <p:spPr/>
+        <p:txBody>
+          <a:bodyPr/>
+          <a:lstStyle/>
+          <a:p>
+            <a:r>
+              <a:rPr lang="de-CH" dirty="0" smtClean="0"/>
+              <a:t>Tripel</a:t>
+            </a:r>
+          </a:p>
+          <a:p>
+            <a:pPr lvl="1"/>
+            <a:r>
+              <a:rPr lang="de-CH" dirty="0" smtClean="0"/>
+              <a:t>Subjekt</a:t>
+            </a:r>
+          </a:p>
+          <a:p>
+            <a:pPr lvl="1"/>
+            <a:r>
+              <a:rPr lang="de-CH" dirty="0" smtClean="0"/>
+              <a:t>Prädikat</a:t>
+            </a:r>
+          </a:p>
+          <a:p>
+            <a:pPr lvl="1"/>
+            <a:r>
+              <a:rPr lang="de-CH" dirty="0" smtClean="0"/>
+              <a:t>Objekt</a:t>
+            </a:r>
+          </a:p>
+          <a:p>
+            <a:pPr lvl="1"/>
+            <a:endParaRPr lang="de-CH" dirty="0"/>
+          </a:p>
+          <a:p>
+            <a:r>
+              <a:rPr lang="de-CH" dirty="0"/>
+              <a:t>Bestandteile</a:t>
+            </a:r>
+          </a:p>
+          <a:p>
+            <a:pPr lvl="1"/>
+            <a:r>
+              <a:rPr lang="de-CH" dirty="0"/>
+              <a:t>Klassen</a:t>
+            </a:r>
+          </a:p>
+          <a:p>
+            <a:pPr lvl="1"/>
+            <a:r>
+              <a:rPr lang="de-CH" dirty="0"/>
+              <a:t>Individuen</a:t>
+            </a:r>
+          </a:p>
+          <a:p>
+            <a:pPr lvl="1"/>
+            <a:r>
+              <a:rPr lang="de-CH" dirty="0"/>
+              <a:t>Eigenschaften </a:t>
+            </a:r>
+          </a:p>
+          <a:p>
+            <a:pPr lvl="1"/>
+            <a:r>
+              <a:rPr lang="de-CH" dirty="0"/>
+              <a:t>Beziehungen</a:t>
+            </a:r>
+          </a:p>
+          <a:p>
+            <a:pPr lvl="1"/>
+            <a:r>
+              <a:rPr lang="de-CH" dirty="0"/>
+              <a:t>Regeln</a:t>
+            </a:r>
+          </a:p>
+          <a:p>
+            <a:endParaRPr lang="de-CH" dirty="0"/>
+          </a:p>
+          <a:p>
+            <a:endParaRPr lang="de-CH" dirty="0" smtClean="0"/>
+          </a:p>
+          <a:p>
+            <a:pPr marL="457200" lvl="1" indent="0">
+              <a:buNone/>
+            </a:pPr>
+            <a:endParaRPr lang="de-CH" dirty="0">
+              <a:sym typeface="Wingdings" panose="05000000000000000000" pitchFamily="2" charset="2"/>
+            </a:endParaRPr>
+          </a:p>
+          <a:p>
+            <a:pPr marL="0" indent="0">
+              <a:buNone/>
+            </a:pPr>
+            <a:endParaRPr lang="de-CH" dirty="0"/>
+          </a:p>
+        </p:txBody>
+      </p:sp>
+      <p:sp>
+        <p:nvSpPr>
+          <p:cNvPr id="3" name="Titel 2"/>
+          <p:cNvSpPr>
+            <a:spLocks noGrp="1"/>
+          </p:cNvSpPr>
+          <p:nvPr>
+            <p:ph type="ctrTitle"/>
+          </p:nvPr>
+        </p:nvSpPr>
+        <p:spPr/>
+        <p:txBody>
+          <a:bodyPr/>
+          <a:lstStyle/>
+          <a:p>
+            <a:r>
+              <a:rPr lang="de-CH" dirty="0"/>
+              <a:t>Aufbau Ontologie</a:t>
+            </a:r>
+          </a:p>
+        </p:txBody>
+      </p:sp>
+    </p:spTree>
+    <p:extLst>
+      <p:ext uri="{BB962C8B-B14F-4D97-AF65-F5344CB8AC3E}">
+        <p14:creationId xmlns:p14="http://schemas.microsoft.com/office/powerpoint/2010/main" val="2926770482"/>
+      </p:ext>
+    </p:extLst>
+  </p:cSld>
+  <p:clrMapOvr>
+    <a:masterClrMapping/>
+  </p:clrMapOvr>
+  <p:timing>
+    <p:tnLst>
+      <p:par>
+        <p:cTn id="1" dur="indefinite" restart="never" nodeType="tmRoot"/>
+      </p:par>
+    </p:tnLst>
+  </p:timing>
+</p:sld>
+</file>
+
+<file path=ppt/slides/slide11.xml><?xml version="1.0" encoding="utf-8"?>
+<p:sld xmlns:a="http://schemas.openxmlformats.org/drawingml/2006/main" xmlns:r="http://schemas.openxmlformats.org/officeDocument/2006/relationships" xmlns:p="http://schemas.openxmlformats.org/presentationml/2006/main">
+  <p:cSld>
+    <p:spTree>
+      <p:nvGrpSpPr>
+        <p:cNvPr id="1" name=""/>
+        <p:cNvGrpSpPr/>
+        <p:nvPr/>
+      </p:nvGrpSpPr>
+      <p:grpSpPr>
+        <a:xfrm>
+          <a:off x="0" y="0"/>
+          <a:ext cx="0" cy="0"/>
+          <a:chOff x="0" y="0"/>
+          <a:chExt cx="0" cy="0"/>
+        </a:xfrm>
+      </p:grpSpPr>
+      <p:sp>
+        <p:nvSpPr>
+          <p:cNvPr id="3" name="Titel 2"/>
+          <p:cNvSpPr>
+            <a:spLocks noGrp="1"/>
+          </p:cNvSpPr>
+          <p:nvPr>
+            <p:ph type="ctrTitle"/>
+          </p:nvPr>
+        </p:nvSpPr>
+        <p:spPr/>
+        <p:txBody>
+          <a:bodyPr/>
+          <a:lstStyle/>
+          <a:p>
+            <a:r>
+              <a:rPr lang="de-CH" dirty="0" smtClean="0"/>
+              <a:t>Ontologie abbilden</a:t>
+            </a:r>
+            <a:endParaRPr lang="de-CH" dirty="0"/>
+          </a:p>
+        </p:txBody>
+      </p:sp>
+      <p:sp>
+        <p:nvSpPr>
+          <p:cNvPr id="2" name="Inhaltsplatzhalter 1"/>
+          <p:cNvSpPr>
+            <a:spLocks noGrp="1"/>
+          </p:cNvSpPr>
+          <p:nvPr>
+            <p:ph sz="half" idx="1"/>
+          </p:nvPr>
+        </p:nvSpPr>
+        <p:spPr/>
+        <p:txBody>
+          <a:bodyPr/>
+          <a:lstStyle/>
+          <a:p>
+            <a:endParaRPr lang="de-CH" dirty="0"/>
+          </a:p>
+        </p:txBody>
+      </p:sp>
+      <p:pic>
+        <p:nvPicPr>
+          <p:cNvPr id="4" name="Grafik 3"/>
+          <p:cNvPicPr>
+            <a:picLocks noChangeAspect="1"/>
+          </p:cNvPicPr>
+          <p:nvPr/>
+        </p:nvPicPr>
+        <p:blipFill>
+          <a:blip r:embed="rId3"/>
+          <a:stretch>
+            <a:fillRect/>
+          </a:stretch>
+        </p:blipFill>
+        <p:spPr>
+          <a:xfrm>
+            <a:off x="468000" y="1439999"/>
+            <a:ext cx="8019112" cy="3226891"/>
+          </a:xfrm>
+          <a:prstGeom prst="rect">
+            <a:avLst/>
+          </a:prstGeom>
+        </p:spPr>
+      </p:pic>
+    </p:spTree>
+    <p:extLst>
+      <p:ext uri="{BB962C8B-B14F-4D97-AF65-F5344CB8AC3E}">
+        <p14:creationId xmlns:p14="http://schemas.microsoft.com/office/powerpoint/2010/main" val="493163707"/>
+      </p:ext>
+    </p:extLst>
+  </p:cSld>
+  <p:clrMapOvr>
+    <a:masterClrMapping/>
+  </p:clrMapOvr>
+  <p:timing>
+    <p:tnLst>
+      <p:par>
+        <p:cTn id="1" dur="indefinite" restart="never" nodeType="tmRoot"/>
+      </p:par>
+    </p:tnLst>
+  </p:timing>
+</p:sld>
+</file>
+
+<file path=ppt/slides/slide12.xml><?xml version="1.0" encoding="utf-8"?>
+<p:sld xmlns:a="http://schemas.openxmlformats.org/drawingml/2006/main" xmlns:r="http://schemas.openxmlformats.org/officeDocument/2006/relationships" xmlns:p="http://schemas.openxmlformats.org/presentationml/2006/main" show="0">
+  <p:cSld>
+    <p:spTree>
+      <p:nvGrpSpPr>
+        <p:cNvPr id="1" name=""/>
+        <p:cNvGrpSpPr/>
+        <p:nvPr/>
+      </p:nvGrpSpPr>
+      <p:grpSpPr>
+        <a:xfrm>
+          <a:off x="0" y="0"/>
+          <a:ext cx="0" cy="0"/>
+          <a:chOff x="0" y="0"/>
+          <a:chExt cx="0" cy="0"/>
+        </a:xfrm>
+      </p:grpSpPr>
+      <p:sp>
+        <p:nvSpPr>
           <p:cNvPr id="3" name="Titel 2"/>
           <p:cNvSpPr>
             <a:spLocks noGrp="1"/>
@@ -9538,6 +9852,14 @@
   <p:clrMapOvr>
     <a:masterClrMapping/>
   </p:clrMapOvr>
+  <mc:AlternateContent xmlns:mc="http://schemas.openxmlformats.org/markup-compatibility/2006" xmlns:p14="http://schemas.microsoft.com/office/powerpoint/2010/main">
+    <mc:Choice Requires="p14">
+      <p:transition spd="slow" p14:dur="2000"/>
+    </mc:Choice>
+    <mc:Fallback xmlns="">
+      <p:transition spd="slow"/>
+    </mc:Fallback>
+  </mc:AlternateContent>
   <p:timing>
     <p:tnLst>
       <p:par>
@@ -9548,7 +9870,7 @@
 </p:sld>
 </file>
 
-<file path=ppt/slides/slide11.xml><?xml version="1.0" encoding="utf-8"?>
+<file path=ppt/slides/slide13.xml><?xml version="1.0" encoding="utf-8"?>
 <p:sld xmlns:a="http://schemas.openxmlformats.org/drawingml/2006/main" xmlns:r="http://schemas.openxmlformats.org/officeDocument/2006/relationships" xmlns:p="http://schemas.openxmlformats.org/presentationml/2006/main">
   <p:cSld>
     <p:spTree>
@@ -9651,7 +9973,7 @@
 </p:sld>
 </file>
 
-<file path=ppt/slides/slide12.xml><?xml version="1.0" encoding="utf-8"?>
+<file path=ppt/slides/slide14.xml><?xml version="1.0" encoding="utf-8"?>
 <p:sld xmlns:a="http://schemas.openxmlformats.org/drawingml/2006/main" xmlns:r="http://schemas.openxmlformats.org/officeDocument/2006/relationships" xmlns:p="http://schemas.openxmlformats.org/presentationml/2006/main">
   <p:cSld>
     <p:spTree>
@@ -9790,7 +10112,7 @@
 </p:sld>
 </file>
 
-<file path=ppt/slides/slide13.xml><?xml version="1.0" encoding="utf-8"?>
+<file path=ppt/slides/slide15.xml><?xml version="1.0" encoding="utf-8"?>
 <p:sld xmlns:a="http://schemas.openxmlformats.org/drawingml/2006/main" xmlns:r="http://schemas.openxmlformats.org/officeDocument/2006/relationships" xmlns:p="http://schemas.openxmlformats.org/presentationml/2006/main">
   <p:cSld>
     <p:spTree>
@@ -9892,7 +10214,7 @@
 </p:sld>
 </file>
 
-<file path=ppt/slides/slide14.xml><?xml version="1.0" encoding="utf-8"?>
+<file path=ppt/slides/slide16.xml><?xml version="1.0" encoding="utf-8"?>
 <p:sld xmlns:a="http://schemas.openxmlformats.org/drawingml/2006/main" xmlns:r="http://schemas.openxmlformats.org/officeDocument/2006/relationships" xmlns:p="http://schemas.openxmlformats.org/presentationml/2006/main">
   <p:cSld>
     <p:spTree>
@@ -10008,7 +10330,7 @@
 </p:sld>
 </file>
 
-<file path=ppt/slides/slide15.xml><?xml version="1.0" encoding="utf-8"?>
+<file path=ppt/slides/slide17.xml><?xml version="1.0" encoding="utf-8"?>
 <p:sld xmlns:a="http://schemas.openxmlformats.org/drawingml/2006/main" xmlns:r="http://schemas.openxmlformats.org/officeDocument/2006/relationships" xmlns:p="http://schemas.openxmlformats.org/presentationml/2006/main">
   <p:cSld>
     <p:spTree>
@@ -10433,58 +10755,21 @@
             </a:endParaRPr>
           </a:p>
           <a:p>
+            <a:pPr marL="457200" lvl="1" indent="0">
+              <a:buNone/>
+            </a:pPr>
+            <a:endParaRPr lang="de-CH" dirty="0" smtClean="0">
+              <a:sym typeface="Wingdings" panose="05000000000000000000" pitchFamily="2" charset="2"/>
+            </a:endParaRPr>
+          </a:p>
+          <a:p>
             <a:pPr lvl="1"/>
-            <a:r>
-              <a:rPr lang="de-CH" dirty="0" smtClean="0">
-                <a:sym typeface="Wingdings" panose="05000000000000000000" pitchFamily="2" charset="2"/>
-              </a:rPr>
-              <a:t>Expertensystem</a:t>
-            </a:r>
-          </a:p>
-          <a:p>
-            <a:pPr lvl="2"/>
-            <a:r>
-              <a:rPr lang="de-CH" dirty="0" smtClean="0">
-                <a:sym typeface="Wingdings" panose="05000000000000000000" pitchFamily="2" charset="2"/>
-              </a:rPr>
-              <a:t>Semantische Datenbank</a:t>
-            </a:r>
-          </a:p>
-          <a:p>
-            <a:pPr lvl="2"/>
-            <a:r>
-              <a:rPr lang="de-CH" dirty="0" smtClean="0">
-                <a:sym typeface="Wingdings" panose="05000000000000000000" pitchFamily="2" charset="2"/>
-              </a:rPr>
-              <a:t>Inferenzmaschine (</a:t>
-            </a:r>
-            <a:r>
-              <a:rPr lang="de-CH" dirty="0" err="1" smtClean="0">
-                <a:sym typeface="Wingdings" panose="05000000000000000000" pitchFamily="2" charset="2"/>
-              </a:rPr>
-              <a:t>Reasoner</a:t>
-            </a:r>
-            <a:r>
-              <a:rPr lang="de-CH" dirty="0" smtClean="0">
-                <a:sym typeface="Wingdings" panose="05000000000000000000" pitchFamily="2" charset="2"/>
-              </a:rPr>
-              <a:t>)</a:t>
-            </a:r>
-          </a:p>
-          <a:p>
-            <a:pPr lvl="2"/>
             <a:endParaRPr lang="de-CH" dirty="0">
               <a:sym typeface="Wingdings" panose="05000000000000000000" pitchFamily="2" charset="2"/>
             </a:endParaRPr>
           </a:p>
           <a:p>
-            <a:pPr lvl="1"/>
-            <a:r>
-              <a:rPr lang="de-CH" dirty="0" smtClean="0">
-                <a:sym typeface="Wingdings" panose="05000000000000000000" pitchFamily="2" charset="2"/>
-              </a:rPr>
-              <a:t>Ontologie</a:t>
-            </a:r>
+            <a:pPr lvl="2"/>
             <a:endParaRPr lang="de-CH" dirty="0">
               <a:sym typeface="Wingdings" panose="05000000000000000000" pitchFamily="2" charset="2"/>
             </a:endParaRPr>
@@ -10553,14 +10838,40 @@
           <a:chExt cx="0" cy="0"/>
         </a:xfrm>
       </p:grpSpPr>
-      <p:sp>
-        <p:nvSpPr>
-          <p:cNvPr id="2" name="Inhaltsplatzhalter 1"/>
-          <p:cNvSpPr>
-            <a:spLocks noGrp="1"/>
-          </p:cNvSpPr>
+      <p:pic>
+        <p:nvPicPr>
+          <p:cNvPr id="4" name="Inhaltsplatzhalter 3"/>
+          <p:cNvPicPr>
+            <a:picLocks noGrp="1" noChangeAspect="1"/>
+          </p:cNvPicPr>
           <p:nvPr>
             <p:ph sz="half" idx="1"/>
+          </p:nvPr>
+        </p:nvPicPr>
+        <p:blipFill>
+          <a:blip r:embed="rId3"/>
+          <a:stretch>
+            <a:fillRect/>
+          </a:stretch>
+        </p:blipFill>
+        <p:spPr>
+          <a:xfrm>
+            <a:off x="1293813" y="900000"/>
+            <a:ext cx="6143625" cy="4010025"/>
+          </a:xfrm>
+          <a:prstGeom prst="rect">
+            <a:avLst/>
+          </a:prstGeom>
+        </p:spPr>
+      </p:pic>
+      <p:sp>
+        <p:nvSpPr>
+          <p:cNvPr id="3" name="Titel 2"/>
+          <p:cNvSpPr>
+            <a:spLocks noGrp="1"/>
+          </p:cNvSpPr>
+          <p:nvPr>
+            <p:ph type="ctrTitle"/>
           </p:nvPr>
         </p:nvSpPr>
         <p:spPr/>
@@ -10568,98 +10879,20 @@
           <a:bodyPr/>
           <a:lstStyle/>
           <a:p>
-            <a:r>
-              <a:rPr lang="de-CH" dirty="0"/>
-              <a:t>Aufbau und Anwendung einer </a:t>
-            </a:r>
-            <a:r>
-              <a:rPr lang="de-CH" dirty="0" smtClean="0"/>
-              <a:t>semantischen </a:t>
-            </a:r>
-            <a:r>
-              <a:rPr lang="de-CH" dirty="0"/>
-              <a:t>Datenbank</a:t>
-            </a:r>
-          </a:p>
-          <a:p>
-            <a:pPr lvl="1"/>
-            <a:r>
-              <a:rPr lang="de-CH" dirty="0"/>
-              <a:t>Theoretischer Teil</a:t>
-            </a:r>
-          </a:p>
-          <a:p>
-            <a:pPr lvl="2"/>
-            <a:r>
-              <a:rPr lang="de-CH" dirty="0"/>
-              <a:t>Tutorial</a:t>
-            </a:r>
-          </a:p>
-          <a:p>
-            <a:pPr lvl="1"/>
-            <a:r>
-              <a:rPr lang="de-CH" dirty="0"/>
-              <a:t>Praktischer Teil</a:t>
-            </a:r>
-          </a:p>
-          <a:p>
-            <a:pPr lvl="2"/>
-            <a:r>
-              <a:rPr lang="de-CH" dirty="0"/>
-              <a:t>Aufbau Ontologie</a:t>
-            </a:r>
-          </a:p>
-          <a:p>
-            <a:pPr lvl="2"/>
-            <a:r>
-              <a:rPr lang="de-CH" dirty="0"/>
-              <a:t>Benutzerschnittstelle</a:t>
-            </a:r>
-          </a:p>
-          <a:p>
-            <a:endParaRPr lang="de-CH" dirty="0"/>
-          </a:p>
-        </p:txBody>
-      </p:sp>
-      <p:sp>
-        <p:nvSpPr>
-          <p:cNvPr id="3" name="Titel 2"/>
-          <p:cNvSpPr>
-            <a:spLocks noGrp="1"/>
-          </p:cNvSpPr>
-          <p:nvPr>
-            <p:ph type="ctrTitle"/>
-          </p:nvPr>
-        </p:nvSpPr>
-        <p:spPr/>
-        <p:txBody>
-          <a:bodyPr/>
-          <a:lstStyle/>
-          <a:p>
-            <a:r>
-              <a:rPr lang="de-CH" dirty="0"/>
-              <a:t>Ziel</a:t>
-            </a:r>
+            <a:endParaRPr lang="de-CH"/>
           </a:p>
         </p:txBody>
       </p:sp>
     </p:spTree>
     <p:extLst>
       <p:ext uri="{BB962C8B-B14F-4D97-AF65-F5344CB8AC3E}">
-        <p14:creationId xmlns:p14="http://schemas.microsoft.com/office/powerpoint/2010/main" val="1939819203"/>
+        <p14:creationId xmlns:p14="http://schemas.microsoft.com/office/powerpoint/2010/main" val="2089243429"/>
       </p:ext>
     </p:extLst>
   </p:cSld>
   <p:clrMapOvr>
     <a:masterClrMapping/>
   </p:clrMapOvr>
-  <p:timing>
-    <p:tnLst>
-      <p:par>
-        <p:cTn id="1" dur="indefinite" restart="never" nodeType="tmRoot"/>
-      </p:par>
-    </p:tnLst>
-  </p:timing>
 </p:sld>
 </file>
 
@@ -10695,60 +10928,42 @@
           <a:bodyPr/>
           <a:lstStyle/>
           <a:p>
-            <a:r>
-              <a:rPr lang="de-CH" dirty="0"/>
-              <a:t>Vorgehen Knowledge Engineer</a:t>
-            </a:r>
-          </a:p>
-          <a:p>
             <a:pPr lvl="1"/>
             <a:r>
-              <a:rPr lang="de-CH" dirty="0"/>
-              <a:t>Problemdomäne systematisch modellieren und formalisieren</a:t>
+              <a:rPr lang="de-CH" dirty="0">
+                <a:sym typeface="Wingdings" panose="05000000000000000000" pitchFamily="2" charset="2"/>
+              </a:rPr>
+              <a:t>Expertensystem</a:t>
             </a:r>
           </a:p>
           <a:p>
             <a:pPr lvl="2"/>
-            <a:endParaRPr lang="de-CH" dirty="0"/>
+            <a:r>
+              <a:rPr lang="de-CH" dirty="0">
+                <a:sym typeface="Wingdings" panose="05000000000000000000" pitchFamily="2" charset="2"/>
+              </a:rPr>
+              <a:t>Semantische Datenbank</a:t>
+            </a:r>
           </a:p>
           <a:p>
             <a:pPr lvl="2"/>
-            <a:endParaRPr lang="de-CH" dirty="0"/>
-          </a:p>
-          <a:p>
-            <a:r>
-              <a:rPr lang="de-CH" dirty="0"/>
-              <a:t>Aufbau </a:t>
-            </a:r>
-          </a:p>
-          <a:p>
-            <a:pPr lvl="1"/>
-            <a:r>
-              <a:rPr lang="de-CH" dirty="0"/>
-              <a:t>Theoretisches Hintergrundwissen zur Wissensmodellierung</a:t>
-            </a:r>
-          </a:p>
-          <a:p>
-            <a:pPr lvl="1"/>
-            <a:r>
-              <a:rPr lang="de-CH" dirty="0"/>
-              <a:t>Praktisches Beispiel </a:t>
-            </a:r>
-            <a:r>
-              <a:rPr lang="de-CH" dirty="0" smtClean="0"/>
-              <a:t>Expertensystem</a:t>
-            </a:r>
-            <a:endParaRPr lang="de-CH" dirty="0" smtClean="0"/>
-          </a:p>
-          <a:p>
-            <a:pPr lvl="1"/>
-            <a:r>
-              <a:rPr lang="de-CH" dirty="0" smtClean="0"/>
-              <a:t>Gesammelte </a:t>
-            </a:r>
-            <a:r>
-              <a:rPr lang="de-CH" dirty="0"/>
-              <a:t>Erfahrungen</a:t>
+            <a:r>
+              <a:rPr lang="de-CH" dirty="0">
+                <a:sym typeface="Wingdings" panose="05000000000000000000" pitchFamily="2" charset="2"/>
+              </a:rPr>
+              <a:t>Inferenzmaschine (</a:t>
+            </a:r>
+            <a:r>
+              <a:rPr lang="de-CH" dirty="0" err="1">
+                <a:sym typeface="Wingdings" panose="05000000000000000000" pitchFamily="2" charset="2"/>
+              </a:rPr>
+              <a:t>Reasoner</a:t>
+            </a:r>
+            <a:r>
+              <a:rPr lang="de-CH" dirty="0">
+                <a:sym typeface="Wingdings" panose="05000000000000000000" pitchFamily="2" charset="2"/>
+              </a:rPr>
+              <a:t>)</a:t>
             </a:r>
           </a:p>
           <a:p>
@@ -10772,29 +10987,47 @@
           <a:lstStyle/>
           <a:p>
             <a:r>
-              <a:rPr lang="de-CH" dirty="0"/>
-              <a:t>Tutorial</a:t>
-            </a:r>
-          </a:p>
-        </p:txBody>
-      </p:sp>
+              <a:rPr lang="de-CH" dirty="0" smtClean="0"/>
+              <a:t>Wissensabbildung</a:t>
+            </a:r>
+            <a:endParaRPr lang="de-CH" dirty="0"/>
+          </a:p>
+        </p:txBody>
+      </p:sp>
+      <p:pic>
+        <p:nvPicPr>
+          <p:cNvPr id="4" name="Grafik 3"/>
+          <p:cNvPicPr>
+            <a:picLocks noChangeAspect="1"/>
+          </p:cNvPicPr>
+          <p:nvPr/>
+        </p:nvPicPr>
+        <p:blipFill>
+          <a:blip r:embed="rId3"/>
+          <a:stretch>
+            <a:fillRect/>
+          </a:stretch>
+        </p:blipFill>
+        <p:spPr>
+          <a:xfrm>
+            <a:off x="5091375" y="1343025"/>
+            <a:ext cx="3476625" cy="4476750"/>
+          </a:xfrm>
+          <a:prstGeom prst="rect">
+            <a:avLst/>
+          </a:prstGeom>
+        </p:spPr>
+      </p:pic>
     </p:spTree>
     <p:extLst>
       <p:ext uri="{BB962C8B-B14F-4D97-AF65-F5344CB8AC3E}">
-        <p14:creationId xmlns:p14="http://schemas.microsoft.com/office/powerpoint/2010/main" val="2960236127"/>
+        <p14:creationId xmlns:p14="http://schemas.microsoft.com/office/powerpoint/2010/main" val="2985660709"/>
       </p:ext>
     </p:extLst>
   </p:cSld>
   <p:clrMapOvr>
     <a:masterClrMapping/>
   </p:clrMapOvr>
-  <p:timing>
-    <p:tnLst>
-      <p:par>
-        <p:cTn id="1" dur="indefinite" restart="never" nodeType="tmRoot"/>
-      </p:par>
-    </p:tnLst>
-  </p:timing>
 </p:sld>
 </file>
 
@@ -10832,68 +11065,51 @@
           <a:p>
             <a:r>
               <a:rPr lang="de-CH" dirty="0"/>
-              <a:t>Problemdomäne Reisen</a:t>
+              <a:t>Aufbau und Anwendung einer </a:t>
+            </a:r>
+            <a:r>
+              <a:rPr lang="de-CH" dirty="0" smtClean="0"/>
+              <a:t>semantischen </a:t>
+            </a:r>
+            <a:r>
+              <a:rPr lang="de-CH" dirty="0"/>
+              <a:t>Datenbank</a:t>
             </a:r>
           </a:p>
           <a:p>
             <a:pPr lvl="1"/>
             <a:r>
               <a:rPr lang="de-CH" dirty="0"/>
-              <a:t>Ursprünglich </a:t>
-            </a:r>
-            <a:r>
-              <a:rPr lang="de-CH" dirty="0" smtClean="0"/>
-              <a:t>Prolog</a:t>
-            </a:r>
-            <a:endParaRPr lang="de-CH" dirty="0"/>
+              <a:t>Theoretischer Teil</a:t>
+            </a:r>
+          </a:p>
+          <a:p>
+            <a:pPr lvl="2"/>
+            <a:r>
+              <a:rPr lang="de-CH" dirty="0"/>
+              <a:t>Tutorial</a:t>
+            </a:r>
           </a:p>
           <a:p>
             <a:pPr lvl="1"/>
             <a:r>
               <a:rPr lang="de-CH" dirty="0"/>
-              <a:t>Klarer </a:t>
-            </a:r>
-            <a:r>
-              <a:rPr lang="de-CH" dirty="0" smtClean="0"/>
-              <a:t>Rahmen</a:t>
-            </a:r>
-          </a:p>
-          <a:p>
-            <a:pPr marL="457200" lvl="1" indent="0">
-              <a:buNone/>
-            </a:pPr>
-            <a:endParaRPr lang="de-CH" dirty="0"/>
-          </a:p>
-          <a:p>
+              <a:t>Praktischer Teil</a:t>
+            </a:r>
+          </a:p>
+          <a:p>
+            <a:pPr lvl="2"/>
             <a:r>
               <a:rPr lang="de-CH" dirty="0"/>
-              <a:t>Werkzeuge </a:t>
-            </a:r>
-            <a:endParaRPr lang="de-CH" dirty="0" smtClean="0"/>
-          </a:p>
-          <a:p>
-            <a:pPr lvl="1"/>
-            <a:r>
-              <a:rPr lang="de-CH" dirty="0" err="1" smtClean="0"/>
-              <a:t>Stanbol</a:t>
-            </a:r>
-            <a:endParaRPr lang="de-CH" dirty="0"/>
-          </a:p>
-          <a:p>
-            <a:pPr lvl="1"/>
-            <a:r>
-              <a:rPr lang="de-CH" dirty="0" err="1" smtClean="0"/>
-              <a:t>Protégé</a:t>
-            </a:r>
-            <a:endParaRPr lang="de-CH" dirty="0" smtClean="0"/>
-          </a:p>
-          <a:p>
-            <a:pPr lvl="1"/>
-            <a:r>
-              <a:rPr lang="de-CH" dirty="0" err="1" smtClean="0"/>
-              <a:t>Stardog</a:t>
-            </a:r>
-            <a:endParaRPr lang="de-CH" dirty="0"/>
+              <a:t>Aufbau Ontologie</a:t>
+            </a:r>
+          </a:p>
+          <a:p>
+            <a:pPr lvl="2"/>
+            <a:r>
+              <a:rPr lang="de-CH" dirty="0"/>
+              <a:t>Benutzerschnittstelle</a:t>
+            </a:r>
           </a:p>
           <a:p>
             <a:endParaRPr lang="de-CH" dirty="0"/>
@@ -10916,17 +11132,16 @@
           <a:lstStyle/>
           <a:p>
             <a:r>
-              <a:rPr lang="de-CH" dirty="0" smtClean="0"/>
-              <a:t>Ontologie</a:t>
-            </a:r>
-            <a:endParaRPr lang="de-CH" dirty="0"/>
+              <a:rPr lang="de-CH" dirty="0"/>
+              <a:t>Ziel</a:t>
+            </a:r>
           </a:p>
         </p:txBody>
       </p:sp>
     </p:spTree>
     <p:extLst>
       <p:ext uri="{BB962C8B-B14F-4D97-AF65-F5344CB8AC3E}">
-        <p14:creationId xmlns:p14="http://schemas.microsoft.com/office/powerpoint/2010/main" val="1258177134"/>
+        <p14:creationId xmlns:p14="http://schemas.microsoft.com/office/powerpoint/2010/main" val="1939819203"/>
       </p:ext>
     </p:extLst>
   </p:cSld>
@@ -10976,104 +11191,61 @@
           <a:lstStyle/>
           <a:p>
             <a:r>
+              <a:rPr lang="de-CH" dirty="0"/>
+              <a:t>Vorgehen Knowledge Engineer</a:t>
+            </a:r>
+          </a:p>
+          <a:p>
+            <a:pPr lvl="1"/>
+            <a:r>
+              <a:rPr lang="de-CH" dirty="0"/>
+              <a:t>Problemdomäne systematisch modellieren und formalisieren</a:t>
+            </a:r>
+          </a:p>
+          <a:p>
+            <a:pPr lvl="2"/>
+            <a:endParaRPr lang="de-CH" dirty="0"/>
+          </a:p>
+          <a:p>
+            <a:pPr lvl="2"/>
+            <a:endParaRPr lang="de-CH" dirty="0"/>
+          </a:p>
+          <a:p>
+            <a:r>
+              <a:rPr lang="de-CH" dirty="0"/>
+              <a:t>Aufbau </a:t>
+            </a:r>
+          </a:p>
+          <a:p>
+            <a:pPr lvl="1"/>
+            <a:r>
+              <a:rPr lang="de-CH" dirty="0"/>
+              <a:t>Theoretisches Hintergrundwissen zur Wissensmodellierung</a:t>
+            </a:r>
+          </a:p>
+          <a:p>
+            <a:pPr lvl="1"/>
+            <a:r>
+              <a:rPr lang="de-CH" dirty="0"/>
+              <a:t>Praktisches Beispiel </a:t>
+            </a:r>
+            <a:r>
               <a:rPr lang="de-CH" dirty="0" smtClean="0"/>
-              <a:t>Tripel: </a:t>
+              <a:t>Expertensystem</a:t>
             </a:r>
           </a:p>
           <a:p>
             <a:pPr lvl="1"/>
             <a:r>
               <a:rPr lang="de-CH" dirty="0" smtClean="0"/>
-              <a:t>Subjekt</a:t>
-            </a:r>
-          </a:p>
-          <a:p>
-            <a:pPr lvl="1"/>
-            <a:r>
-              <a:rPr lang="de-CH" dirty="0" smtClean="0"/>
-              <a:t>Prädikat</a:t>
-            </a:r>
-          </a:p>
-          <a:p>
-            <a:pPr lvl="1"/>
-            <a:r>
-              <a:rPr lang="de-CH" dirty="0" smtClean="0"/>
-              <a:t>Objekt</a:t>
-            </a:r>
-            <a:endParaRPr lang="de-CH" dirty="0" smtClean="0"/>
-          </a:p>
-          <a:p>
-            <a:r>
-              <a:rPr lang="de-CH" dirty="0" smtClean="0"/>
-              <a:t>Bestandteile</a:t>
-            </a:r>
-            <a:endParaRPr lang="de-CH" dirty="0"/>
-          </a:p>
-          <a:p>
-            <a:pPr lvl="1"/>
+              <a:t>Gesammelte </a:t>
+            </a:r>
             <a:r>
               <a:rPr lang="de-CH" dirty="0"/>
-              <a:t>Klassen</a:t>
-            </a:r>
-          </a:p>
-          <a:p>
-            <a:pPr lvl="1"/>
-            <a:r>
-              <a:rPr lang="de-CH" dirty="0"/>
-              <a:t>Individuen</a:t>
-            </a:r>
-          </a:p>
-          <a:p>
-            <a:pPr lvl="1"/>
-            <a:r>
-              <a:rPr lang="de-CH" dirty="0"/>
-              <a:t>Eigenschaften </a:t>
-            </a:r>
-          </a:p>
-          <a:p>
-            <a:pPr lvl="1"/>
-            <a:r>
-              <a:rPr lang="de-CH" dirty="0"/>
-              <a:t>Beziehungen</a:t>
-            </a:r>
-          </a:p>
-          <a:p>
-            <a:pPr lvl="1"/>
-            <a:r>
-              <a:rPr lang="de-CH" dirty="0" smtClean="0"/>
-              <a:t>Regeln</a:t>
-            </a:r>
-          </a:p>
-          <a:p>
-            <a:pPr marL="457200" lvl="1" indent="0">
-              <a:buNone/>
-            </a:pPr>
-            <a:endParaRPr lang="de-CH" dirty="0">
-              <a:sym typeface="Wingdings" panose="05000000000000000000" pitchFamily="2" charset="2"/>
-            </a:endParaRPr>
-          </a:p>
-          <a:p>
-            <a:pPr marL="0" indent="-14287">
-              <a:buNone/>
-            </a:pPr>
-            <a:r>
-              <a:rPr lang="de-CH" dirty="0" smtClean="0">
-                <a:sym typeface="Wingdings" panose="05000000000000000000" pitchFamily="2" charset="2"/>
-              </a:rPr>
-              <a:t> </a:t>
-            </a:r>
-            <a:r>
-              <a:rPr lang="de-CH" dirty="0">
-                <a:sym typeface="Wingdings" panose="05000000000000000000" pitchFamily="2" charset="2"/>
-              </a:rPr>
-              <a:t>Semantische Datenbank</a:t>
-            </a:r>
-            <a:endParaRPr lang="de-CH" dirty="0"/>
-          </a:p>
-          <a:p>
-            <a:pPr marL="0" indent="0">
-              <a:buNone/>
-            </a:pPr>
+              <a:t>Erfahrungen</a:t>
+            </a:r>
+          </a:p>
+          <a:p>
             <a:endParaRPr lang="de-CH" dirty="0"/>
           </a:p>
         </p:txBody>
@@ -11095,15 +11267,63 @@
           <a:p>
             <a:r>
               <a:rPr lang="de-CH" dirty="0"/>
-              <a:t>Aufbau Ontologie</a:t>
-            </a:r>
-          </a:p>
-        </p:txBody>
-      </p:sp>
+              <a:t>Tutorial</a:t>
+            </a:r>
+          </a:p>
+        </p:txBody>
+      </p:sp>
+      <p:pic>
+        <p:nvPicPr>
+          <p:cNvPr id="4" name="Grafik 3"/>
+          <p:cNvPicPr>
+            <a:picLocks noChangeAspect="1"/>
+          </p:cNvPicPr>
+          <p:nvPr/>
+        </p:nvPicPr>
+        <p:blipFill>
+          <a:blip r:embed="rId3"/>
+          <a:stretch>
+            <a:fillRect/>
+          </a:stretch>
+        </p:blipFill>
+        <p:spPr>
+          <a:xfrm>
+            <a:off x="1007113" y="4420780"/>
+            <a:ext cx="1484312" cy="1449793"/>
+          </a:xfrm>
+          <a:prstGeom prst="rect">
+            <a:avLst/>
+          </a:prstGeom>
+        </p:spPr>
+      </p:pic>
+      <p:pic>
+        <p:nvPicPr>
+          <p:cNvPr id="5" name="Grafik 4"/>
+          <p:cNvPicPr>
+            <a:picLocks noChangeAspect="1"/>
+          </p:cNvPicPr>
+          <p:nvPr/>
+        </p:nvPicPr>
+        <p:blipFill>
+          <a:blip r:embed="rId4"/>
+          <a:stretch>
+            <a:fillRect/>
+          </a:stretch>
+        </p:blipFill>
+        <p:spPr>
+          <a:xfrm>
+            <a:off x="3770450" y="4420781"/>
+            <a:ext cx="1495099" cy="1449793"/>
+          </a:xfrm>
+          <a:prstGeom prst="rect">
+            <a:avLst/>
+          </a:prstGeom>
+        </p:spPr>
+      </p:pic>
     </p:spTree>
     <p:extLst>
       <p:ext uri="{BB962C8B-B14F-4D97-AF65-F5344CB8AC3E}">
-        <p14:creationId xmlns:p14="http://schemas.microsoft.com/office/powerpoint/2010/main" val="2926770482"/>
+        <p14:creationId xmlns:p14="http://schemas.microsoft.com/office/powerpoint/2010/main" val="2960236127"/>
       </p:ext>
     </p:extLst>
   </p:cSld>
@@ -11137,40 +11357,14 @@
           <a:chExt cx="0" cy="0"/>
         </a:xfrm>
       </p:grpSpPr>
-      <p:pic>
-        <p:nvPicPr>
-          <p:cNvPr id="5" name="Inhaltsplatzhalter 4"/>
-          <p:cNvPicPr>
-            <a:picLocks noGrp="1" noChangeAspect="1"/>
-          </p:cNvPicPr>
+      <p:sp>
+        <p:nvSpPr>
+          <p:cNvPr id="2" name="Inhaltsplatzhalter 1"/>
+          <p:cNvSpPr>
+            <a:spLocks noGrp="1"/>
+          </p:cNvSpPr>
           <p:nvPr>
             <p:ph sz="half" idx="1"/>
-          </p:nvPr>
-        </p:nvPicPr>
-        <p:blipFill>
-          <a:blip r:embed="rId3"/>
-          <a:stretch>
-            <a:fillRect/>
-          </a:stretch>
-        </p:blipFill>
-        <p:spPr>
-          <a:xfrm>
-            <a:off x="758247" y="1135063"/>
-            <a:ext cx="6735785" cy="4679950"/>
-          </a:xfrm>
-          <a:prstGeom prst="rect">
-            <a:avLst/>
-          </a:prstGeom>
-        </p:spPr>
-      </p:pic>
-      <p:sp>
-        <p:nvSpPr>
-          <p:cNvPr id="3" name="Titel 2"/>
-          <p:cNvSpPr>
-            <a:spLocks noGrp="1"/>
-          </p:cNvSpPr>
-          <p:nvPr>
-            <p:ph type="ctrTitle"/>
           </p:nvPr>
         </p:nvSpPr>
         <p:spPr/>
@@ -11179,8 +11373,92 @@
           <a:lstStyle/>
           <a:p>
             <a:r>
+              <a:rPr lang="de-CH" dirty="0"/>
+              <a:t>Problemdomäne Reisen</a:t>
+            </a:r>
+          </a:p>
+          <a:p>
+            <a:pPr lvl="1"/>
+            <a:r>
+              <a:rPr lang="de-CH" dirty="0"/>
+              <a:t>Ursprünglich </a:t>
+            </a:r>
+            <a:r>
               <a:rPr lang="de-CH" dirty="0" smtClean="0"/>
-              <a:t>Ontologie abbilden</a:t>
+              <a:t>Prolog</a:t>
+            </a:r>
+            <a:endParaRPr lang="de-CH" dirty="0"/>
+          </a:p>
+          <a:p>
+            <a:pPr lvl="1"/>
+            <a:r>
+              <a:rPr lang="de-CH" dirty="0"/>
+              <a:t>Klarer </a:t>
+            </a:r>
+            <a:r>
+              <a:rPr lang="de-CH" dirty="0" smtClean="0"/>
+              <a:t>Rahmen</a:t>
+            </a:r>
+          </a:p>
+          <a:p>
+            <a:pPr marL="457200" lvl="1" indent="0">
+              <a:buNone/>
+            </a:pPr>
+            <a:endParaRPr lang="de-CH" dirty="0"/>
+          </a:p>
+          <a:p>
+            <a:r>
+              <a:rPr lang="de-CH" dirty="0" smtClean="0"/>
+              <a:t>Werkzeuge </a:t>
+            </a:r>
+          </a:p>
+          <a:p>
+            <a:pPr lvl="1"/>
+            <a:r>
+              <a:rPr lang="de-CH" dirty="0" err="1" smtClean="0"/>
+              <a:t>yEd</a:t>
+            </a:r>
+            <a:endParaRPr lang="de-CH" dirty="0" smtClean="0"/>
+          </a:p>
+          <a:p>
+            <a:pPr lvl="1"/>
+            <a:r>
+              <a:rPr lang="de-CH" dirty="0" err="1" smtClean="0"/>
+              <a:t>Protégé</a:t>
+            </a:r>
+            <a:endParaRPr lang="de-CH" dirty="0" smtClean="0"/>
+          </a:p>
+          <a:p>
+            <a:pPr lvl="1"/>
+            <a:r>
+              <a:rPr lang="de-CH" dirty="0" err="1" smtClean="0"/>
+              <a:t>Stardog</a:t>
+            </a:r>
+            <a:endParaRPr lang="de-CH" dirty="0" smtClean="0"/>
+          </a:p>
+          <a:p>
+            <a:endParaRPr lang="de-CH" dirty="0"/>
+          </a:p>
+        </p:txBody>
+      </p:sp>
+      <p:sp>
+        <p:nvSpPr>
+          <p:cNvPr id="3" name="Titel 2"/>
+          <p:cNvSpPr>
+            <a:spLocks noGrp="1"/>
+          </p:cNvSpPr>
+          <p:nvPr>
+            <p:ph type="ctrTitle"/>
+          </p:nvPr>
+        </p:nvSpPr>
+        <p:spPr/>
+        <p:txBody>
+          <a:bodyPr/>
+          <a:lstStyle/>
+          <a:p>
+            <a:r>
+              <a:rPr lang="de-CH" dirty="0" smtClean="0"/>
+              <a:t>Ontologie</a:t>
             </a:r>
             <a:endParaRPr lang="de-CH" dirty="0"/>
           </a:p>
@@ -11189,7 +11467,7 @@
     </p:spTree>
     <p:extLst>
       <p:ext uri="{BB962C8B-B14F-4D97-AF65-F5344CB8AC3E}">
-        <p14:creationId xmlns:p14="http://schemas.microsoft.com/office/powerpoint/2010/main" val="493163707"/>
+        <p14:creationId xmlns:p14="http://schemas.microsoft.com/office/powerpoint/2010/main" val="1258177134"/>
       </p:ext>
     </p:extLst>
   </p:cSld>
@@ -12238,16 +12516,16 @@
 <file path=customXml/itemProps3.xml><?xml version="1.0" encoding="utf-8"?>
 <ds:datastoreItem xmlns:ds="http://schemas.openxmlformats.org/officeDocument/2006/customXml" ds:itemID="{96591048-6F15-48C6-9650-9BFF3E56974F}">
   <ds:schemaRefs>
+    <ds:schemaRef ds:uri="http://schemas.microsoft.com/office/infopath/2007/PartnerControls"/>
     <ds:schemaRef ds:uri="http://schemas.openxmlformats.org/package/2006/metadata/core-properties"/>
+    <ds:schemaRef ds:uri="http://purl.org/dc/terms/"/>
     <ds:schemaRef ds:uri="http://purl.org/dc/elements/1.1/"/>
     <ds:schemaRef ds:uri="2551ef7e-3b29-44d1-a8ad-ef34c26bfc60"/>
     <ds:schemaRef ds:uri="http://schemas.microsoft.com/office/2006/metadata/properties"/>
-    <ds:schemaRef ds:uri="http://purl.org/dc/terms/"/>
+    <ds:schemaRef ds:uri="http://purl.org/dc/dcmitype/"/>
     <ds:schemaRef ds:uri="http://schemas.microsoft.com/office/2006/documentManagement/types"/>
     <ds:schemaRef ds:uri="http://www.w3.org/XML/1998/namespace"/>
-    <ds:schemaRef ds:uri="http://schemas.microsoft.com/office/infopath/2007/PartnerControls"/>
     <ds:schemaRef ds:uri="63c724b1-652e-424f-8d99-4ee509067280"/>
-    <ds:schemaRef ds:uri="http://purl.org/dc/dcmitype/"/>
   </ds:schemaRefs>
 </ds:datastoreItem>
 </file>
--- a/Doc/Semantische Datenbanken_bfh.pptx
+++ b/Doc/Semantische Datenbanken_bfh.pptx
@@ -5,10 +5,10 @@
     <p:sldMasterId id="2147483669" r:id="rId4"/>
   </p:sldMasterIdLst>
   <p:notesMasterIdLst>
-    <p:notesMasterId r:id="rId22"/>
+    <p:notesMasterId r:id="rId23"/>
   </p:notesMasterIdLst>
   <p:handoutMasterIdLst>
-    <p:handoutMasterId r:id="rId23"/>
+    <p:handoutMasterId r:id="rId24"/>
   </p:handoutMasterIdLst>
   <p:sldIdLst>
     <p:sldId id="259" r:id="rId5"/>
@@ -28,6 +28,7 @@
     <p:sldId id="278" r:id="rId19"/>
     <p:sldId id="279" r:id="rId20"/>
     <p:sldId id="257" r:id="rId21"/>
+    <p:sldId id="284" r:id="rId22"/>
   </p:sldIdLst>
   <p:sldSz cx="9144000" cy="6858000" type="screen4x3"/>
   <p:notesSz cx="7099300" cy="10234613"/>
@@ -1871,6 +1872,90 @@
     <p:extLst>
       <p:ext uri="{BB962C8B-B14F-4D97-AF65-F5344CB8AC3E}">
         <p14:creationId xmlns:p14="http://schemas.microsoft.com/office/powerpoint/2010/main" val="35148844"/>
+      </p:ext>
+    </p:extLst>
+  </p:cSld>
+  <p:clrMapOvr>
+    <a:masterClrMapping/>
+  </p:clrMapOvr>
+</p:notes>
+</file>
+
+<file path=ppt/notesSlides/notesSlide18.xml><?xml version="1.0" encoding="utf-8"?>
+<p:notes xmlns:a="http://schemas.openxmlformats.org/drawingml/2006/main" xmlns:r="http://schemas.openxmlformats.org/officeDocument/2006/relationships" xmlns:p="http://schemas.openxmlformats.org/presentationml/2006/main">
+  <p:cSld>
+    <p:spTree>
+      <p:nvGrpSpPr>
+        <p:cNvPr id="1" name=""/>
+        <p:cNvGrpSpPr/>
+        <p:nvPr/>
+      </p:nvGrpSpPr>
+      <p:grpSpPr>
+        <a:xfrm>
+          <a:off x="0" y="0"/>
+          <a:ext cx="0" cy="0"/>
+          <a:chOff x="0" y="0"/>
+          <a:chExt cx="0" cy="0"/>
+        </a:xfrm>
+      </p:grpSpPr>
+      <p:sp>
+        <p:nvSpPr>
+          <p:cNvPr id="2" name="Folienbildplatzhalter 1"/>
+          <p:cNvSpPr>
+            <a:spLocks noGrp="1" noRot="1" noChangeAspect="1"/>
+          </p:cNvSpPr>
+          <p:nvPr>
+            <p:ph type="sldImg"/>
+          </p:nvPr>
+        </p:nvSpPr>
+        <p:spPr/>
+      </p:sp>
+      <p:sp>
+        <p:nvSpPr>
+          <p:cNvPr id="3" name="Notizenplatzhalter 2"/>
+          <p:cNvSpPr>
+            <a:spLocks noGrp="1"/>
+          </p:cNvSpPr>
+          <p:nvPr>
+            <p:ph type="body" idx="1"/>
+          </p:nvPr>
+        </p:nvSpPr>
+        <p:spPr/>
+        <p:txBody>
+          <a:bodyPr/>
+          <a:lstStyle/>
+          <a:p>
+            <a:endParaRPr lang="de-CH" dirty="0"/>
+          </a:p>
+        </p:txBody>
+      </p:sp>
+      <p:sp>
+        <p:nvSpPr>
+          <p:cNvPr id="4" name="Foliennummernplatzhalter 3"/>
+          <p:cNvSpPr>
+            <a:spLocks noGrp="1"/>
+          </p:cNvSpPr>
+          <p:nvPr>
+            <p:ph type="sldNum" sz="quarter" idx="10"/>
+          </p:nvPr>
+        </p:nvSpPr>
+        <p:spPr/>
+        <p:txBody>
+          <a:bodyPr/>
+          <a:lstStyle/>
+          <a:p>
+            <a:fld id="{37E44704-8E6D-4CF2-8CFA-A0F7BC751896}" type="slidenum">
+              <a:rPr lang="de-CH" smtClean="0"/>
+              <a:t>18</a:t>
+            </a:fld>
+            <a:endParaRPr lang="de-CH"/>
+          </a:p>
+        </p:txBody>
+      </p:sp>
+    </p:spTree>
+    <p:extLst>
+      <p:ext uri="{BB962C8B-B14F-4D97-AF65-F5344CB8AC3E}">
+        <p14:creationId xmlns:p14="http://schemas.microsoft.com/office/powerpoint/2010/main" val="1543961716"/>
       </p:ext>
     </p:extLst>
   </p:cSld>
@@ -9357,13 +9442,10 @@
               <a:t>Abschlusspräsentation </a:t>
             </a:r>
             <a:r>
-              <a:rPr lang="de-CH" dirty="0"/>
-              <a:t>Bachelor </a:t>
-            </a:r>
-            <a:r>
               <a:rPr lang="de-CH" dirty="0" smtClean="0"/>
-              <a:t>Thesis</a:t>
-            </a:r>
+              <a:t>Bachelor-Thesis</a:t>
+            </a:r>
+            <a:endParaRPr lang="de-CH" dirty="0" smtClean="0"/>
           </a:p>
           <a:p>
             <a:endParaRPr lang="de-CH" dirty="0"/>
@@ -9519,12 +9601,12 @@
       </p:grpSpPr>
       <p:sp>
         <p:nvSpPr>
-          <p:cNvPr id="2" name="Inhaltsplatzhalter 1"/>
-          <p:cNvSpPr>
-            <a:spLocks noGrp="1"/>
-          </p:cNvSpPr>
-          <p:nvPr>
-            <p:ph sz="half" idx="1"/>
+          <p:cNvPr id="3" name="Titel 2"/>
+          <p:cNvSpPr>
+            <a:spLocks noGrp="1"/>
+          </p:cNvSpPr>
+          <p:nvPr>
+            <p:ph type="ctrTitle"/>
           </p:nvPr>
         </p:nvSpPr>
         <p:spPr/>
@@ -9533,6 +9615,66 @@
           <a:lstStyle/>
           <a:p>
             <a:r>
+              <a:rPr lang="de-CH" dirty="0"/>
+              <a:t>Aufbau Ontologie</a:t>
+            </a:r>
+          </a:p>
+        </p:txBody>
+      </p:sp>
+      <p:sp>
+        <p:nvSpPr>
+          <p:cNvPr id="4" name="Textplatzhalter 3"/>
+          <p:cNvSpPr>
+            <a:spLocks noGrp="1"/>
+          </p:cNvSpPr>
+          <p:nvPr>
+            <p:ph type="body" idx="1"/>
+          </p:nvPr>
+        </p:nvSpPr>
+        <p:spPr/>
+        <p:txBody>
+          <a:bodyPr/>
+          <a:lstStyle/>
+          <a:p>
+            <a:endParaRPr lang="de-CH"/>
+          </a:p>
+        </p:txBody>
+      </p:sp>
+      <p:sp>
+        <p:nvSpPr>
+          <p:cNvPr id="6" name="Textplatzhalter 5"/>
+          <p:cNvSpPr>
+            <a:spLocks noGrp="1"/>
+          </p:cNvSpPr>
+          <p:nvPr>
+            <p:ph type="body" idx="18"/>
+          </p:nvPr>
+        </p:nvSpPr>
+        <p:spPr/>
+        <p:txBody>
+          <a:bodyPr/>
+          <a:lstStyle/>
+          <a:p>
+            <a:endParaRPr lang="de-CH"/>
+          </a:p>
+        </p:txBody>
+      </p:sp>
+      <p:sp>
+        <p:nvSpPr>
+          <p:cNvPr id="2" name="Inhaltsplatzhalter 1"/>
+          <p:cNvSpPr>
+            <a:spLocks noGrp="1"/>
+          </p:cNvSpPr>
+          <p:nvPr>
+            <p:ph sz="half" idx="13"/>
+          </p:nvPr>
+        </p:nvSpPr>
+        <p:spPr/>
+        <p:txBody>
+          <a:bodyPr/>
+          <a:lstStyle/>
+          <a:p>
+            <a:r>
               <a:rPr lang="de-CH" dirty="0" smtClean="0"/>
               <a:t>Tripel</a:t>
             </a:r>
@@ -9561,47 +9703,6 @@
           <a:p>
             <a:pPr lvl="1"/>
             <a:endParaRPr lang="de-CH" dirty="0"/>
-          </a:p>
-          <a:p>
-            <a:r>
-              <a:rPr lang="de-CH" dirty="0"/>
-              <a:t>Bestandteile</a:t>
-            </a:r>
-          </a:p>
-          <a:p>
-            <a:pPr lvl="1"/>
-            <a:r>
-              <a:rPr lang="de-CH" dirty="0"/>
-              <a:t>Klassen</a:t>
-            </a:r>
-          </a:p>
-          <a:p>
-            <a:pPr lvl="1"/>
-            <a:r>
-              <a:rPr lang="de-CH" dirty="0"/>
-              <a:t>Individuen</a:t>
-            </a:r>
-          </a:p>
-          <a:p>
-            <a:pPr lvl="1"/>
-            <a:r>
-              <a:rPr lang="de-CH" dirty="0"/>
-              <a:t>Eigenschaften </a:t>
-            </a:r>
-          </a:p>
-          <a:p>
-            <a:pPr lvl="1"/>
-            <a:r>
-              <a:rPr lang="de-CH" dirty="0"/>
-              <a:t>Beziehungen</a:t>
-            </a:r>
-          </a:p>
-          <a:p>
-            <a:pPr lvl="1"/>
-            <a:r>
-              <a:rPr lang="de-CH" dirty="0"/>
-              <a:t>Regeln</a:t>
-            </a:r>
           </a:p>
           <a:p>
             <a:endParaRPr lang="de-CH" dirty="0"/>
@@ -9627,12 +9728,12 @@
       </p:sp>
       <p:sp>
         <p:nvSpPr>
-          <p:cNvPr id="3" name="Titel 2"/>
-          <p:cNvSpPr>
-            <a:spLocks noGrp="1"/>
-          </p:cNvSpPr>
-          <p:nvPr>
-            <p:ph type="ctrTitle"/>
+          <p:cNvPr id="5" name="Inhaltsplatzhalter 4"/>
+          <p:cNvSpPr>
+            <a:spLocks noGrp="1"/>
+          </p:cNvSpPr>
+          <p:nvPr>
+            <p:ph sz="half" idx="15"/>
           </p:nvPr>
         </p:nvSpPr>
         <p:spPr/>
@@ -9642,8 +9743,46 @@
           <a:p>
             <a:r>
               <a:rPr lang="de-CH" dirty="0"/>
-              <a:t>Aufbau Ontologie</a:t>
-            </a:r>
+              <a:t>Bestandteile</a:t>
+            </a:r>
+          </a:p>
+          <a:p>
+            <a:pPr lvl="1"/>
+            <a:r>
+              <a:rPr lang="de-CH" dirty="0"/>
+              <a:t>Klassen</a:t>
+            </a:r>
+          </a:p>
+          <a:p>
+            <a:pPr lvl="1"/>
+            <a:r>
+              <a:rPr lang="de-CH" dirty="0"/>
+              <a:t>Individuen</a:t>
+            </a:r>
+          </a:p>
+          <a:p>
+            <a:pPr lvl="1"/>
+            <a:r>
+              <a:rPr lang="de-CH" dirty="0"/>
+              <a:t>Eigenschaften </a:t>
+            </a:r>
+          </a:p>
+          <a:p>
+            <a:pPr lvl="1"/>
+            <a:r>
+              <a:rPr lang="de-CH" dirty="0"/>
+              <a:t>Beziehungen</a:t>
+            </a:r>
+          </a:p>
+          <a:p>
+            <a:pPr lvl="1"/>
+            <a:r>
+              <a:rPr lang="de-CH" dirty="0"/>
+              <a:t>Regeln</a:t>
+            </a:r>
+          </a:p>
+          <a:p>
+            <a:endParaRPr lang="de-CH" dirty="0"/>
           </a:p>
         </p:txBody>
       </p:sp>
@@ -10247,41 +10386,78 @@
           <a:lstStyle/>
           <a:p>
             <a:r>
+              <a:rPr lang="de-CH" dirty="0" smtClean="0"/>
+              <a:t>Fokus auf Prozess</a:t>
+            </a:r>
+          </a:p>
+          <a:p>
+            <a:r>
+              <a:rPr lang="de-CH" dirty="0" smtClean="0"/>
+              <a:t>Wechsel </a:t>
+            </a:r>
+            <a:r>
+              <a:rPr lang="de-CH" dirty="0"/>
+              <a:t>Problemdomäne</a:t>
+            </a:r>
+          </a:p>
+          <a:p>
+            <a:r>
+              <a:rPr lang="de-CH" dirty="0"/>
+              <a:t>Mächtig aber doch mit gewissen Einschränkungen</a:t>
+            </a:r>
+          </a:p>
+          <a:p>
+            <a:pPr lvl="1"/>
+            <a:r>
+              <a:rPr lang="de-CH" dirty="0"/>
+              <a:t>Beschränkt intelligent</a:t>
+            </a:r>
+          </a:p>
+          <a:p>
+            <a:pPr lvl="1"/>
+            <a:r>
+              <a:rPr lang="de-CH" dirty="0" smtClean="0"/>
+              <a:t>Werkzeuge</a:t>
+            </a:r>
+          </a:p>
+          <a:p>
+            <a:pPr lvl="1"/>
+            <a:endParaRPr lang="de-CH" dirty="0"/>
+          </a:p>
+          <a:p>
+            <a:r>
+              <a:rPr lang="de-CH" dirty="0" smtClean="0"/>
+              <a:t>Persönliches Fazit</a:t>
+            </a:r>
+          </a:p>
+          <a:p>
+            <a:pPr lvl="1"/>
+            <a:r>
+              <a:rPr lang="de-CH" dirty="0" smtClean="0"/>
+              <a:t>Forschen und Experimentieren</a:t>
+            </a:r>
+          </a:p>
+          <a:p>
+            <a:pPr lvl="1"/>
+            <a:r>
+              <a:rPr lang="de-CH" dirty="0" smtClean="0"/>
+              <a:t>Umdenken</a:t>
+            </a:r>
+          </a:p>
+          <a:p>
+            <a:pPr lvl="1"/>
+            <a:r>
               <a:rPr lang="de-CH" dirty="0"/>
               <a:t>Viele neue Lerninhalte</a:t>
             </a:r>
           </a:p>
           <a:p>
-            <a:r>
-              <a:rPr lang="de-CH" dirty="0"/>
-              <a:t>Umdenken</a:t>
-            </a:r>
-          </a:p>
-          <a:p>
-            <a:r>
-              <a:rPr lang="de-CH" dirty="0"/>
-              <a:t>Wechsel Problemdomäne</a:t>
-            </a:r>
-          </a:p>
-          <a:p>
-            <a:r>
-              <a:rPr lang="de-CH" dirty="0"/>
-              <a:t>Mächtig aber doch mit gewissen Einschränkungen</a:t>
-            </a:r>
-          </a:p>
-          <a:p>
             <a:pPr lvl="1"/>
-            <a:r>
-              <a:rPr lang="de-CH" dirty="0"/>
-              <a:t>Beschränkt intelligent</a:t>
-            </a:r>
+            <a:endParaRPr lang="de-CH" dirty="0"/>
           </a:p>
           <a:p>
             <a:pPr lvl="1"/>
-            <a:r>
-              <a:rPr lang="de-CH" dirty="0"/>
-              <a:t>Werkzeuge</a:t>
-            </a:r>
+            <a:endParaRPr lang="de-CH" dirty="0"/>
           </a:p>
           <a:p>
             <a:endParaRPr lang="de-CH" dirty="0"/>
@@ -10394,6 +10570,36 @@
           </a:p>
         </p:txBody>
       </p:sp>
+      <p:pic>
+        <p:nvPicPr>
+          <p:cNvPr id="4" name="Grafik 3"/>
+          <p:cNvPicPr>
+            <a:picLocks noChangeAspect="1"/>
+          </p:cNvPicPr>
+          <p:nvPr/>
+        </p:nvPicPr>
+        <p:blipFill>
+          <a:blip r:embed="rId3">
+            <a:extLst>
+              <a:ext uri="{28A0092B-C50C-407E-A947-70E740481C1C}">
+                <a14:useLocalDpi xmlns:a14="http://schemas.microsoft.com/office/drawing/2010/main" val="0"/>
+              </a:ext>
+            </a:extLst>
+          </a:blip>
+          <a:stretch>
+            <a:fillRect/>
+          </a:stretch>
+        </p:blipFill>
+        <p:spPr>
+          <a:xfrm>
+            <a:off x="1585827" y="3105971"/>
+            <a:ext cx="1807058" cy="1770916"/>
+          </a:xfrm>
+          <a:prstGeom prst="rect">
+            <a:avLst/>
+          </a:prstGeom>
+        </p:spPr>
+      </p:pic>
     </p:spTree>
     <p:extLst>
       <p:ext uri="{BB962C8B-B14F-4D97-AF65-F5344CB8AC3E}">
@@ -10409,6 +10615,132 @@
       <p:transition spd="slow" p14:dur="2000"/>
     </mc:Choice>
     <mc:Fallback xmlns="">
+      <p:transition spd="slow"/>
+    </mc:Fallback>
+  </mc:AlternateContent>
+  <p:timing>
+    <p:tnLst>
+      <p:par>
+        <p:cTn id="1" dur="indefinite" restart="never" nodeType="tmRoot"/>
+      </p:par>
+    </p:tnLst>
+  </p:timing>
+</p:sld>
+</file>
+
+<file path=ppt/slides/slide18.xml><?xml version="1.0" encoding="utf-8"?>
+<p:sld xmlns:a="http://schemas.openxmlformats.org/drawingml/2006/main" xmlns:r="http://schemas.openxmlformats.org/officeDocument/2006/relationships" xmlns:p="http://schemas.openxmlformats.org/presentationml/2006/main">
+  <p:cSld>
+    <p:spTree>
+      <p:nvGrpSpPr>
+        <p:cNvPr id="1" name=""/>
+        <p:cNvGrpSpPr/>
+        <p:nvPr/>
+      </p:nvGrpSpPr>
+      <p:grpSpPr>
+        <a:xfrm>
+          <a:off x="0" y="0"/>
+          <a:ext cx="0" cy="0"/>
+          <a:chOff x="0" y="0"/>
+          <a:chExt cx="0" cy="0"/>
+        </a:xfrm>
+      </p:grpSpPr>
+      <p:sp>
+        <p:nvSpPr>
+          <p:cNvPr id="5" name="Titel 4"/>
+          <p:cNvSpPr>
+            <a:spLocks noGrp="1"/>
+          </p:cNvSpPr>
+          <p:nvPr>
+            <p:ph type="ctrTitle"/>
+          </p:nvPr>
+        </p:nvSpPr>
+        <p:spPr/>
+        <p:txBody>
+          <a:bodyPr/>
+          <a:lstStyle/>
+          <a:p>
+            <a:r>
+              <a:rPr lang="de-CH" dirty="0" smtClean="0"/>
+              <a:t>Danke für Ihre Aufmerksamkeit</a:t>
+            </a:r>
+            <a:endParaRPr lang="de-CH" dirty="0"/>
+          </a:p>
+        </p:txBody>
+      </p:sp>
+      <p:sp>
+        <p:nvSpPr>
+          <p:cNvPr id="6" name="Untertitel 5"/>
+          <p:cNvSpPr>
+            <a:spLocks noGrp="1"/>
+          </p:cNvSpPr>
+          <p:nvPr>
+            <p:ph type="subTitle" idx="1"/>
+          </p:nvPr>
+        </p:nvSpPr>
+        <p:spPr>
+          <a:xfrm>
+            <a:off x="3392885" y="2220513"/>
+            <a:ext cx="664114" cy="1466116"/>
+          </a:xfrm>
+        </p:spPr>
+        <p:txBody>
+          <a:bodyPr/>
+          <a:lstStyle/>
+          <a:p>
+            <a:r>
+              <a:rPr lang="de-CH" sz="9600" dirty="0" smtClean="0"/>
+              <a:t>!</a:t>
+            </a:r>
+            <a:endParaRPr lang="de-CH" sz="9600" dirty="0"/>
+          </a:p>
+        </p:txBody>
+      </p:sp>
+      <p:pic>
+        <p:nvPicPr>
+          <p:cNvPr id="3" name="Grafik 2"/>
+          <p:cNvPicPr>
+            <a:picLocks noChangeAspect="1"/>
+          </p:cNvPicPr>
+          <p:nvPr/>
+        </p:nvPicPr>
+        <p:blipFill>
+          <a:blip r:embed="rId3">
+            <a:extLst>
+              <a:ext uri="{28A0092B-C50C-407E-A947-70E740481C1C}">
+                <a14:useLocalDpi xmlns:a14="http://schemas.microsoft.com/office/drawing/2010/main" val="0"/>
+              </a:ext>
+            </a:extLst>
+          </a:blip>
+          <a:stretch>
+            <a:fillRect/>
+          </a:stretch>
+        </p:blipFill>
+        <p:spPr>
+          <a:xfrm>
+            <a:off x="1336561" y="3018971"/>
+            <a:ext cx="1920855" cy="1831215"/>
+          </a:xfrm>
+          <a:prstGeom prst="rect">
+            <a:avLst/>
+          </a:prstGeom>
+        </p:spPr>
+      </p:pic>
+    </p:spTree>
+    <p:extLst>
+      <p:ext uri="{BB962C8B-B14F-4D97-AF65-F5344CB8AC3E}">
+        <p14:creationId xmlns:p14="http://schemas.microsoft.com/office/powerpoint/2010/main" val="2119142138"/>
+      </p:ext>
+    </p:extLst>
+  </p:cSld>
+  <p:clrMapOvr>
+    <a:masterClrMapping/>
+  </p:clrMapOvr>
+  <mc:AlternateContent xmlns:mc="http://schemas.openxmlformats.org/markup-compatibility/2006">
+    <mc:Choice xmlns:p14="http://schemas.microsoft.com/office/powerpoint/2010/main" Requires="p14">
+      <p:transition spd="slow" p14:dur="2000"/>
+    </mc:Choice>
+    <mc:Fallback>
       <p:transition spd="slow"/>
     </mc:Fallback>
   </mc:AlternateContent>
@@ -10893,6 +11225,13 @@
   <p:clrMapOvr>
     <a:masterClrMapping/>
   </p:clrMapOvr>
+  <p:timing>
+    <p:tnLst>
+      <p:par>
+        <p:cTn id="1" dur="indefinite" restart="never" nodeType="tmRoot"/>
+      </p:par>
+    </p:tnLst>
+  </p:timing>
 </p:sld>
 </file>
 
@@ -11028,6 +11367,13 @@
   <p:clrMapOvr>
     <a:masterClrMapping/>
   </p:clrMapOvr>
+  <p:timing>
+    <p:tnLst>
+      <p:par>
+        <p:cTn id="1" dur="indefinite" restart="never" nodeType="tmRoot"/>
+      </p:par>
+    </p:tnLst>
+  </p:timing>
 </p:sld>
 </file>
 
@@ -11192,8 +11538,13 @@
           <a:p>
             <a:r>
               <a:rPr lang="de-CH" dirty="0"/>
-              <a:t>Vorgehen Knowledge Engineer</a:t>
-            </a:r>
+              <a:t>Vorgehen </a:t>
+            </a:r>
+            <a:r>
+              <a:rPr lang="de-CH" dirty="0" smtClean="0"/>
+              <a:t>Knowledge-Engineer</a:t>
+            </a:r>
+            <a:endParaRPr lang="de-CH" dirty="0"/>
           </a:p>
           <a:p>
             <a:pPr lvl="1"/>
@@ -11288,7 +11639,7 @@
         </p:blipFill>
         <p:spPr>
           <a:xfrm>
-            <a:off x="1007113" y="4420780"/>
+            <a:off x="2797813" y="4403906"/>
             <a:ext cx="1484312" cy="1449793"/>
           </a:xfrm>
           <a:prstGeom prst="rect">
@@ -11312,7 +11663,7 @@
         </p:blipFill>
         <p:spPr>
           <a:xfrm>
-            <a:off x="3770450" y="4420781"/>
+            <a:off x="790433" y="4403907"/>
             <a:ext cx="1495099" cy="1449793"/>
           </a:xfrm>
           <a:prstGeom prst="rect">
@@ -11359,12 +11710,12 @@
       </p:grpSpPr>
       <p:sp>
         <p:nvSpPr>
-          <p:cNvPr id="2" name="Inhaltsplatzhalter 1"/>
-          <p:cNvSpPr>
-            <a:spLocks noGrp="1"/>
-          </p:cNvSpPr>
-          <p:nvPr>
-            <p:ph sz="half" idx="1"/>
+          <p:cNvPr id="3" name="Titel 2"/>
+          <p:cNvSpPr>
+            <a:spLocks noGrp="1"/>
+          </p:cNvSpPr>
+          <p:nvPr>
+            <p:ph type="ctrTitle"/>
           </p:nvPr>
         </p:nvSpPr>
         <p:spPr/>
@@ -11373,9 +11724,71 @@
           <a:lstStyle/>
           <a:p>
             <a:r>
-              <a:rPr lang="de-CH" dirty="0"/>
-              <a:t>Problemdomäne Reisen</a:t>
-            </a:r>
+              <a:rPr lang="de-CH" dirty="0" smtClean="0"/>
+              <a:t>Ontologie</a:t>
+            </a:r>
+            <a:endParaRPr lang="de-CH" dirty="0"/>
+          </a:p>
+        </p:txBody>
+      </p:sp>
+      <p:sp>
+        <p:nvSpPr>
+          <p:cNvPr id="4" name="Textplatzhalter 3"/>
+          <p:cNvSpPr>
+            <a:spLocks noGrp="1"/>
+          </p:cNvSpPr>
+          <p:nvPr>
+            <p:ph type="body" idx="1"/>
+          </p:nvPr>
+        </p:nvSpPr>
+        <p:spPr/>
+        <p:txBody>
+          <a:bodyPr/>
+          <a:lstStyle/>
+          <a:p>
+            <a:endParaRPr lang="de-CH"/>
+          </a:p>
+        </p:txBody>
+      </p:sp>
+      <p:sp>
+        <p:nvSpPr>
+          <p:cNvPr id="6" name="Textplatzhalter 5"/>
+          <p:cNvSpPr>
+            <a:spLocks noGrp="1"/>
+          </p:cNvSpPr>
+          <p:nvPr>
+            <p:ph type="body" idx="18"/>
+          </p:nvPr>
+        </p:nvSpPr>
+        <p:spPr/>
+        <p:txBody>
+          <a:bodyPr/>
+          <a:lstStyle/>
+          <a:p>
+            <a:endParaRPr lang="de-CH"/>
+          </a:p>
+        </p:txBody>
+      </p:sp>
+      <p:sp>
+        <p:nvSpPr>
+          <p:cNvPr id="2" name="Inhaltsplatzhalter 1"/>
+          <p:cNvSpPr>
+            <a:spLocks noGrp="1"/>
+          </p:cNvSpPr>
+          <p:nvPr>
+            <p:ph sz="half" idx="13"/>
+          </p:nvPr>
+        </p:nvSpPr>
+        <p:spPr/>
+        <p:txBody>
+          <a:bodyPr/>
+          <a:lstStyle/>
+          <a:p>
+            <a:r>
+              <a:rPr lang="de-CH" dirty="0" smtClean="0"/>
+              <a:t>Problemdomäne</a:t>
+            </a:r>
+            <a:endParaRPr lang="de-CH" dirty="0"/>
           </a:p>
           <a:p>
             <a:pPr lvl="1"/>
@@ -11399,56 +11812,37 @@
               <a:rPr lang="de-CH" dirty="0" smtClean="0"/>
               <a:t>Rahmen</a:t>
             </a:r>
-          </a:p>
-          <a:p>
-            <a:pPr marL="457200" lvl="1" indent="0">
-              <a:buNone/>
-            </a:pPr>
+            <a:br>
+              <a:rPr lang="de-CH" dirty="0" smtClean="0"/>
+            </a:br>
+            <a:r>
+              <a:rPr lang="de-CH" dirty="0" smtClean="0"/>
+              <a:t/>
+            </a:r>
+            <a:br>
+              <a:rPr lang="de-CH" dirty="0" smtClean="0"/>
+            </a:br>
+            <a:r>
+              <a:rPr lang="de-CH" dirty="0" smtClean="0">
+                <a:sym typeface="Wingdings" panose="05000000000000000000" pitchFamily="2" charset="2"/>
+              </a:rPr>
+              <a:t> Reiseplanung</a:t>
+            </a:r>
             <a:endParaRPr lang="de-CH" dirty="0"/>
           </a:p>
           <a:p>
-            <a:r>
-              <a:rPr lang="de-CH" dirty="0" smtClean="0"/>
-              <a:t>Werkzeuge </a:t>
-            </a:r>
-          </a:p>
-          <a:p>
-            <a:pPr lvl="1"/>
-            <a:r>
-              <a:rPr lang="de-CH" dirty="0" err="1" smtClean="0"/>
-              <a:t>yEd</a:t>
-            </a:r>
-            <a:endParaRPr lang="de-CH" dirty="0" smtClean="0"/>
-          </a:p>
-          <a:p>
-            <a:pPr lvl="1"/>
-            <a:r>
-              <a:rPr lang="de-CH" dirty="0" err="1" smtClean="0"/>
-              <a:t>Protégé</a:t>
-            </a:r>
-            <a:endParaRPr lang="de-CH" dirty="0" smtClean="0"/>
-          </a:p>
-          <a:p>
-            <a:pPr lvl="1"/>
-            <a:r>
-              <a:rPr lang="de-CH" dirty="0" err="1" smtClean="0"/>
-              <a:t>Stardog</a:t>
-            </a:r>
-            <a:endParaRPr lang="de-CH" dirty="0" smtClean="0"/>
-          </a:p>
-          <a:p>
             <a:endParaRPr lang="de-CH" dirty="0"/>
           </a:p>
         </p:txBody>
       </p:sp>
       <p:sp>
         <p:nvSpPr>
-          <p:cNvPr id="3" name="Titel 2"/>
-          <p:cNvSpPr>
-            <a:spLocks noGrp="1"/>
-          </p:cNvSpPr>
-          <p:nvPr>
-            <p:ph type="ctrTitle"/>
+          <p:cNvPr id="5" name="Inhaltsplatzhalter 4"/>
+          <p:cNvSpPr>
+            <a:spLocks noGrp="1"/>
+          </p:cNvSpPr>
+          <p:nvPr>
+            <p:ph sz="half" idx="15"/>
           </p:nvPr>
         </p:nvSpPr>
         <p:spPr/>
@@ -11457,9 +11851,35 @@
           <a:lstStyle/>
           <a:p>
             <a:r>
-              <a:rPr lang="de-CH" dirty="0" smtClean="0"/>
-              <a:t>Ontologie</a:t>
-            </a:r>
+              <a:rPr lang="de-CH" dirty="0"/>
+              <a:t>Werkzeuge </a:t>
+            </a:r>
+          </a:p>
+          <a:p>
+            <a:pPr lvl="1"/>
+            <a:r>
+              <a:rPr lang="de-CH" dirty="0" err="1"/>
+              <a:t>yEd</a:t>
+            </a:r>
+            <a:endParaRPr lang="de-CH" dirty="0"/>
+          </a:p>
+          <a:p>
+            <a:pPr lvl="1"/>
+            <a:r>
+              <a:rPr lang="de-CH" dirty="0" err="1"/>
+              <a:t>Protégé</a:t>
+            </a:r>
+            <a:endParaRPr lang="de-CH" dirty="0"/>
+          </a:p>
+          <a:p>
+            <a:pPr lvl="1"/>
+            <a:r>
+              <a:rPr lang="de-CH" dirty="0" err="1"/>
+              <a:t>Stardog</a:t>
+            </a:r>
+            <a:endParaRPr lang="de-CH" dirty="0"/>
+          </a:p>
+          <a:p>
             <a:endParaRPr lang="de-CH" dirty="0"/>
           </a:p>
         </p:txBody>
@@ -12315,12 +12735,21 @@
 </file>
 
 <file path=customXml/item1.xml><?xml version="1.0" encoding="utf-8"?>
-<?mso-contentType ?>
-<FormTemplates xmlns="http://schemas.microsoft.com/sharepoint/v3/contenttype/forms">
-  <Display>DocumentLibraryForm</Display>
-  <Edit>DocumentLibraryForm</Edit>
-  <New>DocumentLibraryForm</New>
-</FormTemplates>
+<p:properties xmlns:p="http://schemas.microsoft.com/office/2006/metadata/properties" xmlns:xsi="http://www.w3.org/2001/XMLSchema-instance" xmlns:pc="http://schemas.microsoft.com/office/infopath/2007/PartnerControls">
+  <documentManagement>
+    <TaxCatchAll xmlns="2551ef7e-3b29-44d1-a8ad-ef34c26bfc60">
+      <Value>241</Value>
+    </TaxCatchAll>
+    <BfhIntranetDepartmentText xmlns="63c724b1-652e-424f-8d99-4ee509067280">
+      <Terms xmlns="http://schemas.microsoft.com/office/infopath/2007/PartnerControls">
+        <TermInfo xmlns="http://schemas.microsoft.com/office/infopath/2007/PartnerControls">
+          <TermName xmlns="http://schemas.microsoft.com/office/infopath/2007/PartnerControls">Vorlage</TermName>
+          <TermId xmlns="http://schemas.microsoft.com/office/infopath/2007/PartnerControls">de1a6d3c-ac6a-4b34-8edd-308eb81066db</TermId>
+        </TermInfo>
+      </Terms>
+    </BfhIntranetDepartmentText>
+  </documentManagement>
+</p:properties>
 </file>
 
 <file path=customXml/item2.xml><?xml version="1.0" encoding="utf-8"?>
@@ -12469,27 +12898,27 @@
 </file>
 
 <file path=customXml/item3.xml><?xml version="1.0" encoding="utf-8"?>
-<p:properties xmlns:p="http://schemas.microsoft.com/office/2006/metadata/properties" xmlns:xsi="http://www.w3.org/2001/XMLSchema-instance" xmlns:pc="http://schemas.microsoft.com/office/infopath/2007/PartnerControls">
-  <documentManagement>
-    <TaxCatchAll xmlns="2551ef7e-3b29-44d1-a8ad-ef34c26bfc60">
-      <Value>241</Value>
-    </TaxCatchAll>
-    <BfhIntranetDepartmentText xmlns="63c724b1-652e-424f-8d99-4ee509067280">
-      <Terms xmlns="http://schemas.microsoft.com/office/infopath/2007/PartnerControls">
-        <TermInfo xmlns="http://schemas.microsoft.com/office/infopath/2007/PartnerControls">
-          <TermName xmlns="http://schemas.microsoft.com/office/infopath/2007/PartnerControls">Vorlage</TermName>
-          <TermId xmlns="http://schemas.microsoft.com/office/infopath/2007/PartnerControls">de1a6d3c-ac6a-4b34-8edd-308eb81066db</TermId>
-        </TermInfo>
-      </Terms>
-    </BfhIntranetDepartmentText>
-  </documentManagement>
-</p:properties>
+<?mso-contentType ?>
+<FormTemplates xmlns="http://schemas.microsoft.com/sharepoint/v3/contenttype/forms">
+  <Display>DocumentLibraryForm</Display>
+  <Edit>DocumentLibraryForm</Edit>
+  <New>DocumentLibraryForm</New>
+</FormTemplates>
 </file>
 
 <file path=customXml/itemProps1.xml><?xml version="1.0" encoding="utf-8"?>
-<ds:datastoreItem xmlns:ds="http://schemas.openxmlformats.org/officeDocument/2006/customXml" ds:itemID="{CCF5E5E7-7F77-47A8-99A9-B4D5839292F3}">
+<ds:datastoreItem xmlns:ds="http://schemas.openxmlformats.org/officeDocument/2006/customXml" ds:itemID="{96591048-6F15-48C6-9650-9BFF3E56974F}">
   <ds:schemaRefs>
-    <ds:schemaRef ds:uri="http://schemas.microsoft.com/sharepoint/v3/contenttype/forms"/>
+    <ds:schemaRef ds:uri="http://schemas.microsoft.com/office/infopath/2007/PartnerControls"/>
+    <ds:schemaRef ds:uri="http://schemas.openxmlformats.org/package/2006/metadata/core-properties"/>
+    <ds:schemaRef ds:uri="http://purl.org/dc/terms/"/>
+    <ds:schemaRef ds:uri="http://purl.org/dc/elements/1.1/"/>
+    <ds:schemaRef ds:uri="2551ef7e-3b29-44d1-a8ad-ef34c26bfc60"/>
+    <ds:schemaRef ds:uri="http://schemas.microsoft.com/office/2006/metadata/properties"/>
+    <ds:schemaRef ds:uri="http://purl.org/dc/dcmitype/"/>
+    <ds:schemaRef ds:uri="http://schemas.microsoft.com/office/2006/documentManagement/types"/>
+    <ds:schemaRef ds:uri="http://www.w3.org/XML/1998/namespace"/>
+    <ds:schemaRef ds:uri="63c724b1-652e-424f-8d99-4ee509067280"/>
   </ds:schemaRefs>
 </ds:datastoreItem>
 </file>
@@ -12514,18 +12943,9 @@
 </file>
 
 <file path=customXml/itemProps3.xml><?xml version="1.0" encoding="utf-8"?>
-<ds:datastoreItem xmlns:ds="http://schemas.openxmlformats.org/officeDocument/2006/customXml" ds:itemID="{96591048-6F15-48C6-9650-9BFF3E56974F}">
+<ds:datastoreItem xmlns:ds="http://schemas.openxmlformats.org/officeDocument/2006/customXml" ds:itemID="{CCF5E5E7-7F77-47A8-99A9-B4D5839292F3}">
   <ds:schemaRefs>
-    <ds:schemaRef ds:uri="http://schemas.microsoft.com/office/infopath/2007/PartnerControls"/>
-    <ds:schemaRef ds:uri="http://schemas.openxmlformats.org/package/2006/metadata/core-properties"/>
-    <ds:schemaRef ds:uri="http://purl.org/dc/terms/"/>
-    <ds:schemaRef ds:uri="http://purl.org/dc/elements/1.1/"/>
-    <ds:schemaRef ds:uri="2551ef7e-3b29-44d1-a8ad-ef34c26bfc60"/>
-    <ds:schemaRef ds:uri="http://schemas.microsoft.com/office/2006/metadata/properties"/>
-    <ds:schemaRef ds:uri="http://purl.org/dc/dcmitype/"/>
-    <ds:schemaRef ds:uri="http://schemas.microsoft.com/office/2006/documentManagement/types"/>
-    <ds:schemaRef ds:uri="http://www.w3.org/XML/1998/namespace"/>
-    <ds:schemaRef ds:uri="63c724b1-652e-424f-8d99-4ee509067280"/>
+    <ds:schemaRef ds:uri="http://schemas.microsoft.com/sharepoint/v3/contenttype/forms"/>
   </ds:schemaRefs>
 </ds:datastoreItem>
 </file>